--- a/Presentation/Processing Data on Air Pollution in Europe on Modern Data Platform.pptx
+++ b/Presentation/Processing Data on Air Pollution in Europe on Modern Data Platform.pptx
@@ -1086,7 +1086,7 @@
       </dgm:t>
     </dgm:pt>
     <dgm:pt modelId="{4259F840-24E7-476F-9F30-482E46395856}">
-      <dgm:prSet phldrT="[Text]"/>
+      <dgm:prSet phldrT="[Text]" custT="1"/>
       <dgm:spPr>
         <a:solidFill>
           <a:schemeClr val="accent1"/>
@@ -1103,10 +1103,10 @@
         <a:p>
           <a:pPr rtl="0"/>
           <a:r>
-            <a:rPr lang="en-US" noProof="0" dirty="0"/>
-            <a:t>Extracting</a:t>
+            <a:rPr lang="pl-PL" sz="1400" noProof="0" dirty="0" err="1"/>
+            <a:t>Ingest</a:t>
           </a:r>
-          <a:endParaRPr lang="pl-PL" noProof="0" dirty="0"/>
+          <a:endParaRPr lang="pl-PL" sz="1400" noProof="0" dirty="0"/>
         </a:p>
       </dgm:t>
     </dgm:pt>
@@ -1150,8 +1150,39 @@
         <a:p>
           <a:pPr rtl="0"/>
           <a:r>
-            <a:rPr lang="en-US" b="0" i="0" u="none" noProof="0" dirty="0"/>
-            <a:t>Downloading the database, connecting to SQL Server</a:t>
+            <a:rPr lang="pl-PL" b="0" i="0" u="none" noProof="0" dirty="0" err="1"/>
+            <a:t>Extracting</a:t>
+          </a:r>
+          <a:r>
+            <a:rPr lang="pl-PL" b="0" i="0" u="none" noProof="0" dirty="0"/>
+            <a:t> data from API,</a:t>
+          </a:r>
+        </a:p>
+        <a:p>
+          <a:pPr rtl="0"/>
+          <a:r>
+            <a:rPr lang="pl-PL" b="0" i="0" u="none" noProof="0" dirty="0" err="1"/>
+            <a:t>copying</a:t>
+          </a:r>
+          <a:r>
+            <a:rPr lang="pl-PL" b="0" i="0" u="none" noProof="0" dirty="0"/>
+            <a:t> CSV </a:t>
+          </a:r>
+          <a:r>
+            <a:rPr lang="pl-PL" b="0" i="0" u="none" noProof="0" dirty="0" err="1"/>
+            <a:t>files</a:t>
+          </a:r>
+          <a:r>
+            <a:rPr lang="pl-PL" b="0" i="0" u="none" noProof="0" dirty="0"/>
+            <a:t> for data </a:t>
+          </a:r>
+          <a:r>
+            <a:rPr lang="pl-PL" b="0" i="0" u="none" noProof="0" dirty="0" err="1"/>
+            <a:t>enrichment</a:t>
+          </a:r>
+          <a:r>
+            <a:rPr lang="pl-PL" b="0" i="0" u="none" noProof="0" dirty="0"/>
+            <a:t>.</a:t>
           </a:r>
           <a:endParaRPr lang="pl-PL" noProof="0" dirty="0"/>
         </a:p>
@@ -1182,7 +1213,7 @@
       </dgm:t>
     </dgm:pt>
     <dgm:pt modelId="{E4033A39-DCC4-4038-9562-AEDDBBB37A99}">
-      <dgm:prSet phldrT="[Text]"/>
+      <dgm:prSet phldrT="[Text]" custT="1"/>
       <dgm:spPr>
         <a:solidFill>
           <a:schemeClr val="accent4"/>
@@ -1199,10 +1230,14 @@
         <a:p>
           <a:pPr rtl="0"/>
           <a:r>
-            <a:rPr lang="en-US" b="0" i="0" dirty="0"/>
-            <a:t>Streaming</a:t>
+            <a:rPr lang="en-US" sz="1400" b="0" i="0" dirty="0"/>
+            <a:t>St</a:t>
           </a:r>
-          <a:endParaRPr lang="pl-PL" noProof="0" dirty="0"/>
+          <a:r>
+            <a:rPr lang="pl-PL" sz="1400" b="0" i="0" dirty="0" err="1"/>
+            <a:t>orage</a:t>
+          </a:r>
+          <a:endParaRPr lang="pl-PL" sz="1400" noProof="0" dirty="0"/>
         </a:p>
       </dgm:t>
     </dgm:pt>
@@ -1240,18 +1275,43 @@
           <a:pPr rtl="0"/>
           <a:r>
             <a:rPr lang="en-US" b="1" i="0" u="none" noProof="0" dirty="0"/>
-            <a:t>Step 2</a:t>
+            <a:t>Step </a:t>
           </a:r>
+          <a:r>
+            <a:rPr lang="pl-PL" b="1" i="0" u="none" noProof="0" dirty="0"/>
+            <a:t>3</a:t>
+          </a:r>
+          <a:endParaRPr lang="en-US" b="1" i="0" u="none" noProof="0" dirty="0"/>
         </a:p>
         <a:p>
           <a:pPr rtl="0"/>
           <a:r>
-            <a:rPr lang="en-US" b="0" i="0" u="none" noProof="0" dirty="0"/>
-            <a:t>Analyzing the data types, identifying problems, creating views ready to be used for conversion to CSV files.</a:t>
+            <a:rPr lang="pl-PL" b="0" i="0" u="none" noProof="0" dirty="0" err="1"/>
+            <a:t>Saving</a:t>
           </a:r>
           <a:r>
             <a:rPr lang="pl-PL" b="0" i="0" u="none" noProof="0" dirty="0"/>
-            <a:t> </a:t>
+            <a:t> data from Kafka </a:t>
+          </a:r>
+          <a:r>
+            <a:rPr lang="pl-PL" b="0" i="0" u="none" noProof="0" dirty="0" err="1"/>
+            <a:t>consumer</a:t>
+          </a:r>
+          <a:r>
+            <a:rPr lang="pl-PL" b="0" i="0" u="none" noProof="0" dirty="0"/>
+            <a:t> to a Delta </a:t>
+          </a:r>
+          <a:r>
+            <a:rPr lang="pl-PL" b="0" i="0" u="none" noProof="0" dirty="0" err="1"/>
+            <a:t>table</a:t>
+          </a:r>
+          <a:r>
+            <a:rPr lang="pl-PL" b="0" i="0" u="none" noProof="0" dirty="0"/>
+            <a:t>, </a:t>
+          </a:r>
+          <a:r>
+            <a:rPr lang="en-US" b="0" i="0" u="none" noProof="0" dirty="0"/>
+            <a:t>copying CSV files to DBFS.</a:t>
           </a:r>
           <a:endParaRPr lang="pl-PL" noProof="0" dirty="0"/>
         </a:p>
@@ -1282,7 +1342,7 @@
       </dgm:t>
     </dgm:pt>
     <dgm:pt modelId="{87BF7896-20EA-4E8F-B6F4-A34EC5C9CB50}">
-      <dgm:prSet phldrT="[Text]"/>
+      <dgm:prSet phldrT="[Text]" custT="1"/>
       <dgm:spPr>
         <a:solidFill>
           <a:schemeClr val="accent5"/>
@@ -1299,10 +1359,9 @@
         <a:p>
           <a:pPr rtl="0"/>
           <a:r>
-            <a:rPr lang="en-US" noProof="0" dirty="0"/>
-            <a:t>Cleaning and Merging</a:t>
+            <a:rPr lang="pl-PL" sz="1400" noProof="0" dirty="0"/>
+            <a:t>Processing</a:t>
           </a:r>
-          <a:endParaRPr lang="pl-PL" noProof="0" dirty="0"/>
         </a:p>
       </dgm:t>
     </dgm:pt>
@@ -1340,14 +1399,55 @@
           <a:pPr rtl="0"/>
           <a:r>
             <a:rPr lang="en-US" b="1" i="0" u="none" noProof="0" dirty="0"/>
-            <a:t>Step 3</a:t>
+            <a:t>Step </a:t>
           </a:r>
+          <a:r>
+            <a:rPr lang="pl-PL" b="1" i="0" u="none" noProof="0" dirty="0"/>
+            <a:t>4</a:t>
+          </a:r>
+          <a:endParaRPr lang="en-US" b="1" i="0" u="none" noProof="0" dirty="0"/>
         </a:p>
         <a:p>
           <a:pPr rtl="0"/>
           <a:r>
             <a:rPr lang="en-US" b="0" i="0" u="none" noProof="0" dirty="0"/>
-            <a:t>Using BCP to convert to CSV, compressing the data to reduce size, creating a Docker container with Databricks CLI, and copying to Databricks.</a:t>
+            <a:t>In Spark</a:t>
+          </a:r>
+          <a:r>
+            <a:rPr lang="pl-PL" b="0" i="0" u="none" noProof="0" dirty="0"/>
+            <a:t>:</a:t>
+          </a:r>
+          <a:r>
+            <a:rPr lang="en-US" b="0" i="0" u="none" noProof="0" dirty="0"/>
+            <a:t> </a:t>
+          </a:r>
+          <a:r>
+            <a:rPr lang="pl-PL" b="0" i="0" u="none" noProof="0" dirty="0" err="1"/>
+            <a:t>converting</a:t>
+          </a:r>
+          <a:r>
+            <a:rPr lang="pl-PL" b="0" i="0" u="none" noProof="0" dirty="0"/>
+            <a:t> data to </a:t>
+          </a:r>
+          <a:r>
+            <a:rPr lang="pl-PL" b="0" i="0" u="none" noProof="0" dirty="0" err="1"/>
+            <a:t>proper</a:t>
+          </a:r>
+          <a:r>
+            <a:rPr lang="pl-PL" b="0" i="0" u="none" noProof="0" dirty="0"/>
+            <a:t> </a:t>
+          </a:r>
+          <a:r>
+            <a:rPr lang="pl-PL" b="0" i="0" u="none" noProof="0" dirty="0" err="1"/>
+            <a:t>schemas</a:t>
+          </a:r>
+          <a:r>
+            <a:rPr lang="pl-PL" b="0" i="0" u="none" noProof="0" dirty="0"/>
+            <a:t> and </a:t>
+          </a:r>
+          <a:r>
+            <a:rPr lang="pl-PL" b="0" i="0" u="none" noProof="0" dirty="0" err="1"/>
+            <a:t>cleaning</a:t>
           </a:r>
           <a:endParaRPr lang="pl-PL" noProof="0" dirty="0"/>
         </a:p>
@@ -1378,7 +1478,7 @@
       </dgm:t>
     </dgm:pt>
     <dgm:pt modelId="{660CF888-26B9-4DCA-B7E0-A150825288D0}">
-      <dgm:prSet phldrT="[Text]"/>
+      <dgm:prSet phldrT="[Text]" custT="1"/>
       <dgm:spPr>
         <a:solidFill>
           <a:schemeClr val="accent6"/>
@@ -1395,10 +1495,9 @@
         <a:p>
           <a:pPr rtl="0"/>
           <a:r>
-            <a:rPr lang="en-US" noProof="0" dirty="0"/>
-            <a:t>Serving</a:t>
+            <a:rPr lang="pl-PL" sz="1400" noProof="0" dirty="0"/>
+            <a:t>Analysis</a:t>
           </a:r>
-          <a:endParaRPr lang="pl-PL" noProof="0" dirty="0"/>
         </a:p>
       </dgm:t>
     </dgm:pt>
@@ -1436,14 +1535,59 @@
           <a:pPr rtl="0"/>
           <a:r>
             <a:rPr lang="en-US" b="1" i="0" u="none" noProof="0" dirty="0"/>
-            <a:t>Step 4</a:t>
+            <a:t>Step </a:t>
           </a:r>
+          <a:r>
+            <a:rPr lang="pl-PL" b="1" i="0" u="none" noProof="0" dirty="0"/>
+            <a:t>5</a:t>
+          </a:r>
+          <a:endParaRPr lang="en-US" b="1" i="0" u="none" noProof="0" dirty="0"/>
         </a:p>
         <a:p>
           <a:pPr rtl="0"/>
           <a:r>
             <a:rPr lang="en-US" b="0" i="0" u="none" noProof="0" dirty="0"/>
-            <a:t>In Spark, converting the compressed CSV files to Parquet files.</a:t>
+            <a:t>In Spark</a:t>
+          </a:r>
+          <a:r>
+            <a:rPr lang="pl-PL" b="0" i="0" u="none" noProof="0" dirty="0"/>
+            <a:t>:</a:t>
+          </a:r>
+          <a:r>
+            <a:rPr lang="en-US" b="0" i="0" u="none" noProof="0" dirty="0"/>
+            <a:t> </a:t>
+          </a:r>
+          <a:r>
+            <a:rPr lang="pl-PL" b="0" i="0" u="none" noProof="0" dirty="0" err="1"/>
+            <a:t>sorting</a:t>
+          </a:r>
+          <a:r>
+            <a:rPr lang="pl-PL" b="0" i="0" u="none" noProof="0" dirty="0"/>
+            <a:t>, </a:t>
+          </a:r>
+          <a:r>
+            <a:rPr lang="pl-PL" b="0" i="0" u="none" noProof="0" dirty="0" err="1"/>
+            <a:t>aggregating</a:t>
+          </a:r>
+          <a:r>
+            <a:rPr lang="pl-PL" b="0" i="0" u="none" noProof="0" dirty="0"/>
+            <a:t>, </a:t>
+          </a:r>
+          <a:r>
+            <a:rPr lang="pl-PL" b="0" i="0" u="none" noProof="0" dirty="0" err="1"/>
+            <a:t>determining</a:t>
+          </a:r>
+          <a:r>
+            <a:rPr lang="pl-PL" b="0" i="0" u="none" noProof="0" dirty="0"/>
+            <a:t> </a:t>
+          </a:r>
+          <a:r>
+            <a:rPr lang="pl-PL" b="0" i="0" u="none" noProof="0" dirty="0" err="1"/>
+            <a:t>coefficients</a:t>
+          </a:r>
+          <a:r>
+            <a:rPr lang="pl-PL" b="0" i="0" u="none" noProof="0" dirty="0"/>
+            <a:t>.</a:t>
           </a:r>
           <a:endParaRPr lang="pl-PL" noProof="0" dirty="0"/>
         </a:p>
@@ -1474,7 +1618,7 @@
       </dgm:t>
     </dgm:pt>
     <dgm:pt modelId="{97DB74B5-36C1-4083-BE16-BE9779159093}">
-      <dgm:prSet phldrT="[Text]"/>
+      <dgm:prSet phldrT="[Text]" custT="1"/>
       <dgm:spPr>
         <a:solidFill>
           <a:schemeClr val="accent6">
@@ -1488,10 +1632,10 @@
         <a:p>
           <a:pPr rtl="0"/>
           <a:r>
-            <a:rPr lang="en-US" noProof="0" dirty="0"/>
-            <a:t>Analysis</a:t>
+            <a:rPr lang="pl-PL" sz="1400" noProof="0" dirty="0" err="1"/>
+            <a:t>Serving</a:t>
           </a:r>
-          <a:endParaRPr lang="pl-PL" noProof="0" dirty="0"/>
+          <a:endParaRPr lang="pl-PL" sz="1400" noProof="0" dirty="0"/>
         </a:p>
       </dgm:t>
     </dgm:pt>
@@ -1529,24 +1673,88 @@
           <a:pPr rtl="0"/>
           <a:r>
             <a:rPr lang="en-US" b="1" i="0" u="none" noProof="0" dirty="0"/>
-            <a:t>Step 5</a:t>
+            <a:t>Step </a:t>
           </a:r>
+          <a:r>
+            <a:rPr lang="pl-PL" b="1" i="0" u="none" noProof="0" dirty="0"/>
+            <a:t>6</a:t>
+          </a:r>
+          <a:endParaRPr lang="en-US" b="1" i="0" u="none" noProof="0" dirty="0"/>
         </a:p>
         <a:p>
           <a:pPr rtl="0"/>
           <a:r>
-            <a:rPr lang="en-US" b="0" i="0" u="none" noProof="0" dirty="0"/>
-            <a:t>Analyzing data </a:t>
+            <a:rPr lang="pl-PL" noProof="0" dirty="0" err="1"/>
+            <a:t>Storying</a:t>
           </a:r>
           <a:r>
-            <a:rPr lang="en-US" b="0" i="0" u="none" noProof="0"/>
-            <a:t>using Scala, </a:t>
+            <a:rPr lang="pl-PL" noProof="0" dirty="0"/>
+            <a:t> data in </a:t>
           </a:r>
           <a:r>
-            <a:rPr lang="en-US" b="0" i="0" u="none" noProof="0" dirty="0"/>
-            <a:t>producing charts with the Python Pandas and Matplotlib libraries.</a:t>
+            <a:rPr lang="pl-PL" noProof="0" dirty="0" err="1"/>
+            <a:t>Azure</a:t>
           </a:r>
-          <a:endParaRPr lang="pl-PL" noProof="0" dirty="0"/>
+          <a:r>
+            <a:rPr lang="pl-PL" noProof="0" dirty="0"/>
+            <a:t> SQL Database, </a:t>
+          </a:r>
+          <a:r>
+            <a:rPr lang="pl-PL" noProof="0" dirty="0" err="1"/>
+            <a:t>Dispalying</a:t>
+          </a:r>
+          <a:r>
+            <a:rPr lang="pl-PL" noProof="0" dirty="0"/>
+            <a:t> </a:t>
+          </a:r>
+          <a:r>
+            <a:rPr lang="pl-PL" noProof="0" dirty="0" err="1"/>
+            <a:t>figures</a:t>
+          </a:r>
+          <a:r>
+            <a:rPr lang="pl-PL" noProof="0" dirty="0"/>
+            <a:t> and </a:t>
+          </a:r>
+          <a:r>
+            <a:rPr lang="pl-PL" noProof="0" dirty="0" err="1"/>
+            <a:t>maps</a:t>
+          </a:r>
+          <a:r>
+            <a:rPr lang="pl-PL" noProof="0" dirty="0"/>
+            <a:t> in </a:t>
+          </a:r>
+          <a:r>
+            <a:rPr lang="pl-PL" noProof="0" dirty="0" err="1"/>
+            <a:t>an</a:t>
+          </a:r>
+          <a:r>
+            <a:rPr lang="pl-PL" noProof="0" dirty="0"/>
+            <a:t> </a:t>
+          </a:r>
+          <a:r>
+            <a:rPr lang="pl-PL" noProof="0" dirty="0" err="1"/>
+            <a:t>Azure</a:t>
+          </a:r>
+          <a:r>
+            <a:rPr lang="pl-PL" noProof="0" dirty="0"/>
+            <a:t> </a:t>
+          </a:r>
+          <a:r>
+            <a:rPr lang="pl-PL" noProof="0" dirty="0" err="1"/>
+            <a:t>App</a:t>
+          </a:r>
+          <a:r>
+            <a:rPr lang="pl-PL" noProof="0" dirty="0"/>
+            <a:t> Service </a:t>
+          </a:r>
+          <a:r>
+            <a:rPr lang="pl-PL" noProof="0" dirty="0" err="1"/>
+            <a:t>application</a:t>
+          </a:r>
+          <a:r>
+            <a:rPr lang="pl-PL" noProof="0" dirty="0"/>
+            <a:t>.</a:t>
+          </a:r>
         </a:p>
       </dgm:t>
     </dgm:pt>
@@ -1574,6 +1782,141 @@
         </a:p>
       </dgm:t>
     </dgm:pt>
+    <dgm:pt modelId="{08D92C00-0E82-46DF-A64E-ED494E39D6B6}">
+      <dgm:prSet phldrT="[Text]" custT="1"/>
+      <dgm:spPr>
+        <a:solidFill>
+          <a:schemeClr val="tx1">
+            <a:lumMod val="95000"/>
+            <a:lumOff val="5000"/>
+          </a:schemeClr>
+        </a:solidFill>
+        <a:ln>
+          <a:solidFill>
+            <a:schemeClr val="accent4"/>
+          </a:solidFill>
+        </a:ln>
+      </dgm:spPr>
+      <dgm:t>
+        <a:bodyPr rtlCol="0"/>
+        <a:lstStyle/>
+        <a:p>
+          <a:pPr rtl="0"/>
+          <a:r>
+            <a:rPr lang="pl-PL" sz="1400" noProof="0" dirty="0"/>
+            <a:t>Streaming</a:t>
+          </a:r>
+        </a:p>
+      </dgm:t>
+    </dgm:pt>
+    <dgm:pt modelId="{0550D7DF-3EDB-48FB-89CC-AE03ED1BF7F8}" type="parTrans" cxnId="{F92C866F-20C1-4FB0-A92D-0841FC3FAB59}">
+      <dgm:prSet/>
+      <dgm:spPr/>
+      <dgm:t>
+        <a:bodyPr/>
+        <a:lstStyle/>
+        <a:p>
+          <a:endParaRPr lang="pl-PL"/>
+        </a:p>
+      </dgm:t>
+    </dgm:pt>
+    <dgm:pt modelId="{2E956FF2-FE9A-4DFE-BFED-A4D0DBDDB36B}" type="sibTrans" cxnId="{F92C866F-20C1-4FB0-A92D-0841FC3FAB59}">
+      <dgm:prSet/>
+      <dgm:spPr/>
+      <dgm:t>
+        <a:bodyPr/>
+        <a:lstStyle/>
+        <a:p>
+          <a:endParaRPr lang="pl-PL"/>
+        </a:p>
+      </dgm:t>
+    </dgm:pt>
+    <dgm:pt modelId="{A8710285-698B-4C95-82A0-EE9D3558D564}">
+      <dgm:prSet phldrT="[Text]"/>
+      <dgm:spPr>
+        <a:noFill/>
+        <a:ln>
+          <a:noFill/>
+        </a:ln>
+      </dgm:spPr>
+      <dgm:t>
+        <a:bodyPr rtlCol="0"/>
+        <a:lstStyle/>
+        <a:p>
+          <a:pPr rtl="0"/>
+          <a:r>
+            <a:rPr lang="en-US" b="1" i="0" u="none" noProof="0" dirty="0"/>
+            <a:t>Step </a:t>
+          </a:r>
+          <a:r>
+            <a:rPr lang="pl-PL" b="1" i="0" u="none" noProof="0" dirty="0"/>
+            <a:t>2</a:t>
+          </a:r>
+          <a:endParaRPr lang="en-US" b="1" i="0" u="none" noProof="0" dirty="0"/>
+        </a:p>
+        <a:p>
+          <a:pPr rtl="0"/>
+          <a:r>
+            <a:rPr lang="pl-PL" b="0" noProof="0" dirty="0"/>
+            <a:t>Streaming data from </a:t>
+          </a:r>
+          <a:r>
+            <a:rPr lang="pl-PL" b="0" noProof="0" dirty="0" err="1"/>
+            <a:t>Azure</a:t>
+          </a:r>
+          <a:r>
+            <a:rPr lang="pl-PL" b="0" noProof="0" dirty="0"/>
+            <a:t> </a:t>
+          </a:r>
+          <a:r>
+            <a:rPr lang="pl-PL" b="0" noProof="0" dirty="0" err="1"/>
+            <a:t>App</a:t>
+          </a:r>
+          <a:r>
+            <a:rPr lang="pl-PL" b="0" noProof="0" dirty="0"/>
+            <a:t> Service </a:t>
+          </a:r>
+          <a:r>
+            <a:rPr lang="pl-PL" b="0" noProof="0" dirty="0" err="1"/>
+            <a:t>application</a:t>
+          </a:r>
+          <a:r>
+            <a:rPr lang="pl-PL" b="0" noProof="0" dirty="0"/>
+            <a:t> </a:t>
+          </a:r>
+          <a:r>
+            <a:rPr lang="pl-PL" b="0" noProof="0" dirty="0" err="1"/>
+            <a:t>through</a:t>
+          </a:r>
+          <a:r>
+            <a:rPr lang="pl-PL" b="0" noProof="0" dirty="0"/>
+            <a:t> Kafka</a:t>
+          </a:r>
+        </a:p>
+      </dgm:t>
+    </dgm:pt>
+    <dgm:pt modelId="{02432A7E-675A-48F3-8F29-196293C64AB1}" type="parTrans" cxnId="{2B314C5E-8665-454F-85C1-156BC537A6E4}">
+      <dgm:prSet/>
+      <dgm:spPr/>
+      <dgm:t>
+        <a:bodyPr/>
+        <a:lstStyle/>
+        <a:p>
+          <a:endParaRPr lang="pl-PL"/>
+        </a:p>
+      </dgm:t>
+    </dgm:pt>
+    <dgm:pt modelId="{DD6EC4FF-F1AD-464A-B9F3-01234990D8C9}" type="sibTrans" cxnId="{2B314C5E-8665-454F-85C1-156BC537A6E4}">
+      <dgm:prSet/>
+      <dgm:spPr/>
+      <dgm:t>
+        <a:bodyPr/>
+        <a:lstStyle/>
+        <a:p>
+          <a:endParaRPr lang="pl-PL"/>
+        </a:p>
+      </dgm:t>
+    </dgm:pt>
     <dgm:pt modelId="{196C9F68-3606-4282-A4C6-4485F1280B5F}" type="pres">
       <dgm:prSet presAssocID="{E5B2E815-0D19-41DC-B01B-4D608769620A}" presName="Name0" presStyleCnt="0">
         <dgm:presLayoutVars>
@@ -1589,7 +1932,7 @@
       <dgm:spPr/>
     </dgm:pt>
     <dgm:pt modelId="{E088D226-49D7-4C30-90DC-CA1755D98829}" type="pres">
-      <dgm:prSet presAssocID="{4259F840-24E7-476F-9F30-482E46395856}" presName="parent1" presStyleLbl="alignNode1" presStyleIdx="0" presStyleCnt="5">
+      <dgm:prSet presAssocID="{4259F840-24E7-476F-9F30-482E46395856}" presName="parent1" presStyleLbl="alignNode1" presStyleIdx="0" presStyleCnt="6">
         <dgm:presLayoutVars>
           <dgm:chMax val="1"/>
           <dgm:chPref val="1"/>
@@ -1599,7 +1942,7 @@
       <dgm:spPr/>
     </dgm:pt>
     <dgm:pt modelId="{45A02F84-C6CB-43F5-AEE4-3EA66C2BD25F}" type="pres">
-      <dgm:prSet presAssocID="{4259F840-24E7-476F-9F30-482E46395856}" presName="Childtext1" presStyleLbl="revTx" presStyleIdx="0" presStyleCnt="5">
+      <dgm:prSet presAssocID="{4259F840-24E7-476F-9F30-482E46395856}" presName="Childtext1" presStyleLbl="revTx" presStyleIdx="0" presStyleCnt="6">
         <dgm:presLayoutVars>
           <dgm:bulletEnabled val="1"/>
         </dgm:presLayoutVars>
@@ -1607,7 +1950,7 @@
       <dgm:spPr/>
     </dgm:pt>
     <dgm:pt modelId="{6BA46904-CB7C-4538-BD49-D3891EF19552}" type="pres">
-      <dgm:prSet presAssocID="{4259F840-24E7-476F-9F30-482E46395856}" presName="ConnectLine1" presStyleLbl="sibTrans1D1" presStyleIdx="0" presStyleCnt="5"/>
+      <dgm:prSet presAssocID="{4259F840-24E7-476F-9F30-482E46395856}" presName="ConnectLine1" presStyleLbl="sibTrans1D1" presStyleIdx="0" presStyleCnt="6"/>
       <dgm:spPr>
         <a:noFill/>
         <a:ln w="6350" cap="flat" cmpd="sng" algn="ctr">
@@ -1621,7 +1964,7 @@
       </dgm:spPr>
     </dgm:pt>
     <dgm:pt modelId="{049FDBD0-77FE-49D1-A275-A272C8C5E426}" type="pres">
-      <dgm:prSet presAssocID="{4259F840-24E7-476F-9F30-482E46395856}" presName="ConnectLineEnd1" presStyleLbl="lnNode1" presStyleIdx="0" presStyleCnt="5"/>
+      <dgm:prSet presAssocID="{4259F840-24E7-476F-9F30-482E46395856}" presName="ConnectLineEnd1" presStyleLbl="lnNode1" presStyleIdx="0" presStyleCnt="6"/>
       <dgm:spPr>
         <a:solidFill>
           <a:schemeClr val="accent1"/>
@@ -1636,12 +1979,65 @@
       <dgm:prSet presAssocID="{DCC444A4-F20A-48F5-A61E-47BFFF185A57}" presName="spaceBetweenRectangles1" presStyleCnt="0"/>
       <dgm:spPr/>
     </dgm:pt>
+    <dgm:pt modelId="{46690BCA-710C-4010-9DCF-F4D4A50CAA40}" type="pres">
+      <dgm:prSet presAssocID="{08D92C00-0E82-46DF-A64E-ED494E39D6B6}" presName="composite1" presStyleCnt="0"/>
+      <dgm:spPr/>
+    </dgm:pt>
+    <dgm:pt modelId="{A650D2B0-52E8-40D9-8AD6-A5170B43F474}" type="pres">
+      <dgm:prSet presAssocID="{08D92C00-0E82-46DF-A64E-ED494E39D6B6}" presName="parent1" presStyleLbl="alignNode1" presStyleIdx="1" presStyleCnt="6">
+        <dgm:presLayoutVars>
+          <dgm:chMax val="1"/>
+          <dgm:chPref val="1"/>
+          <dgm:bulletEnabled val="1"/>
+        </dgm:presLayoutVars>
+      </dgm:prSet>
+      <dgm:spPr/>
+    </dgm:pt>
+    <dgm:pt modelId="{D62C5F86-63B4-47B4-BA32-1AABF77400AC}" type="pres">
+      <dgm:prSet presAssocID="{08D92C00-0E82-46DF-A64E-ED494E39D6B6}" presName="Childtext1" presStyleLbl="revTx" presStyleIdx="1" presStyleCnt="6">
+        <dgm:presLayoutVars>
+          <dgm:bulletEnabled val="1"/>
+        </dgm:presLayoutVars>
+      </dgm:prSet>
+      <dgm:spPr/>
+    </dgm:pt>
+    <dgm:pt modelId="{E3A52D82-1671-42BA-B666-21F555A2B3A7}" type="pres">
+      <dgm:prSet presAssocID="{08D92C00-0E82-46DF-A64E-ED494E39D6B6}" presName="ConnectLine1" presStyleLbl="sibTrans1D1" presStyleIdx="1" presStyleCnt="6"/>
+      <dgm:spPr>
+        <a:noFill/>
+        <a:ln w="6350" cap="flat" cmpd="sng" algn="ctr">
+          <a:solidFill>
+            <a:schemeClr val="accent3">
+              <a:hueOff val="0"/>
+              <a:satOff val="0"/>
+              <a:lumOff val="0"/>
+              <a:alphaOff val="0"/>
+            </a:schemeClr>
+          </a:solidFill>
+          <a:prstDash val="dash"/>
+          <a:miter lim="800000"/>
+        </a:ln>
+        <a:effectLst/>
+      </dgm:spPr>
+    </dgm:pt>
+    <dgm:pt modelId="{24956AC7-7F23-4DF3-8721-5FE06DC461CA}" type="pres">
+      <dgm:prSet presAssocID="{08D92C00-0E82-46DF-A64E-ED494E39D6B6}" presName="ConnectLineEnd1" presStyleLbl="lnNode1" presStyleIdx="1" presStyleCnt="6"/>
+      <dgm:spPr/>
+    </dgm:pt>
+    <dgm:pt modelId="{C2BFD16F-F72B-435F-AB0B-56F115528688}" type="pres">
+      <dgm:prSet presAssocID="{08D92C00-0E82-46DF-A64E-ED494E39D6B6}" presName="EmptyPane1" presStyleCnt="0"/>
+      <dgm:spPr/>
+    </dgm:pt>
+    <dgm:pt modelId="{3C5999A7-2D40-4FBB-8E86-2662FA6B84C4}" type="pres">
+      <dgm:prSet presAssocID="{2E956FF2-FE9A-4DFE-BFED-A4D0DBDDB36B}" presName="spaceBetweenRectangles1" presStyleCnt="0"/>
+      <dgm:spPr/>
+    </dgm:pt>
     <dgm:pt modelId="{07989479-D1A2-4D15-AA3A-B0CFFB9F91D9}" type="pres">
       <dgm:prSet presAssocID="{E4033A39-DCC4-4038-9562-AEDDBBB37A99}" presName="composite1" presStyleCnt="0"/>
       <dgm:spPr/>
     </dgm:pt>
     <dgm:pt modelId="{539615E2-3277-4D8E-8484-FF5088C8BF01}" type="pres">
-      <dgm:prSet presAssocID="{E4033A39-DCC4-4038-9562-AEDDBBB37A99}" presName="parent1" presStyleLbl="alignNode1" presStyleIdx="1" presStyleCnt="5">
+      <dgm:prSet presAssocID="{E4033A39-DCC4-4038-9562-AEDDBBB37A99}" presName="parent1" presStyleLbl="alignNode1" presStyleIdx="2" presStyleCnt="6">
         <dgm:presLayoutVars>
           <dgm:chMax val="1"/>
           <dgm:chPref val="1"/>
@@ -1651,7 +2047,7 @@
       <dgm:spPr/>
     </dgm:pt>
     <dgm:pt modelId="{FEBD3C2A-A340-470A-A475-AE614EA07678}" type="pres">
-      <dgm:prSet presAssocID="{E4033A39-DCC4-4038-9562-AEDDBBB37A99}" presName="Childtext1" presStyleLbl="revTx" presStyleIdx="1" presStyleCnt="5">
+      <dgm:prSet presAssocID="{E4033A39-DCC4-4038-9562-AEDDBBB37A99}" presName="Childtext1" presStyleLbl="revTx" presStyleIdx="2" presStyleCnt="6">
         <dgm:presLayoutVars>
           <dgm:bulletEnabled val="1"/>
         </dgm:presLayoutVars>
@@ -1659,7 +2055,7 @@
       <dgm:spPr/>
     </dgm:pt>
     <dgm:pt modelId="{080474C8-0FEA-4FD1-97F1-0978CFB4A37F}" type="pres">
-      <dgm:prSet presAssocID="{E4033A39-DCC4-4038-9562-AEDDBBB37A99}" presName="ConnectLine1" presStyleLbl="sibTrans1D1" presStyleIdx="1" presStyleCnt="5"/>
+      <dgm:prSet presAssocID="{E4033A39-DCC4-4038-9562-AEDDBBB37A99}" presName="ConnectLine1" presStyleLbl="sibTrans1D1" presStyleIdx="2" presStyleCnt="6"/>
       <dgm:spPr>
         <a:noFill/>
         <a:ln w="6350" cap="flat" cmpd="sng" algn="ctr">
@@ -1673,7 +2069,7 @@
       </dgm:spPr>
     </dgm:pt>
     <dgm:pt modelId="{4797FB61-2602-4A58-81E6-6F133DB1E419}" type="pres">
-      <dgm:prSet presAssocID="{E4033A39-DCC4-4038-9562-AEDDBBB37A99}" presName="ConnectLineEnd1" presStyleLbl="lnNode1" presStyleIdx="1" presStyleCnt="5"/>
+      <dgm:prSet presAssocID="{E4033A39-DCC4-4038-9562-AEDDBBB37A99}" presName="ConnectLineEnd1" presStyleLbl="lnNode1" presStyleIdx="2" presStyleCnt="6"/>
       <dgm:spPr>
         <a:solidFill>
           <a:schemeClr val="accent4"/>
@@ -1693,7 +2089,7 @@
       <dgm:spPr/>
     </dgm:pt>
     <dgm:pt modelId="{9D82041D-873A-4600-A9C7-C0A0ADFB138B}" type="pres">
-      <dgm:prSet presAssocID="{87BF7896-20EA-4E8F-B6F4-A34EC5C9CB50}" presName="parent1" presStyleLbl="alignNode1" presStyleIdx="2" presStyleCnt="5">
+      <dgm:prSet presAssocID="{87BF7896-20EA-4E8F-B6F4-A34EC5C9CB50}" presName="parent1" presStyleLbl="alignNode1" presStyleIdx="3" presStyleCnt="6">
         <dgm:presLayoutVars>
           <dgm:chMax val="1"/>
           <dgm:chPref val="1"/>
@@ -1703,7 +2099,7 @@
       <dgm:spPr/>
     </dgm:pt>
     <dgm:pt modelId="{80CDBBF8-C6B4-4166-87C1-DC9120CC7586}" type="pres">
-      <dgm:prSet presAssocID="{87BF7896-20EA-4E8F-B6F4-A34EC5C9CB50}" presName="Childtext1" presStyleLbl="revTx" presStyleIdx="2" presStyleCnt="5">
+      <dgm:prSet presAssocID="{87BF7896-20EA-4E8F-B6F4-A34EC5C9CB50}" presName="Childtext1" presStyleLbl="revTx" presStyleIdx="3" presStyleCnt="6">
         <dgm:presLayoutVars>
           <dgm:bulletEnabled val="1"/>
         </dgm:presLayoutVars>
@@ -1711,7 +2107,7 @@
       <dgm:spPr/>
     </dgm:pt>
     <dgm:pt modelId="{89759DE5-9F8A-470E-A6D8-F13BB4DEE93D}" type="pres">
-      <dgm:prSet presAssocID="{87BF7896-20EA-4E8F-B6F4-A34EC5C9CB50}" presName="ConnectLine1" presStyleLbl="sibTrans1D1" presStyleIdx="2" presStyleCnt="5"/>
+      <dgm:prSet presAssocID="{87BF7896-20EA-4E8F-B6F4-A34EC5C9CB50}" presName="ConnectLine1" presStyleLbl="sibTrans1D1" presStyleIdx="3" presStyleCnt="6"/>
       <dgm:spPr>
         <a:noFill/>
         <a:ln w="6350" cap="flat" cmpd="sng" algn="ctr">
@@ -1725,7 +2121,7 @@
       </dgm:spPr>
     </dgm:pt>
     <dgm:pt modelId="{07CCF286-8B46-4A20-ACAC-84BA2D6EFBBC}" type="pres">
-      <dgm:prSet presAssocID="{87BF7896-20EA-4E8F-B6F4-A34EC5C9CB50}" presName="ConnectLineEnd1" presStyleLbl="lnNode1" presStyleIdx="2" presStyleCnt="5"/>
+      <dgm:prSet presAssocID="{87BF7896-20EA-4E8F-B6F4-A34EC5C9CB50}" presName="ConnectLineEnd1" presStyleLbl="lnNode1" presStyleIdx="3" presStyleCnt="6"/>
       <dgm:spPr>
         <a:solidFill>
           <a:schemeClr val="accent5"/>
@@ -1745,7 +2141,7 @@
       <dgm:spPr/>
     </dgm:pt>
     <dgm:pt modelId="{AA687F1E-592A-4A16-9630-0E0C2D82BDEC}" type="pres">
-      <dgm:prSet presAssocID="{660CF888-26B9-4DCA-B7E0-A150825288D0}" presName="parent1" presStyleLbl="alignNode1" presStyleIdx="3" presStyleCnt="5">
+      <dgm:prSet presAssocID="{660CF888-26B9-4DCA-B7E0-A150825288D0}" presName="parent1" presStyleLbl="alignNode1" presStyleIdx="4" presStyleCnt="6">
         <dgm:presLayoutVars>
           <dgm:chMax val="1"/>
           <dgm:chPref val="1"/>
@@ -1755,7 +2151,7 @@
       <dgm:spPr/>
     </dgm:pt>
     <dgm:pt modelId="{36210ACA-E081-40B5-87EC-500863B13ADD}" type="pres">
-      <dgm:prSet presAssocID="{660CF888-26B9-4DCA-B7E0-A150825288D0}" presName="Childtext1" presStyleLbl="revTx" presStyleIdx="3" presStyleCnt="5">
+      <dgm:prSet presAssocID="{660CF888-26B9-4DCA-B7E0-A150825288D0}" presName="Childtext1" presStyleLbl="revTx" presStyleIdx="4" presStyleCnt="6">
         <dgm:presLayoutVars>
           <dgm:bulletEnabled val="1"/>
         </dgm:presLayoutVars>
@@ -1763,7 +2159,7 @@
       <dgm:spPr/>
     </dgm:pt>
     <dgm:pt modelId="{EA3C7446-024E-4EEF-BED4-FFB1F2246CF3}" type="pres">
-      <dgm:prSet presAssocID="{660CF888-26B9-4DCA-B7E0-A150825288D0}" presName="ConnectLine1" presStyleLbl="sibTrans1D1" presStyleIdx="3" presStyleCnt="5"/>
+      <dgm:prSet presAssocID="{660CF888-26B9-4DCA-B7E0-A150825288D0}" presName="ConnectLine1" presStyleLbl="sibTrans1D1" presStyleIdx="4" presStyleCnt="6"/>
       <dgm:spPr>
         <a:noFill/>
         <a:ln w="6350" cap="flat" cmpd="sng" algn="ctr">
@@ -1777,7 +2173,7 @@
       </dgm:spPr>
     </dgm:pt>
     <dgm:pt modelId="{FDC60305-8FBB-44FD-9B53-CDBFE9F7FDD0}" type="pres">
-      <dgm:prSet presAssocID="{660CF888-26B9-4DCA-B7E0-A150825288D0}" presName="ConnectLineEnd1" presStyleLbl="lnNode1" presStyleIdx="3" presStyleCnt="5"/>
+      <dgm:prSet presAssocID="{660CF888-26B9-4DCA-B7E0-A150825288D0}" presName="ConnectLineEnd1" presStyleLbl="lnNode1" presStyleIdx="4" presStyleCnt="6"/>
       <dgm:spPr>
         <a:solidFill>
           <a:schemeClr val="accent6"/>
@@ -1800,7 +2196,7 @@
       <dgm:spPr/>
     </dgm:pt>
     <dgm:pt modelId="{B54E50C8-30CD-4A49-B6D7-34D9AB2A3043}" type="pres">
-      <dgm:prSet presAssocID="{97DB74B5-36C1-4083-BE16-BE9779159093}" presName="parent1" presStyleLbl="alignNode1" presStyleIdx="4" presStyleCnt="5">
+      <dgm:prSet presAssocID="{97DB74B5-36C1-4083-BE16-BE9779159093}" presName="parent1" presStyleLbl="alignNode1" presStyleIdx="5" presStyleCnt="6">
         <dgm:presLayoutVars>
           <dgm:chMax val="1"/>
           <dgm:chPref val="1"/>
@@ -1810,7 +2206,7 @@
       <dgm:spPr/>
     </dgm:pt>
     <dgm:pt modelId="{9679B796-2B40-4D87-8578-52BF0C29AEB4}" type="pres">
-      <dgm:prSet presAssocID="{97DB74B5-36C1-4083-BE16-BE9779159093}" presName="Childtext1" presStyleLbl="revTx" presStyleIdx="4" presStyleCnt="5">
+      <dgm:prSet presAssocID="{97DB74B5-36C1-4083-BE16-BE9779159093}" presName="Childtext1" presStyleLbl="revTx" presStyleIdx="5" presStyleCnt="6">
         <dgm:presLayoutVars>
           <dgm:bulletEnabled val="1"/>
         </dgm:presLayoutVars>
@@ -1818,7 +2214,7 @@
       <dgm:spPr/>
     </dgm:pt>
     <dgm:pt modelId="{894318B2-70C4-403D-BE3D-359CAB62002A}" type="pres">
-      <dgm:prSet presAssocID="{97DB74B5-36C1-4083-BE16-BE9779159093}" presName="ConnectLine1" presStyleLbl="sibTrans1D1" presStyleIdx="4" presStyleCnt="5"/>
+      <dgm:prSet presAssocID="{97DB74B5-36C1-4083-BE16-BE9779159093}" presName="ConnectLine1" presStyleLbl="sibTrans1D1" presStyleIdx="5" presStyleCnt="6"/>
       <dgm:spPr>
         <a:noFill/>
         <a:ln w="6350" cap="flat" cmpd="sng" algn="ctr">
@@ -1834,7 +2230,7 @@
       </dgm:spPr>
     </dgm:pt>
     <dgm:pt modelId="{C2518668-97A8-402E-BC0D-09AE8E2ABBE2}" type="pres">
-      <dgm:prSet presAssocID="{97DB74B5-36C1-4083-BE16-BE9779159093}" presName="ConnectLineEnd1" presStyleLbl="lnNode1" presStyleIdx="4" presStyleCnt="5"/>
+      <dgm:prSet presAssocID="{97DB74B5-36C1-4083-BE16-BE9779159093}" presName="ConnectLineEnd1" presStyleLbl="lnNode1" presStyleIdx="5" presStyleCnt="6"/>
       <dgm:spPr>
         <a:solidFill>
           <a:schemeClr val="accent6">
@@ -1850,26 +2246,30 @@
   </dgm:ptLst>
   <dgm:cxnLst>
     <dgm:cxn modelId="{0943B00B-58A1-4FF5-9E44-5C479145B02B}" type="presOf" srcId="{87BF7896-20EA-4E8F-B6F4-A34EC5C9CB50}" destId="{9D82041D-873A-4600-A9C7-C0A0ADFB138B}" srcOrd="0" destOrd="0" presId="urn:microsoft.com/office/officeart/2016/7/layout/RoundedRectangleTimeline"/>
-    <dgm:cxn modelId="{92330C11-C197-4512-BDA4-8D8A69AF7D1C}" srcId="{E5B2E815-0D19-41DC-B01B-4D608769620A}" destId="{87BF7896-20EA-4E8F-B6F4-A34EC5C9CB50}" srcOrd="2" destOrd="0" parTransId="{05E47BA5-F724-4AEE-9B5B-401F18E028E6}" sibTransId="{D63CE73E-35DE-48C3-8753-7648BC953C0D}"/>
+    <dgm:cxn modelId="{92330C11-C197-4512-BDA4-8D8A69AF7D1C}" srcId="{E5B2E815-0D19-41DC-B01B-4D608769620A}" destId="{87BF7896-20EA-4E8F-B6F4-A34EC5C9CB50}" srcOrd="3" destOrd="0" parTransId="{05E47BA5-F724-4AEE-9B5B-401F18E028E6}" sibTransId="{D63CE73E-35DE-48C3-8753-7648BC953C0D}"/>
     <dgm:cxn modelId="{5D9B3125-79DF-4C1A-AB86-4D167E1ED6BC}" type="presOf" srcId="{B059B0DE-AE0E-408C-98A7-05AB6DD73373}" destId="{9679B796-2B40-4D87-8578-52BF0C29AEB4}" srcOrd="0" destOrd="0" presId="urn:microsoft.com/office/officeart/2016/7/layout/RoundedRectangleTimeline"/>
     <dgm:cxn modelId="{BA5CF126-908D-4215-B2E2-AF7012301DA0}" srcId="{660CF888-26B9-4DCA-B7E0-A150825288D0}" destId="{BA1616FF-810F-45C9-9A2F-AC41CB3CC6BC}" srcOrd="0" destOrd="0" parTransId="{9544FBF8-477A-41E1-A1AC-3D721A7822EB}" sibTransId="{6F62B292-7542-4770-A5DA-AD6E93F9642D}"/>
-    <dgm:cxn modelId="{32EF2862-2950-4DF8-BEA8-CD19460CCA31}" srcId="{E5B2E815-0D19-41DC-B01B-4D608769620A}" destId="{E4033A39-DCC4-4038-9562-AEDDBBB37A99}" srcOrd="1" destOrd="0" parTransId="{048EEAE6-78BA-4B00-B7BB-9C22DBB1E8F4}" sibTransId="{80AB0E5B-0C58-465D-A545-5B21133D2849}"/>
+    <dgm:cxn modelId="{2B314C5E-8665-454F-85C1-156BC537A6E4}" srcId="{08D92C00-0E82-46DF-A64E-ED494E39D6B6}" destId="{A8710285-698B-4C95-82A0-EE9D3558D564}" srcOrd="0" destOrd="0" parTransId="{02432A7E-675A-48F3-8F29-196293C64AB1}" sibTransId="{DD6EC4FF-F1AD-464A-B9F3-01234990D8C9}"/>
+    <dgm:cxn modelId="{32EF2862-2950-4DF8-BEA8-CD19460CCA31}" srcId="{E5B2E815-0D19-41DC-B01B-4D608769620A}" destId="{E4033A39-DCC4-4038-9562-AEDDBBB37A99}" srcOrd="2" destOrd="0" parTransId="{048EEAE6-78BA-4B00-B7BB-9C22DBB1E8F4}" sibTransId="{80AB0E5B-0C58-465D-A545-5B21133D2849}"/>
     <dgm:cxn modelId="{5E74CB62-E52E-4CEE-8AA1-9812BFC0D67E}" srcId="{E4033A39-DCC4-4038-9562-AEDDBBB37A99}" destId="{A4C0B4E4-70AD-4901-9E3F-7EA25DD6DAA1}" srcOrd="0" destOrd="0" parTransId="{701D9033-BAD3-4299-933F-A47AFDC2ECD0}" sibTransId="{657DB10D-2517-48AA-B970-6D815DBD4123}"/>
-    <dgm:cxn modelId="{947C7663-DE86-43C7-B3C9-9F5928A23C68}" srcId="{E5B2E815-0D19-41DC-B01B-4D608769620A}" destId="{660CF888-26B9-4DCA-B7E0-A150825288D0}" srcOrd="3" destOrd="0" parTransId="{C1C2508F-5620-49AF-BFC7-5EF96CC474E3}" sibTransId="{197B6A99-6CC2-49FD-8495-CB34839ABB2C}"/>
+    <dgm:cxn modelId="{947C7663-DE86-43C7-B3C9-9F5928A23C68}" srcId="{E5B2E815-0D19-41DC-B01B-4D608769620A}" destId="{660CF888-26B9-4DCA-B7E0-A150825288D0}" srcOrd="4" destOrd="0" parTransId="{C1C2508F-5620-49AF-BFC7-5EF96CC474E3}" sibTransId="{197B6A99-6CC2-49FD-8495-CB34839ABB2C}"/>
+    <dgm:cxn modelId="{F92C866F-20C1-4FB0-A92D-0841FC3FAB59}" srcId="{E5B2E815-0D19-41DC-B01B-4D608769620A}" destId="{08D92C00-0E82-46DF-A64E-ED494E39D6B6}" srcOrd="1" destOrd="0" parTransId="{0550D7DF-3EDB-48FB-89CC-AE03ED1BF7F8}" sibTransId="{2E956FF2-FE9A-4DFE-BFED-A4D0DBDDB36B}"/>
     <dgm:cxn modelId="{B7BDCA73-65C2-4BF5-93F0-7A3D442F0CF3}" type="presOf" srcId="{BA1616FF-810F-45C9-9A2F-AC41CB3CC6BC}" destId="{36210ACA-E081-40B5-87EC-500863B13ADD}" srcOrd="0" destOrd="0" presId="urn:microsoft.com/office/officeart/2016/7/layout/RoundedRectangleTimeline"/>
     <dgm:cxn modelId="{465A5776-4A66-4B45-9D1D-8CF41D4CC45D}" type="presOf" srcId="{97DB74B5-36C1-4083-BE16-BE9779159093}" destId="{B54E50C8-30CD-4A49-B6D7-34D9AB2A3043}" srcOrd="0" destOrd="0" presId="urn:microsoft.com/office/officeart/2016/7/layout/RoundedRectangleTimeline"/>
     <dgm:cxn modelId="{4D2DF581-8128-4440-9E51-29109DC6ED52}" srcId="{87BF7896-20EA-4E8F-B6F4-A34EC5C9CB50}" destId="{43CBB0A2-9D75-4264-8A30-3E8974B40658}" srcOrd="0" destOrd="0" parTransId="{F806E590-5F8E-48A1-96AC-9E738290D2ED}" sibTransId="{20F77EFB-335C-4BC3-AD95-8421EDF343E6}"/>
-    <dgm:cxn modelId="{97D15D88-2DC1-4956-9B64-C442B4AE1CB3}" srcId="{E5B2E815-0D19-41DC-B01B-4D608769620A}" destId="{97DB74B5-36C1-4083-BE16-BE9779159093}" srcOrd="4" destOrd="0" parTransId="{6C1A497B-059D-41D7-B22F-7BDC6CFD947A}" sibTransId="{F04D9720-1E1D-4133-9C2F-A9F070591B2B}"/>
+    <dgm:cxn modelId="{97D15D88-2DC1-4956-9B64-C442B4AE1CB3}" srcId="{E5B2E815-0D19-41DC-B01B-4D608769620A}" destId="{97DB74B5-36C1-4083-BE16-BE9779159093}" srcOrd="5" destOrd="0" parTransId="{6C1A497B-059D-41D7-B22F-7BDC6CFD947A}" sibTransId="{F04D9720-1E1D-4133-9C2F-A9F070591B2B}"/>
     <dgm:cxn modelId="{CEC8B788-971E-422E-A8E4-A00BBB2E51D9}" type="presOf" srcId="{660CF888-26B9-4DCA-B7E0-A150825288D0}" destId="{AA687F1E-592A-4A16-9630-0E0C2D82BDEC}" srcOrd="0" destOrd="0" presId="urn:microsoft.com/office/officeart/2016/7/layout/RoundedRectangleTimeline"/>
     <dgm:cxn modelId="{958FAF8F-A77F-4AE4-A72A-8E643FA277FD}" type="presOf" srcId="{B54C8F6C-BE1E-4EAB-B7A0-48DE01FFAA36}" destId="{45A02F84-C6CB-43F5-AEE4-3EA66C2BD25F}" srcOrd="0" destOrd="0" presId="urn:microsoft.com/office/officeart/2016/7/layout/RoundedRectangleTimeline"/>
     <dgm:cxn modelId="{C8CAF48F-322D-43C3-A68B-40DA904320AC}" type="presOf" srcId="{E5B2E815-0D19-41DC-B01B-4D608769620A}" destId="{196C9F68-3606-4282-A4C6-4485F1280B5F}" srcOrd="0" destOrd="0" presId="urn:microsoft.com/office/officeart/2016/7/layout/RoundedRectangleTimeline"/>
     <dgm:cxn modelId="{CAF19795-26FD-4CD9-8E3B-7E7899F5E3D0}" type="presOf" srcId="{4259F840-24E7-476F-9F30-482E46395856}" destId="{E088D226-49D7-4C30-90DC-CA1755D98829}" srcOrd="0" destOrd="0" presId="urn:microsoft.com/office/officeart/2016/7/layout/RoundedRectangleTimeline"/>
     <dgm:cxn modelId="{AC2FC1A2-CF44-4033-8AAE-31C98C976AAD}" type="presOf" srcId="{E4033A39-DCC4-4038-9562-AEDDBBB37A99}" destId="{539615E2-3277-4D8E-8484-FF5088C8BF01}" srcOrd="0" destOrd="0" presId="urn:microsoft.com/office/officeart/2016/7/layout/RoundedRectangleTimeline"/>
+    <dgm:cxn modelId="{96E406A5-4065-4695-BEF8-F446BC29ACCE}" type="presOf" srcId="{08D92C00-0E82-46DF-A64E-ED494E39D6B6}" destId="{A650D2B0-52E8-40D9-8AD6-A5170B43F474}" srcOrd="0" destOrd="0" presId="urn:microsoft.com/office/officeart/2016/7/layout/RoundedRectangleTimeline"/>
     <dgm:cxn modelId="{941106B6-136C-474C-97D6-48D5BA0F2412}" type="presOf" srcId="{A4C0B4E4-70AD-4901-9E3F-7EA25DD6DAA1}" destId="{FEBD3C2A-A340-470A-A475-AE614EA07678}" srcOrd="0" destOrd="0" presId="urn:microsoft.com/office/officeart/2016/7/layout/RoundedRectangleTimeline"/>
     <dgm:cxn modelId="{770CA1CC-3DDD-451E-AE83-A71CA570260C}" srcId="{4259F840-24E7-476F-9F30-482E46395856}" destId="{B54C8F6C-BE1E-4EAB-B7A0-48DE01FFAA36}" srcOrd="0" destOrd="0" parTransId="{8DE7CD45-B7C0-432E-B819-6A7D97E31315}" sibTransId="{C33B8BEF-A818-4A2F-A99A-E2B29895E184}"/>
     <dgm:cxn modelId="{42EE41D1-3C16-4937-BB38-B076896C09A0}" srcId="{E5B2E815-0D19-41DC-B01B-4D608769620A}" destId="{4259F840-24E7-476F-9F30-482E46395856}" srcOrd="0" destOrd="0" parTransId="{FCE8068D-7E50-4749-A8D0-ADEDAC5637B3}" sibTransId="{DCC444A4-F20A-48F5-A61E-47BFFF185A57}"/>
     <dgm:cxn modelId="{4961C5D8-87CF-431D-8E8D-857C807E64B3}" srcId="{97DB74B5-36C1-4083-BE16-BE9779159093}" destId="{B059B0DE-AE0E-408C-98A7-05AB6DD73373}" srcOrd="0" destOrd="0" parTransId="{727AA871-1A31-445C-A336-3204D36FAC47}" sibTransId="{EB87680C-8ED2-476E-AF1D-D26D672907E1}"/>
     <dgm:cxn modelId="{0CA390ED-20D0-4931-9ED2-39898E967B4E}" type="presOf" srcId="{43CBB0A2-9D75-4264-8A30-3E8974B40658}" destId="{80CDBBF8-C6B4-4166-87C1-DC9120CC7586}" srcOrd="0" destOrd="0" presId="urn:microsoft.com/office/officeart/2016/7/layout/RoundedRectangleTimeline"/>
+    <dgm:cxn modelId="{203B5BFA-3699-4DCB-9C2F-226D45C9B8D8}" type="presOf" srcId="{A8710285-698B-4C95-82A0-EE9D3558D564}" destId="{D62C5F86-63B4-47B4-BA32-1AABF77400AC}" srcOrd="0" destOrd="0" presId="urn:microsoft.com/office/officeart/2016/7/layout/RoundedRectangleTimeline"/>
     <dgm:cxn modelId="{5354664C-1324-42A2-8E0C-8A734126CEDC}" type="presParOf" srcId="{196C9F68-3606-4282-A4C6-4485F1280B5F}" destId="{68D8AC18-502F-4825-B069-75605ADB3A40}" srcOrd="0" destOrd="0" presId="urn:microsoft.com/office/officeart/2016/7/layout/RoundedRectangleTimeline"/>
     <dgm:cxn modelId="{6348195D-50D8-4550-9B41-00B3DA9EB427}" type="presParOf" srcId="{68D8AC18-502F-4825-B069-75605ADB3A40}" destId="{E088D226-49D7-4C30-90DC-CA1755D98829}" srcOrd="0" destOrd="0" presId="urn:microsoft.com/office/officeart/2016/7/layout/RoundedRectangleTimeline"/>
     <dgm:cxn modelId="{C6708436-4913-4A18-9057-022E1E45D775}" type="presParOf" srcId="{68D8AC18-502F-4825-B069-75605ADB3A40}" destId="{45A02F84-C6CB-43F5-AEE4-3EA66C2BD25F}" srcOrd="1" destOrd="0" presId="urn:microsoft.com/office/officeart/2016/7/layout/RoundedRectangleTimeline"/>
@@ -1877,28 +2277,35 @@
     <dgm:cxn modelId="{FFB4B971-221D-492E-BC0D-36F39758451A}" type="presParOf" srcId="{68D8AC18-502F-4825-B069-75605ADB3A40}" destId="{049FDBD0-77FE-49D1-A275-A272C8C5E426}" srcOrd="3" destOrd="0" presId="urn:microsoft.com/office/officeart/2016/7/layout/RoundedRectangleTimeline"/>
     <dgm:cxn modelId="{7B503000-2C47-4DD5-B24B-D6052C4C3CDE}" type="presParOf" srcId="{68D8AC18-502F-4825-B069-75605ADB3A40}" destId="{CB26EA94-33BB-4F98-9E1E-2237D4831263}" srcOrd="4" destOrd="0" presId="urn:microsoft.com/office/officeart/2016/7/layout/RoundedRectangleTimeline"/>
     <dgm:cxn modelId="{DE78CEF1-BE43-4E5A-9C91-92F8289167D0}" type="presParOf" srcId="{196C9F68-3606-4282-A4C6-4485F1280B5F}" destId="{606F1DBF-510E-4065-ACCB-3EBDA85CFB92}" srcOrd="1" destOrd="0" presId="urn:microsoft.com/office/officeart/2016/7/layout/RoundedRectangleTimeline"/>
-    <dgm:cxn modelId="{74F95C78-3813-45AA-932B-C94A3B7513CB}" type="presParOf" srcId="{196C9F68-3606-4282-A4C6-4485F1280B5F}" destId="{07989479-D1A2-4D15-AA3A-B0CFFB9F91D9}" srcOrd="2" destOrd="0" presId="urn:microsoft.com/office/officeart/2016/7/layout/RoundedRectangleTimeline"/>
+    <dgm:cxn modelId="{EF046080-DE1C-4DDF-AE67-5E472A3FC9C1}" type="presParOf" srcId="{196C9F68-3606-4282-A4C6-4485F1280B5F}" destId="{46690BCA-710C-4010-9DCF-F4D4A50CAA40}" srcOrd="2" destOrd="0" presId="urn:microsoft.com/office/officeart/2016/7/layout/RoundedRectangleTimeline"/>
+    <dgm:cxn modelId="{0C3291FE-D07F-4BF7-BF0B-E3DC34513F2A}" type="presParOf" srcId="{46690BCA-710C-4010-9DCF-F4D4A50CAA40}" destId="{A650D2B0-52E8-40D9-8AD6-A5170B43F474}" srcOrd="0" destOrd="0" presId="urn:microsoft.com/office/officeart/2016/7/layout/RoundedRectangleTimeline"/>
+    <dgm:cxn modelId="{04B321FE-2E34-4DD8-BDD8-033A763A4049}" type="presParOf" srcId="{46690BCA-710C-4010-9DCF-F4D4A50CAA40}" destId="{D62C5F86-63B4-47B4-BA32-1AABF77400AC}" srcOrd="1" destOrd="0" presId="urn:microsoft.com/office/officeart/2016/7/layout/RoundedRectangleTimeline"/>
+    <dgm:cxn modelId="{FC570ED7-1EFB-4C08-A1A0-11D81F91B215}" type="presParOf" srcId="{46690BCA-710C-4010-9DCF-F4D4A50CAA40}" destId="{E3A52D82-1671-42BA-B666-21F555A2B3A7}" srcOrd="2" destOrd="0" presId="urn:microsoft.com/office/officeart/2016/7/layout/RoundedRectangleTimeline"/>
+    <dgm:cxn modelId="{B05AED0D-2FA1-4F6B-B975-E743CCA92DAE}" type="presParOf" srcId="{46690BCA-710C-4010-9DCF-F4D4A50CAA40}" destId="{24956AC7-7F23-4DF3-8721-5FE06DC461CA}" srcOrd="3" destOrd="0" presId="urn:microsoft.com/office/officeart/2016/7/layout/RoundedRectangleTimeline"/>
+    <dgm:cxn modelId="{9598858B-8CFF-43DE-AB9C-B6149DB90B5A}" type="presParOf" srcId="{46690BCA-710C-4010-9DCF-F4D4A50CAA40}" destId="{C2BFD16F-F72B-435F-AB0B-56F115528688}" srcOrd="4" destOrd="0" presId="urn:microsoft.com/office/officeart/2016/7/layout/RoundedRectangleTimeline"/>
+    <dgm:cxn modelId="{07B98066-6CB5-46CC-BB20-063339BC4CA9}" type="presParOf" srcId="{196C9F68-3606-4282-A4C6-4485F1280B5F}" destId="{3C5999A7-2D40-4FBB-8E86-2662FA6B84C4}" srcOrd="3" destOrd="0" presId="urn:microsoft.com/office/officeart/2016/7/layout/RoundedRectangleTimeline"/>
+    <dgm:cxn modelId="{74F95C78-3813-45AA-932B-C94A3B7513CB}" type="presParOf" srcId="{196C9F68-3606-4282-A4C6-4485F1280B5F}" destId="{07989479-D1A2-4D15-AA3A-B0CFFB9F91D9}" srcOrd="4" destOrd="0" presId="urn:microsoft.com/office/officeart/2016/7/layout/RoundedRectangleTimeline"/>
     <dgm:cxn modelId="{78714377-12E6-4F42-93F8-20E6C58A5CEA}" type="presParOf" srcId="{07989479-D1A2-4D15-AA3A-B0CFFB9F91D9}" destId="{539615E2-3277-4D8E-8484-FF5088C8BF01}" srcOrd="0" destOrd="0" presId="urn:microsoft.com/office/officeart/2016/7/layout/RoundedRectangleTimeline"/>
     <dgm:cxn modelId="{B18F6382-7271-4A16-839E-8201B423722C}" type="presParOf" srcId="{07989479-D1A2-4D15-AA3A-B0CFFB9F91D9}" destId="{FEBD3C2A-A340-470A-A475-AE614EA07678}" srcOrd="1" destOrd="0" presId="urn:microsoft.com/office/officeart/2016/7/layout/RoundedRectangleTimeline"/>
     <dgm:cxn modelId="{1FCB7BE4-0603-4EFE-8008-2BFEFE000DC7}" type="presParOf" srcId="{07989479-D1A2-4D15-AA3A-B0CFFB9F91D9}" destId="{080474C8-0FEA-4FD1-97F1-0978CFB4A37F}" srcOrd="2" destOrd="0" presId="urn:microsoft.com/office/officeart/2016/7/layout/RoundedRectangleTimeline"/>
     <dgm:cxn modelId="{FFACD6D5-3CE9-42AD-947E-A78AEF95B8FB}" type="presParOf" srcId="{07989479-D1A2-4D15-AA3A-B0CFFB9F91D9}" destId="{4797FB61-2602-4A58-81E6-6F133DB1E419}" srcOrd="3" destOrd="0" presId="urn:microsoft.com/office/officeart/2016/7/layout/RoundedRectangleTimeline"/>
     <dgm:cxn modelId="{BC46BA3B-AC60-4702-8307-9F913CF4B658}" type="presParOf" srcId="{07989479-D1A2-4D15-AA3A-B0CFFB9F91D9}" destId="{3ADF0AE3-D759-4F4F-8135-572855211847}" srcOrd="4" destOrd="0" presId="urn:microsoft.com/office/officeart/2016/7/layout/RoundedRectangleTimeline"/>
-    <dgm:cxn modelId="{C4C49063-100B-4191-B846-2AFDB1730073}" type="presParOf" srcId="{196C9F68-3606-4282-A4C6-4485F1280B5F}" destId="{B0CD7A53-7149-45F2-83E8-36717D7878A1}" srcOrd="3" destOrd="0" presId="urn:microsoft.com/office/officeart/2016/7/layout/RoundedRectangleTimeline"/>
-    <dgm:cxn modelId="{46F7084B-A873-4467-94F4-3AD8C57AA15B}" type="presParOf" srcId="{196C9F68-3606-4282-A4C6-4485F1280B5F}" destId="{FB379A6E-C0F9-420B-90FC-2785E757E6AE}" srcOrd="4" destOrd="0" presId="urn:microsoft.com/office/officeart/2016/7/layout/RoundedRectangleTimeline"/>
+    <dgm:cxn modelId="{C4C49063-100B-4191-B846-2AFDB1730073}" type="presParOf" srcId="{196C9F68-3606-4282-A4C6-4485F1280B5F}" destId="{B0CD7A53-7149-45F2-83E8-36717D7878A1}" srcOrd="5" destOrd="0" presId="urn:microsoft.com/office/officeart/2016/7/layout/RoundedRectangleTimeline"/>
+    <dgm:cxn modelId="{46F7084B-A873-4467-94F4-3AD8C57AA15B}" type="presParOf" srcId="{196C9F68-3606-4282-A4C6-4485F1280B5F}" destId="{FB379A6E-C0F9-420B-90FC-2785E757E6AE}" srcOrd="6" destOrd="0" presId="urn:microsoft.com/office/officeart/2016/7/layout/RoundedRectangleTimeline"/>
     <dgm:cxn modelId="{57342C4D-7AF4-4D0C-AB41-7215FDB8FE71}" type="presParOf" srcId="{FB379A6E-C0F9-420B-90FC-2785E757E6AE}" destId="{9D82041D-873A-4600-A9C7-C0A0ADFB138B}" srcOrd="0" destOrd="0" presId="urn:microsoft.com/office/officeart/2016/7/layout/RoundedRectangleTimeline"/>
     <dgm:cxn modelId="{30E8D157-1732-4DB0-8B12-69814E347461}" type="presParOf" srcId="{FB379A6E-C0F9-420B-90FC-2785E757E6AE}" destId="{80CDBBF8-C6B4-4166-87C1-DC9120CC7586}" srcOrd="1" destOrd="0" presId="urn:microsoft.com/office/officeart/2016/7/layout/RoundedRectangleTimeline"/>
     <dgm:cxn modelId="{7E25EDCE-0445-4BA4-987C-8BE2C213576D}" type="presParOf" srcId="{FB379A6E-C0F9-420B-90FC-2785E757E6AE}" destId="{89759DE5-9F8A-470E-A6D8-F13BB4DEE93D}" srcOrd="2" destOrd="0" presId="urn:microsoft.com/office/officeart/2016/7/layout/RoundedRectangleTimeline"/>
     <dgm:cxn modelId="{94CDA7E7-E9EA-4F04-A2A9-1FEA663F463A}" type="presParOf" srcId="{FB379A6E-C0F9-420B-90FC-2785E757E6AE}" destId="{07CCF286-8B46-4A20-ACAC-84BA2D6EFBBC}" srcOrd="3" destOrd="0" presId="urn:microsoft.com/office/officeart/2016/7/layout/RoundedRectangleTimeline"/>
     <dgm:cxn modelId="{2EF8748D-BCF1-428A-92FE-83430C7C7B7A}" type="presParOf" srcId="{FB379A6E-C0F9-420B-90FC-2785E757E6AE}" destId="{4624FC32-5405-42B1-B5CC-DF0659852A58}" srcOrd="4" destOrd="0" presId="urn:microsoft.com/office/officeart/2016/7/layout/RoundedRectangleTimeline"/>
-    <dgm:cxn modelId="{EBC6C4B1-C34F-422A-A8DD-FC2F19BCEB5C}" type="presParOf" srcId="{196C9F68-3606-4282-A4C6-4485F1280B5F}" destId="{59F6C2B0-B773-4ADB-86AA-E3CF7680518A}" srcOrd="5" destOrd="0" presId="urn:microsoft.com/office/officeart/2016/7/layout/RoundedRectangleTimeline"/>
-    <dgm:cxn modelId="{B44021F9-64F2-42AF-8887-CE643D474544}" type="presParOf" srcId="{196C9F68-3606-4282-A4C6-4485F1280B5F}" destId="{B0E1F84C-D563-44BC-8BD7-46D8F837902A}" srcOrd="6" destOrd="0" presId="urn:microsoft.com/office/officeart/2016/7/layout/RoundedRectangleTimeline"/>
+    <dgm:cxn modelId="{EBC6C4B1-C34F-422A-A8DD-FC2F19BCEB5C}" type="presParOf" srcId="{196C9F68-3606-4282-A4C6-4485F1280B5F}" destId="{59F6C2B0-B773-4ADB-86AA-E3CF7680518A}" srcOrd="7" destOrd="0" presId="urn:microsoft.com/office/officeart/2016/7/layout/RoundedRectangleTimeline"/>
+    <dgm:cxn modelId="{B44021F9-64F2-42AF-8887-CE643D474544}" type="presParOf" srcId="{196C9F68-3606-4282-A4C6-4485F1280B5F}" destId="{B0E1F84C-D563-44BC-8BD7-46D8F837902A}" srcOrd="8" destOrd="0" presId="urn:microsoft.com/office/officeart/2016/7/layout/RoundedRectangleTimeline"/>
     <dgm:cxn modelId="{FCA62D8C-0836-470B-887D-2F5190C1E251}" type="presParOf" srcId="{B0E1F84C-D563-44BC-8BD7-46D8F837902A}" destId="{AA687F1E-592A-4A16-9630-0E0C2D82BDEC}" srcOrd="0" destOrd="0" presId="urn:microsoft.com/office/officeart/2016/7/layout/RoundedRectangleTimeline"/>
     <dgm:cxn modelId="{4C911D76-BB97-4623-868F-355DF8DF2AAB}" type="presParOf" srcId="{B0E1F84C-D563-44BC-8BD7-46D8F837902A}" destId="{36210ACA-E081-40B5-87EC-500863B13ADD}" srcOrd="1" destOrd="0" presId="urn:microsoft.com/office/officeart/2016/7/layout/RoundedRectangleTimeline"/>
     <dgm:cxn modelId="{C8C41DEA-3865-4846-8FD4-E6DFCC957E91}" type="presParOf" srcId="{B0E1F84C-D563-44BC-8BD7-46D8F837902A}" destId="{EA3C7446-024E-4EEF-BED4-FFB1F2246CF3}" srcOrd="2" destOrd="0" presId="urn:microsoft.com/office/officeart/2016/7/layout/RoundedRectangleTimeline"/>
     <dgm:cxn modelId="{22828323-B902-4F1B-89BB-C3A7000232ED}" type="presParOf" srcId="{B0E1F84C-D563-44BC-8BD7-46D8F837902A}" destId="{FDC60305-8FBB-44FD-9B53-CDBFE9F7FDD0}" srcOrd="3" destOrd="0" presId="urn:microsoft.com/office/officeart/2016/7/layout/RoundedRectangleTimeline"/>
     <dgm:cxn modelId="{1F4954B3-28D9-4959-A137-A17D9A25E472}" type="presParOf" srcId="{B0E1F84C-D563-44BC-8BD7-46D8F837902A}" destId="{24F9A8F5-7105-4D28-A633-EB8EEF371211}" srcOrd="4" destOrd="0" presId="urn:microsoft.com/office/officeart/2016/7/layout/RoundedRectangleTimeline"/>
-    <dgm:cxn modelId="{E5C70CFA-FDF3-429E-9DC4-FCC0A221C639}" type="presParOf" srcId="{196C9F68-3606-4282-A4C6-4485F1280B5F}" destId="{F1F5E13B-2672-4759-B561-13FA519AB496}" srcOrd="7" destOrd="0" presId="urn:microsoft.com/office/officeart/2016/7/layout/RoundedRectangleTimeline"/>
-    <dgm:cxn modelId="{2E1BA3A4-18DB-49E6-9DF9-3510522C180C}" type="presParOf" srcId="{196C9F68-3606-4282-A4C6-4485F1280B5F}" destId="{03163906-36D6-4FB8-BB18-E04FA84A47A6}" srcOrd="8" destOrd="0" presId="urn:microsoft.com/office/officeart/2016/7/layout/RoundedRectangleTimeline"/>
+    <dgm:cxn modelId="{E5C70CFA-FDF3-429E-9DC4-FCC0A221C639}" type="presParOf" srcId="{196C9F68-3606-4282-A4C6-4485F1280B5F}" destId="{F1F5E13B-2672-4759-B561-13FA519AB496}" srcOrd="9" destOrd="0" presId="urn:microsoft.com/office/officeart/2016/7/layout/RoundedRectangleTimeline"/>
+    <dgm:cxn modelId="{2E1BA3A4-18DB-49E6-9DF9-3510522C180C}" type="presParOf" srcId="{196C9F68-3606-4282-A4C6-4485F1280B5F}" destId="{03163906-36D6-4FB8-BB18-E04FA84A47A6}" srcOrd="10" destOrd="0" presId="urn:microsoft.com/office/officeart/2016/7/layout/RoundedRectangleTimeline"/>
     <dgm:cxn modelId="{6FDBCE34-B62A-4AB3-92F1-8B57B7B1B86B}" type="presParOf" srcId="{03163906-36D6-4FB8-BB18-E04FA84A47A6}" destId="{B54E50C8-30CD-4A49-B6D7-34D9AB2A3043}" srcOrd="0" destOrd="0" presId="urn:microsoft.com/office/officeart/2016/7/layout/RoundedRectangleTimeline"/>
     <dgm:cxn modelId="{33895046-1F00-4017-9E23-59160C869AAA}" type="presParOf" srcId="{03163906-36D6-4FB8-BB18-E04FA84A47A6}" destId="{9679B796-2B40-4D87-8578-52BF0C29AEB4}" srcOrd="1" destOrd="0" presId="urn:microsoft.com/office/officeart/2016/7/layout/RoundedRectangleTimeline"/>
     <dgm:cxn modelId="{12ECDFF8-EE38-4217-84A5-B6DB76365A88}" type="presParOf" srcId="{03163906-36D6-4FB8-BB18-E04FA84A47A6}" destId="{894318B2-70C4-403D-BE3D-359CAB62002A}" srcOrd="2" destOrd="0" presId="urn:microsoft.com/office/officeart/2016/7/layout/RoundedRectangleTimeline"/>
@@ -1930,8 +2337,8 @@
       </dsp:nvSpPr>
       <dsp:spPr>
         <a:xfrm rot="16200000">
-          <a:off x="1331019" y="1248365"/>
-          <a:ext cx="435133" cy="1854606"/>
+          <a:off x="1096883" y="1386998"/>
+          <a:ext cx="435133" cy="1577340"/>
         </a:xfrm>
         <a:prstGeom prst="round2SameRect">
           <a:avLst/>
@@ -1963,12 +2370,12 @@
         </a:fontRef>
       </dsp:style>
       <dsp:txBody>
-        <a:bodyPr spcFirstLastPara="0" vert="horz" wrap="square" lIns="91440" tIns="91440" rIns="91440" bIns="91440" numCol="1" spcCol="1270" rtlCol="0" anchor="ctr" anchorCtr="1">
+        <a:bodyPr spcFirstLastPara="0" vert="horz" wrap="square" lIns="106680" tIns="106680" rIns="106680" bIns="106680" numCol="1" spcCol="1270" rtlCol="0" anchor="ctr" anchorCtr="1">
           <a:noAutofit/>
         </a:bodyPr>
         <a:lstStyle/>
         <a:p>
-          <a:pPr marL="0" lvl="0" indent="0" algn="ctr" defTabSz="533400" rtl="0">
+          <a:pPr marL="0" lvl="0" indent="0" algn="ctr" defTabSz="622300" rtl="0">
             <a:lnSpc>
               <a:spcPct val="90000"/>
             </a:lnSpc>
@@ -1981,15 +2388,15 @@
             <a:buNone/>
           </a:pPr>
           <a:r>
-            <a:rPr lang="en-US" sz="1200" kern="1200" noProof="0" dirty="0"/>
-            <a:t>Extracting</a:t>
+            <a:rPr lang="pl-PL" sz="1400" kern="1200" noProof="0" dirty="0" err="1"/>
+            <a:t>Ingest</a:t>
           </a:r>
-          <a:endParaRPr lang="pl-PL" sz="1200" kern="1200" noProof="0" dirty="0"/>
+          <a:endParaRPr lang="pl-PL" sz="1400" kern="1200" noProof="0" dirty="0"/>
         </a:p>
       </dsp:txBody>
       <dsp:txXfrm rot="5400000">
-        <a:off x="642524" y="1979343"/>
-        <a:ext cx="1833365" cy="392651"/>
+        <a:off x="547021" y="1979343"/>
+        <a:ext cx="1556099" cy="392651"/>
       </dsp:txXfrm>
     </dsp:sp>
     <dsp:sp modelId="{45A02F84-C6CB-43F5-AEE4-3EA66C2BD25F}">
@@ -1999,8 +2406,8 @@
       </dsp:nvSpPr>
       <dsp:spPr>
         <a:xfrm>
-          <a:off x="3080" y="0"/>
-          <a:ext cx="3091011" cy="1522968"/>
+          <a:off x="0" y="0"/>
+          <a:ext cx="2628899" cy="1522968"/>
         </a:xfrm>
         <a:prstGeom prst="rect">
           <a:avLst/>
@@ -2024,12 +2431,12 @@
         <a:fontRef idx="minor"/>
       </dsp:style>
       <dsp:txBody>
-        <a:bodyPr spcFirstLastPara="0" vert="horz" wrap="square" lIns="0" tIns="0" rIns="0" bIns="91440" numCol="1" spcCol="1270" rtlCol="0" anchor="b" anchorCtr="1">
+        <a:bodyPr spcFirstLastPara="0" vert="horz" wrap="square" lIns="0" tIns="0" rIns="0" bIns="121920" numCol="1" spcCol="1270" rtlCol="0" anchor="b" anchorCtr="1">
           <a:noAutofit/>
         </a:bodyPr>
         <a:lstStyle/>
         <a:p>
-          <a:pPr marL="0" lvl="0" indent="0" algn="ctr" defTabSz="533400" rtl="0">
+          <a:pPr marL="0" lvl="0" indent="0" algn="ctr" defTabSz="711200" rtl="0">
             <a:lnSpc>
               <a:spcPct val="90000"/>
             </a:lnSpc>
@@ -2042,12 +2449,12 @@
             <a:buNone/>
           </a:pPr>
           <a:r>
-            <a:rPr lang="en-US" sz="1200" b="1" i="0" u="none" kern="1200" noProof="0" dirty="0"/>
+            <a:rPr lang="en-US" sz="1600" b="1" i="0" u="none" kern="1200" noProof="0" dirty="0"/>
             <a:t>Step 1</a:t>
           </a:r>
         </a:p>
         <a:p>
-          <a:pPr marL="0" lvl="0" indent="0" algn="ctr" defTabSz="533400" rtl="0">
+          <a:pPr marL="0" lvl="0" indent="0" algn="ctr" defTabSz="711200" rtl="0">
             <a:lnSpc>
               <a:spcPct val="90000"/>
             </a:lnSpc>
@@ -2060,15 +2467,57 @@
             <a:buNone/>
           </a:pPr>
           <a:r>
-            <a:rPr lang="en-US" sz="1200" b="0" i="0" u="none" kern="1200" noProof="0" dirty="0"/>
-            <a:t>Downloading the database, connecting to SQL Server</a:t>
+            <a:rPr lang="pl-PL" sz="1600" b="0" i="0" u="none" kern="1200" noProof="0" dirty="0" err="1"/>
+            <a:t>Extracting</a:t>
           </a:r>
-          <a:endParaRPr lang="pl-PL" sz="1200" kern="1200" noProof="0" dirty="0"/>
+          <a:r>
+            <a:rPr lang="pl-PL" sz="1600" b="0" i="0" u="none" kern="1200" noProof="0" dirty="0"/>
+            <a:t> data from API,</a:t>
+          </a:r>
+        </a:p>
+        <a:p>
+          <a:pPr marL="0" lvl="0" indent="0" algn="ctr" defTabSz="711200" rtl="0">
+            <a:lnSpc>
+              <a:spcPct val="90000"/>
+            </a:lnSpc>
+            <a:spcBef>
+              <a:spcPct val="0"/>
+            </a:spcBef>
+            <a:spcAft>
+              <a:spcPct val="35000"/>
+            </a:spcAft>
+            <a:buNone/>
+          </a:pPr>
+          <a:r>
+            <a:rPr lang="pl-PL" sz="1600" b="0" i="0" u="none" kern="1200" noProof="0" dirty="0" err="1"/>
+            <a:t>copying</a:t>
+          </a:r>
+          <a:r>
+            <a:rPr lang="pl-PL" sz="1600" b="0" i="0" u="none" kern="1200" noProof="0" dirty="0"/>
+            <a:t> CSV </a:t>
+          </a:r>
+          <a:r>
+            <a:rPr lang="pl-PL" sz="1600" b="0" i="0" u="none" kern="1200" noProof="0" dirty="0" err="1"/>
+            <a:t>files</a:t>
+          </a:r>
+          <a:r>
+            <a:rPr lang="pl-PL" sz="1600" b="0" i="0" u="none" kern="1200" noProof="0" dirty="0"/>
+            <a:t> for data </a:t>
+          </a:r>
+          <a:r>
+            <a:rPr lang="pl-PL" sz="1600" b="0" i="0" u="none" kern="1200" noProof="0" dirty="0" err="1"/>
+            <a:t>enrichment</a:t>
+          </a:r>
+          <a:r>
+            <a:rPr lang="pl-PL" sz="1600" b="0" i="0" u="none" kern="1200" noProof="0" dirty="0"/>
+            <a:t>.</a:t>
+          </a:r>
+          <a:endParaRPr lang="pl-PL" sz="1600" kern="1200" noProof="0" dirty="0"/>
         </a:p>
       </dsp:txBody>
       <dsp:txXfrm>
-        <a:off x="3080" y="0"/>
-        <a:ext cx="3091011" cy="1522968"/>
+        <a:off x="0" y="0"/>
+        <a:ext cx="2628899" cy="1522968"/>
       </dsp:txXfrm>
     </dsp:sp>
     <dsp:sp modelId="{6BA46904-CB7C-4538-BD49-D3891EF19552}">
@@ -2078,7 +2527,7 @@
       </dsp:nvSpPr>
       <dsp:spPr>
         <a:xfrm>
-          <a:off x="1548586" y="1609995"/>
+          <a:off x="1314450" y="1609995"/>
           <a:ext cx="0" cy="348107"/>
         </a:xfrm>
         <a:prstGeom prst="line">
@@ -2114,7 +2563,7 @@
       </dsp:nvSpPr>
       <dsp:spPr>
         <a:xfrm>
-          <a:off x="1505073" y="1522968"/>
+          <a:off x="1270936" y="1522968"/>
           <a:ext cx="87026" cy="87026"/>
         </a:xfrm>
         <a:prstGeom prst="ellipse">
@@ -2152,6 +2601,283 @@
         </a:fontRef>
       </dsp:style>
     </dsp:sp>
+    <dsp:sp modelId="{A650D2B0-52E8-40D9-8AD6-A5170B43F474}">
+      <dsp:nvSpPr>
+        <dsp:cNvPr id="0" name=""/>
+        <dsp:cNvSpPr/>
+      </dsp:nvSpPr>
+      <dsp:spPr>
+        <a:xfrm>
+          <a:off x="2103120" y="1958102"/>
+          <a:ext cx="1577340" cy="435133"/>
+        </a:xfrm>
+        <a:prstGeom prst="rect">
+          <a:avLst/>
+        </a:prstGeom>
+        <a:solidFill>
+          <a:schemeClr val="tx1">
+            <a:lumMod val="95000"/>
+            <a:lumOff val="5000"/>
+          </a:schemeClr>
+        </a:solidFill>
+        <a:ln w="12700" cap="flat" cmpd="sng" algn="ctr">
+          <a:solidFill>
+            <a:schemeClr val="accent4"/>
+          </a:solidFill>
+          <a:prstDash val="solid"/>
+          <a:miter lim="800000"/>
+        </a:ln>
+        <a:effectLst/>
+      </dsp:spPr>
+      <dsp:style>
+        <a:lnRef idx="2">
+          <a:scrgbClr r="0" g="0" b="0"/>
+        </a:lnRef>
+        <a:fillRef idx="1">
+          <a:scrgbClr r="0" g="0" b="0"/>
+        </a:fillRef>
+        <a:effectRef idx="0">
+          <a:scrgbClr r="0" g="0" b="0"/>
+        </a:effectRef>
+        <a:fontRef idx="minor">
+          <a:schemeClr val="lt1"/>
+        </a:fontRef>
+      </dsp:style>
+      <dsp:txBody>
+        <a:bodyPr spcFirstLastPara="0" vert="horz" wrap="square" lIns="106680" tIns="106680" rIns="106680" bIns="106680" numCol="1" spcCol="1270" rtlCol="0" anchor="ctr" anchorCtr="1">
+          <a:noAutofit/>
+        </a:bodyPr>
+        <a:lstStyle/>
+        <a:p>
+          <a:pPr marL="0" lvl="0" indent="0" algn="ctr" defTabSz="622300" rtl="0">
+            <a:lnSpc>
+              <a:spcPct val="90000"/>
+            </a:lnSpc>
+            <a:spcBef>
+              <a:spcPct val="0"/>
+            </a:spcBef>
+            <a:spcAft>
+              <a:spcPct val="35000"/>
+            </a:spcAft>
+            <a:buNone/>
+          </a:pPr>
+          <a:r>
+            <a:rPr lang="pl-PL" sz="1400" kern="1200" noProof="0" dirty="0"/>
+            <a:t>Streaming</a:t>
+          </a:r>
+        </a:p>
+      </dsp:txBody>
+      <dsp:txXfrm>
+        <a:off x="2103120" y="1958102"/>
+        <a:ext cx="1577340" cy="435133"/>
+      </dsp:txXfrm>
+    </dsp:sp>
+    <dsp:sp modelId="{D62C5F86-63B4-47B4-BA32-1AABF77400AC}">
+      <dsp:nvSpPr>
+        <dsp:cNvPr id="0" name=""/>
+        <dsp:cNvSpPr/>
+      </dsp:nvSpPr>
+      <dsp:spPr>
+        <a:xfrm>
+          <a:off x="1577340" y="2828369"/>
+          <a:ext cx="2628899" cy="1522968"/>
+        </a:xfrm>
+        <a:prstGeom prst="rect">
+          <a:avLst/>
+        </a:prstGeom>
+        <a:noFill/>
+        <a:ln>
+          <a:noFill/>
+        </a:ln>
+        <a:effectLst/>
+      </dsp:spPr>
+      <dsp:style>
+        <a:lnRef idx="0">
+          <a:scrgbClr r="0" g="0" b="0"/>
+        </a:lnRef>
+        <a:fillRef idx="0">
+          <a:scrgbClr r="0" g="0" b="0"/>
+        </a:fillRef>
+        <a:effectRef idx="0">
+          <a:scrgbClr r="0" g="0" b="0"/>
+        </a:effectRef>
+        <a:fontRef idx="minor"/>
+      </dsp:style>
+      <dsp:txBody>
+        <a:bodyPr spcFirstLastPara="0" vert="horz" wrap="square" lIns="0" tIns="121920" rIns="0" bIns="0" numCol="1" spcCol="1270" rtlCol="0" anchor="t" anchorCtr="1">
+          <a:noAutofit/>
+        </a:bodyPr>
+        <a:lstStyle/>
+        <a:p>
+          <a:pPr marL="0" lvl="0" indent="0" algn="ctr" defTabSz="711200" rtl="0">
+            <a:lnSpc>
+              <a:spcPct val="90000"/>
+            </a:lnSpc>
+            <a:spcBef>
+              <a:spcPct val="0"/>
+            </a:spcBef>
+            <a:spcAft>
+              <a:spcPct val="35000"/>
+            </a:spcAft>
+            <a:buNone/>
+          </a:pPr>
+          <a:r>
+            <a:rPr lang="en-US" sz="1600" b="1" i="0" u="none" kern="1200" noProof="0" dirty="0"/>
+            <a:t>Step </a:t>
+          </a:r>
+          <a:r>
+            <a:rPr lang="pl-PL" sz="1600" b="1" i="0" u="none" kern="1200" noProof="0" dirty="0"/>
+            <a:t>2</a:t>
+          </a:r>
+          <a:endParaRPr lang="en-US" sz="1600" b="1" i="0" u="none" kern="1200" noProof="0" dirty="0"/>
+        </a:p>
+        <a:p>
+          <a:pPr marL="0" lvl="0" indent="0" algn="ctr" defTabSz="711200" rtl="0">
+            <a:lnSpc>
+              <a:spcPct val="90000"/>
+            </a:lnSpc>
+            <a:spcBef>
+              <a:spcPct val="0"/>
+            </a:spcBef>
+            <a:spcAft>
+              <a:spcPct val="35000"/>
+            </a:spcAft>
+            <a:buNone/>
+          </a:pPr>
+          <a:r>
+            <a:rPr lang="pl-PL" sz="1600" b="0" kern="1200" noProof="0" dirty="0"/>
+            <a:t>Streaming data from </a:t>
+          </a:r>
+          <a:r>
+            <a:rPr lang="pl-PL" sz="1600" b="0" kern="1200" noProof="0" dirty="0" err="1"/>
+            <a:t>Azure</a:t>
+          </a:r>
+          <a:r>
+            <a:rPr lang="pl-PL" sz="1600" b="0" kern="1200" noProof="0" dirty="0"/>
+            <a:t> </a:t>
+          </a:r>
+          <a:r>
+            <a:rPr lang="pl-PL" sz="1600" b="0" kern="1200" noProof="0" dirty="0" err="1"/>
+            <a:t>App</a:t>
+          </a:r>
+          <a:r>
+            <a:rPr lang="pl-PL" sz="1600" b="0" kern="1200" noProof="0" dirty="0"/>
+            <a:t> Service </a:t>
+          </a:r>
+          <a:r>
+            <a:rPr lang="pl-PL" sz="1600" b="0" kern="1200" noProof="0" dirty="0" err="1"/>
+            <a:t>application</a:t>
+          </a:r>
+          <a:r>
+            <a:rPr lang="pl-PL" sz="1600" b="0" kern="1200" noProof="0" dirty="0"/>
+            <a:t> </a:t>
+          </a:r>
+          <a:r>
+            <a:rPr lang="pl-PL" sz="1600" b="0" kern="1200" noProof="0" dirty="0" err="1"/>
+            <a:t>through</a:t>
+          </a:r>
+          <a:r>
+            <a:rPr lang="pl-PL" sz="1600" b="0" kern="1200" noProof="0" dirty="0"/>
+            <a:t> Kafka</a:t>
+          </a:r>
+        </a:p>
+      </dsp:txBody>
+      <dsp:txXfrm>
+        <a:off x="1577340" y="2828369"/>
+        <a:ext cx="2628899" cy="1522968"/>
+      </dsp:txXfrm>
+    </dsp:sp>
+    <dsp:sp modelId="{E3A52D82-1671-42BA-B666-21F555A2B3A7}">
+      <dsp:nvSpPr>
+        <dsp:cNvPr id="0" name=""/>
+        <dsp:cNvSpPr/>
+      </dsp:nvSpPr>
+      <dsp:spPr>
+        <a:xfrm>
+          <a:off x="2891790" y="2393235"/>
+          <a:ext cx="0" cy="348107"/>
+        </a:xfrm>
+        <a:prstGeom prst="line">
+          <a:avLst/>
+        </a:prstGeom>
+        <a:noFill/>
+        <a:ln w="6350" cap="flat" cmpd="sng" algn="ctr">
+          <a:solidFill>
+            <a:schemeClr val="accent3">
+              <a:hueOff val="0"/>
+              <a:satOff val="0"/>
+              <a:lumOff val="0"/>
+              <a:alphaOff val="0"/>
+            </a:schemeClr>
+          </a:solidFill>
+          <a:prstDash val="dash"/>
+          <a:miter lim="800000"/>
+        </a:ln>
+        <a:effectLst/>
+      </dsp:spPr>
+      <dsp:style>
+        <a:lnRef idx="1">
+          <a:scrgbClr r="0" g="0" b="0"/>
+        </a:lnRef>
+        <a:fillRef idx="0">
+          <a:scrgbClr r="0" g="0" b="0"/>
+        </a:fillRef>
+        <a:effectRef idx="0">
+          <a:scrgbClr r="0" g="0" b="0"/>
+        </a:effectRef>
+        <a:fontRef idx="minor"/>
+      </dsp:style>
+    </dsp:sp>
+    <dsp:sp modelId="{24956AC7-7F23-4DF3-8721-5FE06DC461CA}">
+      <dsp:nvSpPr>
+        <dsp:cNvPr id="0" name=""/>
+        <dsp:cNvSpPr/>
+      </dsp:nvSpPr>
+      <dsp:spPr>
+        <a:xfrm>
+          <a:off x="2848276" y="2741342"/>
+          <a:ext cx="87026" cy="87026"/>
+        </a:xfrm>
+        <a:prstGeom prst="ellipse">
+          <a:avLst/>
+        </a:prstGeom>
+        <a:solidFill>
+          <a:schemeClr val="accent3">
+            <a:hueOff val="0"/>
+            <a:satOff val="0"/>
+            <a:lumOff val="0"/>
+            <a:alphaOff val="0"/>
+          </a:schemeClr>
+        </a:solidFill>
+        <a:ln w="12700" cap="flat" cmpd="sng" algn="ctr">
+          <a:solidFill>
+            <a:schemeClr val="lt1">
+              <a:hueOff val="0"/>
+              <a:satOff val="0"/>
+              <a:lumOff val="0"/>
+              <a:alphaOff val="0"/>
+            </a:schemeClr>
+          </a:solidFill>
+          <a:prstDash val="solid"/>
+          <a:miter lim="800000"/>
+        </a:ln>
+        <a:effectLst/>
+      </dsp:spPr>
+      <dsp:style>
+        <a:lnRef idx="2">
+          <a:scrgbClr r="0" g="0" b="0"/>
+        </a:lnRef>
+        <a:fillRef idx="1">
+          <a:scrgbClr r="0" g="0" b="0"/>
+        </a:fillRef>
+        <a:effectRef idx="0">
+          <a:scrgbClr r="0" g="0" b="0"/>
+        </a:effectRef>
+        <a:fontRef idx="minor">
+          <a:schemeClr val="lt1"/>
+        </a:fontRef>
+      </dsp:style>
+    </dsp:sp>
     <dsp:sp modelId="{539615E2-3277-4D8E-8484-FF5088C8BF01}">
       <dsp:nvSpPr>
         <dsp:cNvPr id="0" name=""/>
@@ -2159,8 +2885,8 @@
       </dsp:nvSpPr>
       <dsp:spPr>
         <a:xfrm>
-          <a:off x="2475889" y="1958102"/>
-          <a:ext cx="1854606" cy="435133"/>
+          <a:off x="3680460" y="1958102"/>
+          <a:ext cx="1577340" cy="435133"/>
         </a:xfrm>
         <a:prstGeom prst="rect">
           <a:avLst/>
@@ -2192,12 +2918,12 @@
         </a:fontRef>
       </dsp:style>
       <dsp:txBody>
-        <a:bodyPr spcFirstLastPara="0" vert="horz" wrap="square" lIns="91440" tIns="91440" rIns="91440" bIns="91440" numCol="1" spcCol="1270" rtlCol="0" anchor="ctr" anchorCtr="1">
+        <a:bodyPr spcFirstLastPara="0" vert="horz" wrap="square" lIns="106680" tIns="106680" rIns="106680" bIns="106680" numCol="1" spcCol="1270" rtlCol="0" anchor="ctr" anchorCtr="1">
           <a:noAutofit/>
         </a:bodyPr>
         <a:lstStyle/>
         <a:p>
-          <a:pPr marL="0" lvl="0" indent="0" algn="ctr" defTabSz="533400" rtl="0">
+          <a:pPr marL="0" lvl="0" indent="0" algn="ctr" defTabSz="622300" rtl="0">
             <a:lnSpc>
               <a:spcPct val="90000"/>
             </a:lnSpc>
@@ -2210,15 +2936,19 @@
             <a:buNone/>
           </a:pPr>
           <a:r>
-            <a:rPr lang="en-US" sz="1200" b="0" i="0" kern="1200" dirty="0"/>
-            <a:t>Streaming</a:t>
+            <a:rPr lang="en-US" sz="1400" b="0" i="0" kern="1200" dirty="0"/>
+            <a:t>St</a:t>
           </a:r>
-          <a:endParaRPr lang="pl-PL" sz="1200" kern="1200" noProof="0" dirty="0"/>
+          <a:r>
+            <a:rPr lang="pl-PL" sz="1400" b="0" i="0" kern="1200" dirty="0" err="1"/>
+            <a:t>orage</a:t>
+          </a:r>
+          <a:endParaRPr lang="pl-PL" sz="1400" kern="1200" noProof="0" dirty="0"/>
         </a:p>
       </dsp:txBody>
       <dsp:txXfrm>
-        <a:off x="2475889" y="1958102"/>
-        <a:ext cx="1854606" cy="435133"/>
+        <a:off x="3680460" y="1958102"/>
+        <a:ext cx="1577340" cy="435133"/>
       </dsp:txXfrm>
     </dsp:sp>
     <dsp:sp modelId="{FEBD3C2A-A340-470A-A475-AE614EA07678}">
@@ -2228,8 +2958,8 @@
       </dsp:nvSpPr>
       <dsp:spPr>
         <a:xfrm>
-          <a:off x="1857687" y="2828369"/>
-          <a:ext cx="3091011" cy="1522968"/>
+          <a:off x="3154680" y="0"/>
+          <a:ext cx="2628900" cy="1522968"/>
         </a:xfrm>
         <a:prstGeom prst="rect">
           <a:avLst/>
@@ -2253,12 +2983,12 @@
         <a:fontRef idx="minor"/>
       </dsp:style>
       <dsp:txBody>
-        <a:bodyPr spcFirstLastPara="0" vert="horz" wrap="square" lIns="0" tIns="91440" rIns="0" bIns="0" numCol="1" spcCol="1270" rtlCol="0" anchor="t" anchorCtr="1">
+        <a:bodyPr spcFirstLastPara="0" vert="horz" wrap="square" lIns="0" tIns="0" rIns="0" bIns="121920" numCol="1" spcCol="1270" rtlCol="0" anchor="b" anchorCtr="1">
           <a:noAutofit/>
         </a:bodyPr>
         <a:lstStyle/>
         <a:p>
-          <a:pPr marL="0" lvl="0" indent="0" algn="ctr" defTabSz="533400" rtl="0">
+          <a:pPr marL="0" lvl="0" indent="0" algn="ctr" defTabSz="711200" rtl="0">
             <a:lnSpc>
               <a:spcPct val="90000"/>
             </a:lnSpc>
@@ -2271,12 +3001,17 @@
             <a:buNone/>
           </a:pPr>
           <a:r>
-            <a:rPr lang="en-US" sz="1200" b="1" i="0" u="none" kern="1200" noProof="0" dirty="0"/>
-            <a:t>Step 2</a:t>
+            <a:rPr lang="en-US" sz="1600" b="1" i="0" u="none" kern="1200" noProof="0" dirty="0"/>
+            <a:t>Step </a:t>
           </a:r>
+          <a:r>
+            <a:rPr lang="pl-PL" sz="1600" b="1" i="0" u="none" kern="1200" noProof="0" dirty="0"/>
+            <a:t>3</a:t>
+          </a:r>
+          <a:endParaRPr lang="en-US" sz="1600" b="1" i="0" u="none" kern="1200" noProof="0" dirty="0"/>
         </a:p>
         <a:p>
-          <a:pPr marL="0" lvl="0" indent="0" algn="ctr" defTabSz="533400" rtl="0">
+          <a:pPr marL="0" lvl="0" indent="0" algn="ctr" defTabSz="711200" rtl="0">
             <a:lnSpc>
               <a:spcPct val="90000"/>
             </a:lnSpc>
@@ -2289,19 +3024,39 @@
             <a:buNone/>
           </a:pPr>
           <a:r>
-            <a:rPr lang="en-US" sz="1200" b="0" i="0" u="none" kern="1200" noProof="0" dirty="0"/>
-            <a:t>Analyzing the data types, identifying problems, creating views ready to be used for conversion to CSV files.</a:t>
+            <a:rPr lang="pl-PL" sz="1600" b="0" i="0" u="none" kern="1200" noProof="0" dirty="0" err="1"/>
+            <a:t>Saving</a:t>
           </a:r>
           <a:r>
-            <a:rPr lang="pl-PL" sz="1200" b="0" i="0" u="none" kern="1200" noProof="0" dirty="0"/>
-            <a:t> </a:t>
+            <a:rPr lang="pl-PL" sz="1600" b="0" i="0" u="none" kern="1200" noProof="0" dirty="0"/>
+            <a:t> data from Kafka </a:t>
           </a:r>
-          <a:endParaRPr lang="pl-PL" sz="1200" kern="1200" noProof="0" dirty="0"/>
+          <a:r>
+            <a:rPr lang="pl-PL" sz="1600" b="0" i="0" u="none" kern="1200" noProof="0" dirty="0" err="1"/>
+            <a:t>consumer</a:t>
+          </a:r>
+          <a:r>
+            <a:rPr lang="pl-PL" sz="1600" b="0" i="0" u="none" kern="1200" noProof="0" dirty="0"/>
+            <a:t> to a Delta </a:t>
+          </a:r>
+          <a:r>
+            <a:rPr lang="pl-PL" sz="1600" b="0" i="0" u="none" kern="1200" noProof="0" dirty="0" err="1"/>
+            <a:t>table</a:t>
+          </a:r>
+          <a:r>
+            <a:rPr lang="pl-PL" sz="1600" b="0" i="0" u="none" kern="1200" noProof="0" dirty="0"/>
+            <a:t>, </a:t>
+          </a:r>
+          <a:r>
+            <a:rPr lang="en-US" sz="1600" b="0" i="0" u="none" kern="1200" noProof="0" dirty="0"/>
+            <a:t>copying CSV files to DBFS.</a:t>
+          </a:r>
+          <a:endParaRPr lang="pl-PL" sz="1600" kern="1200" noProof="0" dirty="0"/>
         </a:p>
       </dsp:txBody>
       <dsp:txXfrm>
-        <a:off x="1857687" y="2828369"/>
-        <a:ext cx="3091011" cy="1522968"/>
+        <a:off x="3154680" y="0"/>
+        <a:ext cx="2628900" cy="1522968"/>
       </dsp:txXfrm>
     </dsp:sp>
     <dsp:sp modelId="{080474C8-0FEA-4FD1-97F1-0978CFB4A37F}">
@@ -2311,7 +3066,7 @@
       </dsp:nvSpPr>
       <dsp:spPr>
         <a:xfrm>
-          <a:off x="3403193" y="2393235"/>
+          <a:off x="4469130" y="1609995"/>
           <a:ext cx="0" cy="348107"/>
         </a:xfrm>
         <a:prstGeom prst="line">
@@ -2347,7 +3102,7 @@
       </dsp:nvSpPr>
       <dsp:spPr>
         <a:xfrm>
-          <a:off x="3359679" y="2741342"/>
+          <a:off x="4425616" y="1522968"/>
           <a:ext cx="87026" cy="87026"/>
         </a:xfrm>
         <a:prstGeom prst="ellipse">
@@ -2392,8 +3147,8 @@
       </dsp:nvSpPr>
       <dsp:spPr>
         <a:xfrm>
-          <a:off x="4330496" y="1958102"/>
-          <a:ext cx="1854606" cy="435133"/>
+          <a:off x="5257800" y="1958102"/>
+          <a:ext cx="1577339" cy="435133"/>
         </a:xfrm>
         <a:prstGeom prst="rect">
           <a:avLst/>
@@ -2425,12 +3180,12 @@
         </a:fontRef>
       </dsp:style>
       <dsp:txBody>
-        <a:bodyPr spcFirstLastPara="0" vert="horz" wrap="square" lIns="91440" tIns="91440" rIns="91440" bIns="91440" numCol="1" spcCol="1270" rtlCol="0" anchor="ctr" anchorCtr="1">
+        <a:bodyPr spcFirstLastPara="0" vert="horz" wrap="square" lIns="106680" tIns="106680" rIns="106680" bIns="106680" numCol="1" spcCol="1270" rtlCol="0" anchor="ctr" anchorCtr="1">
           <a:noAutofit/>
         </a:bodyPr>
         <a:lstStyle/>
         <a:p>
-          <a:pPr marL="0" lvl="0" indent="0" algn="ctr" defTabSz="533400" rtl="0">
+          <a:pPr marL="0" lvl="0" indent="0" algn="ctr" defTabSz="622300" rtl="0">
             <a:lnSpc>
               <a:spcPct val="90000"/>
             </a:lnSpc>
@@ -2443,15 +3198,14 @@
             <a:buNone/>
           </a:pPr>
           <a:r>
-            <a:rPr lang="en-US" sz="1200" kern="1200" noProof="0" dirty="0"/>
-            <a:t>Cleaning and Merging</a:t>
+            <a:rPr lang="pl-PL" sz="1400" kern="1200" noProof="0" dirty="0"/>
+            <a:t>Processing</a:t>
           </a:r>
-          <a:endParaRPr lang="pl-PL" sz="1200" kern="1200" noProof="0" dirty="0"/>
         </a:p>
       </dsp:txBody>
       <dsp:txXfrm>
-        <a:off x="4330496" y="1958102"/>
-        <a:ext cx="1854606" cy="435133"/>
+        <a:off x="5257800" y="1958102"/>
+        <a:ext cx="1577339" cy="435133"/>
       </dsp:txXfrm>
     </dsp:sp>
     <dsp:sp modelId="{80CDBBF8-C6B4-4166-87C1-DC9120CC7586}">
@@ -2461,8 +3215,8 @@
       </dsp:nvSpPr>
       <dsp:spPr>
         <a:xfrm>
-          <a:off x="3712294" y="0"/>
-          <a:ext cx="3091011" cy="1522968"/>
+          <a:off x="4732020" y="2828369"/>
+          <a:ext cx="2628899" cy="1522968"/>
         </a:xfrm>
         <a:prstGeom prst="rect">
           <a:avLst/>
@@ -2486,12 +3240,12 @@
         <a:fontRef idx="minor"/>
       </dsp:style>
       <dsp:txBody>
-        <a:bodyPr spcFirstLastPara="0" vert="horz" wrap="square" lIns="0" tIns="0" rIns="0" bIns="91440" numCol="1" spcCol="1270" rtlCol="0" anchor="b" anchorCtr="1">
+        <a:bodyPr spcFirstLastPara="0" vert="horz" wrap="square" lIns="0" tIns="121920" rIns="0" bIns="0" numCol="1" spcCol="1270" rtlCol="0" anchor="t" anchorCtr="1">
           <a:noAutofit/>
         </a:bodyPr>
         <a:lstStyle/>
         <a:p>
-          <a:pPr marL="0" lvl="0" indent="0" algn="ctr" defTabSz="533400" rtl="0">
+          <a:pPr marL="0" lvl="0" indent="0" algn="ctr" defTabSz="711200" rtl="0">
             <a:lnSpc>
               <a:spcPct val="90000"/>
             </a:lnSpc>
@@ -2504,12 +3258,17 @@
             <a:buNone/>
           </a:pPr>
           <a:r>
-            <a:rPr lang="en-US" sz="1200" b="1" i="0" u="none" kern="1200" noProof="0" dirty="0"/>
-            <a:t>Step 3</a:t>
+            <a:rPr lang="en-US" sz="1600" b="1" i="0" u="none" kern="1200" noProof="0" dirty="0"/>
+            <a:t>Step </a:t>
           </a:r>
+          <a:r>
+            <a:rPr lang="pl-PL" sz="1600" b="1" i="0" u="none" kern="1200" noProof="0" dirty="0"/>
+            <a:t>4</a:t>
+          </a:r>
+          <a:endParaRPr lang="en-US" sz="1600" b="1" i="0" u="none" kern="1200" noProof="0" dirty="0"/>
         </a:p>
         <a:p>
-          <a:pPr marL="0" lvl="0" indent="0" algn="ctr" defTabSz="533400" rtl="0">
+          <a:pPr marL="0" lvl="0" indent="0" algn="ctr" defTabSz="711200" rtl="0">
             <a:lnSpc>
               <a:spcPct val="90000"/>
             </a:lnSpc>
@@ -2522,15 +3281,51 @@
             <a:buNone/>
           </a:pPr>
           <a:r>
-            <a:rPr lang="en-US" sz="1200" b="0" i="0" u="none" kern="1200" noProof="0" dirty="0"/>
-            <a:t>Using BCP to convert to CSV, compressing the data to reduce size, creating a Docker container with Databricks CLI, and copying to Databricks.</a:t>
+            <a:rPr lang="en-US" sz="1600" b="0" i="0" u="none" kern="1200" noProof="0" dirty="0"/>
+            <a:t>In Spark</a:t>
           </a:r>
-          <a:endParaRPr lang="pl-PL" sz="1200" kern="1200" noProof="0" dirty="0"/>
+          <a:r>
+            <a:rPr lang="pl-PL" sz="1600" b="0" i="0" u="none" kern="1200" noProof="0" dirty="0"/>
+            <a:t>:</a:t>
+          </a:r>
+          <a:r>
+            <a:rPr lang="en-US" sz="1600" b="0" i="0" u="none" kern="1200" noProof="0" dirty="0"/>
+            <a:t> </a:t>
+          </a:r>
+          <a:r>
+            <a:rPr lang="pl-PL" sz="1600" b="0" i="0" u="none" kern="1200" noProof="0" dirty="0" err="1"/>
+            <a:t>converting</a:t>
+          </a:r>
+          <a:r>
+            <a:rPr lang="pl-PL" sz="1600" b="0" i="0" u="none" kern="1200" noProof="0" dirty="0"/>
+            <a:t> data to </a:t>
+          </a:r>
+          <a:r>
+            <a:rPr lang="pl-PL" sz="1600" b="0" i="0" u="none" kern="1200" noProof="0" dirty="0" err="1"/>
+            <a:t>proper</a:t>
+          </a:r>
+          <a:r>
+            <a:rPr lang="pl-PL" sz="1600" b="0" i="0" u="none" kern="1200" noProof="0" dirty="0"/>
+            <a:t> </a:t>
+          </a:r>
+          <a:r>
+            <a:rPr lang="pl-PL" sz="1600" b="0" i="0" u="none" kern="1200" noProof="0" dirty="0" err="1"/>
+            <a:t>schemas</a:t>
+          </a:r>
+          <a:r>
+            <a:rPr lang="pl-PL" sz="1600" b="0" i="0" u="none" kern="1200" noProof="0" dirty="0"/>
+            <a:t> and </a:t>
+          </a:r>
+          <a:r>
+            <a:rPr lang="pl-PL" sz="1600" b="0" i="0" u="none" kern="1200" noProof="0" dirty="0" err="1"/>
+            <a:t>cleaning</a:t>
+          </a:r>
+          <a:endParaRPr lang="pl-PL" sz="1600" kern="1200" noProof="0" dirty="0"/>
         </a:p>
       </dsp:txBody>
       <dsp:txXfrm>
-        <a:off x="3712294" y="0"/>
-        <a:ext cx="3091011" cy="1522968"/>
+        <a:off x="4732020" y="2828369"/>
+        <a:ext cx="2628899" cy="1522968"/>
       </dsp:txXfrm>
     </dsp:sp>
     <dsp:sp modelId="{89759DE5-9F8A-470E-A6D8-F13BB4DEE93D}">
@@ -2540,7 +3335,7 @@
       </dsp:nvSpPr>
       <dsp:spPr>
         <a:xfrm>
-          <a:off x="5257799" y="1609995"/>
+          <a:off x="6046470" y="2393235"/>
           <a:ext cx="0" cy="348107"/>
         </a:xfrm>
         <a:prstGeom prst="line">
@@ -2576,7 +3371,7 @@
       </dsp:nvSpPr>
       <dsp:spPr>
         <a:xfrm>
-          <a:off x="5214286" y="1522968"/>
+          <a:off x="6002956" y="2741342"/>
           <a:ext cx="87026" cy="87026"/>
         </a:xfrm>
         <a:prstGeom prst="ellipse">
@@ -2621,8 +3416,8 @@
       </dsp:nvSpPr>
       <dsp:spPr>
         <a:xfrm>
-          <a:off x="6185103" y="1958102"/>
-          <a:ext cx="1854606" cy="435133"/>
+          <a:off x="6835140" y="1958102"/>
+          <a:ext cx="1577339" cy="435133"/>
         </a:xfrm>
         <a:prstGeom prst="rect">
           <a:avLst/>
@@ -2654,12 +3449,12 @@
         </a:fontRef>
       </dsp:style>
       <dsp:txBody>
-        <a:bodyPr spcFirstLastPara="0" vert="horz" wrap="square" lIns="91440" tIns="91440" rIns="91440" bIns="91440" numCol="1" spcCol="1270" rtlCol="0" anchor="ctr" anchorCtr="1">
+        <a:bodyPr spcFirstLastPara="0" vert="horz" wrap="square" lIns="106680" tIns="106680" rIns="106680" bIns="106680" numCol="1" spcCol="1270" rtlCol="0" anchor="ctr" anchorCtr="1">
           <a:noAutofit/>
         </a:bodyPr>
         <a:lstStyle/>
         <a:p>
-          <a:pPr marL="0" lvl="0" indent="0" algn="ctr" defTabSz="533400" rtl="0">
+          <a:pPr marL="0" lvl="0" indent="0" algn="ctr" defTabSz="622300" rtl="0">
             <a:lnSpc>
               <a:spcPct val="90000"/>
             </a:lnSpc>
@@ -2672,15 +3467,14 @@
             <a:buNone/>
           </a:pPr>
           <a:r>
-            <a:rPr lang="en-US" sz="1200" kern="1200" noProof="0" dirty="0"/>
-            <a:t>Serving</a:t>
+            <a:rPr lang="pl-PL" sz="1400" kern="1200" noProof="0" dirty="0"/>
+            <a:t>Analysis</a:t>
           </a:r>
-          <a:endParaRPr lang="pl-PL" sz="1200" kern="1200" noProof="0" dirty="0"/>
         </a:p>
       </dsp:txBody>
       <dsp:txXfrm>
-        <a:off x="6185103" y="1958102"/>
-        <a:ext cx="1854606" cy="435133"/>
+        <a:off x="6835140" y="1958102"/>
+        <a:ext cx="1577339" cy="435133"/>
       </dsp:txXfrm>
     </dsp:sp>
     <dsp:sp modelId="{36210ACA-E081-40B5-87EC-500863B13ADD}">
@@ -2690,8 +3484,8 @@
       </dsp:nvSpPr>
       <dsp:spPr>
         <a:xfrm>
-          <a:off x="5566901" y="2828369"/>
-          <a:ext cx="3091011" cy="1522968"/>
+          <a:off x="6309360" y="0"/>
+          <a:ext cx="2628899" cy="1522968"/>
         </a:xfrm>
         <a:prstGeom prst="rect">
           <a:avLst/>
@@ -2715,12 +3509,12 @@
         <a:fontRef idx="minor"/>
       </dsp:style>
       <dsp:txBody>
-        <a:bodyPr spcFirstLastPara="0" vert="horz" wrap="square" lIns="0" tIns="91440" rIns="0" bIns="0" numCol="1" spcCol="1270" rtlCol="0" anchor="t" anchorCtr="1">
+        <a:bodyPr spcFirstLastPara="0" vert="horz" wrap="square" lIns="0" tIns="0" rIns="0" bIns="121920" numCol="1" spcCol="1270" rtlCol="0" anchor="b" anchorCtr="1">
           <a:noAutofit/>
         </a:bodyPr>
         <a:lstStyle/>
         <a:p>
-          <a:pPr marL="0" lvl="0" indent="0" algn="ctr" defTabSz="533400" rtl="0">
+          <a:pPr marL="0" lvl="0" indent="0" algn="ctr" defTabSz="711200" rtl="0">
             <a:lnSpc>
               <a:spcPct val="90000"/>
             </a:lnSpc>
@@ -2733,12 +3527,17 @@
             <a:buNone/>
           </a:pPr>
           <a:r>
-            <a:rPr lang="en-US" sz="1200" b="1" i="0" u="none" kern="1200" noProof="0" dirty="0"/>
-            <a:t>Step 4</a:t>
+            <a:rPr lang="en-US" sz="1600" b="1" i="0" u="none" kern="1200" noProof="0" dirty="0"/>
+            <a:t>Step </a:t>
           </a:r>
+          <a:r>
+            <a:rPr lang="pl-PL" sz="1600" b="1" i="0" u="none" kern="1200" noProof="0" dirty="0"/>
+            <a:t>5</a:t>
+          </a:r>
+          <a:endParaRPr lang="en-US" sz="1600" b="1" i="0" u="none" kern="1200" noProof="0" dirty="0"/>
         </a:p>
         <a:p>
-          <a:pPr marL="0" lvl="0" indent="0" algn="ctr" defTabSz="533400" rtl="0">
+          <a:pPr marL="0" lvl="0" indent="0" algn="ctr" defTabSz="711200" rtl="0">
             <a:lnSpc>
               <a:spcPct val="90000"/>
             </a:lnSpc>
@@ -2751,15 +3550,55 @@
             <a:buNone/>
           </a:pPr>
           <a:r>
-            <a:rPr lang="en-US" sz="1200" b="0" i="0" u="none" kern="1200" noProof="0" dirty="0"/>
-            <a:t>In Spark, converting the compressed CSV files to Parquet files.</a:t>
+            <a:rPr lang="en-US" sz="1600" b="0" i="0" u="none" kern="1200" noProof="0" dirty="0"/>
+            <a:t>In Spark</a:t>
           </a:r>
-          <a:endParaRPr lang="pl-PL" sz="1200" kern="1200" noProof="0" dirty="0"/>
+          <a:r>
+            <a:rPr lang="pl-PL" sz="1600" b="0" i="0" u="none" kern="1200" noProof="0" dirty="0"/>
+            <a:t>:</a:t>
+          </a:r>
+          <a:r>
+            <a:rPr lang="en-US" sz="1600" b="0" i="0" u="none" kern="1200" noProof="0" dirty="0"/>
+            <a:t> </a:t>
+          </a:r>
+          <a:r>
+            <a:rPr lang="pl-PL" sz="1600" b="0" i="0" u="none" kern="1200" noProof="0" dirty="0" err="1"/>
+            <a:t>sorting</a:t>
+          </a:r>
+          <a:r>
+            <a:rPr lang="pl-PL" sz="1600" b="0" i="0" u="none" kern="1200" noProof="0" dirty="0"/>
+            <a:t>, </a:t>
+          </a:r>
+          <a:r>
+            <a:rPr lang="pl-PL" sz="1600" b="0" i="0" u="none" kern="1200" noProof="0" dirty="0" err="1"/>
+            <a:t>aggregating</a:t>
+          </a:r>
+          <a:r>
+            <a:rPr lang="pl-PL" sz="1600" b="0" i="0" u="none" kern="1200" noProof="0" dirty="0"/>
+            <a:t>, </a:t>
+          </a:r>
+          <a:r>
+            <a:rPr lang="pl-PL" sz="1600" b="0" i="0" u="none" kern="1200" noProof="0" dirty="0" err="1"/>
+            <a:t>determining</a:t>
+          </a:r>
+          <a:r>
+            <a:rPr lang="pl-PL" sz="1600" b="0" i="0" u="none" kern="1200" noProof="0" dirty="0"/>
+            <a:t> </a:t>
+          </a:r>
+          <a:r>
+            <a:rPr lang="pl-PL" sz="1600" b="0" i="0" u="none" kern="1200" noProof="0" dirty="0" err="1"/>
+            <a:t>coefficients</a:t>
+          </a:r>
+          <a:r>
+            <a:rPr lang="pl-PL" sz="1600" b="0" i="0" u="none" kern="1200" noProof="0" dirty="0"/>
+            <a:t>.</a:t>
+          </a:r>
+          <a:endParaRPr lang="pl-PL" sz="1600" kern="1200" noProof="0" dirty="0"/>
         </a:p>
       </dsp:txBody>
       <dsp:txXfrm>
-        <a:off x="5566901" y="2828369"/>
-        <a:ext cx="3091011" cy="1522968"/>
+        <a:off x="6309360" y="0"/>
+        <a:ext cx="2628899" cy="1522968"/>
       </dsp:txXfrm>
     </dsp:sp>
     <dsp:sp modelId="{EA3C7446-024E-4EEF-BED4-FFB1F2246CF3}">
@@ -2769,7 +3608,7 @@
       </dsp:nvSpPr>
       <dsp:spPr>
         <a:xfrm>
-          <a:off x="7112406" y="2393235"/>
+          <a:off x="7623810" y="1609995"/>
           <a:ext cx="0" cy="348107"/>
         </a:xfrm>
         <a:prstGeom prst="line">
@@ -2805,7 +3644,7 @@
       </dsp:nvSpPr>
       <dsp:spPr>
         <a:xfrm>
-          <a:off x="7068893" y="2741342"/>
+          <a:off x="7580296" y="1522968"/>
           <a:ext cx="87026" cy="87026"/>
         </a:xfrm>
         <a:prstGeom prst="ellipse">
@@ -2843,8 +3682,8 @@
       </dsp:nvSpPr>
       <dsp:spPr>
         <a:xfrm rot="5400000">
-          <a:off x="8749446" y="1248365"/>
-          <a:ext cx="435133" cy="1854606"/>
+          <a:off x="8983583" y="1386999"/>
+          <a:ext cx="435133" cy="1577339"/>
         </a:xfrm>
         <a:prstGeom prst="round2SameRect">
           <a:avLst/>
@@ -2856,7 +3695,7 @@
         </a:solidFill>
         <a:ln w="12700" cap="flat" cmpd="sng" algn="ctr">
           <a:solidFill>
-            <a:schemeClr val="accent6">
+            <a:schemeClr val="accent2">
               <a:hueOff val="0"/>
               <a:satOff val="0"/>
               <a:lumOff val="0"/>
@@ -2883,12 +3722,12 @@
         </a:fontRef>
       </dsp:style>
       <dsp:txBody>
-        <a:bodyPr spcFirstLastPara="0" vert="horz" wrap="square" lIns="91440" tIns="91440" rIns="91440" bIns="91440" numCol="1" spcCol="1270" rtlCol="0" anchor="ctr" anchorCtr="1">
+        <a:bodyPr spcFirstLastPara="0" vert="horz" wrap="square" lIns="106680" tIns="106680" rIns="106680" bIns="106680" numCol="1" spcCol="1270" rtlCol="0" anchor="ctr" anchorCtr="1">
           <a:noAutofit/>
         </a:bodyPr>
         <a:lstStyle/>
         <a:p>
-          <a:pPr marL="0" lvl="0" indent="0" algn="ctr" defTabSz="533400" rtl="0">
+          <a:pPr marL="0" lvl="0" indent="0" algn="ctr" defTabSz="622300" rtl="0">
             <a:lnSpc>
               <a:spcPct val="90000"/>
             </a:lnSpc>
@@ -2901,15 +3740,15 @@
             <a:buNone/>
           </a:pPr>
           <a:r>
-            <a:rPr lang="en-US" sz="1200" kern="1200" noProof="0" dirty="0"/>
-            <a:t>Analysis</a:t>
+            <a:rPr lang="pl-PL" sz="1400" kern="1200" noProof="0" dirty="0" err="1"/>
+            <a:t>Serving</a:t>
           </a:r>
-          <a:endParaRPr lang="pl-PL" sz="1200" kern="1200" noProof="0" dirty="0"/>
+          <a:endParaRPr lang="pl-PL" sz="1400" kern="1200" noProof="0" dirty="0"/>
         </a:p>
       </dsp:txBody>
       <dsp:txXfrm rot="-5400000">
-        <a:off x="8039710" y="1979343"/>
-        <a:ext cx="1833365" cy="392651"/>
+        <a:off x="8412481" y="1979343"/>
+        <a:ext cx="1556098" cy="392651"/>
       </dsp:txXfrm>
     </dsp:sp>
     <dsp:sp modelId="{9679B796-2B40-4D87-8578-52BF0C29AEB4}">
@@ -2919,8 +3758,8 @@
       </dsp:nvSpPr>
       <dsp:spPr>
         <a:xfrm>
-          <a:off x="7421507" y="0"/>
-          <a:ext cx="3091011" cy="1522968"/>
+          <a:off x="7886699" y="2828369"/>
+          <a:ext cx="2628899" cy="1522968"/>
         </a:xfrm>
         <a:prstGeom prst="rect">
           <a:avLst/>
@@ -2944,12 +3783,12 @@
         <a:fontRef idx="minor"/>
       </dsp:style>
       <dsp:txBody>
-        <a:bodyPr spcFirstLastPara="0" vert="horz" wrap="square" lIns="0" tIns="0" rIns="0" bIns="91440" numCol="1" spcCol="1270" rtlCol="0" anchor="b" anchorCtr="1">
+        <a:bodyPr spcFirstLastPara="0" vert="horz" wrap="square" lIns="0" tIns="121920" rIns="0" bIns="0" numCol="1" spcCol="1270" rtlCol="0" anchor="t" anchorCtr="1">
           <a:noAutofit/>
         </a:bodyPr>
         <a:lstStyle/>
         <a:p>
-          <a:pPr marL="0" lvl="0" indent="0" algn="ctr" defTabSz="533400" rtl="0">
+          <a:pPr marL="0" lvl="0" indent="0" algn="ctr" defTabSz="711200" rtl="0">
             <a:lnSpc>
               <a:spcPct val="90000"/>
             </a:lnSpc>
@@ -2962,12 +3801,17 @@
             <a:buNone/>
           </a:pPr>
           <a:r>
-            <a:rPr lang="en-US" sz="1200" b="1" i="0" u="none" kern="1200" noProof="0" dirty="0"/>
-            <a:t>Step 5</a:t>
+            <a:rPr lang="en-US" sz="1600" b="1" i="0" u="none" kern="1200" noProof="0" dirty="0"/>
+            <a:t>Step </a:t>
           </a:r>
+          <a:r>
+            <a:rPr lang="pl-PL" sz="1600" b="1" i="0" u="none" kern="1200" noProof="0" dirty="0"/>
+            <a:t>6</a:t>
+          </a:r>
+          <a:endParaRPr lang="en-US" sz="1600" b="1" i="0" u="none" kern="1200" noProof="0" dirty="0"/>
         </a:p>
         <a:p>
-          <a:pPr marL="0" lvl="0" indent="0" algn="ctr" defTabSz="533400" rtl="0">
+          <a:pPr marL="0" lvl="0" indent="0" algn="ctr" defTabSz="711200" rtl="0">
             <a:lnSpc>
               <a:spcPct val="90000"/>
             </a:lnSpc>
@@ -2980,23 +3824,82 @@
             <a:buNone/>
           </a:pPr>
           <a:r>
-            <a:rPr lang="en-US" sz="1200" b="0" i="0" u="none" kern="1200" noProof="0" dirty="0"/>
-            <a:t>Analyzing data </a:t>
+            <a:rPr lang="pl-PL" sz="1600" kern="1200" noProof="0" dirty="0" err="1"/>
+            <a:t>Storying</a:t>
           </a:r>
           <a:r>
-            <a:rPr lang="en-US" sz="1200" b="0" i="0" u="none" kern="1200" noProof="0"/>
-            <a:t>using Scala, </a:t>
+            <a:rPr lang="pl-PL" sz="1600" kern="1200" noProof="0" dirty="0"/>
+            <a:t> data in </a:t>
           </a:r>
           <a:r>
-            <a:rPr lang="en-US" sz="1200" b="0" i="0" u="none" kern="1200" noProof="0" dirty="0"/>
-            <a:t>producing charts with the Python Pandas and Matplotlib libraries.</a:t>
+            <a:rPr lang="pl-PL" sz="1600" kern="1200" noProof="0" dirty="0" err="1"/>
+            <a:t>Azure</a:t>
           </a:r>
-          <a:endParaRPr lang="pl-PL" sz="1200" kern="1200" noProof="0" dirty="0"/>
+          <a:r>
+            <a:rPr lang="pl-PL" sz="1600" kern="1200" noProof="0" dirty="0"/>
+            <a:t> SQL Database, </a:t>
+          </a:r>
+          <a:r>
+            <a:rPr lang="pl-PL" sz="1600" kern="1200" noProof="0" dirty="0" err="1"/>
+            <a:t>Dispalying</a:t>
+          </a:r>
+          <a:r>
+            <a:rPr lang="pl-PL" sz="1600" kern="1200" noProof="0" dirty="0"/>
+            <a:t> </a:t>
+          </a:r>
+          <a:r>
+            <a:rPr lang="pl-PL" sz="1600" kern="1200" noProof="0" dirty="0" err="1"/>
+            <a:t>figures</a:t>
+          </a:r>
+          <a:r>
+            <a:rPr lang="pl-PL" sz="1600" kern="1200" noProof="0" dirty="0"/>
+            <a:t> and </a:t>
+          </a:r>
+          <a:r>
+            <a:rPr lang="pl-PL" sz="1600" kern="1200" noProof="0" dirty="0" err="1"/>
+            <a:t>maps</a:t>
+          </a:r>
+          <a:r>
+            <a:rPr lang="pl-PL" sz="1600" kern="1200" noProof="0" dirty="0"/>
+            <a:t> in </a:t>
+          </a:r>
+          <a:r>
+            <a:rPr lang="pl-PL" sz="1600" kern="1200" noProof="0" dirty="0" err="1"/>
+            <a:t>an</a:t>
+          </a:r>
+          <a:r>
+            <a:rPr lang="pl-PL" sz="1600" kern="1200" noProof="0" dirty="0"/>
+            <a:t> </a:t>
+          </a:r>
+          <a:r>
+            <a:rPr lang="pl-PL" sz="1600" kern="1200" noProof="0" dirty="0" err="1"/>
+            <a:t>Azure</a:t>
+          </a:r>
+          <a:r>
+            <a:rPr lang="pl-PL" sz="1600" kern="1200" noProof="0" dirty="0"/>
+            <a:t> </a:t>
+          </a:r>
+          <a:r>
+            <a:rPr lang="pl-PL" sz="1600" kern="1200" noProof="0" dirty="0" err="1"/>
+            <a:t>App</a:t>
+          </a:r>
+          <a:r>
+            <a:rPr lang="pl-PL" sz="1600" kern="1200" noProof="0" dirty="0"/>
+            <a:t> Service </a:t>
+          </a:r>
+          <a:r>
+            <a:rPr lang="pl-PL" sz="1600" kern="1200" noProof="0" dirty="0" err="1"/>
+            <a:t>application</a:t>
+          </a:r>
+          <a:r>
+            <a:rPr lang="pl-PL" sz="1600" kern="1200" noProof="0" dirty="0"/>
+            <a:t>.</a:t>
+          </a:r>
         </a:p>
       </dsp:txBody>
       <dsp:txXfrm>
-        <a:off x="7421507" y="0"/>
-        <a:ext cx="3091011" cy="1522968"/>
+        <a:off x="7886699" y="2828369"/>
+        <a:ext cx="2628899" cy="1522968"/>
       </dsp:txXfrm>
     </dsp:sp>
     <dsp:sp modelId="{894318B2-70C4-403D-BE3D-359CAB62002A}">
@@ -3006,7 +3909,7 @@
       </dsp:nvSpPr>
       <dsp:spPr>
         <a:xfrm>
-          <a:off x="8967013" y="1609995"/>
+          <a:off x="9201149" y="2393235"/>
           <a:ext cx="0" cy="348107"/>
         </a:xfrm>
         <a:prstGeom prst="line">
@@ -3044,7 +3947,7 @@
       </dsp:nvSpPr>
       <dsp:spPr>
         <a:xfrm>
-          <a:off x="8923500" y="1522968"/>
+          <a:off x="9157636" y="2741342"/>
           <a:ext cx="87026" cy="87026"/>
         </a:xfrm>
         <a:prstGeom prst="ellipse">
@@ -4789,7 +5692,7 @@
             <a:pPr rtl="0"/>
             <a:fld id="{3D3DD571-E22F-4A38-B450-8CCBD829A548}" type="datetimeFigureOut">
               <a:rPr lang="pl-PL"/>
-              <a:t>25.03.2024</a:t>
+              <a:t>26.03.2024</a:t>
             </a:fld>
             <a:endParaRPr lang="pl-PL" dirty="0"/>
           </a:p>
@@ -7761,7 +8664,7 @@
             <a:pPr rtl="0"/>
             <a:fld id="{703E2F8D-62B3-48AF-BAF5-944399905ED0}" type="datetimeFigureOut">
               <a:rPr lang="pl-PL" smtClean="0"/>
-              <a:t>25.03.2024</a:t>
+              <a:t>26.03.2024</a:t>
             </a:fld>
             <a:endParaRPr lang="pl-PL" dirty="0"/>
           </a:p>
@@ -8001,7 +8904,7 @@
             <a:pPr rtl="0"/>
             <a:fld id="{703E2F8D-62B3-48AF-BAF5-944399905ED0}" type="datetimeFigureOut">
               <a:rPr lang="pl-PL" smtClean="0"/>
-              <a:t>25.03.2024</a:t>
+              <a:t>26.03.2024</a:t>
             </a:fld>
             <a:endParaRPr lang="pl-PL" dirty="0"/>
           </a:p>
@@ -8334,7 +9237,7 @@
             <a:fld id="{8BEEBAAA-29B5-4AF5-BC5F-7E580C29002D}" type="datetimeFigureOut">
               <a:rPr lang="pl-PL" smtClean="0"/>
               <a:pPr rtl="0"/>
-              <a:t>25.03.2024</a:t>
+              <a:t>26.03.2024</a:t>
             </a:fld>
             <a:endParaRPr lang="pl-PL" dirty="0"/>
           </a:p>
@@ -9058,7 +9961,7 @@
             <a:pPr rtl="0"/>
             <a:fld id="{703E2F8D-62B3-48AF-BAF5-944399905ED0}" type="datetimeFigureOut">
               <a:rPr lang="pl-PL" smtClean="0"/>
-              <a:t>25.03.2024</a:t>
+              <a:t>26.03.2024</a:t>
             </a:fld>
             <a:endParaRPr lang="pl-PL" dirty="0"/>
           </a:p>
@@ -9516,7 +10419,7 @@
             <a:pPr rtl="0"/>
             <a:fld id="{703E2F8D-62B3-48AF-BAF5-944399905ED0}" type="datetimeFigureOut">
               <a:rPr lang="pl-PL" smtClean="0"/>
-              <a:t>25.03.2024</a:t>
+              <a:t>26.03.2024</a:t>
             </a:fld>
             <a:endParaRPr lang="pl-PL" dirty="0"/>
           </a:p>
@@ -9686,7 +10589,7 @@
             <a:pPr rtl="0"/>
             <a:fld id="{703E2F8D-62B3-48AF-BAF5-944399905ED0}" type="datetimeFigureOut">
               <a:rPr lang="pl-PL" smtClean="0"/>
-              <a:t>25.03.2024</a:t>
+              <a:t>26.03.2024</a:t>
             </a:fld>
             <a:endParaRPr lang="pl-PL" dirty="0"/>
           </a:p>
@@ -9814,7 +10717,7 @@
             <a:pPr rtl="0"/>
             <a:fld id="{703E2F8D-62B3-48AF-BAF5-944399905ED0}" type="datetimeFigureOut">
               <a:rPr lang="pl-PL" smtClean="0"/>
-              <a:t>25.03.2024</a:t>
+              <a:t>26.03.2024</a:t>
             </a:fld>
             <a:endParaRPr lang="pl-PL" dirty="0"/>
           </a:p>
@@ -10152,7 +11055,7 @@
             <a:pPr rtl="0"/>
             <a:fld id="{703E2F8D-62B3-48AF-BAF5-944399905ED0}" type="datetimeFigureOut">
               <a:rPr lang="pl-PL" smtClean="0"/>
-              <a:t>25.03.2024</a:t>
+              <a:t>26.03.2024</a:t>
             </a:fld>
             <a:endParaRPr lang="pl-PL" dirty="0"/>
           </a:p>
@@ -10471,7 +11374,7 @@
             <a:pPr rtl="0"/>
             <a:fld id="{703E2F8D-62B3-48AF-BAF5-944399905ED0}" type="datetimeFigureOut">
               <a:rPr lang="pl-PL" smtClean="0"/>
-              <a:t>25.03.2024</a:t>
+              <a:t>26.03.2024</a:t>
             </a:fld>
             <a:endParaRPr lang="pl-PL" dirty="0"/>
           </a:p>
@@ -10735,7 +11638,7 @@
             <a:pPr rtl="0"/>
             <a:fld id="{703E2F8D-62B3-48AF-BAF5-944399905ED0}" type="datetimeFigureOut">
               <a:rPr lang="pl-PL" smtClean="0"/>
-              <a:t>25.03.2024</a:t>
+              <a:t>26.03.2024</a:t>
             </a:fld>
             <a:endParaRPr lang="pl-PL" dirty="0"/>
           </a:p>
@@ -14292,7 +15195,7 @@
           <p:nvPr>
             <p:extLst>
               <p:ext uri="{D42A27DB-BD31-4B8C-83A1-F6EECF244321}">
-                <p14:modId xmlns:p14="http://schemas.microsoft.com/office/powerpoint/2010/main" val="519935556"/>
+                <p14:modId xmlns:p14="http://schemas.microsoft.com/office/powerpoint/2010/main" val="2734324662"/>
               </p:ext>
             </p:extLst>
           </p:nvPr>
@@ -16658,22 +17561,12 @@
 </file>
 
 <file path=customXml/item1.xml><?xml version="1.0" encoding="utf-8"?>
-<p:properties xmlns:p="http://schemas.microsoft.com/office/2006/metadata/properties" xmlns:xsi="http://www.w3.org/2001/XMLSchema-instance" xmlns:pc="http://schemas.microsoft.com/office/infopath/2007/PartnerControls">
-  <documentManagement>
-    <Status xmlns="71af3243-3dd4-4a8d-8c0d-dd76da1f02a5">Not started</Status>
-    <_ip_UnifiedCompliancePolicyUIAction xmlns="http://schemas.microsoft.com/sharepoint/v3" xsi:nil="true"/>
-    <Image xmlns="71af3243-3dd4-4a8d-8c0d-dd76da1f02a5">
-      <Url xsi:nil="true"/>
-      <Description xsi:nil="true"/>
-    </Image>
-    <_ip_UnifiedCompliancePolicyProperties xmlns="http://schemas.microsoft.com/sharepoint/v3" xsi:nil="true"/>
-    <ImageTagsTaxHTField xmlns="71af3243-3dd4-4a8d-8c0d-dd76da1f02a5">
-      <Terms xmlns="http://schemas.microsoft.com/office/infopath/2007/PartnerControls"/>
-    </ImageTagsTaxHTField>
-    <TaxCatchAll xmlns="230e9df3-be65-4c73-a93b-d1236ebd677e"/>
-    <MediaServiceKeyPoints xmlns="71af3243-3dd4-4a8d-8c0d-dd76da1f02a5" xsi:nil="true"/>
-  </documentManagement>
-</p:properties>
+<?mso-contentType ?>
+<FormTemplates xmlns="http://schemas.microsoft.com/sharepoint/v3/contenttype/forms">
+  <Display>DocumentLibraryForm</Display>
+  <Edit>DocumentLibraryForm</Edit>
+  <New>DocumentLibraryForm</New>
+</FormTemplates>
 </file>
 
 <file path=customXml/item2.xml><?xml version="1.0" encoding="utf-8"?>
@@ -16953,22 +17846,28 @@
 </file>
 
 <file path=customXml/item3.xml><?xml version="1.0" encoding="utf-8"?>
-<?mso-contentType ?>
-<FormTemplates xmlns="http://schemas.microsoft.com/sharepoint/v3/contenttype/forms">
-  <Display>DocumentLibraryForm</Display>
-  <Edit>DocumentLibraryForm</Edit>
-  <New>DocumentLibraryForm</New>
-</FormTemplates>
+<p:properties xmlns:p="http://schemas.microsoft.com/office/2006/metadata/properties" xmlns:xsi="http://www.w3.org/2001/XMLSchema-instance" xmlns:pc="http://schemas.microsoft.com/office/infopath/2007/PartnerControls">
+  <documentManagement>
+    <Status xmlns="71af3243-3dd4-4a8d-8c0d-dd76da1f02a5">Not started</Status>
+    <_ip_UnifiedCompliancePolicyUIAction xmlns="http://schemas.microsoft.com/sharepoint/v3" xsi:nil="true"/>
+    <Image xmlns="71af3243-3dd4-4a8d-8c0d-dd76da1f02a5">
+      <Url xsi:nil="true"/>
+      <Description xsi:nil="true"/>
+    </Image>
+    <_ip_UnifiedCompliancePolicyProperties xmlns="http://schemas.microsoft.com/sharepoint/v3" xsi:nil="true"/>
+    <ImageTagsTaxHTField xmlns="71af3243-3dd4-4a8d-8c0d-dd76da1f02a5">
+      <Terms xmlns="http://schemas.microsoft.com/office/infopath/2007/PartnerControls"/>
+    </ImageTagsTaxHTField>
+    <TaxCatchAll xmlns="230e9df3-be65-4c73-a93b-d1236ebd677e"/>
+    <MediaServiceKeyPoints xmlns="71af3243-3dd4-4a8d-8c0d-dd76da1f02a5" xsi:nil="true"/>
+  </documentManagement>
+</p:properties>
 </file>
 
 <file path=customXml/itemProps1.xml><?xml version="1.0" encoding="utf-8"?>
-<ds:datastoreItem xmlns:ds="http://schemas.openxmlformats.org/officeDocument/2006/customXml" ds:itemID="{1C44B501-5DE1-46D9-B449-400C46FE1425}">
+<ds:datastoreItem xmlns:ds="http://schemas.openxmlformats.org/officeDocument/2006/customXml" ds:itemID="{77DD0DBF-30B2-4FC6-A5E7-8374DC718037}">
   <ds:schemaRefs>
-    <ds:schemaRef ds:uri="http://schemas.microsoft.com/office/2006/metadata/properties"/>
-    <ds:schemaRef ds:uri="http://schemas.microsoft.com/office/infopath/2007/PartnerControls"/>
-    <ds:schemaRef ds:uri="71af3243-3dd4-4a8d-8c0d-dd76da1f02a5"/>
-    <ds:schemaRef ds:uri="http://schemas.microsoft.com/sharepoint/v3"/>
-    <ds:schemaRef ds:uri="230e9df3-be65-4c73-a93b-d1236ebd677e"/>
+    <ds:schemaRef ds:uri="http://schemas.microsoft.com/sharepoint/v3/contenttype/forms"/>
   </ds:schemaRefs>
 </ds:datastoreItem>
 </file>
@@ -16995,9 +17894,13 @@
 </file>
 
 <file path=customXml/itemProps3.xml><?xml version="1.0" encoding="utf-8"?>
-<ds:datastoreItem xmlns:ds="http://schemas.openxmlformats.org/officeDocument/2006/customXml" ds:itemID="{77DD0DBF-30B2-4FC6-A5E7-8374DC718037}">
+<ds:datastoreItem xmlns:ds="http://schemas.openxmlformats.org/officeDocument/2006/customXml" ds:itemID="{1C44B501-5DE1-46D9-B449-400C46FE1425}">
   <ds:schemaRefs>
-    <ds:schemaRef ds:uri="http://schemas.microsoft.com/sharepoint/v3/contenttype/forms"/>
+    <ds:schemaRef ds:uri="http://schemas.microsoft.com/office/2006/metadata/properties"/>
+    <ds:schemaRef ds:uri="http://schemas.microsoft.com/office/infopath/2007/PartnerControls"/>
+    <ds:schemaRef ds:uri="71af3243-3dd4-4a8d-8c0d-dd76da1f02a5"/>
+    <ds:schemaRef ds:uri="http://schemas.microsoft.com/sharepoint/v3"/>
+    <ds:schemaRef ds:uri="230e9df3-be65-4c73-a93b-d1236ebd677e"/>
   </ds:schemaRefs>
 </ds:datastoreItem>
 </file>

--- a/Presentation/Processing Data on Air Pollution in Europe on Modern Data Platform.pptx
+++ b/Presentation/Processing Data on Air Pollution in Europe on Modern Data Platform.pptx
@@ -12,10 +12,10 @@
     <p:sldId id="282" r:id="rId6"/>
     <p:sldId id="281" r:id="rId7"/>
     <p:sldId id="267" r:id="rId8"/>
-    <p:sldId id="262" r:id="rId9"/>
-    <p:sldId id="268" r:id="rId10"/>
-    <p:sldId id="266" r:id="rId11"/>
-    <p:sldId id="270" r:id="rId12"/>
+    <p:sldId id="270" r:id="rId9"/>
+    <p:sldId id="262" r:id="rId10"/>
+    <p:sldId id="268" r:id="rId11"/>
+    <p:sldId id="266" r:id="rId12"/>
     <p:sldId id="273" r:id="rId13"/>
     <p:sldId id="271" r:id="rId14"/>
     <p:sldId id="275" r:id="rId15"/>
@@ -7642,7 +7642,7 @@
             <a:pPr algn="just"/>
             <a:r>
               <a:rPr lang="en-US" dirty="0"/>
-              <a:t>In this part of the presentation, I'm focusing on the data source that I used for the analysis. I have chosen the Stack Overflow database for a few key reasons:</a:t>
+              <a:t>In this slide, I'm detailing the efficient process of exporting data from SQL Server to CSV and then compressing it for optimal transfer speed.</a:t>
             </a:r>
           </a:p>
           <a:p>
@@ -7653,7 +7653,7 @@
             <a:pPr algn="just"/>
             <a:r>
               <a:rPr lang="en-US" dirty="0"/>
-              <a:t>Firstly, this database is derived from the public Stack Overflow data export, which is a rich dataset used widely in the tech community for analysis and training. It's not just a  simple dataset; it reflects real-world distributions of numbers, dates, and strings, making it an excellent candidate for realistic data analysis scenarios.</a:t>
+              <a:t>I start by using BCP, which stands for Bulk Copy Program, a tool provided by SQL Server. It's the fastest method available to perform large-scale data exports to CSV format, ensuring speed and efficiency. I specify the view names that form the collection of data I wish to export, and then I initiate a loop to process each view individually.</a:t>
             </a:r>
           </a:p>
           <a:p>
@@ -7664,7 +7664,31 @@
             <a:pPr algn="just"/>
             <a:r>
               <a:rPr lang="en-US" dirty="0"/>
-              <a:t>For my purposes, I've selected the medium option – the 50GB StackOverflow2013 database, which expands from a 10GB compressed file. This particular dataset contains data from 2008 to 2013.</a:t>
+              <a:t>Once the CSV files are generated, I use 7-Zip to compress them into </a:t>
+            </a:r>
+            <a:r>
+              <a:rPr lang="en-US" dirty="0" err="1"/>
+              <a:t>gzip</a:t>
+            </a:r>
+            <a:r>
+              <a:rPr lang="en-US" dirty="0"/>
+              <a:t> format. One of the key advantages of </a:t>
+            </a:r>
+            <a:r>
+              <a:rPr lang="en-US" dirty="0" err="1"/>
+              <a:t>gzip</a:t>
+            </a:r>
+            <a:r>
+              <a:rPr lang="en-US" dirty="0"/>
+              <a:t> is its compatibility with Databricks' file system. It can read </a:t>
+            </a:r>
+            <a:r>
+              <a:rPr lang="en-US" dirty="0" err="1"/>
+              <a:t>gzip</a:t>
+            </a:r>
+            <a:r>
+              <a:rPr lang="en-US" dirty="0"/>
+              <a:t> files directly, which means there's no need to decompress them on the platform, saving valuable processing time and simplifying the data pipeline.</a:t>
             </a:r>
           </a:p>
           <a:p>
@@ -7675,24 +7699,18 @@
             <a:pPr algn="just"/>
             <a:r>
               <a:rPr lang="en-US" dirty="0"/>
-              <a:t>The data comes in the form of .</a:t>
-            </a:r>
-            <a:r>
-              <a:rPr lang="en-US" dirty="0" err="1"/>
-              <a:t>mdf</a:t>
-            </a:r>
+              <a:t>The bottom part of the slide shows the actual script that orchestrates this entire process: from setting environment variables for BCP to executing the compression commands and cleaning up interim files. This script is the backbone of the procedure, handling everything from data extraction to final file compression, ready for sending to Databricks.</a:t>
+            </a:r>
+          </a:p>
+          <a:p>
+            <a:pPr algn="just"/>
+            <a:endParaRPr lang="en-US" dirty="0"/>
+          </a:p>
+          <a:p>
+            <a:pPr algn="just"/>
             <a:r>
               <a:rPr lang="en-US" dirty="0"/>
-              <a:t> files, which are the primary database file types used by SQL Server. This makes it convenient as they can be attached directly to SQL Server without any additional conversion, saving time and simplifying the setup process.</a:t>
-            </a:r>
-          </a:p>
-          <a:p>
-            <a:endParaRPr lang="en-US" dirty="0"/>
-          </a:p>
-          <a:p>
-            <a:r>
-              <a:rPr lang="en-US" dirty="0"/>
-              <a:t>68’’</a:t>
+              <a:t>67’’</a:t>
             </a:r>
             <a:endParaRPr lang="pl-PL" dirty="0"/>
           </a:p>
@@ -7725,7 +7743,7 @@
     </p:spTree>
     <p:extLst>
       <p:ext uri="{BB962C8B-B14F-4D97-AF65-F5344CB8AC3E}">
-        <p14:creationId xmlns:p14="http://schemas.microsoft.com/office/powerpoint/2010/main" val="1846291849"/>
+        <p14:creationId xmlns:p14="http://schemas.microsoft.com/office/powerpoint/2010/main" val="3341483179"/>
       </p:ext>
     </p:extLst>
   </p:cSld>
@@ -7781,130 +7799,60 @@
           <a:p>
             <a:pPr algn="just"/>
             <a:r>
-              <a:rPr lang="en-US" sz="900" dirty="0"/>
-              <a:t>On this slide, you can see the visual representation of the StackOverflow2013 Database's data model. This model is composed of nine tables, which together capture the essence of the Stack Overflow community's interactions.</a:t>
+              <a:rPr lang="en-US" dirty="0"/>
+              <a:t>In this part of the presentation, I'm focusing on the data source that I used for the analysis. I have chosen the Stack Overflow database for a few key reasons:</a:t>
             </a:r>
           </a:p>
           <a:p>
             <a:pPr algn="just"/>
-            <a:endParaRPr lang="en-US" sz="900" dirty="0"/>
+            <a:endParaRPr lang="en-US" dirty="0"/>
           </a:p>
           <a:p>
             <a:pPr algn="just"/>
             <a:r>
-              <a:rPr lang="en-US" sz="900" dirty="0"/>
-              <a:t>The 'Posts' table is central to this model, linked directly to '</a:t>
-            </a:r>
-            <a:r>
-              <a:rPr lang="en-US" sz="900" dirty="0" err="1"/>
-              <a:t>PostTypes</a:t>
-            </a:r>
-            <a:r>
-              <a:rPr lang="en-US" sz="900" dirty="0"/>
-              <a:t>', which is composed of two main types of entries: Questions and Answers. </a:t>
+              <a:rPr lang="en-US" dirty="0"/>
+              <a:t>Firstly, this database is derived from the public Stack Overflow data export, which is a rich dataset used widely in the tech community for analysis and training. It's not just a  simple dataset; it reflects real-world distributions of numbers, dates, and strings, making it an excellent candidate for realistic data analysis scenarios.</a:t>
             </a:r>
           </a:p>
           <a:p>
             <a:pPr algn="just"/>
-            <a:endParaRPr lang="en-US" sz="900" dirty="0"/>
+            <a:endParaRPr lang="en-US" dirty="0"/>
           </a:p>
           <a:p>
             <a:pPr algn="just"/>
             <a:r>
-              <a:rPr lang="en-US" sz="900" dirty="0"/>
-              <a:t>Users are the lifeblood of Stack Overflow, and here you can see their interactions with the system. A user can own a post, meaning they've contributed content to the community, or they can answer posts, providing solutions to questions posed by others.</a:t>
+              <a:rPr lang="en-US" dirty="0"/>
+              <a:t>For my purposes, I've selected the medium option – the 50GB StackOverflow2013 database, which expands from a 10GB compressed file. This particular dataset contains data from 2008 to 2013.</a:t>
             </a:r>
           </a:p>
           <a:p>
             <a:pPr algn="just"/>
-            <a:endParaRPr lang="en-US" sz="900" dirty="0"/>
+            <a:endParaRPr lang="en-US" dirty="0"/>
           </a:p>
           <a:p>
             <a:pPr algn="just"/>
             <a:r>
-              <a:rPr lang="en-US" sz="900" dirty="0"/>
-              <a:t>The 'Comments' table allows for discourse on these posts, enabling users to seek clarification, discuss content, and offer brief insights.</a:t>
-            </a:r>
-          </a:p>
-          <a:p>
-            <a:pPr algn="just"/>
-            <a:endParaRPr lang="en-US" sz="900" dirty="0"/>
-          </a:p>
-          <a:p>
-            <a:pPr algn="just"/>
-            <a:r>
-              <a:rPr lang="en-US" sz="900" dirty="0"/>
-              <a:t>In the 'Votes' table, the community's feedback on posts is captured, where users can vote to signify the usefulness and accuracy of the content provided. It's connected to '</a:t>
-            </a:r>
-            <a:r>
-              <a:rPr lang="en-US" sz="900" dirty="0" err="1"/>
-              <a:t>VoteTypes</a:t>
-            </a:r>
-            <a:r>
-              <a:rPr lang="en-US" sz="900" dirty="0"/>
-              <a:t>', which defines the nature of these votes.</a:t>
-            </a:r>
-          </a:p>
-          <a:p>
-            <a:pPr algn="just"/>
-            <a:endParaRPr lang="en-US" sz="900" dirty="0"/>
-          </a:p>
-          <a:p>
-            <a:pPr algn="just"/>
-            <a:r>
-              <a:rPr lang="en-US" sz="900" dirty="0"/>
-              <a:t>The 'Users' table holds profiles, reflecting the personal and professional backgrounds of community members, as well as their contributions and reputation within the platform. This table also connects to 'Badges', which are earned by users as a form of recognition for their contributions.</a:t>
-            </a:r>
-          </a:p>
-          <a:p>
-            <a:pPr algn="just"/>
-            <a:endParaRPr lang="en-US" sz="900" dirty="0"/>
-          </a:p>
-          <a:p>
-            <a:pPr algn="just"/>
-            <a:r>
-              <a:rPr lang="en-US" sz="900" dirty="0"/>
-              <a:t>User engagement is further documented through '</a:t>
-            </a:r>
-            <a:r>
-              <a:rPr lang="en-US" sz="900" dirty="0" err="1"/>
-              <a:t>PostLinks</a:t>
-            </a:r>
-            <a:r>
-              <a:rPr lang="en-US" sz="900" dirty="0"/>
-              <a:t>' and '</a:t>
-            </a:r>
-            <a:r>
-              <a:rPr lang="en-US" sz="900" dirty="0" err="1"/>
-              <a:t>LinkTypes</a:t>
-            </a:r>
-            <a:r>
-              <a:rPr lang="en-US" sz="900" dirty="0"/>
-              <a:t>', which trace the relationships between different posts, such as duplicates or related content.</a:t>
-            </a:r>
-          </a:p>
-          <a:p>
-            <a:pPr algn="just"/>
-            <a:endParaRPr lang="en-US" sz="900" dirty="0"/>
-          </a:p>
-          <a:p>
-            <a:pPr algn="just"/>
-            <a:r>
-              <a:rPr lang="en-US" sz="900" dirty="0"/>
-              <a:t>Together, these tables not only store data but also tell the story of how knowledge is built, shared, and valued in one of the largest technical communities online.</a:t>
-            </a:r>
-          </a:p>
-          <a:p>
-            <a:pPr algn="just"/>
-            <a:endParaRPr lang="en-US" sz="900" dirty="0"/>
-          </a:p>
-          <a:p>
-            <a:pPr algn="just"/>
-            <a:r>
-              <a:rPr lang="en-US" sz="900" dirty="0"/>
-              <a:t>98’’</a:t>
-            </a:r>
-            <a:endParaRPr lang="pl-PL" sz="900" dirty="0"/>
+              <a:rPr lang="en-US" dirty="0"/>
+              <a:t>The data comes in the form of .</a:t>
+            </a:r>
+            <a:r>
+              <a:rPr lang="en-US" dirty="0" err="1"/>
+              <a:t>mdf</a:t>
+            </a:r>
+            <a:r>
+              <a:rPr lang="en-US" dirty="0"/>
+              <a:t> files, which are the primary database file types used by SQL Server. This makes it convenient as they can be attached directly to SQL Server without any additional conversion, saving time and simplifying the setup process.</a:t>
+            </a:r>
+          </a:p>
+          <a:p>
+            <a:endParaRPr lang="en-US" dirty="0"/>
+          </a:p>
+          <a:p>
+            <a:r>
+              <a:rPr lang="en-US" dirty="0"/>
+              <a:t>68’’</a:t>
+            </a:r>
+            <a:endParaRPr lang="pl-PL" dirty="0"/>
           </a:p>
         </p:txBody>
       </p:sp>
@@ -7935,7 +7883,7 @@
     </p:spTree>
     <p:extLst>
       <p:ext uri="{BB962C8B-B14F-4D97-AF65-F5344CB8AC3E}">
-        <p14:creationId xmlns:p14="http://schemas.microsoft.com/office/powerpoint/2010/main" val="60424827"/>
+        <p14:creationId xmlns:p14="http://schemas.microsoft.com/office/powerpoint/2010/main" val="1846291849"/>
       </p:ext>
     </p:extLst>
   </p:cSld>
@@ -7989,38 +7937,132 @@
           <a:bodyPr/>
           <a:lstStyle/>
           <a:p>
-            <a:r>
-              <a:rPr lang="en-US" dirty="0"/>
-              <a:t>On this slide, I present the crucial step in data preparation: Data Cleaning. The main challenge I faced was the presence of HTML code within the text fields. This code caused problems in export procedures.</a:t>
-            </a:r>
-          </a:p>
-          <a:p>
-            <a:endParaRPr lang="en-US" dirty="0"/>
-          </a:p>
-          <a:p>
-            <a:r>
-              <a:rPr lang="en-US" dirty="0"/>
-              <a:t>To address this, I implemented a data cleaning process through the creation of database views. These views serve a specific purpose: they remove unnecessary carriage return (\r) and newline (\n) characters from text fields. Additionally, to align with the objective of converting the data into CSV format, I needed to ensure that each text field is properly quoted.</a:t>
-            </a:r>
-          </a:p>
-          <a:p>
-            <a:endParaRPr lang="en-US" dirty="0"/>
-          </a:p>
-          <a:p>
-            <a:r>
-              <a:rPr lang="en-US" dirty="0"/>
-              <a:t>The SQL script you see performs this transformation seamlessly. By wrapping the text fields with quotes and stripping out unwanted characters, I make the data CSV-ready. This step was not only necessary but also the most efficient route to prepare the text fields for the conversion process.</a:t>
-            </a:r>
-          </a:p>
-          <a:p>
-            <a:endParaRPr lang="en-US" dirty="0"/>
-          </a:p>
-          <a:p>
-            <a:r>
-              <a:rPr lang="en-US" dirty="0"/>
-              <a:t>60’’</a:t>
-            </a:r>
-            <a:endParaRPr lang="pl-PL" dirty="0"/>
+            <a:pPr algn="just"/>
+            <a:r>
+              <a:rPr lang="en-US" sz="900" dirty="0"/>
+              <a:t>On this slide, you can see the visual representation of the StackOverflow2013 Database's data model. This model is composed of nine tables, which together capture the essence of the Stack Overflow community's interactions.</a:t>
+            </a:r>
+          </a:p>
+          <a:p>
+            <a:pPr algn="just"/>
+            <a:endParaRPr lang="en-US" sz="900" dirty="0"/>
+          </a:p>
+          <a:p>
+            <a:pPr algn="just"/>
+            <a:r>
+              <a:rPr lang="en-US" sz="900" dirty="0"/>
+              <a:t>The 'Posts' table is central to this model, linked directly to '</a:t>
+            </a:r>
+            <a:r>
+              <a:rPr lang="en-US" sz="900" dirty="0" err="1"/>
+              <a:t>PostTypes</a:t>
+            </a:r>
+            <a:r>
+              <a:rPr lang="en-US" sz="900" dirty="0"/>
+              <a:t>', which is composed of two main types of entries: Questions and Answers. </a:t>
+            </a:r>
+          </a:p>
+          <a:p>
+            <a:pPr algn="just"/>
+            <a:endParaRPr lang="en-US" sz="900" dirty="0"/>
+          </a:p>
+          <a:p>
+            <a:pPr algn="just"/>
+            <a:r>
+              <a:rPr lang="en-US" sz="900" dirty="0"/>
+              <a:t>Users are the lifeblood of Stack Overflow, and here you can see their interactions with the system. A user can own a post, meaning they've contributed content to the community, or they can answer posts, providing solutions to questions posed by others.</a:t>
+            </a:r>
+          </a:p>
+          <a:p>
+            <a:pPr algn="just"/>
+            <a:endParaRPr lang="en-US" sz="900" dirty="0"/>
+          </a:p>
+          <a:p>
+            <a:pPr algn="just"/>
+            <a:r>
+              <a:rPr lang="en-US" sz="900" dirty="0"/>
+              <a:t>The 'Comments' table allows for discourse on these posts, enabling users to seek clarification, discuss content, and offer brief insights.</a:t>
+            </a:r>
+          </a:p>
+          <a:p>
+            <a:pPr algn="just"/>
+            <a:endParaRPr lang="en-US" sz="900" dirty="0"/>
+          </a:p>
+          <a:p>
+            <a:pPr algn="just"/>
+            <a:r>
+              <a:rPr lang="en-US" sz="900" dirty="0"/>
+              <a:t>In the 'Votes' table, the community's feedback on posts is captured, where users can vote to signify the usefulness and accuracy of the content provided. It's connected to '</a:t>
+            </a:r>
+            <a:r>
+              <a:rPr lang="en-US" sz="900" dirty="0" err="1"/>
+              <a:t>VoteTypes</a:t>
+            </a:r>
+            <a:r>
+              <a:rPr lang="en-US" sz="900" dirty="0"/>
+              <a:t>', which defines the nature of these votes.</a:t>
+            </a:r>
+          </a:p>
+          <a:p>
+            <a:pPr algn="just"/>
+            <a:endParaRPr lang="en-US" sz="900" dirty="0"/>
+          </a:p>
+          <a:p>
+            <a:pPr algn="just"/>
+            <a:r>
+              <a:rPr lang="en-US" sz="900" dirty="0"/>
+              <a:t>The 'Users' table holds profiles, reflecting the personal and professional backgrounds of community members, as well as their contributions and reputation within the platform. This table also connects to 'Badges', which are earned by users as a form of recognition for their contributions.</a:t>
+            </a:r>
+          </a:p>
+          <a:p>
+            <a:pPr algn="just"/>
+            <a:endParaRPr lang="en-US" sz="900" dirty="0"/>
+          </a:p>
+          <a:p>
+            <a:pPr algn="just"/>
+            <a:r>
+              <a:rPr lang="en-US" sz="900" dirty="0"/>
+              <a:t>User engagement is further documented through '</a:t>
+            </a:r>
+            <a:r>
+              <a:rPr lang="en-US" sz="900" dirty="0" err="1"/>
+              <a:t>PostLinks</a:t>
+            </a:r>
+            <a:r>
+              <a:rPr lang="en-US" sz="900" dirty="0"/>
+              <a:t>' and '</a:t>
+            </a:r>
+            <a:r>
+              <a:rPr lang="en-US" sz="900" dirty="0" err="1"/>
+              <a:t>LinkTypes</a:t>
+            </a:r>
+            <a:r>
+              <a:rPr lang="en-US" sz="900" dirty="0"/>
+              <a:t>', which trace the relationships between different posts, such as duplicates or related content.</a:t>
+            </a:r>
+          </a:p>
+          <a:p>
+            <a:pPr algn="just"/>
+            <a:endParaRPr lang="en-US" sz="900" dirty="0"/>
+          </a:p>
+          <a:p>
+            <a:pPr algn="just"/>
+            <a:r>
+              <a:rPr lang="en-US" sz="900" dirty="0"/>
+              <a:t>Together, these tables not only store data but also tell the story of how knowledge is built, shared, and valued in one of the largest technical communities online.</a:t>
+            </a:r>
+          </a:p>
+          <a:p>
+            <a:pPr algn="just"/>
+            <a:endParaRPr lang="en-US" sz="900" dirty="0"/>
+          </a:p>
+          <a:p>
+            <a:pPr algn="just"/>
+            <a:r>
+              <a:rPr lang="en-US" sz="900" dirty="0"/>
+              <a:t>98’’</a:t>
+            </a:r>
+            <a:endParaRPr lang="pl-PL" sz="900" dirty="0"/>
           </a:p>
         </p:txBody>
       </p:sp>
@@ -8051,7 +8093,7 @@
     </p:spTree>
     <p:extLst>
       <p:ext uri="{BB962C8B-B14F-4D97-AF65-F5344CB8AC3E}">
-        <p14:creationId xmlns:p14="http://schemas.microsoft.com/office/powerpoint/2010/main" val="3035862332"/>
+        <p14:creationId xmlns:p14="http://schemas.microsoft.com/office/powerpoint/2010/main" val="60424827"/>
       </p:ext>
     </p:extLst>
   </p:cSld>
@@ -8105,78 +8147,36 @@
           <a:bodyPr/>
           <a:lstStyle/>
           <a:p>
-            <a:pPr algn="just"/>
             <a:r>
               <a:rPr lang="en-US" dirty="0"/>
-              <a:t>In this slide, I'm detailing the efficient process of exporting data from SQL Server to CSV and then compressing it for optimal transfer speed.</a:t>
-            </a:r>
-          </a:p>
-          <a:p>
-            <a:pPr algn="just"/>
+              <a:t>On this slide, I present the crucial step in data preparation: Data Cleaning. The main challenge I faced was the presence of HTML code within the text fields. This code caused problems in export procedures.</a:t>
+            </a:r>
+          </a:p>
+          <a:p>
             <a:endParaRPr lang="en-US" dirty="0"/>
           </a:p>
           <a:p>
-            <a:pPr algn="just"/>
             <a:r>
               <a:rPr lang="en-US" dirty="0"/>
-              <a:t>I start by using BCP, which stands for Bulk Copy Program, a tool provided by SQL Server. It's the fastest method available to perform large-scale data exports to CSV format, ensuring speed and efficiency. I specify the view names that form the collection of data I wish to export, and then I initiate a loop to process each view individually.</a:t>
-            </a:r>
-          </a:p>
-          <a:p>
-            <a:pPr algn="just"/>
+              <a:t>To address this, I implemented a data cleaning process through the creation of database views. These views serve a specific purpose: they remove unnecessary carriage return (\r) and newline (\n) characters from text fields. Additionally, to align with the objective of converting the data into CSV format, I needed to ensure that each text field is properly quoted.</a:t>
+            </a:r>
+          </a:p>
+          <a:p>
             <a:endParaRPr lang="en-US" dirty="0"/>
           </a:p>
           <a:p>
-            <a:pPr algn="just"/>
             <a:r>
               <a:rPr lang="en-US" dirty="0"/>
-              <a:t>Once the CSV files are generated, I use 7-Zip to compress them into </a:t>
-            </a:r>
-            <a:r>
-              <a:rPr lang="en-US" dirty="0" err="1"/>
-              <a:t>gzip</a:t>
-            </a:r>
+              <a:t>The SQL script you see performs this transformation seamlessly. By wrapping the text fields with quotes and stripping out unwanted characters, I make the data CSV-ready. This step was not only necessary but also the most efficient route to prepare the text fields for the conversion process.</a:t>
+            </a:r>
+          </a:p>
+          <a:p>
+            <a:endParaRPr lang="en-US" dirty="0"/>
+          </a:p>
+          <a:p>
             <a:r>
               <a:rPr lang="en-US" dirty="0"/>
-              <a:t> format. One of the key advantages of </a:t>
-            </a:r>
-            <a:r>
-              <a:rPr lang="en-US" dirty="0" err="1"/>
-              <a:t>gzip</a:t>
-            </a:r>
-            <a:r>
-              <a:rPr lang="en-US" dirty="0"/>
-              <a:t> is its compatibility with Databricks' file system. It can read </a:t>
-            </a:r>
-            <a:r>
-              <a:rPr lang="en-US" dirty="0" err="1"/>
-              <a:t>gzip</a:t>
-            </a:r>
-            <a:r>
-              <a:rPr lang="en-US" dirty="0"/>
-              <a:t> files directly, which means there's no need to decompress them on the platform, saving valuable processing time and simplifying the data pipeline.</a:t>
-            </a:r>
-          </a:p>
-          <a:p>
-            <a:pPr algn="just"/>
-            <a:endParaRPr lang="en-US" dirty="0"/>
-          </a:p>
-          <a:p>
-            <a:pPr algn="just"/>
-            <a:r>
-              <a:rPr lang="en-US" dirty="0"/>
-              <a:t>The bottom part of the slide shows the actual script that orchestrates this entire process: from setting environment variables for BCP to executing the compression commands and cleaning up interim files. This script is the backbone of the procedure, handling everything from data extraction to final file compression, ready for sending to Databricks.</a:t>
-            </a:r>
-          </a:p>
-          <a:p>
-            <a:pPr algn="just"/>
-            <a:endParaRPr lang="en-US" dirty="0"/>
-          </a:p>
-          <a:p>
-            <a:pPr algn="just"/>
-            <a:r>
-              <a:rPr lang="en-US" dirty="0"/>
-              <a:t>67’’</a:t>
+              <a:t>60’’</a:t>
             </a:r>
             <a:endParaRPr lang="pl-PL" dirty="0"/>
           </a:p>
@@ -8209,7 +8209,7 @@
     </p:spTree>
     <p:extLst>
       <p:ext uri="{BB962C8B-B14F-4D97-AF65-F5344CB8AC3E}">
-        <p14:creationId xmlns:p14="http://schemas.microsoft.com/office/powerpoint/2010/main" val="3341483179"/>
+        <p14:creationId xmlns:p14="http://schemas.microsoft.com/office/powerpoint/2010/main" val="3035862332"/>
       </p:ext>
     </p:extLst>
   </p:cSld>
@@ -15258,6 +15258,404 @@
         </p:nvSpPr>
         <p:spPr>
           <a:xfrm>
+            <a:off x="444500" y="430609"/>
+            <a:ext cx="9146972" cy="640080"/>
+          </a:xfrm>
+        </p:spPr>
+        <p:txBody>
+          <a:bodyPr rtlCol="0" anchor="ctr">
+            <a:normAutofit/>
+          </a:bodyPr>
+          <a:lstStyle>
+            <a:defPPr>
+              <a:defRPr lang="pl-PL"/>
+            </a:defPPr>
+          </a:lstStyle>
+          <a:p>
+            <a:pPr rtl="0"/>
+            <a:r>
+              <a:rPr lang="pl-PL" sz="2600" b="1" dirty="0" err="1"/>
+              <a:t>Ingest</a:t>
+            </a:r>
+            <a:endParaRPr lang="pl-PL" sz="2600" b="1" dirty="0"/>
+          </a:p>
+        </p:txBody>
+      </p:sp>
+      <p:sp>
+        <p:nvSpPr>
+          <p:cNvPr id="19" name="Zawartość — symbol zastępczy 2">
+            <a:extLst>
+              <a:ext uri="{FF2B5EF4-FFF2-40B4-BE49-F238E27FC236}">
+                <a16:creationId xmlns:a16="http://schemas.microsoft.com/office/drawing/2014/main" id="{E67915F3-31F5-105E-2C51-8B4573FA557F}"/>
+              </a:ext>
+            </a:extLst>
+          </p:cNvPr>
+          <p:cNvSpPr>
+            <a:spLocks noGrp="1"/>
+          </p:cNvSpPr>
+          <p:nvPr>
+            <p:ph sz="quarter" idx="10"/>
+          </p:nvPr>
+        </p:nvSpPr>
+        <p:spPr>
+          <a:xfrm>
+            <a:off x="444502" y="1509612"/>
+            <a:ext cx="5480310" cy="3977640"/>
+          </a:xfrm>
+        </p:spPr>
+        <p:txBody>
+          <a:bodyPr rtlCol="0">
+            <a:noAutofit/>
+          </a:bodyPr>
+          <a:lstStyle>
+            <a:defPPr>
+              <a:defRPr lang="pl-PL"/>
+            </a:defPPr>
+          </a:lstStyle>
+          <a:p>
+            <a:pPr rtl="0"/>
+            <a:r>
+              <a:rPr lang="pl-PL" dirty="0" err="1">
+                <a:latin typeface="Segoe UI" panose="020B0502040204020203" pitchFamily="34" charset="0"/>
+                <a:cs typeface="Segoe UI" panose="020B0502040204020203" pitchFamily="34" charset="0"/>
+              </a:rPr>
+              <a:t>Python</a:t>
+            </a:r>
+            <a:r>
+              <a:rPr lang="pl-PL" dirty="0">
+                <a:latin typeface="Segoe UI" panose="020B0502040204020203" pitchFamily="34" charset="0"/>
+                <a:cs typeface="Segoe UI" panose="020B0502040204020203" pitchFamily="34" charset="0"/>
+              </a:rPr>
+              <a:t> </a:t>
+            </a:r>
+            <a:r>
+              <a:rPr lang="pl-PL" dirty="0" err="1">
+                <a:latin typeface="Segoe UI" panose="020B0502040204020203" pitchFamily="34" charset="0"/>
+                <a:cs typeface="Segoe UI" panose="020B0502040204020203" pitchFamily="34" charset="0"/>
+              </a:rPr>
+              <a:t>Flask</a:t>
+            </a:r>
+            <a:r>
+              <a:rPr lang="pl-PL" dirty="0">
+                <a:latin typeface="Segoe UI" panose="020B0502040204020203" pitchFamily="34" charset="0"/>
+                <a:cs typeface="Segoe UI" panose="020B0502040204020203" pitchFamily="34" charset="0"/>
+              </a:rPr>
+              <a:t> Application </a:t>
+            </a:r>
+            <a:r>
+              <a:rPr lang="pl-PL" dirty="0" err="1">
+                <a:latin typeface="Segoe UI" panose="020B0502040204020203" pitchFamily="34" charset="0"/>
+                <a:cs typeface="Segoe UI" panose="020B0502040204020203" pitchFamily="34" charset="0"/>
+              </a:rPr>
+              <a:t>deployed</a:t>
+            </a:r>
+            <a:r>
+              <a:rPr lang="pl-PL" dirty="0">
+                <a:latin typeface="Segoe UI" panose="020B0502040204020203" pitchFamily="34" charset="0"/>
+                <a:cs typeface="Segoe UI" panose="020B0502040204020203" pitchFamily="34" charset="0"/>
+              </a:rPr>
+              <a:t> on </a:t>
+            </a:r>
+            <a:r>
+              <a:rPr lang="pl-PL" dirty="0" err="1">
+                <a:latin typeface="Segoe UI" panose="020B0502040204020203" pitchFamily="34" charset="0"/>
+                <a:cs typeface="Segoe UI" panose="020B0502040204020203" pitchFamily="34" charset="0"/>
+              </a:rPr>
+              <a:t>Azure</a:t>
+            </a:r>
+            <a:endParaRPr lang="en-US" dirty="0">
+              <a:latin typeface="Segoe UI" panose="020B0502040204020203" pitchFamily="34" charset="0"/>
+              <a:cs typeface="Segoe UI" panose="020B0502040204020203" pitchFamily="34" charset="0"/>
+            </a:endParaRPr>
+          </a:p>
+          <a:p>
+            <a:pPr rtl="0"/>
+            <a:r>
+              <a:rPr lang="pl-PL" dirty="0" err="1">
+                <a:latin typeface="Segoe UI" panose="020B0502040204020203" pitchFamily="34" charset="0"/>
+                <a:cs typeface="Segoe UI" panose="020B0502040204020203" pitchFamily="34" charset="0"/>
+              </a:rPr>
+              <a:t>Scheduler</a:t>
+            </a:r>
+            <a:r>
+              <a:rPr lang="pl-PL" dirty="0">
+                <a:latin typeface="Segoe UI" panose="020B0502040204020203" pitchFamily="34" charset="0"/>
+                <a:cs typeface="Segoe UI" panose="020B0502040204020203" pitchFamily="34" charset="0"/>
+              </a:rPr>
+              <a:t> </a:t>
+            </a:r>
+            <a:r>
+              <a:rPr lang="pl-PL" dirty="0" err="1">
+                <a:latin typeface="Segoe UI" panose="020B0502040204020203" pitchFamily="34" charset="0"/>
+                <a:cs typeface="Segoe UI" panose="020B0502040204020203" pitchFamily="34" charset="0"/>
+              </a:rPr>
+              <a:t>reading</a:t>
+            </a:r>
+            <a:r>
+              <a:rPr lang="pl-PL" dirty="0">
+                <a:latin typeface="Segoe UI" panose="020B0502040204020203" pitchFamily="34" charset="0"/>
+                <a:cs typeface="Segoe UI" panose="020B0502040204020203" pitchFamily="34" charset="0"/>
+              </a:rPr>
+              <a:t> data from Open </a:t>
+            </a:r>
+            <a:r>
+              <a:rPr lang="pl-PL" dirty="0" err="1">
+                <a:latin typeface="Segoe UI" panose="020B0502040204020203" pitchFamily="34" charset="0"/>
+                <a:cs typeface="Segoe UI" panose="020B0502040204020203" pitchFamily="34" charset="0"/>
+              </a:rPr>
+              <a:t>Weather</a:t>
+            </a:r>
+            <a:r>
+              <a:rPr lang="pl-PL" dirty="0">
+                <a:latin typeface="Segoe UI" panose="020B0502040204020203" pitchFamily="34" charset="0"/>
+                <a:cs typeface="Segoe UI" panose="020B0502040204020203" pitchFamily="34" charset="0"/>
+              </a:rPr>
+              <a:t> API and </a:t>
+            </a:r>
+            <a:r>
+              <a:rPr lang="pl-PL" dirty="0" err="1">
+                <a:latin typeface="Segoe UI" panose="020B0502040204020203" pitchFamily="34" charset="0"/>
+                <a:cs typeface="Segoe UI" panose="020B0502040204020203" pitchFamily="34" charset="0"/>
+              </a:rPr>
+              <a:t>sweaping</a:t>
+            </a:r>
+            <a:r>
+              <a:rPr lang="pl-PL" dirty="0">
+                <a:latin typeface="Segoe UI" panose="020B0502040204020203" pitchFamily="34" charset="0"/>
+                <a:cs typeface="Segoe UI" panose="020B0502040204020203" pitchFamily="34" charset="0"/>
+              </a:rPr>
+              <a:t> the </a:t>
+            </a:r>
+            <a:r>
+              <a:rPr lang="pl-PL" dirty="0" err="1">
+                <a:latin typeface="Segoe UI" panose="020B0502040204020203" pitchFamily="34" charset="0"/>
+                <a:cs typeface="Segoe UI" panose="020B0502040204020203" pitchFamily="34" charset="0"/>
+              </a:rPr>
+              <a:t>coordinates</a:t>
+            </a:r>
+            <a:r>
+              <a:rPr lang="pl-PL" dirty="0">
+                <a:latin typeface="Segoe UI" panose="020B0502040204020203" pitchFamily="34" charset="0"/>
+                <a:cs typeface="Segoe UI" panose="020B0502040204020203" pitchFamily="34" charset="0"/>
+              </a:rPr>
+              <a:t> of Europe</a:t>
+            </a:r>
+            <a:endParaRPr lang="en-US" dirty="0">
+              <a:latin typeface="Segoe UI" panose="020B0502040204020203" pitchFamily="34" charset="0"/>
+              <a:cs typeface="Segoe UI" panose="020B0502040204020203" pitchFamily="34" charset="0"/>
+            </a:endParaRPr>
+          </a:p>
+          <a:p>
+            <a:pPr rtl="0"/>
+            <a:r>
+              <a:rPr lang="pl-PL" dirty="0">
+                <a:latin typeface="Segoe UI" panose="020B0502040204020203" pitchFamily="34" charset="0"/>
+                <a:cs typeface="Segoe UI" panose="020B0502040204020203" pitchFamily="34" charset="0"/>
+              </a:rPr>
+              <a:t>Kafka </a:t>
+            </a:r>
+            <a:r>
+              <a:rPr lang="pl-PL" dirty="0" err="1">
+                <a:latin typeface="Segoe UI" panose="020B0502040204020203" pitchFamily="34" charset="0"/>
+                <a:cs typeface="Segoe UI" panose="020B0502040204020203" pitchFamily="34" charset="0"/>
+              </a:rPr>
+              <a:t>producer</a:t>
+            </a:r>
+            <a:r>
+              <a:rPr lang="pl-PL" dirty="0">
+                <a:latin typeface="Segoe UI" panose="020B0502040204020203" pitchFamily="34" charset="0"/>
+                <a:cs typeface="Segoe UI" panose="020B0502040204020203" pitchFamily="34" charset="0"/>
+              </a:rPr>
+              <a:t> </a:t>
+            </a:r>
+            <a:r>
+              <a:rPr lang="pl-PL" dirty="0" err="1">
+                <a:latin typeface="Segoe UI" panose="020B0502040204020203" pitchFamily="34" charset="0"/>
+                <a:cs typeface="Segoe UI" panose="020B0502040204020203" pitchFamily="34" charset="0"/>
+              </a:rPr>
+              <a:t>written</a:t>
+            </a:r>
+            <a:r>
+              <a:rPr lang="pl-PL" dirty="0">
+                <a:latin typeface="Segoe UI" panose="020B0502040204020203" pitchFamily="34" charset="0"/>
+                <a:cs typeface="Segoe UI" panose="020B0502040204020203" pitchFamily="34" charset="0"/>
+              </a:rPr>
+              <a:t> in </a:t>
+            </a:r>
+            <a:r>
+              <a:rPr lang="pl-PL" dirty="0" err="1">
+                <a:latin typeface="Segoe UI" panose="020B0502040204020203" pitchFamily="34" charset="0"/>
+                <a:cs typeface="Segoe UI" panose="020B0502040204020203" pitchFamily="34" charset="0"/>
+              </a:rPr>
+              <a:t>Python</a:t>
+            </a:r>
+            <a:r>
+              <a:rPr lang="pl-PL" dirty="0">
+                <a:latin typeface="Segoe UI" panose="020B0502040204020203" pitchFamily="34" charset="0"/>
+                <a:cs typeface="Segoe UI" panose="020B0502040204020203" pitchFamily="34" charset="0"/>
+              </a:rPr>
+              <a:t> </a:t>
+            </a:r>
+            <a:r>
+              <a:rPr lang="pl-PL" dirty="0" err="1">
+                <a:latin typeface="Segoe UI" panose="020B0502040204020203" pitchFamily="34" charset="0"/>
+                <a:cs typeface="Segoe UI" panose="020B0502040204020203" pitchFamily="34" charset="0"/>
+              </a:rPr>
+              <a:t>that</a:t>
+            </a:r>
+            <a:r>
+              <a:rPr lang="pl-PL" dirty="0">
+                <a:latin typeface="Segoe UI" panose="020B0502040204020203" pitchFamily="34" charset="0"/>
+                <a:cs typeface="Segoe UI" panose="020B0502040204020203" pitchFamily="34" charset="0"/>
+              </a:rPr>
+              <a:t> </a:t>
+            </a:r>
+            <a:r>
+              <a:rPr lang="pl-PL" dirty="0" err="1">
+                <a:latin typeface="Segoe UI" panose="020B0502040204020203" pitchFamily="34" charset="0"/>
+                <a:cs typeface="Segoe UI" panose="020B0502040204020203" pitchFamily="34" charset="0"/>
+              </a:rPr>
+              <a:t>sends</a:t>
+            </a:r>
+            <a:r>
+              <a:rPr lang="pl-PL" dirty="0">
+                <a:latin typeface="Segoe UI" panose="020B0502040204020203" pitchFamily="34" charset="0"/>
+                <a:cs typeface="Segoe UI" panose="020B0502040204020203" pitchFamily="34" charset="0"/>
+              </a:rPr>
+              <a:t> the </a:t>
+            </a:r>
+            <a:r>
+              <a:rPr lang="pl-PL" dirty="0" err="1">
+                <a:latin typeface="Segoe UI" panose="020B0502040204020203" pitchFamily="34" charset="0"/>
+                <a:cs typeface="Segoe UI" panose="020B0502040204020203" pitchFamily="34" charset="0"/>
+              </a:rPr>
+              <a:t>raw</a:t>
+            </a:r>
+            <a:r>
+              <a:rPr lang="pl-PL" dirty="0">
+                <a:latin typeface="Segoe UI" panose="020B0502040204020203" pitchFamily="34" charset="0"/>
+                <a:cs typeface="Segoe UI" panose="020B0502040204020203" pitchFamily="34" charset="0"/>
+              </a:rPr>
+              <a:t> data to </a:t>
+            </a:r>
+            <a:r>
+              <a:rPr lang="pl-PL" dirty="0" err="1">
+                <a:latin typeface="Segoe UI" panose="020B0502040204020203" pitchFamily="34" charset="0"/>
+                <a:cs typeface="Segoe UI" panose="020B0502040204020203" pitchFamily="34" charset="0"/>
+              </a:rPr>
+              <a:t>Azure</a:t>
+            </a:r>
+            <a:r>
+              <a:rPr lang="pl-PL" dirty="0">
+                <a:latin typeface="Segoe UI" panose="020B0502040204020203" pitchFamily="34" charset="0"/>
+                <a:cs typeface="Segoe UI" panose="020B0502040204020203" pitchFamily="34" charset="0"/>
+              </a:rPr>
+              <a:t> Event </a:t>
+            </a:r>
+            <a:r>
+              <a:rPr lang="pl-PL" dirty="0" err="1">
+                <a:latin typeface="Segoe UI" panose="020B0502040204020203" pitchFamily="34" charset="0"/>
+                <a:cs typeface="Segoe UI" panose="020B0502040204020203" pitchFamily="34" charset="0"/>
+              </a:rPr>
+              <a:t>Hubs</a:t>
+            </a:r>
+            <a:endParaRPr lang="en-US" dirty="0">
+              <a:latin typeface="Segoe UI" panose="020B0502040204020203" pitchFamily="34" charset="0"/>
+              <a:cs typeface="Segoe UI" panose="020B0502040204020203" pitchFamily="34" charset="0"/>
+            </a:endParaRPr>
+          </a:p>
+          <a:p>
+            <a:pPr rtl="0"/>
+            <a:r>
+              <a:rPr lang="pl-PL" dirty="0" err="1">
+                <a:latin typeface="Segoe UI" panose="020B0502040204020203" pitchFamily="34" charset="0"/>
+                <a:cs typeface="Segoe UI" panose="020B0502040204020203" pitchFamily="34" charset="0"/>
+              </a:rPr>
+              <a:t>Deleting</a:t>
+            </a:r>
+            <a:r>
+              <a:rPr lang="pl-PL" dirty="0">
+                <a:latin typeface="Segoe UI" panose="020B0502040204020203" pitchFamily="34" charset="0"/>
+                <a:cs typeface="Segoe UI" panose="020B0502040204020203" pitchFamily="34" charset="0"/>
+              </a:rPr>
+              <a:t> </a:t>
+            </a:r>
+            <a:r>
+              <a:rPr lang="pl-PL" dirty="0" err="1">
+                <a:latin typeface="Segoe UI" panose="020B0502040204020203" pitchFamily="34" charset="0"/>
+                <a:cs typeface="Segoe UI" panose="020B0502040204020203" pitchFamily="34" charset="0"/>
+              </a:rPr>
+              <a:t>unnecessary</a:t>
+            </a:r>
+            <a:r>
+              <a:rPr lang="pl-PL" dirty="0">
+                <a:latin typeface="Segoe UI" panose="020B0502040204020203" pitchFamily="34" charset="0"/>
+                <a:cs typeface="Segoe UI" panose="020B0502040204020203" pitchFamily="34" charset="0"/>
+              </a:rPr>
+              <a:t> </a:t>
+            </a:r>
+            <a:r>
+              <a:rPr lang="pl-PL" dirty="0" err="1">
+                <a:latin typeface="Segoe UI" panose="020B0502040204020203" pitchFamily="34" charset="0"/>
+                <a:cs typeface="Segoe UI" panose="020B0502040204020203" pitchFamily="34" charset="0"/>
+              </a:rPr>
+              <a:t>files</a:t>
+            </a:r>
+            <a:endParaRPr lang="pl-PL" dirty="0">
+              <a:latin typeface="Segoe UI" panose="020B0502040204020203" pitchFamily="34" charset="0"/>
+              <a:cs typeface="Segoe UI" panose="020B0502040204020203" pitchFamily="34" charset="0"/>
+            </a:endParaRPr>
+          </a:p>
+        </p:txBody>
+      </p:sp>
+    </p:spTree>
+    <p:extLst>
+      <p:ext uri="{BB962C8B-B14F-4D97-AF65-F5344CB8AC3E}">
+        <p14:creationId xmlns:p14="http://schemas.microsoft.com/office/powerpoint/2010/main" val="354463102"/>
+      </p:ext>
+    </p:extLst>
+  </p:cSld>
+  <p:clrMapOvr>
+    <a:masterClrMapping/>
+  </p:clrMapOvr>
+</p:sld>
+</file>
+
+<file path=ppt/slides/slide6.xml><?xml version="1.0" encoding="utf-8"?>
+<p:sld xmlns:a="http://schemas.openxmlformats.org/drawingml/2006/main" xmlns:r="http://schemas.openxmlformats.org/officeDocument/2006/relationships" xmlns:p="http://schemas.openxmlformats.org/presentationml/2006/main">
+  <p:cSld>
+    <p:spTree>
+      <p:nvGrpSpPr>
+        <p:cNvPr id="1" name=""/>
+        <p:cNvGrpSpPr/>
+        <p:nvPr/>
+      </p:nvGrpSpPr>
+      <p:grpSpPr>
+        <a:xfrm>
+          <a:off x="0" y="0"/>
+          <a:ext cx="0" cy="0"/>
+          <a:chOff x="0" y="0"/>
+          <a:chExt cx="0" cy="0"/>
+        </a:xfrm>
+      </p:grpSpPr>
+      <p:sp>
+        <p:nvSpPr>
+          <p:cNvPr id="4" name="Tytuł 3">
+            <a:extLst>
+              <a:ext uri="{FF2B5EF4-FFF2-40B4-BE49-F238E27FC236}">
+                <a16:creationId xmlns:a16="http://schemas.microsoft.com/office/drawing/2014/main" id="{FE7E940F-6D6B-4FE5-8CA2-E8AE96D300C2}"/>
+              </a:ext>
+            </a:extLst>
+          </p:cNvPr>
+          <p:cNvSpPr>
+            <a:spLocks noGrp="1"/>
+          </p:cNvSpPr>
+          <p:nvPr>
+            <p:ph type="title"/>
+          </p:nvPr>
+        </p:nvSpPr>
+        <p:spPr>
+          <a:xfrm>
             <a:off x="444500" y="414843"/>
             <a:ext cx="9146972" cy="640080"/>
           </a:xfrm>
@@ -15385,7 +15783,7 @@
 </p:sld>
 </file>
 
-<file path=ppt/slides/slide6.xml><?xml version="1.0" encoding="utf-8"?>
+<file path=ppt/slides/slide7.xml><?xml version="1.0" encoding="utf-8"?>
 <p:sld xmlns:a="http://schemas.openxmlformats.org/drawingml/2006/main" xmlns:r="http://schemas.openxmlformats.org/officeDocument/2006/relationships" xmlns:p="http://schemas.openxmlformats.org/presentationml/2006/main">
   <p:cSld>
     <p:spTree>
@@ -15495,7 +15893,7 @@
 </p:sld>
 </file>
 
-<file path=ppt/slides/slide7.xml><?xml version="1.0" encoding="utf-8"?>
+<file path=ppt/slides/slide8.xml><?xml version="1.0" encoding="utf-8"?>
 <p:sld xmlns:a="http://schemas.openxmlformats.org/drawingml/2006/main" xmlns:r="http://schemas.openxmlformats.org/officeDocument/2006/relationships" xmlns:p="http://schemas.openxmlformats.org/presentationml/2006/main">
   <p:cSld>
     <p:spTree>
@@ -15733,330 +16131,6 @@
     <p:extLst>
       <p:ext uri="{BB962C8B-B14F-4D97-AF65-F5344CB8AC3E}">
         <p14:creationId xmlns:p14="http://schemas.microsoft.com/office/powerpoint/2010/main" val="1079432290"/>
-      </p:ext>
-    </p:extLst>
-  </p:cSld>
-  <p:clrMapOvr>
-    <a:masterClrMapping/>
-  </p:clrMapOvr>
-</p:sld>
-</file>
-
-<file path=ppt/slides/slide8.xml><?xml version="1.0" encoding="utf-8"?>
-<p:sld xmlns:a="http://schemas.openxmlformats.org/drawingml/2006/main" xmlns:r="http://schemas.openxmlformats.org/officeDocument/2006/relationships" xmlns:p="http://schemas.openxmlformats.org/presentationml/2006/main">
-  <p:cSld>
-    <p:spTree>
-      <p:nvGrpSpPr>
-        <p:cNvPr id="1" name=""/>
-        <p:cNvGrpSpPr/>
-        <p:nvPr/>
-      </p:nvGrpSpPr>
-      <p:grpSpPr>
-        <a:xfrm>
-          <a:off x="0" y="0"/>
-          <a:ext cx="0" cy="0"/>
-          <a:chOff x="0" y="0"/>
-          <a:chExt cx="0" cy="0"/>
-        </a:xfrm>
-      </p:grpSpPr>
-      <p:sp>
-        <p:nvSpPr>
-          <p:cNvPr id="4" name="Tytuł 3">
-            <a:extLst>
-              <a:ext uri="{FF2B5EF4-FFF2-40B4-BE49-F238E27FC236}">
-                <a16:creationId xmlns:a16="http://schemas.microsoft.com/office/drawing/2014/main" id="{FE7E940F-6D6B-4FE5-8CA2-E8AE96D300C2}"/>
-              </a:ext>
-            </a:extLst>
-          </p:cNvPr>
-          <p:cNvSpPr>
-            <a:spLocks noGrp="1"/>
-          </p:cNvSpPr>
-          <p:nvPr>
-            <p:ph type="title"/>
-          </p:nvPr>
-        </p:nvSpPr>
-        <p:spPr>
-          <a:xfrm>
-            <a:off x="444500" y="430609"/>
-            <a:ext cx="9146972" cy="640080"/>
-          </a:xfrm>
-        </p:spPr>
-        <p:txBody>
-          <a:bodyPr rtlCol="0" anchor="ctr">
-            <a:normAutofit/>
-          </a:bodyPr>
-          <a:lstStyle>
-            <a:defPPr>
-              <a:defRPr lang="pl-PL"/>
-            </a:defPPr>
-          </a:lstStyle>
-          <a:p>
-            <a:pPr rtl="0"/>
-            <a:r>
-              <a:rPr lang="en-US" sz="2600" b="1"/>
-              <a:t>Using BCP to convert to CSV, Data Compression to GZIP</a:t>
-            </a:r>
-            <a:endParaRPr lang="pl-PL" sz="2600" b="1"/>
-          </a:p>
-        </p:txBody>
-      </p:sp>
-      <p:pic>
-        <p:nvPicPr>
-          <p:cNvPr id="11" name="Picture 10">
-            <a:extLst>
-              <a:ext uri="{FF2B5EF4-FFF2-40B4-BE49-F238E27FC236}">
-                <a16:creationId xmlns:a16="http://schemas.microsoft.com/office/drawing/2014/main" id="{6FB5E719-8A5A-1985-6CF5-ACBA258F8A1D}"/>
-              </a:ext>
-            </a:extLst>
-          </p:cNvPr>
-          <p:cNvPicPr>
-            <a:picLocks noChangeAspect="1"/>
-          </p:cNvPicPr>
-          <p:nvPr/>
-        </p:nvPicPr>
-        <p:blipFill>
-          <a:blip r:embed="rId3"/>
-          <a:stretch>
-            <a:fillRect/>
-          </a:stretch>
-        </p:blipFill>
-        <p:spPr>
-          <a:xfrm>
-            <a:off x="3969408" y="1422400"/>
-            <a:ext cx="7846713" cy="3526188"/>
-          </a:xfrm>
-          <a:prstGeom prst="rect">
-            <a:avLst/>
-          </a:prstGeom>
-        </p:spPr>
-      </p:pic>
-      <p:sp>
-        <p:nvSpPr>
-          <p:cNvPr id="19" name="Zawartość — symbol zastępczy 2">
-            <a:extLst>
-              <a:ext uri="{FF2B5EF4-FFF2-40B4-BE49-F238E27FC236}">
-                <a16:creationId xmlns:a16="http://schemas.microsoft.com/office/drawing/2014/main" id="{E67915F3-31F5-105E-2C51-8B4573FA557F}"/>
-              </a:ext>
-            </a:extLst>
-          </p:cNvPr>
-          <p:cNvSpPr>
-            <a:spLocks noGrp="1"/>
-          </p:cNvSpPr>
-          <p:nvPr>
-            <p:ph sz="quarter" idx="10"/>
-          </p:nvPr>
-        </p:nvSpPr>
-        <p:spPr>
-          <a:xfrm>
-            <a:off x="444501" y="1509612"/>
-            <a:ext cx="3594099" cy="3977640"/>
-          </a:xfrm>
-        </p:spPr>
-        <p:txBody>
-          <a:bodyPr rtlCol="0">
-            <a:noAutofit/>
-          </a:bodyPr>
-          <a:lstStyle>
-            <a:defPPr>
-              <a:defRPr lang="pl-PL"/>
-            </a:defPPr>
-          </a:lstStyle>
-          <a:p>
-            <a:pPr rtl="0"/>
-            <a:r>
-              <a:rPr lang="en-US" dirty="0">
-                <a:latin typeface="Segoe UI" panose="020B0502040204020203" pitchFamily="34" charset="0"/>
-                <a:cs typeface="Segoe UI" panose="020B0502040204020203" pitchFamily="34" charset="0"/>
-              </a:rPr>
-              <a:t>Setting a collection of view names</a:t>
-            </a:r>
-          </a:p>
-          <a:p>
-            <a:pPr rtl="0"/>
-            <a:r>
-              <a:rPr lang="en-US" dirty="0">
-                <a:latin typeface="Segoe UI" panose="020B0502040204020203" pitchFamily="34" charset="0"/>
-                <a:cs typeface="Segoe UI" panose="020B0502040204020203" pitchFamily="34" charset="0"/>
-              </a:rPr>
-              <a:t>Looping through all the views</a:t>
-            </a:r>
-          </a:p>
-          <a:p>
-            <a:pPr rtl="0"/>
-            <a:r>
-              <a:rPr lang="en-US" dirty="0">
-                <a:latin typeface="Segoe UI" panose="020B0502040204020203" pitchFamily="34" charset="0"/>
-                <a:cs typeface="Segoe UI" panose="020B0502040204020203" pitchFamily="34" charset="0"/>
-              </a:rPr>
-              <a:t>Combining views metadata (column names) with the actual data from two files into one file</a:t>
-            </a:r>
-          </a:p>
-          <a:p>
-            <a:pPr rtl="0"/>
-            <a:r>
-              <a:rPr lang="en-US" dirty="0">
-                <a:latin typeface="Segoe UI" panose="020B0502040204020203" pitchFamily="34" charset="0"/>
-                <a:cs typeface="Segoe UI" panose="020B0502040204020203" pitchFamily="34" charset="0"/>
-              </a:rPr>
-              <a:t>Using 7-Zip to compress to </a:t>
-            </a:r>
-            <a:r>
-              <a:rPr lang="en-US" dirty="0" err="1">
-                <a:latin typeface="Segoe UI" panose="020B0502040204020203" pitchFamily="34" charset="0"/>
-                <a:cs typeface="Segoe UI" panose="020B0502040204020203" pitchFamily="34" charset="0"/>
-              </a:rPr>
-              <a:t>gzip</a:t>
-            </a:r>
-            <a:r>
-              <a:rPr lang="en-US" dirty="0">
-                <a:latin typeface="Segoe UI" panose="020B0502040204020203" pitchFamily="34" charset="0"/>
-                <a:cs typeface="Segoe UI" panose="020B0502040204020203" pitchFamily="34" charset="0"/>
-              </a:rPr>
-              <a:t> format (</a:t>
-            </a:r>
-            <a:r>
-              <a:rPr lang="en-US" dirty="0" err="1">
-                <a:latin typeface="Segoe UI" panose="020B0502040204020203" pitchFamily="34" charset="0"/>
-                <a:cs typeface="Segoe UI" panose="020B0502040204020203" pitchFamily="34" charset="0"/>
-              </a:rPr>
-              <a:t>gzip</a:t>
-            </a:r>
-            <a:r>
-              <a:rPr lang="en-US" dirty="0">
-                <a:latin typeface="Segoe UI" panose="020B0502040204020203" pitchFamily="34" charset="0"/>
-                <a:cs typeface="Segoe UI" panose="020B0502040204020203" pitchFamily="34" charset="0"/>
-              </a:rPr>
-              <a:t> is directly readable by Spark)</a:t>
-            </a:r>
-          </a:p>
-          <a:p>
-            <a:pPr rtl="0"/>
-            <a:r>
-              <a:rPr lang="pl-PL" dirty="0" err="1">
-                <a:latin typeface="Segoe UI" panose="020B0502040204020203" pitchFamily="34" charset="0"/>
-                <a:cs typeface="Segoe UI" panose="020B0502040204020203" pitchFamily="34" charset="0"/>
-              </a:rPr>
-              <a:t>Deleting</a:t>
-            </a:r>
-            <a:r>
-              <a:rPr lang="pl-PL" dirty="0">
-                <a:latin typeface="Segoe UI" panose="020B0502040204020203" pitchFamily="34" charset="0"/>
-                <a:cs typeface="Segoe UI" panose="020B0502040204020203" pitchFamily="34" charset="0"/>
-              </a:rPr>
-              <a:t> </a:t>
-            </a:r>
-            <a:r>
-              <a:rPr lang="pl-PL" dirty="0" err="1">
-                <a:latin typeface="Segoe UI" panose="020B0502040204020203" pitchFamily="34" charset="0"/>
-                <a:cs typeface="Segoe UI" panose="020B0502040204020203" pitchFamily="34" charset="0"/>
-              </a:rPr>
-              <a:t>unnecessary</a:t>
-            </a:r>
-            <a:r>
-              <a:rPr lang="pl-PL" dirty="0">
-                <a:latin typeface="Segoe UI" panose="020B0502040204020203" pitchFamily="34" charset="0"/>
-                <a:cs typeface="Segoe UI" panose="020B0502040204020203" pitchFamily="34" charset="0"/>
-              </a:rPr>
-              <a:t> </a:t>
-            </a:r>
-            <a:r>
-              <a:rPr lang="pl-PL" dirty="0" err="1">
-                <a:latin typeface="Segoe UI" panose="020B0502040204020203" pitchFamily="34" charset="0"/>
-                <a:cs typeface="Segoe UI" panose="020B0502040204020203" pitchFamily="34" charset="0"/>
-              </a:rPr>
-              <a:t>files</a:t>
-            </a:r>
-            <a:endParaRPr lang="pl-PL" dirty="0">
-              <a:latin typeface="Segoe UI" panose="020B0502040204020203" pitchFamily="34" charset="0"/>
-              <a:cs typeface="Segoe UI" panose="020B0502040204020203" pitchFamily="34" charset="0"/>
-            </a:endParaRPr>
-          </a:p>
-        </p:txBody>
-      </p:sp>
-      <p:pic>
-        <p:nvPicPr>
-          <p:cNvPr id="21" name="Picture 20">
-            <a:extLst>
-              <a:ext uri="{FF2B5EF4-FFF2-40B4-BE49-F238E27FC236}">
-                <a16:creationId xmlns:a16="http://schemas.microsoft.com/office/drawing/2014/main" id="{FD4A34A5-E178-4C37-9AA9-CCB73462ED6D}"/>
-              </a:ext>
-            </a:extLst>
-          </p:cNvPr>
-          <p:cNvPicPr>
-            <a:picLocks noChangeAspect="1"/>
-          </p:cNvPicPr>
-          <p:nvPr/>
-        </p:nvPicPr>
-        <p:blipFill>
-          <a:blip r:embed="rId4"/>
-          <a:stretch>
-            <a:fillRect/>
-          </a:stretch>
-        </p:blipFill>
-        <p:spPr>
-          <a:xfrm>
-            <a:off x="319623" y="4435657"/>
-            <a:ext cx="3653797" cy="2103189"/>
-          </a:xfrm>
-          <a:prstGeom prst="rect">
-            <a:avLst/>
-          </a:prstGeom>
-        </p:spPr>
-      </p:pic>
-      <p:sp>
-        <p:nvSpPr>
-          <p:cNvPr id="23" name="Arrow: Bent 22">
-            <a:extLst>
-              <a:ext uri="{FF2B5EF4-FFF2-40B4-BE49-F238E27FC236}">
-                <a16:creationId xmlns:a16="http://schemas.microsoft.com/office/drawing/2014/main" id="{800958DE-AEB9-FE38-6406-9BB1841CE07D}"/>
-              </a:ext>
-            </a:extLst>
-          </p:cNvPr>
-          <p:cNvSpPr/>
-          <p:nvPr/>
-        </p:nvSpPr>
-        <p:spPr>
-          <a:xfrm rot="10800000">
-            <a:off x="4652433" y="5165518"/>
-            <a:ext cx="2167466" cy="824647"/>
-          </a:xfrm>
-          <a:prstGeom prst="bentArrow">
-            <a:avLst/>
-          </a:prstGeom>
-        </p:spPr>
-        <p:style>
-          <a:lnRef idx="2">
-            <a:schemeClr val="accent1">
-              <a:shade val="15000"/>
-            </a:schemeClr>
-          </a:lnRef>
-          <a:fillRef idx="1">
-            <a:schemeClr val="accent1"/>
-          </a:fillRef>
-          <a:effectRef idx="0">
-            <a:schemeClr val="accent1"/>
-          </a:effectRef>
-          <a:fontRef idx="minor">
-            <a:schemeClr val="lt1"/>
-          </a:fontRef>
-        </p:style>
-        <p:txBody>
-          <a:bodyPr rtlCol="0" anchor="ctr"/>
-          <a:lstStyle/>
-          <a:p>
-            <a:pPr algn="ctr"/>
-            <a:endParaRPr lang="pl-PL">
-              <a:solidFill>
-                <a:schemeClr val="tx1"/>
-              </a:solidFill>
-            </a:endParaRPr>
-          </a:p>
-        </p:txBody>
-      </p:sp>
-    </p:spTree>
-    <p:extLst>
-      <p:ext uri="{BB962C8B-B14F-4D97-AF65-F5344CB8AC3E}">
-        <p14:creationId xmlns:p14="http://schemas.microsoft.com/office/powerpoint/2010/main" val="354463102"/>
       </p:ext>
     </p:extLst>
   </p:cSld>
@@ -17561,12 +17635,22 @@
 </file>
 
 <file path=customXml/item1.xml><?xml version="1.0" encoding="utf-8"?>
-<?mso-contentType ?>
-<FormTemplates xmlns="http://schemas.microsoft.com/sharepoint/v3/contenttype/forms">
-  <Display>DocumentLibraryForm</Display>
-  <Edit>DocumentLibraryForm</Edit>
-  <New>DocumentLibraryForm</New>
-</FormTemplates>
+<p:properties xmlns:p="http://schemas.microsoft.com/office/2006/metadata/properties" xmlns:xsi="http://www.w3.org/2001/XMLSchema-instance" xmlns:pc="http://schemas.microsoft.com/office/infopath/2007/PartnerControls">
+  <documentManagement>
+    <Status xmlns="71af3243-3dd4-4a8d-8c0d-dd76da1f02a5">Not started</Status>
+    <_ip_UnifiedCompliancePolicyUIAction xmlns="http://schemas.microsoft.com/sharepoint/v3" xsi:nil="true"/>
+    <Image xmlns="71af3243-3dd4-4a8d-8c0d-dd76da1f02a5">
+      <Url xsi:nil="true"/>
+      <Description xsi:nil="true"/>
+    </Image>
+    <_ip_UnifiedCompliancePolicyProperties xmlns="http://schemas.microsoft.com/sharepoint/v3" xsi:nil="true"/>
+    <ImageTagsTaxHTField xmlns="71af3243-3dd4-4a8d-8c0d-dd76da1f02a5">
+      <Terms xmlns="http://schemas.microsoft.com/office/infopath/2007/PartnerControls"/>
+    </ImageTagsTaxHTField>
+    <TaxCatchAll xmlns="230e9df3-be65-4c73-a93b-d1236ebd677e"/>
+    <MediaServiceKeyPoints xmlns="71af3243-3dd4-4a8d-8c0d-dd76da1f02a5" xsi:nil="true"/>
+  </documentManagement>
+</p:properties>
 </file>
 
 <file path=customXml/item2.xml><?xml version="1.0" encoding="utf-8"?>
@@ -17846,28 +17930,22 @@
 </file>
 
 <file path=customXml/item3.xml><?xml version="1.0" encoding="utf-8"?>
-<p:properties xmlns:p="http://schemas.microsoft.com/office/2006/metadata/properties" xmlns:xsi="http://www.w3.org/2001/XMLSchema-instance" xmlns:pc="http://schemas.microsoft.com/office/infopath/2007/PartnerControls">
-  <documentManagement>
-    <Status xmlns="71af3243-3dd4-4a8d-8c0d-dd76da1f02a5">Not started</Status>
-    <_ip_UnifiedCompliancePolicyUIAction xmlns="http://schemas.microsoft.com/sharepoint/v3" xsi:nil="true"/>
-    <Image xmlns="71af3243-3dd4-4a8d-8c0d-dd76da1f02a5">
-      <Url xsi:nil="true"/>
-      <Description xsi:nil="true"/>
-    </Image>
-    <_ip_UnifiedCompliancePolicyProperties xmlns="http://schemas.microsoft.com/sharepoint/v3" xsi:nil="true"/>
-    <ImageTagsTaxHTField xmlns="71af3243-3dd4-4a8d-8c0d-dd76da1f02a5">
-      <Terms xmlns="http://schemas.microsoft.com/office/infopath/2007/PartnerControls"/>
-    </ImageTagsTaxHTField>
-    <TaxCatchAll xmlns="230e9df3-be65-4c73-a93b-d1236ebd677e"/>
-    <MediaServiceKeyPoints xmlns="71af3243-3dd4-4a8d-8c0d-dd76da1f02a5" xsi:nil="true"/>
-  </documentManagement>
-</p:properties>
+<?mso-contentType ?>
+<FormTemplates xmlns="http://schemas.microsoft.com/sharepoint/v3/contenttype/forms">
+  <Display>DocumentLibraryForm</Display>
+  <Edit>DocumentLibraryForm</Edit>
+  <New>DocumentLibraryForm</New>
+</FormTemplates>
 </file>
 
 <file path=customXml/itemProps1.xml><?xml version="1.0" encoding="utf-8"?>
-<ds:datastoreItem xmlns:ds="http://schemas.openxmlformats.org/officeDocument/2006/customXml" ds:itemID="{77DD0DBF-30B2-4FC6-A5E7-8374DC718037}">
+<ds:datastoreItem xmlns:ds="http://schemas.openxmlformats.org/officeDocument/2006/customXml" ds:itemID="{1C44B501-5DE1-46D9-B449-400C46FE1425}">
   <ds:schemaRefs>
-    <ds:schemaRef ds:uri="http://schemas.microsoft.com/sharepoint/v3/contenttype/forms"/>
+    <ds:schemaRef ds:uri="http://schemas.microsoft.com/office/2006/metadata/properties"/>
+    <ds:schemaRef ds:uri="http://schemas.microsoft.com/office/infopath/2007/PartnerControls"/>
+    <ds:schemaRef ds:uri="71af3243-3dd4-4a8d-8c0d-dd76da1f02a5"/>
+    <ds:schemaRef ds:uri="http://schemas.microsoft.com/sharepoint/v3"/>
+    <ds:schemaRef ds:uri="230e9df3-be65-4c73-a93b-d1236ebd677e"/>
   </ds:schemaRefs>
 </ds:datastoreItem>
 </file>
@@ -17894,13 +17972,9 @@
 </file>
 
 <file path=customXml/itemProps3.xml><?xml version="1.0" encoding="utf-8"?>
-<ds:datastoreItem xmlns:ds="http://schemas.openxmlformats.org/officeDocument/2006/customXml" ds:itemID="{1C44B501-5DE1-46D9-B449-400C46FE1425}">
+<ds:datastoreItem xmlns:ds="http://schemas.openxmlformats.org/officeDocument/2006/customXml" ds:itemID="{77DD0DBF-30B2-4FC6-A5E7-8374DC718037}">
   <ds:schemaRefs>
-    <ds:schemaRef ds:uri="http://schemas.microsoft.com/office/2006/metadata/properties"/>
-    <ds:schemaRef ds:uri="http://schemas.microsoft.com/office/infopath/2007/PartnerControls"/>
-    <ds:schemaRef ds:uri="71af3243-3dd4-4a8d-8c0d-dd76da1f02a5"/>
-    <ds:schemaRef ds:uri="http://schemas.microsoft.com/sharepoint/v3"/>
-    <ds:schemaRef ds:uri="230e9df3-be65-4c73-a93b-d1236ebd677e"/>
+    <ds:schemaRef ds:uri="http://schemas.microsoft.com/sharepoint/v3/contenttype/forms"/>
   </ds:schemaRefs>
 </ds:datastoreItem>
 </file>

--- a/Presentation/Processing Data on Air Pollution in Europe on Modern Data Platform.pptx
+++ b/Presentation/Processing Data on Air Pollution in Europe on Modern Data Platform.pptx
@@ -5,7 +5,7 @@
     <p:sldMasterId id="2147483648" r:id="rId4"/>
   </p:sldMasterIdLst>
   <p:notesMasterIdLst>
-    <p:notesMasterId r:id="rId22"/>
+    <p:notesMasterId r:id="rId23"/>
   </p:notesMasterIdLst>
   <p:sldIdLst>
     <p:sldId id="259" r:id="rId5"/>
@@ -13,18 +13,19 @@
     <p:sldId id="281" r:id="rId7"/>
     <p:sldId id="267" r:id="rId8"/>
     <p:sldId id="270" r:id="rId9"/>
-    <p:sldId id="262" r:id="rId10"/>
-    <p:sldId id="268" r:id="rId11"/>
-    <p:sldId id="266" r:id="rId12"/>
-    <p:sldId id="273" r:id="rId13"/>
-    <p:sldId id="271" r:id="rId14"/>
-    <p:sldId id="275" r:id="rId15"/>
-    <p:sldId id="274" r:id="rId16"/>
-    <p:sldId id="277" r:id="rId17"/>
-    <p:sldId id="278" r:id="rId18"/>
-    <p:sldId id="279" r:id="rId19"/>
-    <p:sldId id="280" r:id="rId20"/>
-    <p:sldId id="265" r:id="rId21"/>
+    <p:sldId id="284" r:id="rId10"/>
+    <p:sldId id="283" r:id="rId11"/>
+    <p:sldId id="286" r:id="rId12"/>
+    <p:sldId id="287" r:id="rId13"/>
+    <p:sldId id="289" r:id="rId14"/>
+    <p:sldId id="288" r:id="rId15"/>
+    <p:sldId id="262" r:id="rId16"/>
+    <p:sldId id="290" r:id="rId17"/>
+    <p:sldId id="291" r:id="rId18"/>
+    <p:sldId id="266" r:id="rId19"/>
+    <p:sldId id="292" r:id="rId20"/>
+    <p:sldId id="293" r:id="rId21"/>
+    <p:sldId id="265" r:id="rId22"/>
   </p:sldIdLst>
   <p:sldSz cx="12192000" cy="6858000"/>
   <p:notesSz cx="6858000" cy="9144000"/>
@@ -1701,7 +1702,7 @@
           </a:r>
           <a:r>
             <a:rPr lang="pl-PL" noProof="0" dirty="0" err="1"/>
-            <a:t>Dispalying</a:t>
+            <a:t>Displaying</a:t>
           </a:r>
           <a:r>
             <a:rPr lang="pl-PL" noProof="0" dirty="0"/>
@@ -2312,7 +2313,9 @@
     <dgm:cxn modelId="{DB815251-1804-4927-8D3C-488788811B42}" type="presParOf" srcId="{03163906-36D6-4FB8-BB18-E04FA84A47A6}" destId="{C2518668-97A8-402E-BC0D-09AE8E2ABBE2}" srcOrd="3" destOrd="0" presId="urn:microsoft.com/office/officeart/2016/7/layout/RoundedRectangleTimeline"/>
     <dgm:cxn modelId="{E71AA971-1AAE-4077-BE68-1019D6BC222D}" type="presParOf" srcId="{03163906-36D6-4FB8-BB18-E04FA84A47A6}" destId="{B8E1DD63-FDF0-4B15-85B7-2053E048AAC9}" srcOrd="4" destOrd="0" presId="urn:microsoft.com/office/officeart/2016/7/layout/RoundedRectangleTimeline"/>
   </dgm:cxnLst>
-  <dgm:bg/>
+  <dgm:bg>
+    <a:noFill/>
+  </dgm:bg>
   <dgm:whole/>
   <dgm:extLst>
     <a:ext uri="http://schemas.microsoft.com/office/drawing/2008/diagram">
@@ -3841,7 +3844,7 @@
           </a:r>
           <a:r>
             <a:rPr lang="pl-PL" sz="1600" kern="1200" noProof="0" dirty="0" err="1"/>
-            <a:t>Dispalying</a:t>
+            <a:t>Displaying</a:t>
           </a:r>
           <a:r>
             <a:rPr lang="pl-PL" sz="1600" kern="1200" noProof="0" dirty="0"/>
@@ -6089,7 +6092,13 @@
   <p:cSld>
     <p:spTree>
       <p:nvGrpSpPr>
-        <p:cNvPr id="1" name=""/>
+        <p:cNvPr id="1" name="">
+          <a:extLst>
+            <a:ext uri="{FF2B5EF4-FFF2-40B4-BE49-F238E27FC236}">
+              <a16:creationId xmlns:a16="http://schemas.microsoft.com/office/drawing/2014/main" id="{AA3FB566-DDB9-50C0-7C0F-525E3B7D310A}"/>
+            </a:ext>
+          </a:extLst>
+        </p:cNvPr>
         <p:cNvGrpSpPr/>
         <p:nvPr/>
       </p:nvGrpSpPr>
@@ -6103,7 +6112,13 @@
       </p:grpSpPr>
       <p:sp>
         <p:nvSpPr>
-          <p:cNvPr id="2" name="Slide Image Placeholder 1"/>
+          <p:cNvPr id="2" name="Slide Image Placeholder 1">
+            <a:extLst>
+              <a:ext uri="{FF2B5EF4-FFF2-40B4-BE49-F238E27FC236}">
+                <a16:creationId xmlns:a16="http://schemas.microsoft.com/office/drawing/2014/main" id="{23999433-69D7-2C49-B471-642271A46BF1}"/>
+              </a:ext>
+            </a:extLst>
+          </p:cNvPr>
           <p:cNvSpPr>
             <a:spLocks noGrp="1" noRot="1" noChangeAspect="1"/>
           </p:cNvSpPr>
@@ -6115,7 +6130,13 @@
       </p:sp>
       <p:sp>
         <p:nvSpPr>
-          <p:cNvPr id="3" name="Notes Placeholder 2"/>
+          <p:cNvPr id="3" name="Notes Placeholder 2">
+            <a:extLst>
+              <a:ext uri="{FF2B5EF4-FFF2-40B4-BE49-F238E27FC236}">
+                <a16:creationId xmlns:a16="http://schemas.microsoft.com/office/drawing/2014/main" id="{4F667BED-1B68-2423-8862-5D99B19358C2}"/>
+              </a:ext>
+            </a:extLst>
+          </p:cNvPr>
           <p:cNvSpPr>
             <a:spLocks noGrp="1"/>
           </p:cNvSpPr>
@@ -6131,7 +6152,7 @@
             <a:pPr algn="just"/>
             <a:r>
               <a:rPr lang="en-US" dirty="0"/>
-              <a:t>This slide illustrates the functions I've prepared for converting compressed CSV files to the Parquet format, optimized for processing with Apache Spark.</a:t>
+              <a:t>In this slide, I'm detailing the efficient process of exporting data from SQL Server to CSV and then compressing it for optimal transfer speed.</a:t>
             </a:r>
           </a:p>
           <a:p>
@@ -6142,23 +6163,7 @@
             <a:pPr algn="just"/>
             <a:r>
               <a:rPr lang="en-US" dirty="0"/>
-              <a:t>The first function, </a:t>
-            </a:r>
-            <a:r>
-              <a:rPr lang="en-US" dirty="0" err="1"/>
-              <a:t>readCSV</a:t>
-            </a:r>
-            <a:r>
-              <a:rPr lang="en-US" dirty="0"/>
-              <a:t>, is a Scala function that reads a CSV file into a Spark </a:t>
-            </a:r>
-            <a:r>
-              <a:rPr lang="en-US" dirty="0" err="1"/>
-              <a:t>DataFrame</a:t>
-            </a:r>
-            <a:r>
-              <a:rPr lang="en-US" dirty="0"/>
-              <a:t>, enforcing a predefined schema. It's essential for ensuring the data conforms to the expected format, which facilitates reliable analysis and processing.</a:t>
+              <a:t>I start by using BCP, which stands for Bulk Copy Program, a tool provided by SQL Server. It's the fastest method available to perform large-scale data exports to CSV format, ensuring speed and efficiency. I specify the view names that form the collection of data I wish to export, and then I initiate a loop to process each view individually.</a:t>
             </a:r>
           </a:p>
           <a:p>
@@ -6169,23 +6174,31 @@
             <a:pPr algn="just"/>
             <a:r>
               <a:rPr lang="en-US" dirty="0"/>
-              <a:t>To manage file paths easier, I use the </a:t>
+              <a:t>Once the CSV files are generated, I use 7-Zip to compress them into </a:t>
             </a:r>
             <a:r>
               <a:rPr lang="en-US" dirty="0" err="1"/>
-              <a:t>getCSVPath</a:t>
+              <a:t>gzip</a:t>
             </a:r>
             <a:r>
               <a:rPr lang="en-US" dirty="0"/>
-              <a:t> and </a:t>
+              <a:t> format. One of the key advantages of </a:t>
             </a:r>
             <a:r>
               <a:rPr lang="en-US" dirty="0" err="1"/>
-              <a:t>getParquetPath</a:t>
+              <a:t>gzip</a:t>
             </a:r>
             <a:r>
               <a:rPr lang="en-US" dirty="0"/>
-              <a:t> functions. They generate the storage paths for the CSV and Parquet files, respectively. </a:t>
+              <a:t> is its compatibility with Databricks' file system. It can read </a:t>
+            </a:r>
+            <a:r>
+              <a:rPr lang="en-US" dirty="0" err="1"/>
+              <a:t>gzip</a:t>
+            </a:r>
+            <a:r>
+              <a:rPr lang="en-US" dirty="0"/>
+              <a:t> files directly, which means there's no need to decompress them on the platform, saving valuable processing time and simplifying the data pipeline.</a:t>
             </a:r>
           </a:p>
           <a:p>
@@ -6196,7 +6209,7 @@
             <a:pPr algn="just"/>
             <a:r>
               <a:rPr lang="en-US" dirty="0"/>
-              <a:t>By applying these functions, I ensure that the data transformation pipeline is not only automated but also integrated, setting the stage for the subsequent analytics tasks in Spark without any manual intervention.</a:t>
+              <a:t>The bottom part of the slide shows the actual script that orchestrates this entire process: from setting environment variables for BCP to executing the compression commands and cleaning up interim files. This script is the backbone of the procedure, handling everything from data extraction to final file compression, ready for sending to Databricks.</a:t>
             </a:r>
           </a:p>
           <a:p>
@@ -6207,22 +6220,21 @@
             <a:pPr algn="just"/>
             <a:r>
               <a:rPr lang="en-US" dirty="0"/>
-              <a:t>79’’</a:t>
-            </a:r>
-          </a:p>
-          <a:p>
-            <a:pPr algn="just"/>
-            <a:endParaRPr lang="en-US" dirty="0"/>
-          </a:p>
-          <a:p>
-            <a:pPr algn="just"/>
+              <a:t>67’’</a:t>
+            </a:r>
             <a:endParaRPr lang="pl-PL" dirty="0"/>
           </a:p>
         </p:txBody>
       </p:sp>
       <p:sp>
         <p:nvSpPr>
-          <p:cNvPr id="4" name="Slide Number Placeholder 3"/>
+          <p:cNvPr id="4" name="Slide Number Placeholder 3">
+            <a:extLst>
+              <a:ext uri="{FF2B5EF4-FFF2-40B4-BE49-F238E27FC236}">
+                <a16:creationId xmlns:a16="http://schemas.microsoft.com/office/drawing/2014/main" id="{526BF33B-ED21-4247-9C8F-E91C3E158C94}"/>
+              </a:ext>
+            </a:extLst>
+          </p:cNvPr>
           <p:cNvSpPr>
             <a:spLocks noGrp="1"/>
           </p:cNvSpPr>
@@ -6247,7 +6259,7 @@
     </p:spTree>
     <p:extLst>
       <p:ext uri="{BB962C8B-B14F-4D97-AF65-F5344CB8AC3E}">
-        <p14:creationId xmlns:p14="http://schemas.microsoft.com/office/powerpoint/2010/main" val="2667232071"/>
+        <p14:creationId xmlns:p14="http://schemas.microsoft.com/office/powerpoint/2010/main" val="1852284628"/>
       </p:ext>
     </p:extLst>
   </p:cSld>
@@ -6262,7 +6274,13 @@
   <p:cSld>
     <p:spTree>
       <p:nvGrpSpPr>
-        <p:cNvPr id="1" name=""/>
+        <p:cNvPr id="1" name="">
+          <a:extLst>
+            <a:ext uri="{FF2B5EF4-FFF2-40B4-BE49-F238E27FC236}">
+              <a16:creationId xmlns:a16="http://schemas.microsoft.com/office/drawing/2014/main" id="{22777088-D300-D6C8-4A27-32793C115184}"/>
+            </a:ext>
+          </a:extLst>
+        </p:cNvPr>
         <p:cNvGrpSpPr/>
         <p:nvPr/>
       </p:nvGrpSpPr>
@@ -6276,7 +6294,13 @@
       </p:grpSpPr>
       <p:sp>
         <p:nvSpPr>
-          <p:cNvPr id="2" name="Slide Image Placeholder 1"/>
+          <p:cNvPr id="2" name="Slide Image Placeholder 1">
+            <a:extLst>
+              <a:ext uri="{FF2B5EF4-FFF2-40B4-BE49-F238E27FC236}">
+                <a16:creationId xmlns:a16="http://schemas.microsoft.com/office/drawing/2014/main" id="{C2109BB3-90AD-BE25-4F85-70CD0C155CFE}"/>
+              </a:ext>
+            </a:extLst>
+          </p:cNvPr>
           <p:cNvSpPr>
             <a:spLocks noGrp="1" noRot="1" noChangeAspect="1"/>
           </p:cNvSpPr>
@@ -6288,7 +6312,13 @@
       </p:sp>
       <p:sp>
         <p:nvSpPr>
-          <p:cNvPr id="3" name="Notes Placeholder 2"/>
+          <p:cNvPr id="3" name="Notes Placeholder 2">
+            <a:extLst>
+              <a:ext uri="{FF2B5EF4-FFF2-40B4-BE49-F238E27FC236}">
+                <a16:creationId xmlns:a16="http://schemas.microsoft.com/office/drawing/2014/main" id="{7EFBEA56-46A1-AAD2-FDA1-C6EB48561EF1}"/>
+              </a:ext>
+            </a:extLst>
+          </p:cNvPr>
           <p:cNvSpPr>
             <a:spLocks noGrp="1"/>
           </p:cNvSpPr>
@@ -6304,7 +6334,7 @@
             <a:pPr algn="just"/>
             <a:r>
               <a:rPr lang="en-US" dirty="0"/>
-              <a:t>On this slide, I show the process I used to convert a compressed CSV file into the Parquet format using Spark. The schema defined here mirrors the exact structure in the data model shown earlier. </a:t>
+              <a:t>In this slide, I'm detailing the efficient process of exporting data from SQL Server to CSV and then compressing it for optimal transfer speed.</a:t>
             </a:r>
           </a:p>
           <a:p>
@@ -6315,7 +6345,7 @@
             <a:pPr algn="just"/>
             <a:r>
               <a:rPr lang="en-US" dirty="0"/>
-              <a:t>Here, you can see the code snippet for converting the 'Posts' file as an example. I’ve set Spark's SQL legacy time parser policy to avoid issues with date conversion, which is a common problem in data processing.</a:t>
+              <a:t>I start by using BCP, which stands for Bulk Copy Program, a tool provided by SQL Server. It's the fastest method available to perform large-scale data exports to CSV format, ensuring speed and efficiency. I specify the view names that form the collection of data I wish to export, and then I initiate a loop to process each view individually.</a:t>
             </a:r>
           </a:p>
           <a:p>
@@ -6326,31 +6356,31 @@
             <a:pPr algn="just"/>
             <a:r>
               <a:rPr lang="en-US" dirty="0"/>
-              <a:t>The </a:t>
+              <a:t>Once the CSV files are generated, I use 7-Zip to compress them into </a:t>
             </a:r>
             <a:r>
               <a:rPr lang="en-US" dirty="0" err="1"/>
-              <a:t>readCSV</a:t>
+              <a:t>gzip</a:t>
             </a:r>
             <a:r>
               <a:rPr lang="en-US" dirty="0"/>
-              <a:t> function is used to read the CSV file into a </a:t>
+              <a:t> format. One of the key advantages of </a:t>
             </a:r>
             <a:r>
               <a:rPr lang="en-US" dirty="0" err="1"/>
-              <a:t>DataFrame</a:t>
+              <a:t>gzip</a:t>
             </a:r>
             <a:r>
               <a:rPr lang="en-US" dirty="0"/>
-              <a:t>, applying the schema directly as it's defined. Then, with the write method, the </a:t>
+              <a:t> is its compatibility with Databricks' file system. It can read </a:t>
             </a:r>
             <a:r>
               <a:rPr lang="en-US" dirty="0" err="1"/>
-              <a:t>DataFrame</a:t>
+              <a:t>gzip</a:t>
             </a:r>
             <a:r>
               <a:rPr lang="en-US" dirty="0"/>
-              <a:t> is saved in the Parquet format. While this slide shows the conversion for one file, I want to note that the same approach was used for the rest of the files. Each CSV file was converted in a similar manner, ensuring a uniform and efficient batch processing.</a:t>
+              <a:t> files directly, which means there's no need to decompress them on the platform, saving valuable processing time and simplifying the data pipeline.</a:t>
             </a:r>
           </a:p>
           <a:p>
@@ -6361,18 +6391,32 @@
             <a:pPr algn="just"/>
             <a:r>
               <a:rPr lang="en-US" dirty="0"/>
-              <a:t>46’’</a:t>
+              <a:t>The bottom part of the slide shows the actual script that orchestrates this entire process: from setting environment variables for BCP to executing the compression commands and cleaning up interim files. This script is the backbone of the procedure, handling everything from data extraction to final file compression, ready for sending to Databricks.</a:t>
             </a:r>
           </a:p>
           <a:p>
             <a:pPr algn="just"/>
+            <a:endParaRPr lang="en-US" dirty="0"/>
+          </a:p>
+          <a:p>
+            <a:pPr algn="just"/>
+            <a:r>
+              <a:rPr lang="en-US" dirty="0"/>
+              <a:t>67’’</a:t>
+            </a:r>
             <a:endParaRPr lang="pl-PL" dirty="0"/>
           </a:p>
         </p:txBody>
       </p:sp>
       <p:sp>
         <p:nvSpPr>
-          <p:cNvPr id="4" name="Slide Number Placeholder 3"/>
+          <p:cNvPr id="4" name="Slide Number Placeholder 3">
+            <a:extLst>
+              <a:ext uri="{FF2B5EF4-FFF2-40B4-BE49-F238E27FC236}">
+                <a16:creationId xmlns:a16="http://schemas.microsoft.com/office/drawing/2014/main" id="{E841231F-9941-CE55-3429-8E9423F1BFEB}"/>
+              </a:ext>
+            </a:extLst>
+          </p:cNvPr>
           <p:cNvSpPr>
             <a:spLocks noGrp="1"/>
           </p:cNvSpPr>
@@ -6397,7 +6441,7 @@
     </p:spTree>
     <p:extLst>
       <p:ext uri="{BB962C8B-B14F-4D97-AF65-F5344CB8AC3E}">
-        <p14:creationId xmlns:p14="http://schemas.microsoft.com/office/powerpoint/2010/main" val="2715893070"/>
+        <p14:creationId xmlns:p14="http://schemas.microsoft.com/office/powerpoint/2010/main" val="3055690464"/>
       </p:ext>
     </p:extLst>
   </p:cSld>
@@ -6454,23 +6498,7 @@
             <a:pPr algn="just"/>
             <a:r>
               <a:rPr lang="en-US" dirty="0"/>
-              <a:t>This slide shows the first step of my data analysis, where I have loaded all Parquet files into Spark </a:t>
-            </a:r>
-            <a:r>
-              <a:rPr lang="en-US" dirty="0" err="1"/>
-              <a:t>DataFrames</a:t>
-            </a:r>
-            <a:r>
-              <a:rPr lang="en-US" dirty="0"/>
-              <a:t>. Each </a:t>
-            </a:r>
-            <a:r>
-              <a:rPr lang="en-US" dirty="0" err="1"/>
-              <a:t>DataFrame</a:t>
-            </a:r>
-            <a:r>
-              <a:rPr lang="en-US" dirty="0"/>
-              <a:t> corresponds to a specific component of the Stack Overflow data captured in Parquet files, which are highly efficient for this kind of processing.</a:t>
+              <a:t>In this part of the presentation, I'm focusing on the data source that I used for the analysis. I have chosen the Stack Overflow database for a few key reasons:</a:t>
             </a:r>
           </a:p>
           <a:p>
@@ -6481,15 +6509,7 @@
             <a:pPr algn="just"/>
             <a:r>
               <a:rPr lang="en-US" dirty="0"/>
-              <a:t>By loading these datasets into </a:t>
-            </a:r>
-            <a:r>
-              <a:rPr lang="en-US" dirty="0" err="1"/>
-              <a:t>DataFrames</a:t>
-            </a:r>
-            <a:r>
-              <a:rPr lang="en-US" dirty="0"/>
-              <a:t>, I’ve laid the foundation for further data exploration. </a:t>
+              <a:t>Firstly, this database is derived from the public Stack Overflow data export, which is a rich dataset used widely in the tech community for analysis and training. It's not just a  simple dataset; it reflects real-world distributions of numbers, dates, and strings, making it an excellent candidate for realistic data analysis scenarios.</a:t>
             </a:r>
           </a:p>
           <a:p>
@@ -6500,7 +6520,35 @@
             <a:pPr algn="just"/>
             <a:r>
               <a:rPr lang="en-US" dirty="0"/>
-              <a:t>18’’</a:t>
+              <a:t>For my purposes, I've selected the medium option – the 50GB StackOverflow2013 database, which expands from a 10GB compressed file. This particular dataset contains data from 2008 to 2013.</a:t>
+            </a:r>
+          </a:p>
+          <a:p>
+            <a:pPr algn="just"/>
+            <a:endParaRPr lang="en-US" dirty="0"/>
+          </a:p>
+          <a:p>
+            <a:pPr algn="just"/>
+            <a:r>
+              <a:rPr lang="en-US" dirty="0"/>
+              <a:t>The data comes in the form of .</a:t>
+            </a:r>
+            <a:r>
+              <a:rPr lang="en-US" dirty="0" err="1"/>
+              <a:t>mdf</a:t>
+            </a:r>
+            <a:r>
+              <a:rPr lang="en-US" dirty="0"/>
+              <a:t> files, which are the primary database file types used by SQL Server. This makes it convenient as they can be attached directly to SQL Server without any additional conversion, saving time and simplifying the setup process.</a:t>
+            </a:r>
+          </a:p>
+          <a:p>
+            <a:endParaRPr lang="en-US" dirty="0"/>
+          </a:p>
+          <a:p>
+            <a:r>
+              <a:rPr lang="en-US" dirty="0"/>
+              <a:t>68’’</a:t>
             </a:r>
             <a:endParaRPr lang="pl-PL" dirty="0"/>
           </a:p>
@@ -6533,7 +6581,7 @@
     </p:spTree>
     <p:extLst>
       <p:ext uri="{BB962C8B-B14F-4D97-AF65-F5344CB8AC3E}">
-        <p14:creationId xmlns:p14="http://schemas.microsoft.com/office/powerpoint/2010/main" val="2751627742"/>
+        <p14:creationId xmlns:p14="http://schemas.microsoft.com/office/powerpoint/2010/main" val="1846291849"/>
       </p:ext>
     </p:extLst>
   </p:cSld>
@@ -6548,7 +6596,13 @@
   <p:cSld>
     <p:spTree>
       <p:nvGrpSpPr>
-        <p:cNvPr id="1" name=""/>
+        <p:cNvPr id="1" name="">
+          <a:extLst>
+            <a:ext uri="{FF2B5EF4-FFF2-40B4-BE49-F238E27FC236}">
+              <a16:creationId xmlns:a16="http://schemas.microsoft.com/office/drawing/2014/main" id="{4D5EEB5A-14D2-6291-7E10-DEF842CEEA0E}"/>
+            </a:ext>
+          </a:extLst>
+        </p:cNvPr>
         <p:cNvGrpSpPr/>
         <p:nvPr/>
       </p:nvGrpSpPr>
@@ -6562,7 +6616,13 @@
       </p:grpSpPr>
       <p:sp>
         <p:nvSpPr>
-          <p:cNvPr id="2" name="Slide Image Placeholder 1"/>
+          <p:cNvPr id="2" name="Slide Image Placeholder 1">
+            <a:extLst>
+              <a:ext uri="{FF2B5EF4-FFF2-40B4-BE49-F238E27FC236}">
+                <a16:creationId xmlns:a16="http://schemas.microsoft.com/office/drawing/2014/main" id="{FDB71283-7D8D-B3F7-5A9A-4D7769C77006}"/>
+              </a:ext>
+            </a:extLst>
+          </p:cNvPr>
           <p:cNvSpPr>
             <a:spLocks noGrp="1" noRot="1" noChangeAspect="1"/>
           </p:cNvSpPr>
@@ -6574,7 +6634,13 @@
       </p:sp>
       <p:sp>
         <p:nvSpPr>
-          <p:cNvPr id="3" name="Notes Placeholder 2"/>
+          <p:cNvPr id="3" name="Notes Placeholder 2">
+            <a:extLst>
+              <a:ext uri="{FF2B5EF4-FFF2-40B4-BE49-F238E27FC236}">
+                <a16:creationId xmlns:a16="http://schemas.microsoft.com/office/drawing/2014/main" id="{8139CD8A-D865-0429-0038-796D0B4A705E}"/>
+              </a:ext>
+            </a:extLst>
+          </p:cNvPr>
           <p:cNvSpPr>
             <a:spLocks noGrp="1"/>
           </p:cNvSpPr>
@@ -6590,7 +6656,7 @@
             <a:pPr algn="just"/>
             <a:r>
               <a:rPr lang="en-US" dirty="0"/>
-              <a:t>This slide presents an analysis aimed at identifying the top 5 active users on Stack Overflow by post count, along with their most engaged tags. I’ve used Spark to filter and process posts, and then to count and rank user activity. By exploding the tags column, I ensured each tag associated with a post was considered individually, which allowed me to determine the most common tags per user.</a:t>
+              <a:t>In this part of the presentation, I'm focusing on the data source that I used for the analysis. I have chosen the Stack Overflow database for a few key reasons:</a:t>
             </a:r>
           </a:p>
           <a:p>
@@ -6601,7 +6667,7 @@
             <a:pPr algn="just"/>
             <a:r>
               <a:rPr lang="en-US" dirty="0"/>
-              <a:t>After aggregating the total post counts and the most active tags for each user, I joined this data with the users' details to provide a more comprehensive view. The result of this join operation gave me a table showcasing users' display names, their total post counts, and their primary tags.</a:t>
+              <a:t>Firstly, this database is derived from the public Stack Overflow data export, which is a rich dataset used widely in the tech community for analysis and training. It's not just a  simple dataset; it reflects real-world distributions of numbers, dates, and strings, making it an excellent candidate for realistic data analysis scenarios.</a:t>
             </a:r>
           </a:p>
           <a:p>
@@ -6612,7 +6678,7 @@
             <a:pPr algn="just"/>
             <a:r>
               <a:rPr lang="en-US" dirty="0"/>
-              <a:t>Finally, I visualized this data using Python's matplotlib and pandas libraries to create the pie chart you see here. This chart  highlights the proportion of contributions from each of the top users.</a:t>
+              <a:t>For my purposes, I've selected the medium option – the 50GB StackOverflow2013 database, which expands from a 10GB compressed file. This particular dataset contains data from 2008 to 2013.</a:t>
             </a:r>
           </a:p>
           <a:p>
@@ -6623,7 +6689,24 @@
             <a:pPr algn="just"/>
             <a:r>
               <a:rPr lang="en-US" dirty="0"/>
-              <a:t>53’’</a:t>
+              <a:t>The data comes in the form of .</a:t>
+            </a:r>
+            <a:r>
+              <a:rPr lang="en-US" dirty="0" err="1"/>
+              <a:t>mdf</a:t>
+            </a:r>
+            <a:r>
+              <a:rPr lang="en-US" dirty="0"/>
+              <a:t> files, which are the primary database file types used by SQL Server. This makes it convenient as they can be attached directly to SQL Server without any additional conversion, saving time and simplifying the setup process.</a:t>
+            </a:r>
+          </a:p>
+          <a:p>
+            <a:endParaRPr lang="en-US" dirty="0"/>
+          </a:p>
+          <a:p>
+            <a:r>
+              <a:rPr lang="en-US" dirty="0"/>
+              <a:t>68’’</a:t>
             </a:r>
             <a:endParaRPr lang="pl-PL" dirty="0"/>
           </a:p>
@@ -6631,7 +6714,13 @@
       </p:sp>
       <p:sp>
         <p:nvSpPr>
-          <p:cNvPr id="4" name="Slide Number Placeholder 3"/>
+          <p:cNvPr id="4" name="Slide Number Placeholder 3">
+            <a:extLst>
+              <a:ext uri="{FF2B5EF4-FFF2-40B4-BE49-F238E27FC236}">
+                <a16:creationId xmlns:a16="http://schemas.microsoft.com/office/drawing/2014/main" id="{30A9C681-BC6B-5BBC-733E-1F2514509854}"/>
+              </a:ext>
+            </a:extLst>
+          </p:cNvPr>
           <p:cNvSpPr>
             <a:spLocks noGrp="1"/>
           </p:cNvSpPr>
@@ -6656,7 +6745,7 @@
     </p:spTree>
     <p:extLst>
       <p:ext uri="{BB962C8B-B14F-4D97-AF65-F5344CB8AC3E}">
-        <p14:creationId xmlns:p14="http://schemas.microsoft.com/office/powerpoint/2010/main" val="3968523558"/>
+        <p14:creationId xmlns:p14="http://schemas.microsoft.com/office/powerpoint/2010/main" val="3157984142"/>
       </p:ext>
     </p:extLst>
   </p:cSld>
@@ -6671,7 +6760,13 @@
   <p:cSld>
     <p:spTree>
       <p:nvGrpSpPr>
-        <p:cNvPr id="1" name=""/>
+        <p:cNvPr id="1" name="">
+          <a:extLst>
+            <a:ext uri="{FF2B5EF4-FFF2-40B4-BE49-F238E27FC236}">
+              <a16:creationId xmlns:a16="http://schemas.microsoft.com/office/drawing/2014/main" id="{F1D8BB8F-6251-8C85-39B9-977B5066C3EF}"/>
+            </a:ext>
+          </a:extLst>
+        </p:cNvPr>
         <p:cNvGrpSpPr/>
         <p:nvPr/>
       </p:nvGrpSpPr>
@@ -6685,7 +6780,13 @@
       </p:grpSpPr>
       <p:sp>
         <p:nvSpPr>
-          <p:cNvPr id="2" name="Slide Image Placeholder 1"/>
+          <p:cNvPr id="2" name="Slide Image Placeholder 1">
+            <a:extLst>
+              <a:ext uri="{FF2B5EF4-FFF2-40B4-BE49-F238E27FC236}">
+                <a16:creationId xmlns:a16="http://schemas.microsoft.com/office/drawing/2014/main" id="{70F3F7BA-157C-609B-5996-15292EA2C44D}"/>
+              </a:ext>
+            </a:extLst>
+          </p:cNvPr>
           <p:cNvSpPr>
             <a:spLocks noGrp="1" noRot="1" noChangeAspect="1"/>
           </p:cNvSpPr>
@@ -6697,7 +6798,13 @@
       </p:sp>
       <p:sp>
         <p:nvSpPr>
-          <p:cNvPr id="3" name="Notes Placeholder 2"/>
+          <p:cNvPr id="3" name="Notes Placeholder 2">
+            <a:extLst>
+              <a:ext uri="{FF2B5EF4-FFF2-40B4-BE49-F238E27FC236}">
+                <a16:creationId xmlns:a16="http://schemas.microsoft.com/office/drawing/2014/main" id="{0BBB905A-6616-62D3-A255-467BC2056063}"/>
+              </a:ext>
+            </a:extLst>
+          </p:cNvPr>
           <p:cNvSpPr>
             <a:spLocks noGrp="1"/>
           </p:cNvSpPr>
@@ -6713,15 +6820,7 @@
             <a:pPr algn="just"/>
             <a:r>
               <a:rPr lang="en-US" dirty="0"/>
-              <a:t>This slide demonstrates an approach to counting annual posts in a forum dataset, focusing on content related to the Scala programming language. Initially, I used Spark's </a:t>
-            </a:r>
-            <a:r>
-              <a:rPr lang="en-US" dirty="0" err="1"/>
-              <a:t>DataFrame</a:t>
-            </a:r>
-            <a:r>
-              <a:rPr lang="en-US" dirty="0"/>
-              <a:t> API to filter the dataset for posts tagged with 'Scala'. Next, I extracted the year from each post's creation date and aggregated the count of posts per year. This process involved sorting and grouping the data to facilitate a clearer analysis.</a:t>
+              <a:t>In this part of the presentation, I'm focusing on the data source that I used for the analysis. I have chosen the Stack Overflow database for a few key reasons:</a:t>
             </a:r>
           </a:p>
           <a:p>
@@ -6732,7 +6831,7 @@
             <a:pPr algn="just"/>
             <a:r>
               <a:rPr lang="en-US" dirty="0"/>
-              <a:t>To visualize the trends, I employed Python's matplotlib and pandas libraries again, creating a bar chart.</a:t>
+              <a:t>Firstly, this database is derived from the public Stack Overflow data export, which is a rich dataset used widely in the tech community for analysis and training. It's not just a  simple dataset; it reflects real-world distributions of numbers, dates, and strings, making it an excellent candidate for realistic data analysis scenarios.</a:t>
             </a:r>
           </a:p>
           <a:p>
@@ -6743,7 +6842,35 @@
             <a:pPr algn="just"/>
             <a:r>
               <a:rPr lang="en-US" dirty="0"/>
-              <a:t>25’’</a:t>
+              <a:t>For my purposes, I've selected the medium option – the 50GB StackOverflow2013 database, which expands from a 10GB compressed file. This particular dataset contains data from 2008 to 2013.</a:t>
+            </a:r>
+          </a:p>
+          <a:p>
+            <a:pPr algn="just"/>
+            <a:endParaRPr lang="en-US" dirty="0"/>
+          </a:p>
+          <a:p>
+            <a:pPr algn="just"/>
+            <a:r>
+              <a:rPr lang="en-US" dirty="0"/>
+              <a:t>The data comes in the form of .</a:t>
+            </a:r>
+            <a:r>
+              <a:rPr lang="en-US" dirty="0" err="1"/>
+              <a:t>mdf</a:t>
+            </a:r>
+            <a:r>
+              <a:rPr lang="en-US" dirty="0"/>
+              <a:t> files, which are the primary database file types used by SQL Server. This makes it convenient as they can be attached directly to SQL Server without any additional conversion, saving time and simplifying the setup process.</a:t>
+            </a:r>
+          </a:p>
+          <a:p>
+            <a:endParaRPr lang="en-US" dirty="0"/>
+          </a:p>
+          <a:p>
+            <a:r>
+              <a:rPr lang="en-US" dirty="0"/>
+              <a:t>68’’</a:t>
             </a:r>
             <a:endParaRPr lang="pl-PL" dirty="0"/>
           </a:p>
@@ -6751,7 +6878,13 @@
       </p:sp>
       <p:sp>
         <p:nvSpPr>
-          <p:cNvPr id="4" name="Slide Number Placeholder 3"/>
+          <p:cNvPr id="4" name="Slide Number Placeholder 3">
+            <a:extLst>
+              <a:ext uri="{FF2B5EF4-FFF2-40B4-BE49-F238E27FC236}">
+                <a16:creationId xmlns:a16="http://schemas.microsoft.com/office/drawing/2014/main" id="{2A207565-1445-C999-318C-D752B694A1E3}"/>
+              </a:ext>
+            </a:extLst>
+          </p:cNvPr>
           <p:cNvSpPr>
             <a:spLocks noGrp="1"/>
           </p:cNvSpPr>
@@ -6776,7 +6909,7 @@
     </p:spTree>
     <p:extLst>
       <p:ext uri="{BB962C8B-B14F-4D97-AF65-F5344CB8AC3E}">
-        <p14:creationId xmlns:p14="http://schemas.microsoft.com/office/powerpoint/2010/main" val="1483687677"/>
+        <p14:creationId xmlns:p14="http://schemas.microsoft.com/office/powerpoint/2010/main" val="4271770230"/>
       </p:ext>
     </p:extLst>
   </p:cSld>
@@ -6830,43 +6963,36 @@
           <a:bodyPr/>
           <a:lstStyle/>
           <a:p>
-            <a:pPr algn="just"/>
             <a:r>
               <a:rPr lang="en-US" dirty="0"/>
-              <a:t>This slide focuses on finding the top participant regarding Scala topics. I began by filtering the posts for those tagged with 'Scala' and then prepared a dataset of comments related to these posts. By joining the two datasets and selecting relevant fields, I aggregated scores from both posts and comments for each user.</a:t>
-            </a:r>
-          </a:p>
-          <a:p>
-            <a:pPr algn="just"/>
+              <a:t>On this slide, I present the crucial step in data preparation: Data Cleaning. The main challenge I faced was the presence of HTML code within the text fields. This code caused problems in export procedures.</a:t>
+            </a:r>
+          </a:p>
+          <a:p>
             <a:endParaRPr lang="en-US" dirty="0"/>
           </a:p>
           <a:p>
-            <a:pPr algn="just"/>
             <a:r>
               <a:rPr lang="en-US" dirty="0"/>
-              <a:t>Next, I combined these scores to get a comprehensive view of user engagement. The final step was to identify the top contributor, which I achieved by ordering the combined scores and limiting the results to the single highest score.</a:t>
-            </a:r>
-          </a:p>
-          <a:p>
-            <a:pPr algn="just"/>
+              <a:t>To address this, I implemented a data cleaning process through the creation of database views. These views serve a specific purpose: they remove unnecessary carriage return (\r) and newline (\n) characters from text fields. Additionally, to align with the objective of converting the data into CSV format, I needed to ensure that each text field is properly quoted.</a:t>
+            </a:r>
+          </a:p>
+          <a:p>
             <a:endParaRPr lang="en-US" dirty="0"/>
           </a:p>
           <a:p>
-            <a:pPr algn="just"/>
             <a:r>
               <a:rPr lang="en-US" dirty="0"/>
-              <a:t>The outcome of this analysis highlighted a user, showcased on the right of the slide, who emerged as the Scala guru with an impressive total score, reflecting his expertise and active participation in the Scala community.</a:t>
-            </a:r>
-          </a:p>
-          <a:p>
-            <a:pPr algn="just"/>
+              <a:t>The SQL script you see performs this transformation seamlessly. By wrapping the text fields with quotes and stripping out unwanted characters, I make the data CSV-ready. This step was not only necessary but also the most efficient route to prepare the text fields for the conversion process.</a:t>
+            </a:r>
+          </a:p>
+          <a:p>
             <a:endParaRPr lang="en-US" dirty="0"/>
           </a:p>
           <a:p>
-            <a:pPr algn="just"/>
             <a:r>
               <a:rPr lang="en-US" dirty="0"/>
-              <a:t>42’’</a:t>
+              <a:t>60’’</a:t>
             </a:r>
             <a:endParaRPr lang="pl-PL" dirty="0"/>
           </a:p>
@@ -6899,7 +7025,7 @@
     </p:spTree>
     <p:extLst>
       <p:ext uri="{BB962C8B-B14F-4D97-AF65-F5344CB8AC3E}">
-        <p14:creationId xmlns:p14="http://schemas.microsoft.com/office/powerpoint/2010/main" val="449859493"/>
+        <p14:creationId xmlns:p14="http://schemas.microsoft.com/office/powerpoint/2010/main" val="3035862332"/>
       </p:ext>
     </p:extLst>
   </p:cSld>
@@ -6910,6 +7036,286 @@
 </file>
 
 <file path=ppt/notesSlides/notesSlide16.xml><?xml version="1.0" encoding="utf-8"?>
+<p:notes xmlns:a="http://schemas.openxmlformats.org/drawingml/2006/main" xmlns:r="http://schemas.openxmlformats.org/officeDocument/2006/relationships" xmlns:p="http://schemas.openxmlformats.org/presentationml/2006/main">
+  <p:cSld>
+    <p:spTree>
+      <p:nvGrpSpPr>
+        <p:cNvPr id="1" name="">
+          <a:extLst>
+            <a:ext uri="{FF2B5EF4-FFF2-40B4-BE49-F238E27FC236}">
+              <a16:creationId xmlns:a16="http://schemas.microsoft.com/office/drawing/2014/main" id="{55F72240-E217-8C24-DA80-1D1285D30751}"/>
+            </a:ext>
+          </a:extLst>
+        </p:cNvPr>
+        <p:cNvGrpSpPr/>
+        <p:nvPr/>
+      </p:nvGrpSpPr>
+      <p:grpSpPr>
+        <a:xfrm>
+          <a:off x="0" y="0"/>
+          <a:ext cx="0" cy="0"/>
+          <a:chOff x="0" y="0"/>
+          <a:chExt cx="0" cy="0"/>
+        </a:xfrm>
+      </p:grpSpPr>
+      <p:sp>
+        <p:nvSpPr>
+          <p:cNvPr id="2" name="Slide Image Placeholder 1">
+            <a:extLst>
+              <a:ext uri="{FF2B5EF4-FFF2-40B4-BE49-F238E27FC236}">
+                <a16:creationId xmlns:a16="http://schemas.microsoft.com/office/drawing/2014/main" id="{5CB62351-D10C-85D7-5C9E-436FA6166C03}"/>
+              </a:ext>
+            </a:extLst>
+          </p:cNvPr>
+          <p:cNvSpPr>
+            <a:spLocks noGrp="1" noRot="1" noChangeAspect="1"/>
+          </p:cNvSpPr>
+          <p:nvPr>
+            <p:ph type="sldImg"/>
+          </p:nvPr>
+        </p:nvSpPr>
+        <p:spPr/>
+      </p:sp>
+      <p:sp>
+        <p:nvSpPr>
+          <p:cNvPr id="3" name="Notes Placeholder 2">
+            <a:extLst>
+              <a:ext uri="{FF2B5EF4-FFF2-40B4-BE49-F238E27FC236}">
+                <a16:creationId xmlns:a16="http://schemas.microsoft.com/office/drawing/2014/main" id="{F25E83F0-EAED-3CDE-000C-7903D09DB8D4}"/>
+              </a:ext>
+            </a:extLst>
+          </p:cNvPr>
+          <p:cNvSpPr>
+            <a:spLocks noGrp="1"/>
+          </p:cNvSpPr>
+          <p:nvPr>
+            <p:ph type="body" idx="1"/>
+          </p:nvPr>
+        </p:nvSpPr>
+        <p:spPr/>
+        <p:txBody>
+          <a:bodyPr/>
+          <a:lstStyle/>
+          <a:p>
+            <a:r>
+              <a:rPr lang="en-US" dirty="0"/>
+              <a:t>On this slide, I present the crucial step in data preparation: Data Cleaning. The main challenge I faced was the presence of HTML code within the text fields. This code caused problems in export procedures.</a:t>
+            </a:r>
+          </a:p>
+          <a:p>
+            <a:endParaRPr lang="en-US" dirty="0"/>
+          </a:p>
+          <a:p>
+            <a:r>
+              <a:rPr lang="en-US" dirty="0"/>
+              <a:t>To address this, I implemented a data cleaning process through the creation of database views. These views serve a specific purpose: they remove unnecessary carriage return (\r) and newline (\n) characters from text fields. Additionally, to align with the objective of converting the data into CSV format, I needed to ensure that each text field is properly quoted.</a:t>
+            </a:r>
+          </a:p>
+          <a:p>
+            <a:endParaRPr lang="en-US" dirty="0"/>
+          </a:p>
+          <a:p>
+            <a:r>
+              <a:rPr lang="en-US" dirty="0"/>
+              <a:t>The SQL script you see performs this transformation seamlessly. By wrapping the text fields with quotes and stripping out unwanted characters, I make the data CSV-ready. This step was not only necessary but also the most efficient route to prepare the text fields for the conversion process.</a:t>
+            </a:r>
+          </a:p>
+          <a:p>
+            <a:endParaRPr lang="en-US" dirty="0"/>
+          </a:p>
+          <a:p>
+            <a:r>
+              <a:rPr lang="en-US" dirty="0"/>
+              <a:t>60’’</a:t>
+            </a:r>
+            <a:endParaRPr lang="pl-PL" dirty="0"/>
+          </a:p>
+        </p:txBody>
+      </p:sp>
+      <p:sp>
+        <p:nvSpPr>
+          <p:cNvPr id="4" name="Slide Number Placeholder 3">
+            <a:extLst>
+              <a:ext uri="{FF2B5EF4-FFF2-40B4-BE49-F238E27FC236}">
+                <a16:creationId xmlns:a16="http://schemas.microsoft.com/office/drawing/2014/main" id="{EC727033-BE9A-0FD9-45E1-76E82426E952}"/>
+              </a:ext>
+            </a:extLst>
+          </p:cNvPr>
+          <p:cNvSpPr>
+            <a:spLocks noGrp="1"/>
+          </p:cNvSpPr>
+          <p:nvPr>
+            <p:ph type="sldNum" sz="quarter" idx="5"/>
+          </p:nvPr>
+        </p:nvSpPr>
+        <p:spPr/>
+        <p:txBody>
+          <a:bodyPr/>
+          <a:lstStyle/>
+          <a:p>
+            <a:pPr rtl="0"/>
+            <a:fld id="{BC0C2C40-CB1C-4820-9151-EC51EC2E7E0F}" type="slidenum">
+              <a:rPr lang="pl-PL" smtClean="0"/>
+              <a:t>16</a:t>
+            </a:fld>
+            <a:endParaRPr lang="pl-PL" dirty="0"/>
+          </a:p>
+        </p:txBody>
+      </p:sp>
+    </p:spTree>
+    <p:extLst>
+      <p:ext uri="{BB962C8B-B14F-4D97-AF65-F5344CB8AC3E}">
+        <p14:creationId xmlns:p14="http://schemas.microsoft.com/office/powerpoint/2010/main" val="3212689553"/>
+      </p:ext>
+    </p:extLst>
+  </p:cSld>
+  <p:clrMapOvr>
+    <a:masterClrMapping/>
+  </p:clrMapOvr>
+</p:notes>
+</file>
+
+<file path=ppt/notesSlides/notesSlide17.xml><?xml version="1.0" encoding="utf-8"?>
+<p:notes xmlns:a="http://schemas.openxmlformats.org/drawingml/2006/main" xmlns:r="http://schemas.openxmlformats.org/officeDocument/2006/relationships" xmlns:p="http://schemas.openxmlformats.org/presentationml/2006/main">
+  <p:cSld>
+    <p:spTree>
+      <p:nvGrpSpPr>
+        <p:cNvPr id="1" name="">
+          <a:extLst>
+            <a:ext uri="{FF2B5EF4-FFF2-40B4-BE49-F238E27FC236}">
+              <a16:creationId xmlns:a16="http://schemas.microsoft.com/office/drawing/2014/main" id="{43348590-5DA5-AFF7-187B-25E8056FA747}"/>
+            </a:ext>
+          </a:extLst>
+        </p:cNvPr>
+        <p:cNvGrpSpPr/>
+        <p:nvPr/>
+      </p:nvGrpSpPr>
+      <p:grpSpPr>
+        <a:xfrm>
+          <a:off x="0" y="0"/>
+          <a:ext cx="0" cy="0"/>
+          <a:chOff x="0" y="0"/>
+          <a:chExt cx="0" cy="0"/>
+        </a:xfrm>
+      </p:grpSpPr>
+      <p:sp>
+        <p:nvSpPr>
+          <p:cNvPr id="2" name="Slide Image Placeholder 1">
+            <a:extLst>
+              <a:ext uri="{FF2B5EF4-FFF2-40B4-BE49-F238E27FC236}">
+                <a16:creationId xmlns:a16="http://schemas.microsoft.com/office/drawing/2014/main" id="{719F0955-D953-7A4C-7039-B594953C1A57}"/>
+              </a:ext>
+            </a:extLst>
+          </p:cNvPr>
+          <p:cNvSpPr>
+            <a:spLocks noGrp="1" noRot="1" noChangeAspect="1"/>
+          </p:cNvSpPr>
+          <p:nvPr>
+            <p:ph type="sldImg"/>
+          </p:nvPr>
+        </p:nvSpPr>
+        <p:spPr/>
+      </p:sp>
+      <p:sp>
+        <p:nvSpPr>
+          <p:cNvPr id="3" name="Notes Placeholder 2">
+            <a:extLst>
+              <a:ext uri="{FF2B5EF4-FFF2-40B4-BE49-F238E27FC236}">
+                <a16:creationId xmlns:a16="http://schemas.microsoft.com/office/drawing/2014/main" id="{770274FE-4628-B525-B898-68B1447A59E3}"/>
+              </a:ext>
+            </a:extLst>
+          </p:cNvPr>
+          <p:cNvSpPr>
+            <a:spLocks noGrp="1"/>
+          </p:cNvSpPr>
+          <p:nvPr>
+            <p:ph type="body" idx="1"/>
+          </p:nvPr>
+        </p:nvSpPr>
+        <p:spPr/>
+        <p:txBody>
+          <a:bodyPr/>
+          <a:lstStyle/>
+          <a:p>
+            <a:r>
+              <a:rPr lang="en-US" dirty="0"/>
+              <a:t>On this slide, I present the crucial step in data preparation: Data Cleaning. The main challenge I faced was the presence of HTML code within the text fields. This code caused problems in export procedures.</a:t>
+            </a:r>
+          </a:p>
+          <a:p>
+            <a:endParaRPr lang="en-US" dirty="0"/>
+          </a:p>
+          <a:p>
+            <a:r>
+              <a:rPr lang="en-US" dirty="0"/>
+              <a:t>To address this, I implemented a data cleaning process through the creation of database views. These views serve a specific purpose: they remove unnecessary carriage return (\r) and newline (\n) characters from text fields. Additionally, to align with the objective of converting the data into CSV format, I needed to ensure that each text field is properly quoted.</a:t>
+            </a:r>
+          </a:p>
+          <a:p>
+            <a:endParaRPr lang="en-US" dirty="0"/>
+          </a:p>
+          <a:p>
+            <a:r>
+              <a:rPr lang="en-US" dirty="0"/>
+              <a:t>The SQL script you see performs this transformation seamlessly. By wrapping the text fields with quotes and stripping out unwanted characters, I make the data CSV-ready. This step was not only necessary but also the most efficient route to prepare the text fields for the conversion process.</a:t>
+            </a:r>
+          </a:p>
+          <a:p>
+            <a:endParaRPr lang="en-US" dirty="0"/>
+          </a:p>
+          <a:p>
+            <a:r>
+              <a:rPr lang="en-US" dirty="0"/>
+              <a:t>60’’</a:t>
+            </a:r>
+            <a:endParaRPr lang="pl-PL" dirty="0"/>
+          </a:p>
+        </p:txBody>
+      </p:sp>
+      <p:sp>
+        <p:nvSpPr>
+          <p:cNvPr id="4" name="Slide Number Placeholder 3">
+            <a:extLst>
+              <a:ext uri="{FF2B5EF4-FFF2-40B4-BE49-F238E27FC236}">
+                <a16:creationId xmlns:a16="http://schemas.microsoft.com/office/drawing/2014/main" id="{ACCC4C5E-5BE5-D1B9-018C-E76B6BCE54B3}"/>
+              </a:ext>
+            </a:extLst>
+          </p:cNvPr>
+          <p:cNvSpPr>
+            <a:spLocks noGrp="1"/>
+          </p:cNvSpPr>
+          <p:nvPr>
+            <p:ph type="sldNum" sz="quarter" idx="5"/>
+          </p:nvPr>
+        </p:nvSpPr>
+        <p:spPr/>
+        <p:txBody>
+          <a:bodyPr/>
+          <a:lstStyle/>
+          <a:p>
+            <a:pPr rtl="0"/>
+            <a:fld id="{BC0C2C40-CB1C-4820-9151-EC51EC2E7E0F}" type="slidenum">
+              <a:rPr lang="pl-PL" smtClean="0"/>
+              <a:t>17</a:t>
+            </a:fld>
+            <a:endParaRPr lang="pl-PL" dirty="0"/>
+          </a:p>
+        </p:txBody>
+      </p:sp>
+    </p:spTree>
+    <p:extLst>
+      <p:ext uri="{BB962C8B-B14F-4D97-AF65-F5344CB8AC3E}">
+        <p14:creationId xmlns:p14="http://schemas.microsoft.com/office/powerpoint/2010/main" val="835349606"/>
+      </p:ext>
+    </p:extLst>
+  </p:cSld>
+  <p:clrMapOvr>
+    <a:masterClrMapping/>
+  </p:clrMapOvr>
+</p:notes>
+</file>
+
+<file path=ppt/notesSlides/notesSlide18.xml><?xml version="1.0" encoding="utf-8"?>
 <p:notes xmlns:a="http://schemas.openxmlformats.org/drawingml/2006/main" xmlns:r="http://schemas.openxmlformats.org/officeDocument/2006/relationships" xmlns:p="http://schemas.openxmlformats.org/presentationml/2006/main">
   <p:cSld>
     <p:spTree>
@@ -6954,9 +7360,13 @@
           <a:lstStyle/>
           <a:p>
             <a:pPr algn="just"/>
+            <a:endParaRPr lang="en-US" dirty="0"/>
+          </a:p>
+          <a:p>
+            <a:pPr algn="just"/>
             <a:r>
               <a:rPr lang="en-US" dirty="0"/>
-              <a:t>This slide presents a targeted analysis to pinpoint potential Polish users within a dataset. I began by establishing regex patterns to match Polish names and locations. Then, I applied filters on the user data to identify names or contain typical Polish characters, and also to find users from locations in Poland.</a:t>
+              <a:t>This slide summarizes the key findings from the analysis. The most significant observation is that the bulk of the time was spent on cleaning the data, which underscores the importance of having clean data for accurate analysis. I noted that Spark was highly efficient in handling Parquet files, though it’s crucial to provide the correct schema upfront to ensure smooth processing.</a:t>
             </a:r>
           </a:p>
           <a:p>
@@ -6967,7 +7377,7 @@
             <a:pPr algn="just"/>
             <a:r>
               <a:rPr lang="en-US" dirty="0"/>
-              <a:t>Subsequently, I filtered posts and comments for matches with the same patterns. By combining these filtered datasets, I could create a comprehensive list of users likely to be Polish. The final step was counting these users, which revealed a total of 12,454 potential Polish users.</a:t>
+              <a:t>Another point of interest is the observation that using regular expressions proved to be quite slow, which suggests the need for more efficient text processing methods in future analyses. Lastly, considering the overall data pipeline performance, deploying a database on Azure SQL Database and connecting it directly to Databricks could offer a more streamlined and faster approach. </a:t>
             </a:r>
           </a:p>
           <a:p>
@@ -6978,7 +7388,7 @@
             <a:pPr algn="just"/>
             <a:r>
               <a:rPr lang="en-US" dirty="0"/>
-              <a:t>38’’</a:t>
+              <a:t>42’’</a:t>
             </a:r>
             <a:endParaRPr lang="pl-PL" dirty="0"/>
           </a:p>
@@ -7002,123 +7412,7 @@
             <a:pPr rtl="0"/>
             <a:fld id="{BC0C2C40-CB1C-4820-9151-EC51EC2E7E0F}" type="slidenum">
               <a:rPr lang="pl-PL" smtClean="0"/>
-              <a:t>16</a:t>
-            </a:fld>
-            <a:endParaRPr lang="pl-PL" dirty="0"/>
-          </a:p>
-        </p:txBody>
-      </p:sp>
-    </p:spTree>
-    <p:extLst>
-      <p:ext uri="{BB962C8B-B14F-4D97-AF65-F5344CB8AC3E}">
-        <p14:creationId xmlns:p14="http://schemas.microsoft.com/office/powerpoint/2010/main" val="2265440199"/>
-      </p:ext>
-    </p:extLst>
-  </p:cSld>
-  <p:clrMapOvr>
-    <a:masterClrMapping/>
-  </p:clrMapOvr>
-</p:notes>
-</file>
-
-<file path=ppt/notesSlides/notesSlide17.xml><?xml version="1.0" encoding="utf-8"?>
-<p:notes xmlns:a="http://schemas.openxmlformats.org/drawingml/2006/main" xmlns:r="http://schemas.openxmlformats.org/officeDocument/2006/relationships" xmlns:p="http://schemas.openxmlformats.org/presentationml/2006/main">
-  <p:cSld>
-    <p:spTree>
-      <p:nvGrpSpPr>
-        <p:cNvPr id="1" name=""/>
-        <p:cNvGrpSpPr/>
-        <p:nvPr/>
-      </p:nvGrpSpPr>
-      <p:grpSpPr>
-        <a:xfrm>
-          <a:off x="0" y="0"/>
-          <a:ext cx="0" cy="0"/>
-          <a:chOff x="0" y="0"/>
-          <a:chExt cx="0" cy="0"/>
-        </a:xfrm>
-      </p:grpSpPr>
-      <p:sp>
-        <p:nvSpPr>
-          <p:cNvPr id="2" name="Slide Image Placeholder 1"/>
-          <p:cNvSpPr>
-            <a:spLocks noGrp="1" noRot="1" noChangeAspect="1"/>
-          </p:cNvSpPr>
-          <p:nvPr>
-            <p:ph type="sldImg"/>
-          </p:nvPr>
-        </p:nvSpPr>
-        <p:spPr/>
-      </p:sp>
-      <p:sp>
-        <p:nvSpPr>
-          <p:cNvPr id="3" name="Notes Placeholder 2"/>
-          <p:cNvSpPr>
-            <a:spLocks noGrp="1"/>
-          </p:cNvSpPr>
-          <p:nvPr>
-            <p:ph type="body" idx="1"/>
-          </p:nvPr>
-        </p:nvSpPr>
-        <p:spPr/>
-        <p:txBody>
-          <a:bodyPr/>
-          <a:lstStyle/>
-          <a:p>
-            <a:pPr algn="just"/>
-            <a:endParaRPr lang="en-US" dirty="0"/>
-          </a:p>
-          <a:p>
-            <a:pPr algn="just"/>
-            <a:r>
-              <a:rPr lang="en-US" dirty="0"/>
-              <a:t>This slide summarizes the key findings from the analysis. The most significant observation is that the bulk of the time was spent on cleaning the data, which underscores the importance of having clean data for accurate analysis. I noted that Spark was highly efficient in handling Parquet files, though it’s crucial to provide the correct schema upfront to ensure smooth processing.</a:t>
-            </a:r>
-          </a:p>
-          <a:p>
-            <a:pPr algn="just"/>
-            <a:endParaRPr lang="en-US" dirty="0"/>
-          </a:p>
-          <a:p>
-            <a:pPr algn="just"/>
-            <a:r>
-              <a:rPr lang="en-US" dirty="0"/>
-              <a:t>Another point of interest is the observation that using regular expressions proved to be quite slow, which suggests the need for more efficient text processing methods in future analyses. Lastly, considering the overall data pipeline performance, deploying a database on Azure SQL Database and connecting it directly to Databricks could offer a more streamlined and faster approach. </a:t>
-            </a:r>
-          </a:p>
-          <a:p>
-            <a:pPr algn="just"/>
-            <a:endParaRPr lang="en-US" dirty="0"/>
-          </a:p>
-          <a:p>
-            <a:pPr algn="just"/>
-            <a:r>
-              <a:rPr lang="en-US" dirty="0"/>
-              <a:t>42’’</a:t>
-            </a:r>
-            <a:endParaRPr lang="pl-PL" dirty="0"/>
-          </a:p>
-        </p:txBody>
-      </p:sp>
-      <p:sp>
-        <p:nvSpPr>
-          <p:cNvPr id="4" name="Slide Number Placeholder 3"/>
-          <p:cNvSpPr>
-            <a:spLocks noGrp="1"/>
-          </p:cNvSpPr>
-          <p:nvPr>
-            <p:ph type="sldNum" sz="quarter" idx="5"/>
-          </p:nvPr>
-        </p:nvSpPr>
-        <p:spPr/>
-        <p:txBody>
-          <a:bodyPr/>
-          <a:lstStyle/>
-          <a:p>
-            <a:pPr rtl="0"/>
-            <a:fld id="{BC0C2C40-CB1C-4820-9151-EC51EC2E7E0F}" type="slidenum">
-              <a:rPr lang="pl-PL" smtClean="0"/>
-              <a:t>17</a:t>
+              <a:t>18</a:t>
             </a:fld>
             <a:endParaRPr lang="pl-PL" dirty="0"/>
           </a:p>
@@ -7758,7 +8052,13 @@
   <p:cSld>
     <p:spTree>
       <p:nvGrpSpPr>
-        <p:cNvPr id="1" name=""/>
+        <p:cNvPr id="1" name="">
+          <a:extLst>
+            <a:ext uri="{FF2B5EF4-FFF2-40B4-BE49-F238E27FC236}">
+              <a16:creationId xmlns:a16="http://schemas.microsoft.com/office/drawing/2014/main" id="{A5F7E21B-C8EA-5405-658E-BECF3D6A68FF}"/>
+            </a:ext>
+          </a:extLst>
+        </p:cNvPr>
         <p:cNvGrpSpPr/>
         <p:nvPr/>
       </p:nvGrpSpPr>
@@ -7772,7 +8072,13 @@
       </p:grpSpPr>
       <p:sp>
         <p:nvSpPr>
-          <p:cNvPr id="2" name="Slide Image Placeholder 1"/>
+          <p:cNvPr id="2" name="Slide Image Placeholder 1">
+            <a:extLst>
+              <a:ext uri="{FF2B5EF4-FFF2-40B4-BE49-F238E27FC236}">
+                <a16:creationId xmlns:a16="http://schemas.microsoft.com/office/drawing/2014/main" id="{471B42E1-0186-483F-F85B-65C7173BA2B1}"/>
+              </a:ext>
+            </a:extLst>
+          </p:cNvPr>
           <p:cNvSpPr>
             <a:spLocks noGrp="1" noRot="1" noChangeAspect="1"/>
           </p:cNvSpPr>
@@ -7784,7 +8090,13 @@
       </p:sp>
       <p:sp>
         <p:nvSpPr>
-          <p:cNvPr id="3" name="Notes Placeholder 2"/>
+          <p:cNvPr id="3" name="Notes Placeholder 2">
+            <a:extLst>
+              <a:ext uri="{FF2B5EF4-FFF2-40B4-BE49-F238E27FC236}">
+                <a16:creationId xmlns:a16="http://schemas.microsoft.com/office/drawing/2014/main" id="{218D6316-381B-EB25-A356-1DB23B4AAEA3}"/>
+              </a:ext>
+            </a:extLst>
+          </p:cNvPr>
           <p:cNvSpPr>
             <a:spLocks noGrp="1"/>
           </p:cNvSpPr>
@@ -7799,66 +8111,112 @@
           <a:p>
             <a:pPr algn="just"/>
             <a:r>
-              <a:rPr lang="en-US" dirty="0"/>
-              <a:t>In this part of the presentation, I'm focusing on the data source that I used for the analysis. I have chosen the Stack Overflow database for a few key reasons:</a:t>
+              <a:rPr lang="en-US" sz="1000" dirty="0"/>
+              <a:t>In this section of the presentation, I'm going to walk you through the process of creating a Docker container equipped with Databricks CLI for the purpose of transferring files efficiently to Databricks.</a:t>
             </a:r>
           </a:p>
           <a:p>
             <a:pPr algn="just"/>
-            <a:endParaRPr lang="en-US" dirty="0"/>
+            <a:endParaRPr lang="en-US" sz="1000" dirty="0"/>
           </a:p>
           <a:p>
             <a:pPr algn="just"/>
             <a:r>
-              <a:rPr lang="en-US" dirty="0"/>
-              <a:t>Firstly, this database is derived from the public Stack Overflow data export, which is a rich dataset used widely in the tech community for analysis and training. It's not just a  simple dataset; it reflects real-world distributions of numbers, dates, and strings, making it an excellent candidate for realistic data analysis scenarios.</a:t>
+              <a:rPr lang="en-US" sz="1000" dirty="0"/>
+              <a:t>I began by defining a </a:t>
+            </a:r>
+            <a:r>
+              <a:rPr lang="en-US" sz="1000" dirty="0" err="1"/>
+              <a:t>Dockerfile</a:t>
+            </a:r>
+            <a:r>
+              <a:rPr lang="en-US" sz="1000" dirty="0"/>
+              <a:t>. This file is a blueprint for Docker, describing the environment needed to run Databricks CLI. It's based on a Python image, installs the Databricks CLI, and sets a working directory.</a:t>
             </a:r>
           </a:p>
           <a:p>
             <a:pPr algn="just"/>
-            <a:endParaRPr lang="en-US" dirty="0"/>
+            <a:endParaRPr lang="en-US" sz="1000" dirty="0"/>
           </a:p>
           <a:p>
             <a:pPr algn="just"/>
             <a:r>
-              <a:rPr lang="en-US" dirty="0"/>
-              <a:t>For my purposes, I've selected the medium option – the 50GB StackOverflow2013 database, which expands from a 10GB compressed file. This particular dataset contains data from 2008 to 2013.</a:t>
+              <a:rPr lang="en-US" sz="1000" dirty="0"/>
+              <a:t>Next, I created an image from the </a:t>
+            </a:r>
+            <a:r>
+              <a:rPr lang="en-US" sz="1000" dirty="0" err="1"/>
+              <a:t>Dockerfile</a:t>
+            </a:r>
+            <a:r>
+              <a:rPr lang="en-US" sz="1000" dirty="0"/>
+              <a:t>. The command shown on the slide builds the Docker image, which contains all the necessary components to run the Databricks CLI.</a:t>
             </a:r>
           </a:p>
           <a:p>
             <a:pPr algn="just"/>
-            <a:endParaRPr lang="en-US" dirty="0"/>
+            <a:endParaRPr lang="en-US" sz="1000" dirty="0"/>
           </a:p>
           <a:p>
             <a:pPr algn="just"/>
             <a:r>
-              <a:rPr lang="en-US" dirty="0"/>
-              <a:t>The data comes in the form of .</a:t>
-            </a:r>
-            <a:r>
-              <a:rPr lang="en-US" dirty="0" err="1"/>
-              <a:t>mdf</a:t>
-            </a:r>
-            <a:r>
-              <a:rPr lang="en-US" dirty="0"/>
-              <a:t> files, which are the primary database file types used by SQL Server. This makes it convenient as they can be attached directly to SQL Server without any additional conversion, saving time and simplifying the setup process.</a:t>
-            </a:r>
-          </a:p>
-          <a:p>
-            <a:endParaRPr lang="en-US" dirty="0"/>
-          </a:p>
-          <a:p>
-            <a:r>
-              <a:rPr lang="en-US" dirty="0"/>
-              <a:t>68’’</a:t>
-            </a:r>
-            <a:endParaRPr lang="pl-PL" dirty="0"/>
+              <a:rPr lang="en-US" sz="1000" dirty="0"/>
+              <a:t>Once the image was ready, I proceeded to run the Docker container. This step involves executing a Docker run command, which initiates a container instance where I can execute Databricks CLI commands.</a:t>
+            </a:r>
+          </a:p>
+          <a:p>
+            <a:pPr algn="just"/>
+            <a:endParaRPr lang="en-US" sz="1000" dirty="0"/>
+          </a:p>
+          <a:p>
+            <a:pPr algn="just"/>
+            <a:r>
+              <a:rPr lang="en-US" sz="1000" dirty="0"/>
+              <a:t>The fourth step was to copy the CSV files to Databricks. To do this securely, I first configured access to Databricks using a token. This ensures that the connection to Databricks is secure and that only authorized commands are executed. Once the token was configured, I used the Databricks CLI to copy files from the local data directory to the Databricks file system, replacing any existing files with the same name.</a:t>
+            </a:r>
+          </a:p>
+          <a:p>
+            <a:pPr algn="just"/>
+            <a:endParaRPr lang="en-US" sz="1000" dirty="0"/>
+          </a:p>
+          <a:p>
+            <a:pPr algn="just"/>
+            <a:r>
+              <a:rPr lang="en-US" sz="1000" dirty="0"/>
+              <a:t>The result, which you can see on the right, is the list of files successfully copied to Databricks. These are the </a:t>
+            </a:r>
+            <a:r>
+              <a:rPr lang="en-US" sz="1000" dirty="0" err="1"/>
+              <a:t>gzipped</a:t>
+            </a:r>
+            <a:r>
+              <a:rPr lang="en-US" sz="1000" dirty="0"/>
+              <a:t> CSV files now stored in the Databricks file system, ready to be used for further conversion and data analysis.</a:t>
+            </a:r>
+          </a:p>
+          <a:p>
+            <a:pPr algn="just"/>
+            <a:endParaRPr lang="en-US" sz="1000" dirty="0"/>
+          </a:p>
+          <a:p>
+            <a:pPr algn="just"/>
+            <a:r>
+              <a:rPr lang="en-US" sz="1000" dirty="0"/>
+              <a:t>84’’</a:t>
+            </a:r>
+            <a:endParaRPr lang="pl-PL" sz="1000" dirty="0"/>
           </a:p>
         </p:txBody>
       </p:sp>
       <p:sp>
         <p:nvSpPr>
-          <p:cNvPr id="4" name="Slide Number Placeholder 3"/>
+          <p:cNvPr id="4" name="Slide Number Placeholder 3">
+            <a:extLst>
+              <a:ext uri="{FF2B5EF4-FFF2-40B4-BE49-F238E27FC236}">
+                <a16:creationId xmlns:a16="http://schemas.microsoft.com/office/drawing/2014/main" id="{7A9BFFE0-1EB1-6C97-29B0-D0B47A0CCD26}"/>
+              </a:ext>
+            </a:extLst>
+          </p:cNvPr>
           <p:cNvSpPr>
             <a:spLocks noGrp="1"/>
           </p:cNvSpPr>
@@ -7883,7 +8241,7 @@
     </p:spTree>
     <p:extLst>
       <p:ext uri="{BB962C8B-B14F-4D97-AF65-F5344CB8AC3E}">
-        <p14:creationId xmlns:p14="http://schemas.microsoft.com/office/powerpoint/2010/main" val="1846291849"/>
+        <p14:creationId xmlns:p14="http://schemas.microsoft.com/office/powerpoint/2010/main" val="2874406235"/>
       </p:ext>
     </p:extLst>
   </p:cSld>
@@ -7898,7 +8256,13 @@
   <p:cSld>
     <p:spTree>
       <p:nvGrpSpPr>
-        <p:cNvPr id="1" name=""/>
+        <p:cNvPr id="1" name="">
+          <a:extLst>
+            <a:ext uri="{FF2B5EF4-FFF2-40B4-BE49-F238E27FC236}">
+              <a16:creationId xmlns:a16="http://schemas.microsoft.com/office/drawing/2014/main" id="{5B8693DA-3A39-AA0A-0B9A-48EFEBBDB154}"/>
+            </a:ext>
+          </a:extLst>
+        </p:cNvPr>
         <p:cNvGrpSpPr/>
         <p:nvPr/>
       </p:nvGrpSpPr>
@@ -7912,7 +8276,13 @@
       </p:grpSpPr>
       <p:sp>
         <p:nvSpPr>
-          <p:cNvPr id="2" name="Slide Image Placeholder 1"/>
+          <p:cNvPr id="2" name="Slide Image Placeholder 1">
+            <a:extLst>
+              <a:ext uri="{FF2B5EF4-FFF2-40B4-BE49-F238E27FC236}">
+                <a16:creationId xmlns:a16="http://schemas.microsoft.com/office/drawing/2014/main" id="{2F133437-BC25-42A4-A8D0-BA755522CD3E}"/>
+              </a:ext>
+            </a:extLst>
+          </p:cNvPr>
           <p:cNvSpPr>
             <a:spLocks noGrp="1" noRot="1" noChangeAspect="1"/>
           </p:cNvSpPr>
@@ -7924,7 +8294,13 @@
       </p:sp>
       <p:sp>
         <p:nvSpPr>
-          <p:cNvPr id="3" name="Notes Placeholder 2"/>
+          <p:cNvPr id="3" name="Notes Placeholder 2">
+            <a:extLst>
+              <a:ext uri="{FF2B5EF4-FFF2-40B4-BE49-F238E27FC236}">
+                <a16:creationId xmlns:a16="http://schemas.microsoft.com/office/drawing/2014/main" id="{2BA05BCF-3157-9369-1701-66E2A34EA2D7}"/>
+              </a:ext>
+            </a:extLst>
+          </p:cNvPr>
           <p:cNvSpPr>
             <a:spLocks noGrp="1"/>
           </p:cNvSpPr>
@@ -7939,136 +8315,90 @@
           <a:p>
             <a:pPr algn="just"/>
             <a:r>
-              <a:rPr lang="en-US" sz="900" dirty="0"/>
-              <a:t>On this slide, you can see the visual representation of the StackOverflow2013 Database's data model. This model is composed of nine tables, which together capture the essence of the Stack Overflow community's interactions.</a:t>
+              <a:rPr lang="en-US" dirty="0"/>
+              <a:t>In this slide, I'm detailing the efficient process of exporting data from SQL Server to CSV and then compressing it for optimal transfer speed.</a:t>
             </a:r>
           </a:p>
           <a:p>
             <a:pPr algn="just"/>
-            <a:endParaRPr lang="en-US" sz="900" dirty="0"/>
+            <a:endParaRPr lang="en-US" dirty="0"/>
           </a:p>
           <a:p>
             <a:pPr algn="just"/>
             <a:r>
-              <a:rPr lang="en-US" sz="900" dirty="0"/>
-              <a:t>The 'Posts' table is central to this model, linked directly to '</a:t>
-            </a:r>
-            <a:r>
-              <a:rPr lang="en-US" sz="900" dirty="0" err="1"/>
-              <a:t>PostTypes</a:t>
-            </a:r>
-            <a:r>
-              <a:rPr lang="en-US" sz="900" dirty="0"/>
-              <a:t>', which is composed of two main types of entries: Questions and Answers. </a:t>
+              <a:rPr lang="en-US" dirty="0"/>
+              <a:t>I start by using BCP, which stands for Bulk Copy Program, a tool provided by SQL Server. It's the fastest method available to perform large-scale data exports to CSV format, ensuring speed and efficiency. I specify the view names that form the collection of data I wish to export, and then I initiate a loop to process each view individually.</a:t>
             </a:r>
           </a:p>
           <a:p>
             <a:pPr algn="just"/>
-            <a:endParaRPr lang="en-US" sz="900" dirty="0"/>
+            <a:endParaRPr lang="en-US" dirty="0"/>
           </a:p>
           <a:p>
             <a:pPr algn="just"/>
             <a:r>
-              <a:rPr lang="en-US" sz="900" dirty="0"/>
-              <a:t>Users are the lifeblood of Stack Overflow, and here you can see their interactions with the system. A user can own a post, meaning they've contributed content to the community, or they can answer posts, providing solutions to questions posed by others.</a:t>
+              <a:rPr lang="en-US" dirty="0"/>
+              <a:t>Once the CSV files are generated, I use 7-Zip to compress them into </a:t>
+            </a:r>
+            <a:r>
+              <a:rPr lang="en-US" dirty="0" err="1"/>
+              <a:t>gzip</a:t>
+            </a:r>
+            <a:r>
+              <a:rPr lang="en-US" dirty="0"/>
+              <a:t> format. One of the key advantages of </a:t>
+            </a:r>
+            <a:r>
+              <a:rPr lang="en-US" dirty="0" err="1"/>
+              <a:t>gzip</a:t>
+            </a:r>
+            <a:r>
+              <a:rPr lang="en-US" dirty="0"/>
+              <a:t> is its compatibility with Databricks' file system. It can read </a:t>
+            </a:r>
+            <a:r>
+              <a:rPr lang="en-US" dirty="0" err="1"/>
+              <a:t>gzip</a:t>
+            </a:r>
+            <a:r>
+              <a:rPr lang="en-US" dirty="0"/>
+              <a:t> files directly, which means there's no need to decompress them on the platform, saving valuable processing time and simplifying the data pipeline.</a:t>
             </a:r>
           </a:p>
           <a:p>
             <a:pPr algn="just"/>
-            <a:endParaRPr lang="en-US" sz="900" dirty="0"/>
+            <a:endParaRPr lang="en-US" dirty="0"/>
           </a:p>
           <a:p>
             <a:pPr algn="just"/>
             <a:r>
-              <a:rPr lang="en-US" sz="900" dirty="0"/>
-              <a:t>The 'Comments' table allows for discourse on these posts, enabling users to seek clarification, discuss content, and offer brief insights.</a:t>
+              <a:rPr lang="en-US" dirty="0"/>
+              <a:t>The bottom part of the slide shows the actual script that orchestrates this entire process: from setting environment variables for BCP to executing the compression commands and cleaning up interim files. This script is the backbone of the procedure, handling everything from data extraction to final file compression, ready for sending to Databricks.</a:t>
             </a:r>
           </a:p>
           <a:p>
             <a:pPr algn="just"/>
-            <a:endParaRPr lang="en-US" sz="900" dirty="0"/>
+            <a:endParaRPr lang="en-US" dirty="0"/>
           </a:p>
           <a:p>
             <a:pPr algn="just"/>
             <a:r>
-              <a:rPr lang="en-US" sz="900" dirty="0"/>
-              <a:t>In the 'Votes' table, the community's feedback on posts is captured, where users can vote to signify the usefulness and accuracy of the content provided. It's connected to '</a:t>
-            </a:r>
-            <a:r>
-              <a:rPr lang="en-US" sz="900" dirty="0" err="1"/>
-              <a:t>VoteTypes</a:t>
-            </a:r>
-            <a:r>
-              <a:rPr lang="en-US" sz="900" dirty="0"/>
-              <a:t>', which defines the nature of these votes.</a:t>
-            </a:r>
-          </a:p>
-          <a:p>
-            <a:pPr algn="just"/>
-            <a:endParaRPr lang="en-US" sz="900" dirty="0"/>
-          </a:p>
-          <a:p>
-            <a:pPr algn="just"/>
-            <a:r>
-              <a:rPr lang="en-US" sz="900" dirty="0"/>
-              <a:t>The 'Users' table holds profiles, reflecting the personal and professional backgrounds of community members, as well as their contributions and reputation within the platform. This table also connects to 'Badges', which are earned by users as a form of recognition for their contributions.</a:t>
-            </a:r>
-          </a:p>
-          <a:p>
-            <a:pPr algn="just"/>
-            <a:endParaRPr lang="en-US" sz="900" dirty="0"/>
-          </a:p>
-          <a:p>
-            <a:pPr algn="just"/>
-            <a:r>
-              <a:rPr lang="en-US" sz="900" dirty="0"/>
-              <a:t>User engagement is further documented through '</a:t>
-            </a:r>
-            <a:r>
-              <a:rPr lang="en-US" sz="900" dirty="0" err="1"/>
-              <a:t>PostLinks</a:t>
-            </a:r>
-            <a:r>
-              <a:rPr lang="en-US" sz="900" dirty="0"/>
-              <a:t>' and '</a:t>
-            </a:r>
-            <a:r>
-              <a:rPr lang="en-US" sz="900" dirty="0" err="1"/>
-              <a:t>LinkTypes</a:t>
-            </a:r>
-            <a:r>
-              <a:rPr lang="en-US" sz="900" dirty="0"/>
-              <a:t>', which trace the relationships between different posts, such as duplicates or related content.</a:t>
-            </a:r>
-          </a:p>
-          <a:p>
-            <a:pPr algn="just"/>
-            <a:endParaRPr lang="en-US" sz="900" dirty="0"/>
-          </a:p>
-          <a:p>
-            <a:pPr algn="just"/>
-            <a:r>
-              <a:rPr lang="en-US" sz="900" dirty="0"/>
-              <a:t>Together, these tables not only store data but also tell the story of how knowledge is built, shared, and valued in one of the largest technical communities online.</a:t>
-            </a:r>
-          </a:p>
-          <a:p>
-            <a:pPr algn="just"/>
-            <a:endParaRPr lang="en-US" sz="900" dirty="0"/>
-          </a:p>
-          <a:p>
-            <a:pPr algn="just"/>
-            <a:r>
-              <a:rPr lang="en-US" sz="900" dirty="0"/>
-              <a:t>98’’</a:t>
-            </a:r>
-            <a:endParaRPr lang="pl-PL" sz="900" dirty="0"/>
+              <a:rPr lang="en-US" dirty="0"/>
+              <a:t>67’’</a:t>
+            </a:r>
+            <a:endParaRPr lang="pl-PL" dirty="0"/>
           </a:p>
         </p:txBody>
       </p:sp>
       <p:sp>
         <p:nvSpPr>
-          <p:cNvPr id="4" name="Slide Number Placeholder 3"/>
+          <p:cNvPr id="4" name="Slide Number Placeholder 3">
+            <a:extLst>
+              <a:ext uri="{FF2B5EF4-FFF2-40B4-BE49-F238E27FC236}">
+                <a16:creationId xmlns:a16="http://schemas.microsoft.com/office/drawing/2014/main" id="{436BD6FB-CECA-EEAF-17A3-9034CC4338B5}"/>
+              </a:ext>
+            </a:extLst>
+          </p:cNvPr>
           <p:cNvSpPr>
             <a:spLocks noGrp="1"/>
           </p:cNvSpPr>
@@ -8093,7 +8423,7 @@
     </p:spTree>
     <p:extLst>
       <p:ext uri="{BB962C8B-B14F-4D97-AF65-F5344CB8AC3E}">
-        <p14:creationId xmlns:p14="http://schemas.microsoft.com/office/powerpoint/2010/main" val="60424827"/>
+        <p14:creationId xmlns:p14="http://schemas.microsoft.com/office/powerpoint/2010/main" val="55754136"/>
       </p:ext>
     </p:extLst>
   </p:cSld>
@@ -8108,7 +8438,13 @@
   <p:cSld>
     <p:spTree>
       <p:nvGrpSpPr>
-        <p:cNvPr id="1" name=""/>
+        <p:cNvPr id="1" name="">
+          <a:extLst>
+            <a:ext uri="{FF2B5EF4-FFF2-40B4-BE49-F238E27FC236}">
+              <a16:creationId xmlns:a16="http://schemas.microsoft.com/office/drawing/2014/main" id="{A98E12E2-01FE-D8A1-1511-6A1160C3F39A}"/>
+            </a:ext>
+          </a:extLst>
+        </p:cNvPr>
         <p:cNvGrpSpPr/>
         <p:nvPr/>
       </p:nvGrpSpPr>
@@ -8122,7 +8458,13 @@
       </p:grpSpPr>
       <p:sp>
         <p:nvSpPr>
-          <p:cNvPr id="2" name="Slide Image Placeholder 1"/>
+          <p:cNvPr id="2" name="Slide Image Placeholder 1">
+            <a:extLst>
+              <a:ext uri="{FF2B5EF4-FFF2-40B4-BE49-F238E27FC236}">
+                <a16:creationId xmlns:a16="http://schemas.microsoft.com/office/drawing/2014/main" id="{35F2356F-041D-3AC8-22A9-541AB4E2A7BF}"/>
+              </a:ext>
+            </a:extLst>
+          </p:cNvPr>
           <p:cNvSpPr>
             <a:spLocks noGrp="1" noRot="1" noChangeAspect="1"/>
           </p:cNvSpPr>
@@ -8134,7 +8476,13 @@
       </p:sp>
       <p:sp>
         <p:nvSpPr>
-          <p:cNvPr id="3" name="Notes Placeholder 2"/>
+          <p:cNvPr id="3" name="Notes Placeholder 2">
+            <a:extLst>
+              <a:ext uri="{FF2B5EF4-FFF2-40B4-BE49-F238E27FC236}">
+                <a16:creationId xmlns:a16="http://schemas.microsoft.com/office/drawing/2014/main" id="{B84CE8A4-2852-0174-96ED-AE40552395F9}"/>
+              </a:ext>
+            </a:extLst>
+          </p:cNvPr>
           <p:cNvSpPr>
             <a:spLocks noGrp="1"/>
           </p:cNvSpPr>
@@ -8147,36 +8495,78 @@
           <a:bodyPr/>
           <a:lstStyle/>
           <a:p>
+            <a:pPr algn="just"/>
             <a:r>
               <a:rPr lang="en-US" dirty="0"/>
-              <a:t>On this slide, I present the crucial step in data preparation: Data Cleaning. The main challenge I faced was the presence of HTML code within the text fields. This code caused problems in export procedures.</a:t>
-            </a:r>
-          </a:p>
-          <a:p>
+              <a:t>In this slide, I'm detailing the efficient process of exporting data from SQL Server to CSV and then compressing it for optimal transfer speed.</a:t>
+            </a:r>
+          </a:p>
+          <a:p>
+            <a:pPr algn="just"/>
             <a:endParaRPr lang="en-US" dirty="0"/>
           </a:p>
           <a:p>
+            <a:pPr algn="just"/>
             <a:r>
               <a:rPr lang="en-US" dirty="0"/>
-              <a:t>To address this, I implemented a data cleaning process through the creation of database views. These views serve a specific purpose: they remove unnecessary carriage return (\r) and newline (\n) characters from text fields. Additionally, to align with the objective of converting the data into CSV format, I needed to ensure that each text field is properly quoted.</a:t>
-            </a:r>
-          </a:p>
-          <a:p>
+              <a:t>I start by using BCP, which stands for Bulk Copy Program, a tool provided by SQL Server. It's the fastest method available to perform large-scale data exports to CSV format, ensuring speed and efficiency. I specify the view names that form the collection of data I wish to export, and then I initiate a loop to process each view individually.</a:t>
+            </a:r>
+          </a:p>
+          <a:p>
+            <a:pPr algn="just"/>
             <a:endParaRPr lang="en-US" dirty="0"/>
           </a:p>
           <a:p>
+            <a:pPr algn="just"/>
             <a:r>
               <a:rPr lang="en-US" dirty="0"/>
-              <a:t>The SQL script you see performs this transformation seamlessly. By wrapping the text fields with quotes and stripping out unwanted characters, I make the data CSV-ready. This step was not only necessary but also the most efficient route to prepare the text fields for the conversion process.</a:t>
-            </a:r>
-          </a:p>
-          <a:p>
+              <a:t>Once the CSV files are generated, I use 7-Zip to compress them into </a:t>
+            </a:r>
+            <a:r>
+              <a:rPr lang="en-US" dirty="0" err="1"/>
+              <a:t>gzip</a:t>
+            </a:r>
+            <a:r>
+              <a:rPr lang="en-US" dirty="0"/>
+              <a:t> format. One of the key advantages of </a:t>
+            </a:r>
+            <a:r>
+              <a:rPr lang="en-US" dirty="0" err="1"/>
+              <a:t>gzip</a:t>
+            </a:r>
+            <a:r>
+              <a:rPr lang="en-US" dirty="0"/>
+              <a:t> is its compatibility with Databricks' file system. It can read </a:t>
+            </a:r>
+            <a:r>
+              <a:rPr lang="en-US" dirty="0" err="1"/>
+              <a:t>gzip</a:t>
+            </a:r>
+            <a:r>
+              <a:rPr lang="en-US" dirty="0"/>
+              <a:t> files directly, which means there's no need to decompress them on the platform, saving valuable processing time and simplifying the data pipeline.</a:t>
+            </a:r>
+          </a:p>
+          <a:p>
+            <a:pPr algn="just"/>
             <a:endParaRPr lang="en-US" dirty="0"/>
           </a:p>
           <a:p>
+            <a:pPr algn="just"/>
             <a:r>
               <a:rPr lang="en-US" dirty="0"/>
-              <a:t>60’’</a:t>
+              <a:t>The bottom part of the slide shows the actual script that orchestrates this entire process: from setting environment variables for BCP to executing the compression commands and cleaning up interim files. This script is the backbone of the procedure, handling everything from data extraction to final file compression, ready for sending to Databricks.</a:t>
+            </a:r>
+          </a:p>
+          <a:p>
+            <a:pPr algn="just"/>
+            <a:endParaRPr lang="en-US" dirty="0"/>
+          </a:p>
+          <a:p>
+            <a:pPr algn="just"/>
+            <a:r>
+              <a:rPr lang="en-US" dirty="0"/>
+              <a:t>67’’</a:t>
             </a:r>
             <a:endParaRPr lang="pl-PL" dirty="0"/>
           </a:p>
@@ -8184,7 +8574,13 @@
       </p:sp>
       <p:sp>
         <p:nvSpPr>
-          <p:cNvPr id="4" name="Slide Number Placeholder 3"/>
+          <p:cNvPr id="4" name="Slide Number Placeholder 3">
+            <a:extLst>
+              <a:ext uri="{FF2B5EF4-FFF2-40B4-BE49-F238E27FC236}">
+                <a16:creationId xmlns:a16="http://schemas.microsoft.com/office/drawing/2014/main" id="{438EB15F-0B8C-7450-879E-60B266777D2F}"/>
+              </a:ext>
+            </a:extLst>
+          </p:cNvPr>
           <p:cNvSpPr>
             <a:spLocks noGrp="1"/>
           </p:cNvSpPr>
@@ -8209,7 +8605,7 @@
     </p:spTree>
     <p:extLst>
       <p:ext uri="{BB962C8B-B14F-4D97-AF65-F5344CB8AC3E}">
-        <p14:creationId xmlns:p14="http://schemas.microsoft.com/office/powerpoint/2010/main" val="3035862332"/>
+        <p14:creationId xmlns:p14="http://schemas.microsoft.com/office/powerpoint/2010/main" val="3890160058"/>
       </p:ext>
     </p:extLst>
   </p:cSld>
@@ -8224,7 +8620,13 @@
   <p:cSld>
     <p:spTree>
       <p:nvGrpSpPr>
-        <p:cNvPr id="1" name=""/>
+        <p:cNvPr id="1" name="">
+          <a:extLst>
+            <a:ext uri="{FF2B5EF4-FFF2-40B4-BE49-F238E27FC236}">
+              <a16:creationId xmlns:a16="http://schemas.microsoft.com/office/drawing/2014/main" id="{E137FA91-2005-75CB-961B-D04E1433F60A}"/>
+            </a:ext>
+          </a:extLst>
+        </p:cNvPr>
         <p:cNvGrpSpPr/>
         <p:nvPr/>
       </p:nvGrpSpPr>
@@ -8238,7 +8640,13 @@
       </p:grpSpPr>
       <p:sp>
         <p:nvSpPr>
-          <p:cNvPr id="2" name="Slide Image Placeholder 1"/>
+          <p:cNvPr id="2" name="Slide Image Placeholder 1">
+            <a:extLst>
+              <a:ext uri="{FF2B5EF4-FFF2-40B4-BE49-F238E27FC236}">
+                <a16:creationId xmlns:a16="http://schemas.microsoft.com/office/drawing/2014/main" id="{E880D46D-3F45-1610-D4B4-E7B68D1A1E7D}"/>
+              </a:ext>
+            </a:extLst>
+          </p:cNvPr>
           <p:cNvSpPr>
             <a:spLocks noGrp="1" noRot="1" noChangeAspect="1"/>
           </p:cNvSpPr>
@@ -8250,7 +8658,13 @@
       </p:sp>
       <p:sp>
         <p:nvSpPr>
-          <p:cNvPr id="3" name="Notes Placeholder 2"/>
+          <p:cNvPr id="3" name="Notes Placeholder 2">
+            <a:extLst>
+              <a:ext uri="{FF2B5EF4-FFF2-40B4-BE49-F238E27FC236}">
+                <a16:creationId xmlns:a16="http://schemas.microsoft.com/office/drawing/2014/main" id="{9375FFA1-300B-8B2D-F823-6CF870FC00BB}"/>
+              </a:ext>
+            </a:extLst>
+          </p:cNvPr>
           <p:cNvSpPr>
             <a:spLocks noGrp="1"/>
           </p:cNvSpPr>
@@ -8265,106 +8679,90 @@
           <a:p>
             <a:pPr algn="just"/>
             <a:r>
-              <a:rPr lang="en-US" sz="1000" dirty="0"/>
-              <a:t>In this section of the presentation, I'm going to walk you through the process of creating a Docker container equipped with Databricks CLI for the purpose of transferring files efficiently to Databricks.</a:t>
+              <a:rPr lang="en-US" dirty="0"/>
+              <a:t>In this slide, I'm detailing the efficient process of exporting data from SQL Server to CSV and then compressing it for optimal transfer speed.</a:t>
             </a:r>
           </a:p>
           <a:p>
             <a:pPr algn="just"/>
-            <a:endParaRPr lang="en-US" sz="1000" dirty="0"/>
+            <a:endParaRPr lang="en-US" dirty="0"/>
           </a:p>
           <a:p>
             <a:pPr algn="just"/>
             <a:r>
-              <a:rPr lang="en-US" sz="1000" dirty="0"/>
-              <a:t>I began by defining a </a:t>
-            </a:r>
-            <a:r>
-              <a:rPr lang="en-US" sz="1000" dirty="0" err="1"/>
-              <a:t>Dockerfile</a:t>
-            </a:r>
-            <a:r>
-              <a:rPr lang="en-US" sz="1000" dirty="0"/>
-              <a:t>. This file is a blueprint for Docker, describing the environment needed to run Databricks CLI. It's based on a Python image, installs the Databricks CLI, and sets a working directory.</a:t>
+              <a:rPr lang="en-US" dirty="0"/>
+              <a:t>I start by using BCP, which stands for Bulk Copy Program, a tool provided by SQL Server. It's the fastest method available to perform large-scale data exports to CSV format, ensuring speed and efficiency. I specify the view names that form the collection of data I wish to export, and then I initiate a loop to process each view individually.</a:t>
             </a:r>
           </a:p>
           <a:p>
             <a:pPr algn="just"/>
-            <a:endParaRPr lang="en-US" sz="1000" dirty="0"/>
+            <a:endParaRPr lang="en-US" dirty="0"/>
           </a:p>
           <a:p>
             <a:pPr algn="just"/>
             <a:r>
-              <a:rPr lang="en-US" sz="1000" dirty="0"/>
-              <a:t>Next, I created an image from the </a:t>
-            </a:r>
-            <a:r>
-              <a:rPr lang="en-US" sz="1000" dirty="0" err="1"/>
-              <a:t>Dockerfile</a:t>
-            </a:r>
-            <a:r>
-              <a:rPr lang="en-US" sz="1000" dirty="0"/>
-              <a:t>. The command shown on the slide builds the Docker image, which contains all the necessary components to run the Databricks CLI.</a:t>
+              <a:rPr lang="en-US" dirty="0"/>
+              <a:t>Once the CSV files are generated, I use 7-Zip to compress them into </a:t>
+            </a:r>
+            <a:r>
+              <a:rPr lang="en-US" dirty="0" err="1"/>
+              <a:t>gzip</a:t>
+            </a:r>
+            <a:r>
+              <a:rPr lang="en-US" dirty="0"/>
+              <a:t> format. One of the key advantages of </a:t>
+            </a:r>
+            <a:r>
+              <a:rPr lang="en-US" dirty="0" err="1"/>
+              <a:t>gzip</a:t>
+            </a:r>
+            <a:r>
+              <a:rPr lang="en-US" dirty="0"/>
+              <a:t> is its compatibility with Databricks' file system. It can read </a:t>
+            </a:r>
+            <a:r>
+              <a:rPr lang="en-US" dirty="0" err="1"/>
+              <a:t>gzip</a:t>
+            </a:r>
+            <a:r>
+              <a:rPr lang="en-US" dirty="0"/>
+              <a:t> files directly, which means there's no need to decompress them on the platform, saving valuable processing time and simplifying the data pipeline.</a:t>
             </a:r>
           </a:p>
           <a:p>
             <a:pPr algn="just"/>
-            <a:endParaRPr lang="en-US" sz="1000" dirty="0"/>
+            <a:endParaRPr lang="en-US" dirty="0"/>
           </a:p>
           <a:p>
             <a:pPr algn="just"/>
             <a:r>
-              <a:rPr lang="en-US" sz="1000" dirty="0"/>
-              <a:t>Once the image was ready, I proceeded to run the Docker container. This step involves executing a Docker run command, which initiates a container instance where I can execute Databricks CLI commands.</a:t>
+              <a:rPr lang="en-US" dirty="0"/>
+              <a:t>The bottom part of the slide shows the actual script that orchestrates this entire process: from setting environment variables for BCP to executing the compression commands and cleaning up interim files. This script is the backbone of the procedure, handling everything from data extraction to final file compression, ready for sending to Databricks.</a:t>
             </a:r>
           </a:p>
           <a:p>
             <a:pPr algn="just"/>
-            <a:endParaRPr lang="en-US" sz="1000" dirty="0"/>
+            <a:endParaRPr lang="en-US" dirty="0"/>
           </a:p>
           <a:p>
             <a:pPr algn="just"/>
             <a:r>
-              <a:rPr lang="en-US" sz="1000" dirty="0"/>
-              <a:t>The fourth step was to copy the CSV files to Databricks. To do this securely, I first configured access to Databricks using a token. This ensures that the connection to Databricks is secure and that only authorized commands are executed. Once the token was configured, I used the Databricks CLI to copy files from the local data directory to the Databricks file system, replacing any existing files with the same name.</a:t>
-            </a:r>
-          </a:p>
-          <a:p>
-            <a:pPr algn="just"/>
-            <a:endParaRPr lang="en-US" sz="1000" dirty="0"/>
-          </a:p>
-          <a:p>
-            <a:pPr algn="just"/>
-            <a:r>
-              <a:rPr lang="en-US" sz="1000" dirty="0"/>
-              <a:t>The result, which you can see on the right, is the list of files successfully copied to Databricks. These are the </a:t>
-            </a:r>
-            <a:r>
-              <a:rPr lang="en-US" sz="1000" dirty="0" err="1"/>
-              <a:t>gzipped</a:t>
-            </a:r>
-            <a:r>
-              <a:rPr lang="en-US" sz="1000" dirty="0"/>
-              <a:t> CSV files now stored in the Databricks file system, ready to be used for further conversion and data analysis.</a:t>
-            </a:r>
-          </a:p>
-          <a:p>
-            <a:pPr algn="just"/>
-            <a:endParaRPr lang="en-US" sz="1000" dirty="0"/>
-          </a:p>
-          <a:p>
-            <a:pPr algn="just"/>
-            <a:r>
-              <a:rPr lang="en-US" sz="1000" dirty="0"/>
-              <a:t>84’’</a:t>
-            </a:r>
-            <a:endParaRPr lang="pl-PL" sz="1000" dirty="0"/>
+              <a:rPr lang="en-US" dirty="0"/>
+              <a:t>67’’</a:t>
+            </a:r>
+            <a:endParaRPr lang="pl-PL" dirty="0"/>
           </a:p>
         </p:txBody>
       </p:sp>
       <p:sp>
         <p:nvSpPr>
-          <p:cNvPr id="4" name="Slide Number Placeholder 3"/>
+          <p:cNvPr id="4" name="Slide Number Placeholder 3">
+            <a:extLst>
+              <a:ext uri="{FF2B5EF4-FFF2-40B4-BE49-F238E27FC236}">
+                <a16:creationId xmlns:a16="http://schemas.microsoft.com/office/drawing/2014/main" id="{FFE1148B-70E4-D0CD-61CC-2EA2C02EBE91}"/>
+              </a:ext>
+            </a:extLst>
+          </p:cNvPr>
           <p:cNvSpPr>
             <a:spLocks noGrp="1"/>
           </p:cNvSpPr>
@@ -8389,7 +8787,7 @@
     </p:spTree>
     <p:extLst>
       <p:ext uri="{BB962C8B-B14F-4D97-AF65-F5344CB8AC3E}">
-        <p14:creationId xmlns:p14="http://schemas.microsoft.com/office/powerpoint/2010/main" val="714962832"/>
+        <p14:creationId xmlns:p14="http://schemas.microsoft.com/office/powerpoint/2010/main" val="574820780"/>
       </p:ext>
     </p:extLst>
   </p:cSld>
@@ -12537,7 +12935,13 @@
   <p:cSld>
     <p:spTree>
       <p:nvGrpSpPr>
-        <p:cNvPr id="1" name=""/>
+        <p:cNvPr id="1" name="">
+          <a:extLst>
+            <a:ext uri="{FF2B5EF4-FFF2-40B4-BE49-F238E27FC236}">
+              <a16:creationId xmlns:a16="http://schemas.microsoft.com/office/drawing/2014/main" id="{1D748049-EE72-6B00-9503-A21DC2C5FEF0}"/>
+            </a:ext>
+          </a:extLst>
+        </p:cNvPr>
         <p:cNvGrpSpPr/>
         <p:nvPr/>
       </p:nvGrpSpPr>
@@ -12551,10 +12955,10 @@
       </p:grpSpPr>
       <p:sp>
         <p:nvSpPr>
-          <p:cNvPr id="2" name="Tytuł 1">
+          <p:cNvPr id="4" name="Tytuł 3">
             <a:extLst>
               <a:ext uri="{FF2B5EF4-FFF2-40B4-BE49-F238E27FC236}">
-                <a16:creationId xmlns:a16="http://schemas.microsoft.com/office/drawing/2014/main" id="{0953BD17-A7FE-4352-9D7A-10482C6865A6}"/>
+                <a16:creationId xmlns:a16="http://schemas.microsoft.com/office/drawing/2014/main" id="{B556956C-9851-2BAA-2E7A-3770382BF409}"/>
               </a:ext>
             </a:extLst>
           </p:cNvPr>
@@ -12567,60 +12971,13 @@
         </p:nvSpPr>
         <p:spPr>
           <a:xfrm>
-            <a:off x="444500" y="412137"/>
+            <a:off x="444500" y="430609"/>
             <a:ext cx="9146972" cy="640080"/>
           </a:xfrm>
         </p:spPr>
         <p:txBody>
-          <a:bodyPr rtlCol="0"/>
-          <a:lstStyle>
-            <a:defPPr>
-              <a:defRPr lang="pl-PL"/>
-            </a:defPPr>
-          </a:lstStyle>
-          <a:p>
-            <a:pPr lvl="0"/>
-            <a:r>
-              <a:rPr lang="en-US" dirty="0"/>
-              <a:t>C</a:t>
-            </a:r>
-            <a:r>
-              <a:rPr lang="en-US" b="0" i="0" u="none" noProof="0" dirty="0" err="1"/>
-              <a:t>onverting</a:t>
-            </a:r>
-            <a:r>
-              <a:rPr lang="en-US" b="0" i="0" u="none" noProof="0" dirty="0"/>
-              <a:t> the Compressed CSV Files to Parquet files.</a:t>
-            </a:r>
-            <a:endParaRPr lang="pl-PL" dirty="0"/>
-          </a:p>
-        </p:txBody>
-      </p:sp>
-      <p:sp>
-        <p:nvSpPr>
-          <p:cNvPr id="3" name="Zawartość — symbol zastępczy 2">
-            <a:extLst>
-              <a:ext uri="{FF2B5EF4-FFF2-40B4-BE49-F238E27FC236}">
-                <a16:creationId xmlns:a16="http://schemas.microsoft.com/office/drawing/2014/main" id="{4B3C1D5B-11AC-48D7-B0A0-63BC88617D64}"/>
-              </a:ext>
-            </a:extLst>
-          </p:cNvPr>
-          <p:cNvSpPr>
-            <a:spLocks noGrp="1"/>
-          </p:cNvSpPr>
-          <p:nvPr>
-            <p:ph sz="quarter" idx="10"/>
-          </p:nvPr>
-        </p:nvSpPr>
-        <p:spPr>
-          <a:xfrm>
-            <a:off x="444500" y="1509612"/>
-            <a:ext cx="5875867" cy="454655"/>
-          </a:xfrm>
-        </p:spPr>
-        <p:txBody>
-          <a:bodyPr rtlCol="0">
-            <a:noAutofit/>
+          <a:bodyPr rtlCol="0" anchor="ctr">
+            <a:normAutofit/>
           </a:bodyPr>
           <a:lstStyle>
             <a:defPPr>
@@ -12628,38 +12985,28 @@
             </a:defPPr>
           </a:lstStyle>
           <a:p>
-            <a:pPr marL="0" indent="0" rtl="0">
-              <a:spcAft>
-                <a:spcPts val="1200"/>
-              </a:spcAft>
-              <a:buNone/>
-            </a:pPr>
-            <a:r>
-              <a:rPr lang="en-US" sz="2000" b="0" i="0" dirty="0">
-                <a:solidFill>
-                  <a:srgbClr val="374151"/>
-                </a:solidFill>
-                <a:effectLst/>
-                <a:latin typeface="Söhne"/>
-              </a:rPr>
-              <a:t>Preparing functions to be used during the conversion</a:t>
-            </a:r>
-            <a:r>
-              <a:rPr lang="pl-PL" sz="1600" dirty="0">
-                <a:latin typeface="Segoe UI" panose="020B0502040204020203" pitchFamily="34" charset="0"/>
-                <a:cs typeface="Segoe UI" panose="020B0502040204020203" pitchFamily="34" charset="0"/>
-              </a:rPr>
-              <a:t>:</a:t>
+            <a:pPr rtl="0"/>
+            <a:r>
+              <a:rPr lang="pl-PL" sz="2600" b="1" dirty="0"/>
+              <a:t>Storage (</a:t>
+            </a:r>
+            <a:r>
+              <a:rPr lang="pl-PL" sz="2600" b="1" dirty="0" err="1"/>
+              <a:t>again</a:t>
+            </a:r>
+            <a:r>
+              <a:rPr lang="pl-PL" sz="2600" b="1" dirty="0"/>
+              <a:t>)</a:t>
             </a:r>
           </a:p>
         </p:txBody>
       </p:sp>
       <p:pic>
         <p:nvPicPr>
-          <p:cNvPr id="20" name="Picture 19">
+          <p:cNvPr id="5" name="Picture 4">
             <a:extLst>
               <a:ext uri="{FF2B5EF4-FFF2-40B4-BE49-F238E27FC236}">
-                <a16:creationId xmlns:a16="http://schemas.microsoft.com/office/drawing/2014/main" id="{F703EEBA-4CD4-4BE1-2A99-343FD19D6A3D}"/>
+                <a16:creationId xmlns:a16="http://schemas.microsoft.com/office/drawing/2014/main" id="{A055CAC2-0A3E-CFBC-7454-27031A511247}"/>
               </a:ext>
             </a:extLst>
           </p:cNvPr>
@@ -12676,8 +13023,68 @@
         </p:blipFill>
         <p:spPr>
           <a:xfrm>
-            <a:off x="1468966" y="1964267"/>
-            <a:ext cx="9254067" cy="4770285"/>
+            <a:off x="2114680" y="1426689"/>
+            <a:ext cx="7962640" cy="4750592"/>
+          </a:xfrm>
+          <a:prstGeom prst="rect">
+            <a:avLst/>
+          </a:prstGeom>
+        </p:spPr>
+      </p:pic>
+      <p:pic>
+        <p:nvPicPr>
+          <p:cNvPr id="6" name="Picture 5">
+            <a:extLst>
+              <a:ext uri="{FF2B5EF4-FFF2-40B4-BE49-F238E27FC236}">
+                <a16:creationId xmlns:a16="http://schemas.microsoft.com/office/drawing/2014/main" id="{25CD822D-F929-E32F-CC28-E0600A2B0439}"/>
+              </a:ext>
+            </a:extLst>
+          </p:cNvPr>
+          <p:cNvPicPr>
+            <a:picLocks noChangeAspect="1"/>
+          </p:cNvPicPr>
+          <p:nvPr/>
+        </p:nvPicPr>
+        <p:blipFill>
+          <a:blip r:embed="rId4"/>
+          <a:stretch>
+            <a:fillRect/>
+          </a:stretch>
+        </p:blipFill>
+        <p:spPr>
+          <a:xfrm>
+            <a:off x="10956815" y="145906"/>
+            <a:ext cx="790685" cy="800212"/>
+          </a:xfrm>
+          <a:prstGeom prst="rect">
+            <a:avLst/>
+          </a:prstGeom>
+        </p:spPr>
+      </p:pic>
+      <p:pic>
+        <p:nvPicPr>
+          <p:cNvPr id="7" name="Picture 6">
+            <a:extLst>
+              <a:ext uri="{FF2B5EF4-FFF2-40B4-BE49-F238E27FC236}">
+                <a16:creationId xmlns:a16="http://schemas.microsoft.com/office/drawing/2014/main" id="{B1769872-0229-113E-FBEE-66DAB01797F6}"/>
+              </a:ext>
+            </a:extLst>
+          </p:cNvPr>
+          <p:cNvPicPr>
+            <a:picLocks noChangeAspect="1"/>
+          </p:cNvPicPr>
+          <p:nvPr/>
+        </p:nvPicPr>
+        <p:blipFill>
+          <a:blip r:embed="rId5"/>
+          <a:stretch>
+            <a:fillRect/>
+          </a:stretch>
+        </p:blipFill>
+        <p:spPr>
+          <a:xfrm>
+            <a:off x="9988668" y="324317"/>
+            <a:ext cx="790685" cy="621801"/>
           </a:xfrm>
           <a:prstGeom prst="rect">
             <a:avLst/>
@@ -12687,7 +13094,7 @@
     </p:spTree>
     <p:extLst>
       <p:ext uri="{BB962C8B-B14F-4D97-AF65-F5344CB8AC3E}">
-        <p14:creationId xmlns:p14="http://schemas.microsoft.com/office/powerpoint/2010/main" val="609537339"/>
+        <p14:creationId xmlns:p14="http://schemas.microsoft.com/office/powerpoint/2010/main" val="2122809723"/>
       </p:ext>
     </p:extLst>
   </p:cSld>
@@ -12702,7 +13109,13 @@
   <p:cSld>
     <p:spTree>
       <p:nvGrpSpPr>
-        <p:cNvPr id="1" name=""/>
+        <p:cNvPr id="1" name="">
+          <a:extLst>
+            <a:ext uri="{FF2B5EF4-FFF2-40B4-BE49-F238E27FC236}">
+              <a16:creationId xmlns:a16="http://schemas.microsoft.com/office/drawing/2014/main" id="{5561639C-D720-092A-4C5B-F0D8146BBEF2}"/>
+            </a:ext>
+          </a:extLst>
+        </p:cNvPr>
         <p:cNvGrpSpPr/>
         <p:nvPr/>
       </p:nvGrpSpPr>
@@ -12716,10 +13129,10 @@
       </p:grpSpPr>
       <p:sp>
         <p:nvSpPr>
-          <p:cNvPr id="2" name="Tytuł 1">
+          <p:cNvPr id="4" name="Tytuł 3">
             <a:extLst>
               <a:ext uri="{FF2B5EF4-FFF2-40B4-BE49-F238E27FC236}">
-                <a16:creationId xmlns:a16="http://schemas.microsoft.com/office/drawing/2014/main" id="{0953BD17-A7FE-4352-9D7A-10482C6865A6}"/>
+                <a16:creationId xmlns:a16="http://schemas.microsoft.com/office/drawing/2014/main" id="{54C46830-1D7D-01FD-E8E6-F56EE88C074B}"/>
               </a:ext>
             </a:extLst>
           </p:cNvPr>
@@ -12732,60 +13145,13 @@
         </p:nvSpPr>
         <p:spPr>
           <a:xfrm>
-            <a:off x="444500" y="412137"/>
+            <a:off x="444500" y="430609"/>
             <a:ext cx="9146972" cy="640080"/>
           </a:xfrm>
         </p:spPr>
         <p:txBody>
-          <a:bodyPr rtlCol="0"/>
-          <a:lstStyle>
-            <a:defPPr>
-              <a:defRPr lang="pl-PL"/>
-            </a:defPPr>
-          </a:lstStyle>
-          <a:p>
-            <a:pPr lvl="0"/>
-            <a:r>
-              <a:rPr lang="en-US" dirty="0"/>
-              <a:t>C</a:t>
-            </a:r>
-            <a:r>
-              <a:rPr lang="en-US" b="0" i="0" u="none" noProof="0" dirty="0" err="1"/>
-              <a:t>onverting</a:t>
-            </a:r>
-            <a:r>
-              <a:rPr lang="en-US" b="0" i="0" u="none" noProof="0" dirty="0"/>
-              <a:t> the Compressed CSV Files to Parquet files.</a:t>
-            </a:r>
-            <a:endParaRPr lang="pl-PL" dirty="0"/>
-          </a:p>
-        </p:txBody>
-      </p:sp>
-      <p:sp>
-        <p:nvSpPr>
-          <p:cNvPr id="3" name="Zawartość — symbol zastępczy 2">
-            <a:extLst>
-              <a:ext uri="{FF2B5EF4-FFF2-40B4-BE49-F238E27FC236}">
-                <a16:creationId xmlns:a16="http://schemas.microsoft.com/office/drawing/2014/main" id="{4B3C1D5B-11AC-48D7-B0A0-63BC88617D64}"/>
-              </a:ext>
-            </a:extLst>
-          </p:cNvPr>
-          <p:cNvSpPr>
-            <a:spLocks noGrp="1"/>
-          </p:cNvSpPr>
-          <p:nvPr>
-            <p:ph sz="quarter" idx="10"/>
-          </p:nvPr>
-        </p:nvSpPr>
-        <p:spPr>
-          <a:xfrm>
-            <a:off x="444500" y="1509612"/>
-            <a:ext cx="5875867" cy="454655"/>
-          </a:xfrm>
-        </p:spPr>
-        <p:txBody>
-          <a:bodyPr rtlCol="0">
-            <a:noAutofit/>
+          <a:bodyPr rtlCol="0" anchor="ctr">
+            <a:normAutofit/>
           </a:bodyPr>
           <a:lstStyle>
             <a:defPPr>
@@ -12793,38 +13159,20 @@
             </a:defPPr>
           </a:lstStyle>
           <a:p>
-            <a:pPr marL="0" indent="0" rtl="0">
-              <a:spcAft>
-                <a:spcPts val="1200"/>
-              </a:spcAft>
-              <a:buNone/>
-            </a:pPr>
-            <a:r>
-              <a:rPr lang="en-US" sz="2000" b="0" i="0" dirty="0">
-                <a:solidFill>
-                  <a:srgbClr val="374151"/>
-                </a:solidFill>
-                <a:effectLst/>
-                <a:latin typeface="Söhne"/>
-              </a:rPr>
-              <a:t>Converting to Parquet format</a:t>
-            </a:r>
-            <a:r>
-              <a:rPr lang="pl-PL" sz="1600" dirty="0">
-                <a:latin typeface="Segoe UI" panose="020B0502040204020203" pitchFamily="34" charset="0"/>
-                <a:cs typeface="Segoe UI" panose="020B0502040204020203" pitchFamily="34" charset="0"/>
-              </a:rPr>
-              <a:t>:</a:t>
+            <a:pPr rtl="0"/>
+            <a:r>
+              <a:rPr lang="pl-PL" sz="2600" b="1" dirty="0"/>
+              <a:t>Processing</a:t>
             </a:r>
           </a:p>
         </p:txBody>
       </p:sp>
       <p:pic>
         <p:nvPicPr>
-          <p:cNvPr id="5" name="Picture 4">
+          <p:cNvPr id="6" name="Picture 5">
             <a:extLst>
               <a:ext uri="{FF2B5EF4-FFF2-40B4-BE49-F238E27FC236}">
-                <a16:creationId xmlns:a16="http://schemas.microsoft.com/office/drawing/2014/main" id="{8EE27C4B-5DCE-45CB-0662-0FBEFDE8EA1F}"/>
+                <a16:creationId xmlns:a16="http://schemas.microsoft.com/office/drawing/2014/main" id="{6393FF73-9B2D-2FF6-D8F9-34A1C0AE1138}"/>
               </a:ext>
             </a:extLst>
           </p:cNvPr>
@@ -12841,8 +13189,38 @@
         </p:blipFill>
         <p:spPr>
           <a:xfrm>
-            <a:off x="3853534" y="1964267"/>
-            <a:ext cx="4484932" cy="4802534"/>
+            <a:off x="1219054" y="1762941"/>
+            <a:ext cx="10213386" cy="3332117"/>
+          </a:xfrm>
+          <a:prstGeom prst="rect">
+            <a:avLst/>
+          </a:prstGeom>
+        </p:spPr>
+      </p:pic>
+      <p:pic>
+        <p:nvPicPr>
+          <p:cNvPr id="8" name="Picture 7">
+            <a:extLst>
+              <a:ext uri="{FF2B5EF4-FFF2-40B4-BE49-F238E27FC236}">
+                <a16:creationId xmlns:a16="http://schemas.microsoft.com/office/drawing/2014/main" id="{CFF6F561-2465-BCDB-F558-7BD18A3DA70D}"/>
+              </a:ext>
+            </a:extLst>
+          </p:cNvPr>
+          <p:cNvPicPr>
+            <a:picLocks noChangeAspect="1"/>
+          </p:cNvPicPr>
+          <p:nvPr/>
+        </p:nvPicPr>
+        <p:blipFill>
+          <a:blip r:embed="rId4"/>
+          <a:stretch>
+            <a:fillRect/>
+          </a:stretch>
+        </p:blipFill>
+        <p:spPr>
+          <a:xfrm>
+            <a:off x="10890008" y="145906"/>
+            <a:ext cx="790685" cy="800212"/>
           </a:xfrm>
           <a:prstGeom prst="rect">
             <a:avLst/>
@@ -12852,7 +13230,7 @@
     </p:spTree>
     <p:extLst>
       <p:ext uri="{BB962C8B-B14F-4D97-AF65-F5344CB8AC3E}">
-        <p14:creationId xmlns:p14="http://schemas.microsoft.com/office/powerpoint/2010/main" val="1215929968"/>
+        <p14:creationId xmlns:p14="http://schemas.microsoft.com/office/powerpoint/2010/main" val="751396864"/>
       </p:ext>
     </p:extLst>
   </p:cSld>
@@ -12881,10 +13259,10 @@
       </p:grpSpPr>
       <p:sp>
         <p:nvSpPr>
-          <p:cNvPr id="2" name="Tytuł 1">
+          <p:cNvPr id="4" name="Tytuł 3">
             <a:extLst>
               <a:ext uri="{FF2B5EF4-FFF2-40B4-BE49-F238E27FC236}">
-                <a16:creationId xmlns:a16="http://schemas.microsoft.com/office/drawing/2014/main" id="{0953BD17-A7FE-4352-9D7A-10482C6865A6}"/>
+                <a16:creationId xmlns:a16="http://schemas.microsoft.com/office/drawing/2014/main" id="{FE7E940F-6D6B-4FE5-8CA2-E8AE96D300C2}"/>
               </a:ext>
             </a:extLst>
           </p:cNvPr>
@@ -12897,7 +13275,7 @@
         </p:nvSpPr>
         <p:spPr>
           <a:xfrm>
-            <a:off x="444500" y="412137"/>
+            <a:off x="444500" y="414843"/>
             <a:ext cx="9146972" cy="640080"/>
           </a:xfrm>
         </p:spPr>
@@ -12911,13 +13289,18 @@
           <a:p>
             <a:pPr rtl="0"/>
             <a:r>
-              <a:rPr lang="en-US" b="1" dirty="0">
+              <a:rPr lang="pl-PL" b="1" dirty="0">
                 <a:latin typeface="Segoe UI Semibold" panose="020B0502040204020203" pitchFamily="34" charset="0"/>
                 <a:cs typeface="Segoe UI Semibold" panose="020B0502040204020203" pitchFamily="34" charset="0"/>
               </a:rPr>
-              <a:t>Data Analysis</a:t>
+              <a:t>Analysis</a:t>
             </a:r>
             <a:endParaRPr lang="pl-PL" b="1" dirty="0">
+              <a:solidFill>
+                <a:schemeClr val="bg2">
+                  <a:lumMod val="50000"/>
+                </a:schemeClr>
+              </a:solidFill>
               <a:latin typeface="Segoe UI Semibold" panose="020B0502040204020203" pitchFamily="34" charset="0"/>
               <a:cs typeface="Segoe UI Semibold" panose="020B0502040204020203" pitchFamily="34" charset="0"/>
             </a:endParaRPr>
@@ -12926,10 +13309,10 @@
       </p:sp>
       <p:pic>
         <p:nvPicPr>
-          <p:cNvPr id="13" name="Picture 12">
+          <p:cNvPr id="6" name="Picture 5">
             <a:extLst>
               <a:ext uri="{FF2B5EF4-FFF2-40B4-BE49-F238E27FC236}">
-                <a16:creationId xmlns:a16="http://schemas.microsoft.com/office/drawing/2014/main" id="{81BB4627-B5E0-8371-4FD2-730159D5F8B2}"/>
+                <a16:creationId xmlns:a16="http://schemas.microsoft.com/office/drawing/2014/main" id="{DD7776EB-DC5D-6658-5FBC-0BC04F4F7EDB}"/>
               </a:ext>
             </a:extLst>
           </p:cNvPr>
@@ -12946,8 +13329,128 @@
         </p:blipFill>
         <p:spPr>
           <a:xfrm>
-            <a:off x="2679701" y="1334402"/>
-            <a:ext cx="6609861" cy="5278064"/>
+            <a:off x="444500" y="1246017"/>
+            <a:ext cx="4893745" cy="2147029"/>
+          </a:xfrm>
+          <a:prstGeom prst="rect">
+            <a:avLst/>
+          </a:prstGeom>
+        </p:spPr>
+      </p:pic>
+      <p:pic>
+        <p:nvPicPr>
+          <p:cNvPr id="8" name="Picture 7">
+            <a:extLst>
+              <a:ext uri="{FF2B5EF4-FFF2-40B4-BE49-F238E27FC236}">
+                <a16:creationId xmlns:a16="http://schemas.microsoft.com/office/drawing/2014/main" id="{69DE8E46-C26F-F4BC-9E2B-6B9FFB09C50E}"/>
+              </a:ext>
+            </a:extLst>
+          </p:cNvPr>
+          <p:cNvPicPr>
+            <a:picLocks noChangeAspect="1"/>
+          </p:cNvPicPr>
+          <p:nvPr/>
+        </p:nvPicPr>
+        <p:blipFill>
+          <a:blip r:embed="rId4"/>
+          <a:stretch>
+            <a:fillRect/>
+          </a:stretch>
+        </p:blipFill>
+        <p:spPr>
+          <a:xfrm>
+            <a:off x="5414043" y="1515649"/>
+            <a:ext cx="6333457" cy="4824701"/>
+          </a:xfrm>
+          <a:prstGeom prst="rect">
+            <a:avLst/>
+          </a:prstGeom>
+        </p:spPr>
+      </p:pic>
+      <p:pic>
+        <p:nvPicPr>
+          <p:cNvPr id="12" name="Picture 11">
+            <a:extLst>
+              <a:ext uri="{FF2B5EF4-FFF2-40B4-BE49-F238E27FC236}">
+                <a16:creationId xmlns:a16="http://schemas.microsoft.com/office/drawing/2014/main" id="{5A413A18-22A8-29AC-32D2-C321A55FF7F7}"/>
+              </a:ext>
+            </a:extLst>
+          </p:cNvPr>
+          <p:cNvPicPr>
+            <a:picLocks noChangeAspect="1"/>
+          </p:cNvPicPr>
+          <p:nvPr/>
+        </p:nvPicPr>
+        <p:blipFill>
+          <a:blip r:embed="rId5"/>
+          <a:stretch>
+            <a:fillRect/>
+          </a:stretch>
+        </p:blipFill>
+        <p:spPr>
+          <a:xfrm>
+            <a:off x="9248051" y="173943"/>
+            <a:ext cx="790685" cy="800212"/>
+          </a:xfrm>
+          <a:prstGeom prst="rect">
+            <a:avLst/>
+          </a:prstGeom>
+        </p:spPr>
+      </p:pic>
+      <p:pic>
+        <p:nvPicPr>
+          <p:cNvPr id="13" name="Picture 12">
+            <a:extLst>
+              <a:ext uri="{FF2B5EF4-FFF2-40B4-BE49-F238E27FC236}">
+                <a16:creationId xmlns:a16="http://schemas.microsoft.com/office/drawing/2014/main" id="{1918C782-1284-DCDD-4DA9-3EF3A4610F3F}"/>
+              </a:ext>
+            </a:extLst>
+          </p:cNvPr>
+          <p:cNvPicPr>
+            <a:picLocks noChangeAspect="1"/>
+          </p:cNvPicPr>
+          <p:nvPr/>
+        </p:nvPicPr>
+        <p:blipFill>
+          <a:blip r:embed="rId6"/>
+          <a:stretch>
+            <a:fillRect/>
+          </a:stretch>
+        </p:blipFill>
+        <p:spPr>
+          <a:xfrm>
+            <a:off x="10863511" y="208666"/>
+            <a:ext cx="863909" cy="765489"/>
+          </a:xfrm>
+          <a:prstGeom prst="rect">
+            <a:avLst/>
+          </a:prstGeom>
+        </p:spPr>
+      </p:pic>
+      <p:pic>
+        <p:nvPicPr>
+          <p:cNvPr id="14" name="Picture 13">
+            <a:extLst>
+              <a:ext uri="{FF2B5EF4-FFF2-40B4-BE49-F238E27FC236}">
+                <a16:creationId xmlns:a16="http://schemas.microsoft.com/office/drawing/2014/main" id="{2E888975-0FA0-0C25-C650-4D4D6D62EE5A}"/>
+              </a:ext>
+            </a:extLst>
+          </p:cNvPr>
+          <p:cNvPicPr>
+            <a:picLocks noChangeAspect="1"/>
+          </p:cNvPicPr>
+          <p:nvPr/>
+        </p:nvPicPr>
+        <p:blipFill>
+          <a:blip r:embed="rId7"/>
+          <a:stretch>
+            <a:fillRect/>
+          </a:stretch>
+        </p:blipFill>
+        <p:spPr>
+          <a:xfrm>
+            <a:off x="10057733" y="274563"/>
+            <a:ext cx="757187" cy="678998"/>
           </a:xfrm>
           <a:prstGeom prst="rect">
             <a:avLst/>
@@ -12957,7 +13460,7 @@
     </p:spTree>
     <p:extLst>
       <p:ext uri="{BB962C8B-B14F-4D97-AF65-F5344CB8AC3E}">
-        <p14:creationId xmlns:p14="http://schemas.microsoft.com/office/powerpoint/2010/main" val="3174130271"/>
+        <p14:creationId xmlns:p14="http://schemas.microsoft.com/office/powerpoint/2010/main" val="3201932227"/>
       </p:ext>
     </p:extLst>
   </p:cSld>
@@ -12972,7 +13475,13 @@
   <p:cSld>
     <p:spTree>
       <p:nvGrpSpPr>
-        <p:cNvPr id="1" name=""/>
+        <p:cNvPr id="1" name="">
+          <a:extLst>
+            <a:ext uri="{FF2B5EF4-FFF2-40B4-BE49-F238E27FC236}">
+              <a16:creationId xmlns:a16="http://schemas.microsoft.com/office/drawing/2014/main" id="{FABDA496-61BA-56F5-1695-25556CF418E2}"/>
+            </a:ext>
+          </a:extLst>
+        </p:cNvPr>
         <p:cNvGrpSpPr/>
         <p:nvPr/>
       </p:nvGrpSpPr>
@@ -12986,10 +13495,10 @@
       </p:grpSpPr>
       <p:sp>
         <p:nvSpPr>
-          <p:cNvPr id="2" name="Tytuł 1">
+          <p:cNvPr id="4" name="Tytuł 3">
             <a:extLst>
               <a:ext uri="{FF2B5EF4-FFF2-40B4-BE49-F238E27FC236}">
-                <a16:creationId xmlns:a16="http://schemas.microsoft.com/office/drawing/2014/main" id="{0953BD17-A7FE-4352-9D7A-10482C6865A6}"/>
+                <a16:creationId xmlns:a16="http://schemas.microsoft.com/office/drawing/2014/main" id="{97E4E5F8-548F-54D6-4A47-91F861719439}"/>
               </a:ext>
             </a:extLst>
           </p:cNvPr>
@@ -13002,7 +13511,7 @@
         </p:nvSpPr>
         <p:spPr>
           <a:xfrm>
-            <a:off x="444500" y="412137"/>
+            <a:off x="444500" y="414843"/>
             <a:ext cx="9146972" cy="640080"/>
           </a:xfrm>
         </p:spPr>
@@ -13016,13 +13525,18 @@
           <a:p>
             <a:pPr rtl="0"/>
             <a:r>
-              <a:rPr lang="en-US" b="1" dirty="0">
+              <a:rPr lang="pl-PL" b="1" dirty="0">
                 <a:latin typeface="Segoe UI Semibold" panose="020B0502040204020203" pitchFamily="34" charset="0"/>
                 <a:cs typeface="Segoe UI Semibold" panose="020B0502040204020203" pitchFamily="34" charset="0"/>
               </a:rPr>
-              <a:t>Data Analysis</a:t>
+              <a:t>Analysis</a:t>
             </a:r>
             <a:endParaRPr lang="pl-PL" b="1" dirty="0">
+              <a:solidFill>
+                <a:schemeClr val="bg2">
+                  <a:lumMod val="50000"/>
+                </a:schemeClr>
+              </a:solidFill>
               <a:latin typeface="Segoe UI Semibold" panose="020B0502040204020203" pitchFamily="34" charset="0"/>
               <a:cs typeface="Segoe UI Semibold" panose="020B0502040204020203" pitchFamily="34" charset="0"/>
             </a:endParaRPr>
@@ -13031,10 +13545,10 @@
       </p:sp>
       <p:pic>
         <p:nvPicPr>
-          <p:cNvPr id="4" name="Picture 3">
+          <p:cNvPr id="3" name="Picture 2">
             <a:extLst>
               <a:ext uri="{FF2B5EF4-FFF2-40B4-BE49-F238E27FC236}">
-                <a16:creationId xmlns:a16="http://schemas.microsoft.com/office/drawing/2014/main" id="{4AF747B1-C90C-9A4C-610F-B39799D6DCA3}"/>
+                <a16:creationId xmlns:a16="http://schemas.microsoft.com/office/drawing/2014/main" id="{9A44A629-CFFE-6462-B53B-584881CAF1BD}"/>
               </a:ext>
             </a:extLst>
           </p:cNvPr>
@@ -13051,8 +13565,8 @@
         </p:blipFill>
         <p:spPr>
           <a:xfrm>
-            <a:off x="444500" y="1173337"/>
-            <a:ext cx="4330210" cy="5413730"/>
+            <a:off x="444499" y="1426778"/>
+            <a:ext cx="4912107" cy="4138450"/>
           </a:xfrm>
           <a:prstGeom prst="rect">
             <a:avLst/>
@@ -13061,10 +13575,10 @@
       </p:pic>
       <p:pic>
         <p:nvPicPr>
-          <p:cNvPr id="6" name="Picture 5">
+          <p:cNvPr id="10" name="Picture 9">
             <a:extLst>
               <a:ext uri="{FF2B5EF4-FFF2-40B4-BE49-F238E27FC236}">
-                <a16:creationId xmlns:a16="http://schemas.microsoft.com/office/drawing/2014/main" id="{38525782-1796-91EC-2FB4-0011A6F8571E}"/>
+                <a16:creationId xmlns:a16="http://schemas.microsoft.com/office/drawing/2014/main" id="{D18171FF-2097-6780-14EC-E37162F3C720}"/>
               </a:ext>
             </a:extLst>
           </p:cNvPr>
@@ -13081,8 +13595,8 @@
         </p:blipFill>
         <p:spPr>
           <a:xfrm>
-            <a:off x="6903382" y="1173337"/>
-            <a:ext cx="3881022" cy="2476877"/>
+            <a:off x="5393644" y="1259349"/>
+            <a:ext cx="6353857" cy="4722571"/>
           </a:xfrm>
           <a:prstGeom prst="rect">
             <a:avLst/>
@@ -13091,55 +13605,98 @@
       </p:pic>
       <p:pic>
         <p:nvPicPr>
-          <p:cNvPr id="1026" name="Picture 2">
+          <p:cNvPr id="14" name="Picture 13">
             <a:extLst>
               <a:ext uri="{FF2B5EF4-FFF2-40B4-BE49-F238E27FC236}">
-                <a16:creationId xmlns:a16="http://schemas.microsoft.com/office/drawing/2014/main" id="{58732892-A8E3-CBA1-605D-E93FE9A0425A}"/>
+                <a16:creationId xmlns:a16="http://schemas.microsoft.com/office/drawing/2014/main" id="{0F69CAB0-DF6F-D065-899B-05686015292B}"/>
               </a:ext>
             </a:extLst>
           </p:cNvPr>
           <p:cNvPicPr>
-            <a:picLocks noChangeAspect="1" noChangeArrowheads="1"/>
+            <a:picLocks noChangeAspect="1"/>
           </p:cNvPicPr>
           <p:nvPr/>
         </p:nvPicPr>
         <p:blipFill>
-          <a:blip r:embed="rId5">
-            <a:extLst>
-              <a:ext uri="{28A0092B-C50C-407E-A947-70E740481C1C}">
-                <a14:useLocalDpi xmlns:a14="http://schemas.microsoft.com/office/drawing/2010/main" val="0"/>
-              </a:ext>
-            </a:extLst>
-          </a:blip>
-          <a:srcRect/>
+          <a:blip r:embed="rId5"/>
           <a:stretch>
             <a:fillRect/>
           </a:stretch>
         </p:blipFill>
-        <p:spPr bwMode="auto">
+        <p:spPr>
           <a:xfrm>
-            <a:off x="5118108" y="3848100"/>
-            <a:ext cx="3210447" cy="2858558"/>
+            <a:off x="9248051" y="173943"/>
+            <a:ext cx="790685" cy="800212"/>
           </a:xfrm>
           <a:prstGeom prst="rect">
             <a:avLst/>
           </a:prstGeom>
-          <a:noFill/>
-          <a:extLst>
-            <a:ext uri="{909E8E84-426E-40DD-AFC4-6F175D3DCCD1}">
-              <a14:hiddenFill xmlns:a14="http://schemas.microsoft.com/office/drawing/2010/main">
-                <a:solidFill>
-                  <a:srgbClr val="FFFFFF"/>
-                </a:solidFill>
-              </a14:hiddenFill>
-            </a:ext>
-          </a:extLst>
+        </p:spPr>
+      </p:pic>
+      <p:pic>
+        <p:nvPicPr>
+          <p:cNvPr id="15" name="Picture 14">
+            <a:extLst>
+              <a:ext uri="{FF2B5EF4-FFF2-40B4-BE49-F238E27FC236}">
+                <a16:creationId xmlns:a16="http://schemas.microsoft.com/office/drawing/2014/main" id="{A8E5FF5B-A833-B49D-FDB7-818FB9D34EF2}"/>
+              </a:ext>
+            </a:extLst>
+          </p:cNvPr>
+          <p:cNvPicPr>
+            <a:picLocks noChangeAspect="1"/>
+          </p:cNvPicPr>
+          <p:nvPr/>
+        </p:nvPicPr>
+        <p:blipFill>
+          <a:blip r:embed="rId6"/>
+          <a:stretch>
+            <a:fillRect/>
+          </a:stretch>
+        </p:blipFill>
+        <p:spPr>
+          <a:xfrm>
+            <a:off x="10863511" y="208666"/>
+            <a:ext cx="863909" cy="765489"/>
+          </a:xfrm>
+          <a:prstGeom prst="rect">
+            <a:avLst/>
+          </a:prstGeom>
+        </p:spPr>
+      </p:pic>
+      <p:pic>
+        <p:nvPicPr>
+          <p:cNvPr id="16" name="Picture 15">
+            <a:extLst>
+              <a:ext uri="{FF2B5EF4-FFF2-40B4-BE49-F238E27FC236}">
+                <a16:creationId xmlns:a16="http://schemas.microsoft.com/office/drawing/2014/main" id="{592C11E6-44B3-6E3E-2A24-69577BF875D4}"/>
+              </a:ext>
+            </a:extLst>
+          </p:cNvPr>
+          <p:cNvPicPr>
+            <a:picLocks noChangeAspect="1"/>
+          </p:cNvPicPr>
+          <p:nvPr/>
+        </p:nvPicPr>
+        <p:blipFill>
+          <a:blip r:embed="rId7"/>
+          <a:stretch>
+            <a:fillRect/>
+          </a:stretch>
+        </p:blipFill>
+        <p:spPr>
+          <a:xfrm>
+            <a:off x="10057733" y="274563"/>
+            <a:ext cx="757187" cy="678998"/>
+          </a:xfrm>
+          <a:prstGeom prst="rect">
+            <a:avLst/>
+          </a:prstGeom>
         </p:spPr>
       </p:pic>
     </p:spTree>
     <p:extLst>
       <p:ext uri="{BB962C8B-B14F-4D97-AF65-F5344CB8AC3E}">
-        <p14:creationId xmlns:p14="http://schemas.microsoft.com/office/powerpoint/2010/main" val="4294810547"/>
+        <p14:creationId xmlns:p14="http://schemas.microsoft.com/office/powerpoint/2010/main" val="1052304467"/>
       </p:ext>
     </p:extLst>
   </p:cSld>
@@ -13154,7 +13711,13 @@
   <p:cSld>
     <p:spTree>
       <p:nvGrpSpPr>
-        <p:cNvPr id="1" name=""/>
+        <p:cNvPr id="1" name="">
+          <a:extLst>
+            <a:ext uri="{FF2B5EF4-FFF2-40B4-BE49-F238E27FC236}">
+              <a16:creationId xmlns:a16="http://schemas.microsoft.com/office/drawing/2014/main" id="{73B66D9E-98F2-3DB1-F787-B28180C28FF2}"/>
+            </a:ext>
+          </a:extLst>
+        </p:cNvPr>
         <p:cNvGrpSpPr/>
         <p:nvPr/>
       </p:nvGrpSpPr>
@@ -13168,10 +13731,10 @@
       </p:grpSpPr>
       <p:sp>
         <p:nvSpPr>
-          <p:cNvPr id="2" name="Tytuł 1">
+          <p:cNvPr id="4" name="Tytuł 3">
             <a:extLst>
               <a:ext uri="{FF2B5EF4-FFF2-40B4-BE49-F238E27FC236}">
-                <a16:creationId xmlns:a16="http://schemas.microsoft.com/office/drawing/2014/main" id="{0953BD17-A7FE-4352-9D7A-10482C6865A6}"/>
+                <a16:creationId xmlns:a16="http://schemas.microsoft.com/office/drawing/2014/main" id="{6E3BD13B-A804-881E-FFC9-8C8F63FD7CE0}"/>
               </a:ext>
             </a:extLst>
           </p:cNvPr>
@@ -13184,7 +13747,7 @@
         </p:nvSpPr>
         <p:spPr>
           <a:xfrm>
-            <a:off x="444500" y="412137"/>
+            <a:off x="444500" y="414843"/>
             <a:ext cx="9146972" cy="640080"/>
           </a:xfrm>
         </p:spPr>
@@ -13198,13 +13761,18 @@
           <a:p>
             <a:pPr rtl="0"/>
             <a:r>
-              <a:rPr lang="en-US" b="1" dirty="0">
+              <a:rPr lang="pl-PL" b="1" dirty="0">
                 <a:latin typeface="Segoe UI Semibold" panose="020B0502040204020203" pitchFamily="34" charset="0"/>
                 <a:cs typeface="Segoe UI Semibold" panose="020B0502040204020203" pitchFamily="34" charset="0"/>
               </a:rPr>
-              <a:t>Data Analysis</a:t>
+              <a:t>Analysis</a:t>
             </a:r>
             <a:endParaRPr lang="pl-PL" b="1" dirty="0">
+              <a:solidFill>
+                <a:schemeClr val="bg2">
+                  <a:lumMod val="50000"/>
+                </a:schemeClr>
+              </a:solidFill>
               <a:latin typeface="Segoe UI Semibold" panose="020B0502040204020203" pitchFamily="34" charset="0"/>
               <a:cs typeface="Segoe UI Semibold" panose="020B0502040204020203" pitchFamily="34" charset="0"/>
             </a:endParaRPr>
@@ -13216,7 +13784,7 @@
           <p:cNvPr id="5" name="Picture 4">
             <a:extLst>
               <a:ext uri="{FF2B5EF4-FFF2-40B4-BE49-F238E27FC236}">
-                <a16:creationId xmlns:a16="http://schemas.microsoft.com/office/drawing/2014/main" id="{8E76EBA0-FA13-8D52-9D59-8DB45FF5D33B}"/>
+                <a16:creationId xmlns:a16="http://schemas.microsoft.com/office/drawing/2014/main" id="{5E04DF6C-6144-C6C5-CF50-72AB6632470F}"/>
               </a:ext>
             </a:extLst>
           </p:cNvPr>
@@ -13233,8 +13801,8 @@
         </p:blipFill>
         <p:spPr>
           <a:xfrm>
-            <a:off x="459317" y="1189164"/>
-            <a:ext cx="5636683" cy="5368270"/>
+            <a:off x="444500" y="1387364"/>
+            <a:ext cx="5798996" cy="4383971"/>
           </a:xfrm>
           <a:prstGeom prst="rect">
             <a:avLst/>
@@ -13243,10 +13811,10 @@
       </p:pic>
       <p:pic>
         <p:nvPicPr>
-          <p:cNvPr id="8" name="Picture 7">
+          <p:cNvPr id="10" name="Picture 9">
             <a:extLst>
               <a:ext uri="{FF2B5EF4-FFF2-40B4-BE49-F238E27FC236}">
-                <a16:creationId xmlns:a16="http://schemas.microsoft.com/office/drawing/2014/main" id="{E3638CD4-8237-C4BC-A46A-DF7F3AD84DA0}"/>
+                <a16:creationId xmlns:a16="http://schemas.microsoft.com/office/drawing/2014/main" id="{772B571B-9A9A-759A-1C99-1AE2F479EA9E}"/>
               </a:ext>
             </a:extLst>
           </p:cNvPr>
@@ -13263,8 +13831,98 @@
         </p:blipFill>
         <p:spPr>
           <a:xfrm>
-            <a:off x="6621667" y="1189164"/>
-            <a:ext cx="4787166" cy="5495152"/>
+            <a:off x="6243847" y="1245475"/>
+            <a:ext cx="5665366" cy="5336939"/>
+          </a:xfrm>
+          <a:prstGeom prst="rect">
+            <a:avLst/>
+          </a:prstGeom>
+        </p:spPr>
+      </p:pic>
+      <p:pic>
+        <p:nvPicPr>
+          <p:cNvPr id="14" name="Picture 13">
+            <a:extLst>
+              <a:ext uri="{FF2B5EF4-FFF2-40B4-BE49-F238E27FC236}">
+                <a16:creationId xmlns:a16="http://schemas.microsoft.com/office/drawing/2014/main" id="{32BE7C5A-BFCD-763E-161E-7BD5AC533DB7}"/>
+              </a:ext>
+            </a:extLst>
+          </p:cNvPr>
+          <p:cNvPicPr>
+            <a:picLocks noChangeAspect="1"/>
+          </p:cNvPicPr>
+          <p:nvPr/>
+        </p:nvPicPr>
+        <p:blipFill>
+          <a:blip r:embed="rId5"/>
+          <a:stretch>
+            <a:fillRect/>
+          </a:stretch>
+        </p:blipFill>
+        <p:spPr>
+          <a:xfrm>
+            <a:off x="9248051" y="173943"/>
+            <a:ext cx="790685" cy="800212"/>
+          </a:xfrm>
+          <a:prstGeom prst="rect">
+            <a:avLst/>
+          </a:prstGeom>
+        </p:spPr>
+      </p:pic>
+      <p:pic>
+        <p:nvPicPr>
+          <p:cNvPr id="15" name="Picture 14">
+            <a:extLst>
+              <a:ext uri="{FF2B5EF4-FFF2-40B4-BE49-F238E27FC236}">
+                <a16:creationId xmlns:a16="http://schemas.microsoft.com/office/drawing/2014/main" id="{4A4AD7C3-949D-0F1E-3286-953F501D6D9F}"/>
+              </a:ext>
+            </a:extLst>
+          </p:cNvPr>
+          <p:cNvPicPr>
+            <a:picLocks noChangeAspect="1"/>
+          </p:cNvPicPr>
+          <p:nvPr/>
+        </p:nvPicPr>
+        <p:blipFill>
+          <a:blip r:embed="rId6"/>
+          <a:stretch>
+            <a:fillRect/>
+          </a:stretch>
+        </p:blipFill>
+        <p:spPr>
+          <a:xfrm>
+            <a:off x="10863511" y="208666"/>
+            <a:ext cx="863909" cy="765489"/>
+          </a:xfrm>
+          <a:prstGeom prst="rect">
+            <a:avLst/>
+          </a:prstGeom>
+        </p:spPr>
+      </p:pic>
+      <p:pic>
+        <p:nvPicPr>
+          <p:cNvPr id="16" name="Picture 15">
+            <a:extLst>
+              <a:ext uri="{FF2B5EF4-FFF2-40B4-BE49-F238E27FC236}">
+                <a16:creationId xmlns:a16="http://schemas.microsoft.com/office/drawing/2014/main" id="{502520D7-5391-34D4-407B-914FCD79F222}"/>
+              </a:ext>
+            </a:extLst>
+          </p:cNvPr>
+          <p:cNvPicPr>
+            <a:picLocks noChangeAspect="1"/>
+          </p:cNvPicPr>
+          <p:nvPr/>
+        </p:nvPicPr>
+        <p:blipFill>
+          <a:blip r:embed="rId7"/>
+          <a:stretch>
+            <a:fillRect/>
+          </a:stretch>
+        </p:blipFill>
+        <p:spPr>
+          <a:xfrm>
+            <a:off x="10057733" y="274563"/>
+            <a:ext cx="757187" cy="678998"/>
           </a:xfrm>
           <a:prstGeom prst="rect">
             <a:avLst/>
@@ -13274,7 +13932,7 @@
     </p:spTree>
     <p:extLst>
       <p:ext uri="{BB962C8B-B14F-4D97-AF65-F5344CB8AC3E}">
-        <p14:creationId xmlns:p14="http://schemas.microsoft.com/office/powerpoint/2010/main" val="271545191"/>
+        <p14:creationId xmlns:p14="http://schemas.microsoft.com/office/powerpoint/2010/main" val="380373888"/>
       </p:ext>
     </p:extLst>
   </p:cSld>
@@ -13333,25 +13991,21 @@
           <a:p>
             <a:pPr rtl="0"/>
             <a:r>
-              <a:rPr lang="en-US" b="1" dirty="0">
+              <a:rPr lang="pl-PL" b="1" dirty="0">
                 <a:latin typeface="Segoe UI Semibold" panose="020B0502040204020203" pitchFamily="34" charset="0"/>
                 <a:cs typeface="Segoe UI Semibold" panose="020B0502040204020203" pitchFamily="34" charset="0"/>
               </a:rPr>
-              <a:t>Data Analysis</a:t>
-            </a:r>
-            <a:endParaRPr lang="pl-PL" b="1" dirty="0">
-              <a:latin typeface="Segoe UI Semibold" panose="020B0502040204020203" pitchFamily="34" charset="0"/>
-              <a:cs typeface="Segoe UI Semibold" panose="020B0502040204020203" pitchFamily="34" charset="0"/>
-            </a:endParaRPr>
+              <a:t>Analysis</a:t>
+            </a:r>
           </a:p>
         </p:txBody>
       </p:sp>
       <p:pic>
         <p:nvPicPr>
-          <p:cNvPr id="4" name="Picture 3">
+          <p:cNvPr id="7" name="Picture 6">
             <a:extLst>
               <a:ext uri="{FF2B5EF4-FFF2-40B4-BE49-F238E27FC236}">
-                <a16:creationId xmlns:a16="http://schemas.microsoft.com/office/drawing/2014/main" id="{389E5AFD-A203-5029-8462-514A2A379405}"/>
+                <a16:creationId xmlns:a16="http://schemas.microsoft.com/office/drawing/2014/main" id="{EA372019-E117-4142-68AF-8F8905964022}"/>
               </a:ext>
             </a:extLst>
           </p:cNvPr>
@@ -13368,93 +14022,138 @@
         </p:blipFill>
         <p:spPr>
           <a:xfrm>
-            <a:off x="508000" y="1204688"/>
-            <a:ext cx="6847360" cy="5505146"/>
+            <a:off x="6569157" y="1536347"/>
+            <a:ext cx="5372850" cy="4258269"/>
           </a:xfrm>
           <a:prstGeom prst="rect">
             <a:avLst/>
           </a:prstGeom>
         </p:spPr>
       </p:pic>
-      <p:sp>
-        <p:nvSpPr>
-          <p:cNvPr id="6" name="Zawartość — symbol zastępczy 2">
+      <p:pic>
+        <p:nvPicPr>
+          <p:cNvPr id="9" name="Picture 8">
             <a:extLst>
               <a:ext uri="{FF2B5EF4-FFF2-40B4-BE49-F238E27FC236}">
-                <a16:creationId xmlns:a16="http://schemas.microsoft.com/office/drawing/2014/main" id="{01D8B89F-CB55-3E32-8E28-AEBC142DB16D}"/>
+                <a16:creationId xmlns:a16="http://schemas.microsoft.com/office/drawing/2014/main" id="{E659D259-5CDD-08ED-5B9D-4735A5F9DCEA}"/>
               </a:ext>
             </a:extLst>
           </p:cNvPr>
-          <p:cNvSpPr>
-            <a:spLocks noGrp="1"/>
-          </p:cNvSpPr>
-          <p:nvPr>
-            <p:ph sz="quarter" idx="10"/>
-          </p:nvPr>
-        </p:nvSpPr>
+          <p:cNvPicPr>
+            <a:picLocks noChangeAspect="1"/>
+          </p:cNvPicPr>
+          <p:nvPr/>
+        </p:nvPicPr>
+        <p:blipFill>
+          <a:blip r:embed="rId4"/>
+          <a:stretch>
+            <a:fillRect/>
+          </a:stretch>
+        </p:blipFill>
         <p:spPr>
           <a:xfrm>
-            <a:off x="7564967" y="3327400"/>
-            <a:ext cx="4119033" cy="1965118"/>
+            <a:off x="399254" y="2161192"/>
+            <a:ext cx="5696745" cy="2314898"/>
           </a:xfrm>
+          <a:prstGeom prst="rect">
+            <a:avLst/>
+          </a:prstGeom>
         </p:spPr>
-        <p:txBody>
-          <a:bodyPr rtlCol="0">
-            <a:noAutofit/>
-          </a:bodyPr>
-          <a:lstStyle>
-            <a:defPPr>
-              <a:defRPr lang="pl-PL"/>
-            </a:defPPr>
-          </a:lstStyle>
-          <a:p>
-            <a:pPr marL="0" indent="0" rtl="0">
-              <a:spcAft>
-                <a:spcPts val="1200"/>
-              </a:spcAft>
-              <a:buNone/>
-            </a:pPr>
-            <a:r>
-              <a:rPr lang="en-US" sz="2000" b="0" i="0" dirty="0">
-                <a:solidFill>
-                  <a:srgbClr val="555555"/>
-                </a:solidFill>
-                <a:effectLst/>
-                <a:latin typeface="Menlo"/>
-              </a:rPr>
-              <a:t>The Scala guru was </a:t>
-            </a:r>
-            <a:r>
-              <a:rPr lang="en-US" sz="2000" b="1" i="0" dirty="0" err="1">
-                <a:solidFill>
-                  <a:srgbClr val="555555"/>
-                </a:solidFill>
-                <a:effectLst/>
-                <a:latin typeface="Menlo"/>
-              </a:rPr>
-              <a:t>oxbow_lakes</a:t>
-            </a:r>
-            <a:r>
-              <a:rPr lang="en-US" sz="2000" b="0" i="0" dirty="0">
-                <a:solidFill>
-                  <a:srgbClr val="555555"/>
-                </a:solidFill>
-                <a:effectLst/>
-                <a:latin typeface="Menlo"/>
-              </a:rPr>
-              <a:t> from London, England United Kingdom with a total score of 3,223.</a:t>
-            </a:r>
-            <a:endParaRPr lang="pl-PL" sz="1600" dirty="0">
-              <a:latin typeface="Segoe UI" panose="020B0502040204020203" pitchFamily="34" charset="0"/>
-              <a:cs typeface="Segoe UI" panose="020B0502040204020203" pitchFamily="34" charset="0"/>
-            </a:endParaRPr>
-          </a:p>
-        </p:txBody>
-      </p:sp>
+      </p:pic>
+      <p:pic>
+        <p:nvPicPr>
+          <p:cNvPr id="10" name="Picture 9">
+            <a:extLst>
+              <a:ext uri="{FF2B5EF4-FFF2-40B4-BE49-F238E27FC236}">
+                <a16:creationId xmlns:a16="http://schemas.microsoft.com/office/drawing/2014/main" id="{4489DF5E-E5AD-C7E7-322D-3C81AC847195}"/>
+              </a:ext>
+            </a:extLst>
+          </p:cNvPr>
+          <p:cNvPicPr>
+            <a:picLocks noChangeAspect="1"/>
+          </p:cNvPicPr>
+          <p:nvPr/>
+        </p:nvPicPr>
+        <p:blipFill>
+          <a:blip r:embed="rId5"/>
+          <a:stretch>
+            <a:fillRect/>
+          </a:stretch>
+        </p:blipFill>
+        <p:spPr>
+          <a:xfrm>
+            <a:off x="9248051" y="173943"/>
+            <a:ext cx="790685" cy="800212"/>
+          </a:xfrm>
+          <a:prstGeom prst="rect">
+            <a:avLst/>
+          </a:prstGeom>
+        </p:spPr>
+      </p:pic>
+      <p:pic>
+        <p:nvPicPr>
+          <p:cNvPr id="11" name="Picture 10">
+            <a:extLst>
+              <a:ext uri="{FF2B5EF4-FFF2-40B4-BE49-F238E27FC236}">
+                <a16:creationId xmlns:a16="http://schemas.microsoft.com/office/drawing/2014/main" id="{888D234F-B2C4-06C1-8DDB-B4E25258D4D2}"/>
+              </a:ext>
+            </a:extLst>
+          </p:cNvPr>
+          <p:cNvPicPr>
+            <a:picLocks noChangeAspect="1"/>
+          </p:cNvPicPr>
+          <p:nvPr/>
+        </p:nvPicPr>
+        <p:blipFill>
+          <a:blip r:embed="rId6"/>
+          <a:stretch>
+            <a:fillRect/>
+          </a:stretch>
+        </p:blipFill>
+        <p:spPr>
+          <a:xfrm>
+            <a:off x="10863511" y="208666"/>
+            <a:ext cx="863909" cy="765489"/>
+          </a:xfrm>
+          <a:prstGeom prst="rect">
+            <a:avLst/>
+          </a:prstGeom>
+        </p:spPr>
+      </p:pic>
+      <p:pic>
+        <p:nvPicPr>
+          <p:cNvPr id="12" name="Picture 11">
+            <a:extLst>
+              <a:ext uri="{FF2B5EF4-FFF2-40B4-BE49-F238E27FC236}">
+                <a16:creationId xmlns:a16="http://schemas.microsoft.com/office/drawing/2014/main" id="{DCD7AB8E-455C-13C6-B377-D4CAD7F2562D}"/>
+              </a:ext>
+            </a:extLst>
+          </p:cNvPr>
+          <p:cNvPicPr>
+            <a:picLocks noChangeAspect="1"/>
+          </p:cNvPicPr>
+          <p:nvPr/>
+        </p:nvPicPr>
+        <p:blipFill>
+          <a:blip r:embed="rId7"/>
+          <a:stretch>
+            <a:fillRect/>
+          </a:stretch>
+        </p:blipFill>
+        <p:spPr>
+          <a:xfrm>
+            <a:off x="10057733" y="274563"/>
+            <a:ext cx="757187" cy="678998"/>
+          </a:xfrm>
+          <a:prstGeom prst="rect">
+            <a:avLst/>
+          </a:prstGeom>
+        </p:spPr>
+      </p:pic>
     </p:spTree>
     <p:extLst>
       <p:ext uri="{BB962C8B-B14F-4D97-AF65-F5344CB8AC3E}">
-        <p14:creationId xmlns:p14="http://schemas.microsoft.com/office/powerpoint/2010/main" val="356478517"/>
+        <p14:creationId xmlns:p14="http://schemas.microsoft.com/office/powerpoint/2010/main" val="1079432290"/>
       </p:ext>
     </p:extLst>
   </p:cSld>
@@ -13469,7 +14168,13 @@
   <p:cSld>
     <p:spTree>
       <p:nvGrpSpPr>
-        <p:cNvPr id="1" name=""/>
+        <p:cNvPr id="1" name="">
+          <a:extLst>
+            <a:ext uri="{FF2B5EF4-FFF2-40B4-BE49-F238E27FC236}">
+              <a16:creationId xmlns:a16="http://schemas.microsoft.com/office/drawing/2014/main" id="{0C4CA2CE-8482-D9D4-2202-C289EEB41393}"/>
+            </a:ext>
+          </a:extLst>
+        </p:cNvPr>
         <p:cNvGrpSpPr/>
         <p:nvPr/>
       </p:nvGrpSpPr>
@@ -13486,7 +14191,7 @@
           <p:cNvPr id="2" name="Tytuł 1">
             <a:extLst>
               <a:ext uri="{FF2B5EF4-FFF2-40B4-BE49-F238E27FC236}">
-                <a16:creationId xmlns:a16="http://schemas.microsoft.com/office/drawing/2014/main" id="{0953BD17-A7FE-4352-9D7A-10482C6865A6}"/>
+                <a16:creationId xmlns:a16="http://schemas.microsoft.com/office/drawing/2014/main" id="{8893C306-D3EF-7E55-4D27-2ACDFBCD33B0}"/>
               </a:ext>
             </a:extLst>
           </p:cNvPr>
@@ -13513,80 +14218,56 @@
           <a:p>
             <a:pPr rtl="0"/>
             <a:r>
-              <a:rPr lang="en-US" b="1" dirty="0">
+              <a:rPr lang="pl-PL" b="1" dirty="0" err="1">
                 <a:latin typeface="Segoe UI Semibold" panose="020B0502040204020203" pitchFamily="34" charset="0"/>
                 <a:cs typeface="Segoe UI Semibold" panose="020B0502040204020203" pitchFamily="34" charset="0"/>
               </a:rPr>
-              <a:t>Data Analysis</a:t>
-            </a:r>
-            <a:endParaRPr lang="pl-PL" b="1" dirty="0">
-              <a:latin typeface="Segoe UI Semibold" panose="020B0502040204020203" pitchFamily="34" charset="0"/>
-              <a:cs typeface="Segoe UI Semibold" panose="020B0502040204020203" pitchFamily="34" charset="0"/>
-            </a:endParaRPr>
-          </a:p>
-        </p:txBody>
-      </p:sp>
-      <p:sp>
-        <p:nvSpPr>
-          <p:cNvPr id="6" name="Zawartość — symbol zastępczy 2">
-            <a:extLst>
-              <a:ext uri="{FF2B5EF4-FFF2-40B4-BE49-F238E27FC236}">
-                <a16:creationId xmlns:a16="http://schemas.microsoft.com/office/drawing/2014/main" id="{01D8B89F-CB55-3E32-8E28-AEBC142DB16D}"/>
-              </a:ext>
-            </a:extLst>
-          </p:cNvPr>
-          <p:cNvSpPr>
-            <a:spLocks noGrp="1"/>
-          </p:cNvSpPr>
-          <p:nvPr>
-            <p:ph sz="quarter" idx="10"/>
-          </p:nvPr>
-        </p:nvSpPr>
-        <p:spPr>
-          <a:xfrm>
-            <a:off x="4440767" y="3987800"/>
-            <a:ext cx="7306734" cy="1965118"/>
-          </a:xfrm>
-        </p:spPr>
-        <p:txBody>
-          <a:bodyPr rtlCol="0">
-            <a:noAutofit/>
-          </a:bodyPr>
-          <a:lstStyle>
-            <a:defPPr>
-              <a:defRPr lang="pl-PL"/>
-            </a:defPPr>
-          </a:lstStyle>
-          <a:p>
-            <a:pPr marL="0" indent="0" rtl="0">
-              <a:spcAft>
-                <a:spcPts val="1200"/>
-              </a:spcAft>
-              <a:buNone/>
-            </a:pPr>
-            <a:r>
-              <a:rPr lang="en-US" sz="2800" b="0" i="0" dirty="0">
-                <a:solidFill>
-                  <a:srgbClr val="555555"/>
-                </a:solidFill>
-                <a:effectLst/>
-                <a:latin typeface="Menlo"/>
+              <a:t>Serving</a:t>
+            </a:r>
+            <a:r>
+              <a:rPr lang="pl-PL" b="1" dirty="0">
+                <a:latin typeface="Segoe UI Semibold" panose="020B0502040204020203" pitchFamily="34" charset="0"/>
+                <a:cs typeface="Segoe UI Semibold" panose="020B0502040204020203" pitchFamily="34" charset="0"/>
               </a:rPr>
-              <a:t>Total number of potential Polish users: 12,454</a:t>
-            </a:r>
-            <a:endParaRPr lang="pl-PL" sz="1600" dirty="0">
-              <a:latin typeface="Segoe UI" panose="020B0502040204020203" pitchFamily="34" charset="0"/>
-              <a:cs typeface="Segoe UI" panose="020B0502040204020203" pitchFamily="34" charset="0"/>
-            </a:endParaRPr>
+              <a:t> </a:t>
+            </a:r>
+            <a:r>
+              <a:rPr lang="pl-PL" b="1" dirty="0" err="1">
+                <a:latin typeface="Segoe UI Semibold" panose="020B0502040204020203" pitchFamily="34" charset="0"/>
+                <a:cs typeface="Segoe UI Semibold" panose="020B0502040204020203" pitchFamily="34" charset="0"/>
+              </a:rPr>
+              <a:t>Layer</a:t>
+            </a:r>
+            <a:r>
+              <a:rPr lang="pl-PL" b="1" dirty="0">
+                <a:latin typeface="Segoe UI Semibold" panose="020B0502040204020203" pitchFamily="34" charset="0"/>
+                <a:cs typeface="Segoe UI Semibold" panose="020B0502040204020203" pitchFamily="34" charset="0"/>
+              </a:rPr>
+              <a:t> – </a:t>
+            </a:r>
+            <a:r>
+              <a:rPr lang="pl-PL" b="1" dirty="0" err="1">
+                <a:latin typeface="Segoe UI Semibold" panose="020B0502040204020203" pitchFamily="34" charset="0"/>
+                <a:cs typeface="Segoe UI Semibold" panose="020B0502040204020203" pitchFamily="34" charset="0"/>
+              </a:rPr>
+              <a:t>Azure</a:t>
+            </a:r>
+            <a:r>
+              <a:rPr lang="pl-PL" b="1" dirty="0">
+                <a:latin typeface="Segoe UI Semibold" panose="020B0502040204020203" pitchFamily="34" charset="0"/>
+                <a:cs typeface="Segoe UI Semibold" panose="020B0502040204020203" pitchFamily="34" charset="0"/>
+              </a:rPr>
+              <a:t> SQL Database</a:t>
+            </a:r>
           </a:p>
         </p:txBody>
       </p:sp>
       <p:pic>
         <p:nvPicPr>
-          <p:cNvPr id="5" name="Picture 4">
+          <p:cNvPr id="4" name="Picture 3">
             <a:extLst>
               <a:ext uri="{FF2B5EF4-FFF2-40B4-BE49-F238E27FC236}">
-                <a16:creationId xmlns:a16="http://schemas.microsoft.com/office/drawing/2014/main" id="{7F6D0B2B-4BBC-EC0A-E8B0-F67A612F7C5C}"/>
+                <a16:creationId xmlns:a16="http://schemas.microsoft.com/office/drawing/2014/main" id="{0EBA824B-B50A-61B4-A223-4AF90FDF41FA}"/>
               </a:ext>
             </a:extLst>
           </p:cNvPr>
@@ -13603,8 +14284,8 @@
         </p:blipFill>
         <p:spPr>
           <a:xfrm>
-            <a:off x="444500" y="1257525"/>
-            <a:ext cx="3718021" cy="5253341"/>
+            <a:off x="444501" y="1262022"/>
+            <a:ext cx="5277588" cy="1873483"/>
           </a:xfrm>
           <a:prstGeom prst="rect">
             <a:avLst/>
@@ -13613,10 +14294,10 @@
       </p:pic>
       <p:pic>
         <p:nvPicPr>
-          <p:cNvPr id="8" name="Picture 7">
+          <p:cNvPr id="6" name="Picture 5">
             <a:extLst>
               <a:ext uri="{FF2B5EF4-FFF2-40B4-BE49-F238E27FC236}">
-                <a16:creationId xmlns:a16="http://schemas.microsoft.com/office/drawing/2014/main" id="{4DB94585-B2AA-D443-5786-72A2FF977A13}"/>
+                <a16:creationId xmlns:a16="http://schemas.microsoft.com/office/drawing/2014/main" id="{45C2EFA1-71D0-9BC5-B86C-A41294F05F11}"/>
               </a:ext>
             </a:extLst>
           </p:cNvPr>
@@ -13633,8 +14314,128 @@
         </p:blipFill>
         <p:spPr>
           <a:xfrm>
-            <a:off x="4440766" y="1299377"/>
-            <a:ext cx="7103533" cy="1792612"/>
+            <a:off x="444500" y="3345310"/>
+            <a:ext cx="3920542" cy="3095954"/>
+          </a:xfrm>
+          <a:prstGeom prst="rect">
+            <a:avLst/>
+          </a:prstGeom>
+        </p:spPr>
+      </p:pic>
+      <p:pic>
+        <p:nvPicPr>
+          <p:cNvPr id="10" name="Picture 9">
+            <a:extLst>
+              <a:ext uri="{FF2B5EF4-FFF2-40B4-BE49-F238E27FC236}">
+                <a16:creationId xmlns:a16="http://schemas.microsoft.com/office/drawing/2014/main" id="{B1E255D0-1730-4085-306A-5B69F8A7FC4B}"/>
+              </a:ext>
+            </a:extLst>
+          </p:cNvPr>
+          <p:cNvPicPr>
+            <a:picLocks noChangeAspect="1"/>
+          </p:cNvPicPr>
+          <p:nvPr/>
+        </p:nvPicPr>
+        <p:blipFill>
+          <a:blip r:embed="rId5"/>
+          <a:stretch>
+            <a:fillRect/>
+          </a:stretch>
+        </p:blipFill>
+        <p:spPr>
+          <a:xfrm>
+            <a:off x="6096000" y="1232303"/>
+            <a:ext cx="3405532" cy="2342072"/>
+          </a:xfrm>
+          <a:prstGeom prst="rect">
+            <a:avLst/>
+          </a:prstGeom>
+        </p:spPr>
+      </p:pic>
+      <p:pic>
+        <p:nvPicPr>
+          <p:cNvPr id="12" name="Picture 11">
+            <a:extLst>
+              <a:ext uri="{FF2B5EF4-FFF2-40B4-BE49-F238E27FC236}">
+                <a16:creationId xmlns:a16="http://schemas.microsoft.com/office/drawing/2014/main" id="{481AAA9F-0A2C-BAF2-0E50-9DD369C112C5}"/>
+              </a:ext>
+            </a:extLst>
+          </p:cNvPr>
+          <p:cNvPicPr>
+            <a:picLocks noChangeAspect="1"/>
+          </p:cNvPicPr>
+          <p:nvPr/>
+        </p:nvPicPr>
+        <p:blipFill>
+          <a:blip r:embed="rId6"/>
+          <a:stretch>
+            <a:fillRect/>
+          </a:stretch>
+        </p:blipFill>
+        <p:spPr>
+          <a:xfrm>
+            <a:off x="6096000" y="3811036"/>
+            <a:ext cx="3104441" cy="2630228"/>
+          </a:xfrm>
+          <a:prstGeom prst="rect">
+            <a:avLst/>
+          </a:prstGeom>
+        </p:spPr>
+      </p:pic>
+      <p:pic>
+        <p:nvPicPr>
+          <p:cNvPr id="15" name="Picture 14">
+            <a:extLst>
+              <a:ext uri="{FF2B5EF4-FFF2-40B4-BE49-F238E27FC236}">
+                <a16:creationId xmlns:a16="http://schemas.microsoft.com/office/drawing/2014/main" id="{C9489B3C-5EAA-3501-A8F2-648EC69DDFC9}"/>
+              </a:ext>
+            </a:extLst>
+          </p:cNvPr>
+          <p:cNvPicPr>
+            <a:picLocks noChangeAspect="1"/>
+          </p:cNvPicPr>
+          <p:nvPr/>
+        </p:nvPicPr>
+        <p:blipFill>
+          <a:blip r:embed="rId7"/>
+          <a:stretch>
+            <a:fillRect/>
+          </a:stretch>
+        </p:blipFill>
+        <p:spPr>
+          <a:xfrm>
+            <a:off x="9757580" y="173943"/>
+            <a:ext cx="790685" cy="800212"/>
+          </a:xfrm>
+          <a:prstGeom prst="rect">
+            <a:avLst/>
+          </a:prstGeom>
+        </p:spPr>
+      </p:pic>
+      <p:pic>
+        <p:nvPicPr>
+          <p:cNvPr id="19" name="Picture 18">
+            <a:extLst>
+              <a:ext uri="{FF2B5EF4-FFF2-40B4-BE49-F238E27FC236}">
+                <a16:creationId xmlns:a16="http://schemas.microsoft.com/office/drawing/2014/main" id="{A49A52B4-B1C6-FBE9-A57C-D7B4B6CAF024}"/>
+              </a:ext>
+            </a:extLst>
+          </p:cNvPr>
+          <p:cNvPicPr>
+            <a:picLocks noChangeAspect="1"/>
+          </p:cNvPicPr>
+          <p:nvPr/>
+        </p:nvPicPr>
+        <p:blipFill>
+          <a:blip r:embed="rId8"/>
+          <a:stretch>
+            <a:fillRect/>
+          </a:stretch>
+        </p:blipFill>
+        <p:spPr>
+          <a:xfrm>
+            <a:off x="10696251" y="288259"/>
+            <a:ext cx="895475" cy="685896"/>
           </a:xfrm>
           <a:prstGeom prst="rect">
             <a:avLst/>
@@ -13644,7 +14445,7 @@
     </p:spTree>
     <p:extLst>
       <p:ext uri="{BB962C8B-B14F-4D97-AF65-F5344CB8AC3E}">
-        <p14:creationId xmlns:p14="http://schemas.microsoft.com/office/powerpoint/2010/main" val="137994147"/>
+        <p14:creationId xmlns:p14="http://schemas.microsoft.com/office/powerpoint/2010/main" val="2871915028"/>
       </p:ext>
     </p:extLst>
   </p:cSld>
@@ -13655,6 +14456,238 @@
 </file>
 
 <file path=ppt/slides/slide17.xml><?xml version="1.0" encoding="utf-8"?>
+<p:sld xmlns:a="http://schemas.openxmlformats.org/drawingml/2006/main" xmlns:r="http://schemas.openxmlformats.org/officeDocument/2006/relationships" xmlns:p="http://schemas.openxmlformats.org/presentationml/2006/main">
+  <p:cSld>
+    <p:spTree>
+      <p:nvGrpSpPr>
+        <p:cNvPr id="1" name="">
+          <a:extLst>
+            <a:ext uri="{FF2B5EF4-FFF2-40B4-BE49-F238E27FC236}">
+              <a16:creationId xmlns:a16="http://schemas.microsoft.com/office/drawing/2014/main" id="{7FA84379-16BD-135B-9C6F-09469977ADFB}"/>
+            </a:ext>
+          </a:extLst>
+        </p:cNvPr>
+        <p:cNvGrpSpPr/>
+        <p:nvPr/>
+      </p:nvGrpSpPr>
+      <p:grpSpPr>
+        <a:xfrm>
+          <a:off x="0" y="0"/>
+          <a:ext cx="0" cy="0"/>
+          <a:chOff x="0" y="0"/>
+          <a:chExt cx="0" cy="0"/>
+        </a:xfrm>
+      </p:grpSpPr>
+      <p:pic>
+        <p:nvPicPr>
+          <p:cNvPr id="8" name="Picture 7">
+            <a:extLst>
+              <a:ext uri="{FF2B5EF4-FFF2-40B4-BE49-F238E27FC236}">
+                <a16:creationId xmlns:a16="http://schemas.microsoft.com/office/drawing/2014/main" id="{B8AF7F42-F095-793D-0CD9-1B746EBB2B1D}"/>
+              </a:ext>
+            </a:extLst>
+          </p:cNvPr>
+          <p:cNvPicPr>
+            <a:picLocks noChangeAspect="1"/>
+          </p:cNvPicPr>
+          <p:nvPr/>
+        </p:nvPicPr>
+        <p:blipFill>
+          <a:blip r:embed="rId3"/>
+          <a:stretch>
+            <a:fillRect/>
+          </a:stretch>
+        </p:blipFill>
+        <p:spPr>
+          <a:xfrm>
+            <a:off x="444500" y="1337771"/>
+            <a:ext cx="8459381" cy="2343477"/>
+          </a:xfrm>
+          <a:prstGeom prst="rect">
+            <a:avLst/>
+          </a:prstGeom>
+        </p:spPr>
+      </p:pic>
+      <p:sp>
+        <p:nvSpPr>
+          <p:cNvPr id="2" name="Tytuł 1">
+            <a:extLst>
+              <a:ext uri="{FF2B5EF4-FFF2-40B4-BE49-F238E27FC236}">
+                <a16:creationId xmlns:a16="http://schemas.microsoft.com/office/drawing/2014/main" id="{3172D20D-EF41-921F-335C-47792FF466C3}"/>
+              </a:ext>
+            </a:extLst>
+          </p:cNvPr>
+          <p:cNvSpPr>
+            <a:spLocks noGrp="1"/>
+          </p:cNvSpPr>
+          <p:nvPr>
+            <p:ph type="title"/>
+          </p:nvPr>
+        </p:nvSpPr>
+        <p:spPr>
+          <a:xfrm>
+            <a:off x="444500" y="412137"/>
+            <a:ext cx="9146972" cy="640080"/>
+          </a:xfrm>
+        </p:spPr>
+        <p:txBody>
+          <a:bodyPr rtlCol="0"/>
+          <a:lstStyle>
+            <a:defPPr>
+              <a:defRPr lang="pl-PL"/>
+            </a:defPPr>
+          </a:lstStyle>
+          <a:p>
+            <a:pPr rtl="0"/>
+            <a:r>
+              <a:rPr lang="pl-PL" b="1" dirty="0" err="1">
+                <a:latin typeface="Segoe UI Semibold" panose="020B0502040204020203" pitchFamily="34" charset="0"/>
+                <a:cs typeface="Segoe UI Semibold" panose="020B0502040204020203" pitchFamily="34" charset="0"/>
+              </a:rPr>
+              <a:t>Serving</a:t>
+            </a:r>
+            <a:r>
+              <a:rPr lang="pl-PL" b="1" dirty="0">
+                <a:latin typeface="Segoe UI Semibold" panose="020B0502040204020203" pitchFamily="34" charset="0"/>
+                <a:cs typeface="Segoe UI Semibold" panose="020B0502040204020203" pitchFamily="34" charset="0"/>
+              </a:rPr>
+              <a:t> </a:t>
+            </a:r>
+            <a:r>
+              <a:rPr lang="pl-PL" b="1" dirty="0" err="1">
+                <a:latin typeface="Segoe UI Semibold" panose="020B0502040204020203" pitchFamily="34" charset="0"/>
+                <a:cs typeface="Segoe UI Semibold" panose="020B0502040204020203" pitchFamily="34" charset="0"/>
+              </a:rPr>
+              <a:t>Layer</a:t>
+            </a:r>
+            <a:r>
+              <a:rPr lang="pl-PL" b="1" dirty="0">
+                <a:latin typeface="Segoe UI Semibold" panose="020B0502040204020203" pitchFamily="34" charset="0"/>
+                <a:cs typeface="Segoe UI Semibold" panose="020B0502040204020203" pitchFamily="34" charset="0"/>
+              </a:rPr>
+              <a:t> – Presentation in </a:t>
+            </a:r>
+            <a:r>
+              <a:rPr lang="pl-PL" b="1" dirty="0" err="1">
+                <a:latin typeface="Segoe UI Semibold" panose="020B0502040204020203" pitchFamily="34" charset="0"/>
+                <a:cs typeface="Segoe UI Semibold" panose="020B0502040204020203" pitchFamily="34" charset="0"/>
+              </a:rPr>
+              <a:t>Azure</a:t>
+            </a:r>
+            <a:r>
+              <a:rPr lang="pl-PL" b="1" dirty="0">
+                <a:latin typeface="Segoe UI Semibold" panose="020B0502040204020203" pitchFamily="34" charset="0"/>
+                <a:cs typeface="Segoe UI Semibold" panose="020B0502040204020203" pitchFamily="34" charset="0"/>
+              </a:rPr>
+              <a:t> Application</a:t>
+            </a:r>
+          </a:p>
+        </p:txBody>
+      </p:sp>
+      <p:pic>
+        <p:nvPicPr>
+          <p:cNvPr id="5" name="Picture 4">
+            <a:extLst>
+              <a:ext uri="{FF2B5EF4-FFF2-40B4-BE49-F238E27FC236}">
+                <a16:creationId xmlns:a16="http://schemas.microsoft.com/office/drawing/2014/main" id="{059E5686-97A2-6142-2424-BA8C2E82F0B7}"/>
+              </a:ext>
+            </a:extLst>
+          </p:cNvPr>
+          <p:cNvPicPr>
+            <a:picLocks noChangeAspect="1"/>
+          </p:cNvPicPr>
+          <p:nvPr/>
+        </p:nvPicPr>
+        <p:blipFill>
+          <a:blip r:embed="rId4"/>
+          <a:stretch>
+            <a:fillRect/>
+          </a:stretch>
+        </p:blipFill>
+        <p:spPr>
+          <a:xfrm>
+            <a:off x="6593423" y="2531230"/>
+            <a:ext cx="4620916" cy="4082389"/>
+          </a:xfrm>
+          <a:prstGeom prst="rect">
+            <a:avLst/>
+          </a:prstGeom>
+        </p:spPr>
+      </p:pic>
+      <p:pic>
+        <p:nvPicPr>
+          <p:cNvPr id="9" name="Picture 8">
+            <a:extLst>
+              <a:ext uri="{FF2B5EF4-FFF2-40B4-BE49-F238E27FC236}">
+                <a16:creationId xmlns:a16="http://schemas.microsoft.com/office/drawing/2014/main" id="{366293DD-BC01-4FC5-DF35-82134A6A4F56}"/>
+              </a:ext>
+            </a:extLst>
+          </p:cNvPr>
+          <p:cNvPicPr>
+            <a:picLocks noChangeAspect="1"/>
+          </p:cNvPicPr>
+          <p:nvPr/>
+        </p:nvPicPr>
+        <p:blipFill>
+          <a:blip r:embed="rId5"/>
+          <a:stretch>
+            <a:fillRect/>
+          </a:stretch>
+        </p:blipFill>
+        <p:spPr>
+          <a:xfrm>
+            <a:off x="10772383" y="265514"/>
+            <a:ext cx="863909" cy="765489"/>
+          </a:xfrm>
+          <a:prstGeom prst="rect">
+            <a:avLst/>
+          </a:prstGeom>
+        </p:spPr>
+      </p:pic>
+      <p:pic>
+        <p:nvPicPr>
+          <p:cNvPr id="11" name="Picture 10">
+            <a:extLst>
+              <a:ext uri="{FF2B5EF4-FFF2-40B4-BE49-F238E27FC236}">
+                <a16:creationId xmlns:a16="http://schemas.microsoft.com/office/drawing/2014/main" id="{F9CC7A1C-2914-DD84-21DD-398D8C08B792}"/>
+              </a:ext>
+            </a:extLst>
+          </p:cNvPr>
+          <p:cNvPicPr>
+            <a:picLocks noChangeAspect="1"/>
+          </p:cNvPicPr>
+          <p:nvPr/>
+        </p:nvPicPr>
+        <p:blipFill>
+          <a:blip r:embed="rId6"/>
+          <a:stretch>
+            <a:fillRect/>
+          </a:stretch>
+        </p:blipFill>
+        <p:spPr>
+          <a:xfrm>
+            <a:off x="9832932" y="308760"/>
+            <a:ext cx="757187" cy="678998"/>
+          </a:xfrm>
+          <a:prstGeom prst="rect">
+            <a:avLst/>
+          </a:prstGeom>
+        </p:spPr>
+      </p:pic>
+    </p:spTree>
+    <p:extLst>
+      <p:ext uri="{BB962C8B-B14F-4D97-AF65-F5344CB8AC3E}">
+        <p14:creationId xmlns:p14="http://schemas.microsoft.com/office/powerpoint/2010/main" val="2895499459"/>
+      </p:ext>
+    </p:extLst>
+  </p:cSld>
+  <p:clrMapOvr>
+    <a:masterClrMapping/>
+  </p:clrMapOvr>
+</p:sld>
+</file>
+
+<file path=ppt/slides/slide18.xml><?xml version="1.0" encoding="utf-8"?>
 <p:sld xmlns:a="http://schemas.openxmlformats.org/drawingml/2006/main" xmlns:r="http://schemas.openxmlformats.org/officeDocument/2006/relationships" xmlns:p="http://schemas.openxmlformats.org/presentationml/2006/main">
   <p:cSld>
     <p:spTree>
@@ -13734,7 +14767,7 @@
         </p:nvSpPr>
         <p:spPr>
           <a:xfrm>
-            <a:off x="1039854" y="1509612"/>
+            <a:off x="1039854" y="2048231"/>
             <a:ext cx="9382613" cy="3652194"/>
           </a:xfrm>
           <a:prstGeom prst="rect">
@@ -13938,8 +14971,13 @@
                   <a:schemeClr val="tx1"/>
                 </a:solidFill>
               </a:rPr>
-              <a:t>Data cleaning required the most substantial time investment.</a:t>
-            </a:r>
+              <a:t>The most polluted air is in Southern Europe.</a:t>
+            </a:r>
+            <a:endParaRPr lang="pl-PL" sz="1600" dirty="0">
+              <a:solidFill>
+                <a:schemeClr val="tx1"/>
+              </a:solidFill>
+            </a:endParaRPr>
           </a:p>
           <a:p>
             <a:pPr marL="342900" indent="-342900" rtl="0">
@@ -13955,8 +14993,13 @@
                   <a:schemeClr val="tx1"/>
                 </a:solidFill>
               </a:rPr>
-              <a:t>Spark worked really well with Parquet files when the schema was set up in advance.</a:t>
-            </a:r>
+              <a:t>The conducted analyses only concerned a fragment of the processed data.</a:t>
+            </a:r>
+            <a:endParaRPr lang="pl-PL" sz="1600" dirty="0">
+              <a:solidFill>
+                <a:schemeClr val="tx1"/>
+              </a:solidFill>
+            </a:endParaRPr>
           </a:p>
           <a:p>
             <a:pPr marL="342900" indent="-342900" rtl="0">
@@ -13972,7 +15015,7 @@
                   <a:schemeClr val="tx1"/>
                 </a:solidFill>
               </a:rPr>
-              <a:t>Regular expression operations significantly slowed down the process</a:t>
+              <a:t>More information would be provided by comparing current data with historical data.</a:t>
             </a:r>
           </a:p>
           <a:p>
@@ -13989,7 +15032,23 @@
                   <a:schemeClr val="tx1"/>
                 </a:solidFill>
               </a:rPr>
-              <a:t>A more efficient strategy may involve utilizing Azure SQL Database with a direct Databricks integration.</a:t>
+              <a:t>A more efficient strategy may involve serving data from Azure Synapse Analytics as the service layer to use </a:t>
+            </a:r>
+            <a:r>
+              <a:rPr lang="en-US" sz="1600" dirty="0" err="1">
+                <a:solidFill>
+                  <a:schemeClr val="tx1"/>
+                </a:solidFill>
+              </a:rPr>
+              <a:t>columnstore</a:t>
+            </a:r>
+            <a:r>
+              <a:rPr lang="en-US" sz="1600" dirty="0">
+                <a:solidFill>
+                  <a:schemeClr val="tx1"/>
+                </a:solidFill>
+              </a:rPr>
+              <a:t> indexes.</a:t>
             </a:r>
             <a:endParaRPr lang="pl-PL" sz="1600" dirty="0">
               <a:solidFill>
@@ -13999,6 +15058,246 @@
           </a:p>
         </p:txBody>
       </p:sp>
+      <p:pic>
+        <p:nvPicPr>
+          <p:cNvPr id="3" name="Picture 2">
+            <a:extLst>
+              <a:ext uri="{FF2B5EF4-FFF2-40B4-BE49-F238E27FC236}">
+                <a16:creationId xmlns:a16="http://schemas.microsoft.com/office/drawing/2014/main" id="{6EE1B48A-7E81-6918-40E7-F666395AC743}"/>
+              </a:ext>
+            </a:extLst>
+          </p:cNvPr>
+          <p:cNvPicPr>
+            <a:picLocks noChangeAspect="1"/>
+          </p:cNvPicPr>
+          <p:nvPr/>
+        </p:nvPicPr>
+        <p:blipFill>
+          <a:blip r:embed="rId3"/>
+          <a:stretch>
+            <a:fillRect/>
+          </a:stretch>
+        </p:blipFill>
+        <p:spPr>
+          <a:xfrm>
+            <a:off x="5575493" y="221133"/>
+            <a:ext cx="863909" cy="765489"/>
+          </a:xfrm>
+          <a:prstGeom prst="rect">
+            <a:avLst/>
+          </a:prstGeom>
+        </p:spPr>
+      </p:pic>
+      <p:pic>
+        <p:nvPicPr>
+          <p:cNvPr id="4" name="Picture 3">
+            <a:extLst>
+              <a:ext uri="{FF2B5EF4-FFF2-40B4-BE49-F238E27FC236}">
+                <a16:creationId xmlns:a16="http://schemas.microsoft.com/office/drawing/2014/main" id="{5187F07B-36A4-FFA1-87AB-933EF8A9B022}"/>
+              </a:ext>
+            </a:extLst>
+          </p:cNvPr>
+          <p:cNvPicPr>
+            <a:picLocks noChangeAspect="1"/>
+          </p:cNvPicPr>
+          <p:nvPr/>
+        </p:nvPicPr>
+        <p:blipFill>
+          <a:blip r:embed="rId4"/>
+          <a:stretch>
+            <a:fillRect/>
+          </a:stretch>
+        </p:blipFill>
+        <p:spPr>
+          <a:xfrm>
+            <a:off x="4730638" y="282316"/>
+            <a:ext cx="757187" cy="678998"/>
+          </a:xfrm>
+          <a:prstGeom prst="rect">
+            <a:avLst/>
+          </a:prstGeom>
+        </p:spPr>
+      </p:pic>
+      <p:pic>
+        <p:nvPicPr>
+          <p:cNvPr id="5" name="Picture 4">
+            <a:extLst>
+              <a:ext uri="{FF2B5EF4-FFF2-40B4-BE49-F238E27FC236}">
+                <a16:creationId xmlns:a16="http://schemas.microsoft.com/office/drawing/2014/main" id="{0C54B8DB-AE9F-DE2C-A60C-B59440FA9D23}"/>
+              </a:ext>
+            </a:extLst>
+          </p:cNvPr>
+          <p:cNvPicPr>
+            <a:picLocks noChangeAspect="1"/>
+          </p:cNvPicPr>
+          <p:nvPr/>
+        </p:nvPicPr>
+        <p:blipFill>
+          <a:blip r:embed="rId5"/>
+          <a:stretch>
+            <a:fillRect/>
+          </a:stretch>
+        </p:blipFill>
+        <p:spPr>
+          <a:xfrm>
+            <a:off x="8503048" y="233588"/>
+            <a:ext cx="1337464" cy="758102"/>
+          </a:xfrm>
+          <a:prstGeom prst="rect">
+            <a:avLst/>
+          </a:prstGeom>
+        </p:spPr>
+      </p:pic>
+      <p:pic>
+        <p:nvPicPr>
+          <p:cNvPr id="6" name="Picture 5">
+            <a:extLst>
+              <a:ext uri="{FF2B5EF4-FFF2-40B4-BE49-F238E27FC236}">
+                <a16:creationId xmlns:a16="http://schemas.microsoft.com/office/drawing/2014/main" id="{D3F6D699-7195-3008-B3A8-27E2EF4E0D03}"/>
+              </a:ext>
+            </a:extLst>
+          </p:cNvPr>
+          <p:cNvPicPr>
+            <a:picLocks noChangeAspect="1"/>
+          </p:cNvPicPr>
+          <p:nvPr/>
+        </p:nvPicPr>
+        <p:blipFill>
+          <a:blip r:embed="rId6"/>
+          <a:stretch>
+            <a:fillRect/>
+          </a:stretch>
+        </p:blipFill>
+        <p:spPr>
+          <a:xfrm>
+            <a:off x="7547023" y="246441"/>
+            <a:ext cx="773761" cy="751966"/>
+          </a:xfrm>
+          <a:prstGeom prst="rect">
+            <a:avLst/>
+          </a:prstGeom>
+        </p:spPr>
+      </p:pic>
+      <p:pic>
+        <p:nvPicPr>
+          <p:cNvPr id="7" name="Picture 6">
+            <a:extLst>
+              <a:ext uri="{FF2B5EF4-FFF2-40B4-BE49-F238E27FC236}">
+                <a16:creationId xmlns:a16="http://schemas.microsoft.com/office/drawing/2014/main" id="{BC01E173-F0F7-AE15-25D7-D94EA5CB8D55}"/>
+              </a:ext>
+            </a:extLst>
+          </p:cNvPr>
+          <p:cNvPicPr>
+            <a:picLocks noChangeAspect="1"/>
+          </p:cNvPicPr>
+          <p:nvPr/>
+        </p:nvPicPr>
+        <p:blipFill>
+          <a:blip r:embed="rId7"/>
+          <a:stretch>
+            <a:fillRect/>
+          </a:stretch>
+        </p:blipFill>
+        <p:spPr>
+          <a:xfrm>
+            <a:off x="9863460" y="145906"/>
+            <a:ext cx="790685" cy="800212"/>
+          </a:xfrm>
+          <a:prstGeom prst="rect">
+            <a:avLst/>
+          </a:prstGeom>
+        </p:spPr>
+      </p:pic>
+      <p:pic>
+        <p:nvPicPr>
+          <p:cNvPr id="8" name="Picture 7">
+            <a:extLst>
+              <a:ext uri="{FF2B5EF4-FFF2-40B4-BE49-F238E27FC236}">
+                <a16:creationId xmlns:a16="http://schemas.microsoft.com/office/drawing/2014/main" id="{D6DE2FD8-4A8C-B2D8-A7C1-B36BFF8C0AE4}"/>
+              </a:ext>
+            </a:extLst>
+          </p:cNvPr>
+          <p:cNvPicPr>
+            <a:picLocks noChangeAspect="1"/>
+          </p:cNvPicPr>
+          <p:nvPr/>
+        </p:nvPicPr>
+        <p:blipFill>
+          <a:blip r:embed="rId8"/>
+          <a:stretch>
+            <a:fillRect/>
+          </a:stretch>
+        </p:blipFill>
+        <p:spPr>
+          <a:xfrm>
+            <a:off x="10748932" y="300726"/>
+            <a:ext cx="895475" cy="685896"/>
+          </a:xfrm>
+          <a:prstGeom prst="rect">
+            <a:avLst/>
+          </a:prstGeom>
+        </p:spPr>
+      </p:pic>
+      <p:pic>
+        <p:nvPicPr>
+          <p:cNvPr id="9" name="Picture 8">
+            <a:extLst>
+              <a:ext uri="{FF2B5EF4-FFF2-40B4-BE49-F238E27FC236}">
+                <a16:creationId xmlns:a16="http://schemas.microsoft.com/office/drawing/2014/main" id="{D4226ACC-FC69-54E0-365F-C882A4E06ED9}"/>
+              </a:ext>
+            </a:extLst>
+          </p:cNvPr>
+          <p:cNvPicPr>
+            <a:picLocks noChangeAspect="1"/>
+          </p:cNvPicPr>
+          <p:nvPr/>
+        </p:nvPicPr>
+        <p:blipFill>
+          <a:blip r:embed="rId9"/>
+          <a:stretch>
+            <a:fillRect/>
+          </a:stretch>
+        </p:blipFill>
+        <p:spPr>
+          <a:xfrm>
+            <a:off x="3959175" y="267291"/>
+            <a:ext cx="640080" cy="640080"/>
+          </a:xfrm>
+          <a:prstGeom prst="rect">
+            <a:avLst/>
+          </a:prstGeom>
+        </p:spPr>
+      </p:pic>
+      <p:pic>
+        <p:nvPicPr>
+          <p:cNvPr id="10" name="Picture 9">
+            <a:extLst>
+              <a:ext uri="{FF2B5EF4-FFF2-40B4-BE49-F238E27FC236}">
+                <a16:creationId xmlns:a16="http://schemas.microsoft.com/office/drawing/2014/main" id="{C8AEBC43-BE43-48A3-D0C9-B68DCE7685A1}"/>
+              </a:ext>
+            </a:extLst>
+          </p:cNvPr>
+          <p:cNvPicPr>
+            <a:picLocks noChangeAspect="1"/>
+          </p:cNvPicPr>
+          <p:nvPr/>
+        </p:nvPicPr>
+        <p:blipFill>
+          <a:blip r:embed="rId10"/>
+          <a:stretch>
+            <a:fillRect/>
+          </a:stretch>
+        </p:blipFill>
+        <p:spPr>
+          <a:xfrm>
+            <a:off x="6595446" y="310914"/>
+            <a:ext cx="790685" cy="621801"/>
+          </a:xfrm>
+          <a:prstGeom prst="rect">
+            <a:avLst/>
+          </a:prstGeom>
+        </p:spPr>
+      </p:pic>
     </p:spTree>
     <p:extLst>
       <p:ext uri="{BB962C8B-B14F-4D97-AF65-F5344CB8AC3E}">
@@ -14104,7 +15403,7 @@
         </p:spPr>
         <p:txBody>
           <a:bodyPr vert="horz" lIns="91440" tIns="45720" rIns="91440" bIns="45720" rtlCol="0">
-            <a:normAutofit lnSpcReduction="10000"/>
+            <a:normAutofit/>
           </a:bodyPr>
           <a:lstStyle>
             <a:lvl1pPr marL="228598" indent="-228598" algn="l" defTabSz="914391" rtl="0" eaLnBrk="1" latinLnBrk="0" hangingPunct="1">
@@ -14298,8 +15597,13 @@
                   <a:schemeClr val="tx1"/>
                 </a:solidFill>
               </a:rPr>
-              <a:t>Europe's Most Polluted Areas: A Snapshot</a:t>
-            </a:r>
+              <a:t>Polluted air is currently causing significant health problems.</a:t>
+            </a:r>
+            <a:endParaRPr lang="pl-PL" sz="2000" b="1" dirty="0">
+              <a:solidFill>
+                <a:schemeClr val="tx1"/>
+              </a:solidFill>
+            </a:endParaRPr>
           </a:p>
           <a:p>
             <a:pPr marL="0" indent="0" rtl="0">
@@ -14309,7 +15613,7 @@
               <a:buNone/>
             </a:pPr>
             <a:r>
-              <a:rPr lang="pl-PL" sz="2000" dirty="0" err="1">
+              <a:rPr lang="pl-PL" sz="1600" dirty="0" err="1">
                 <a:solidFill>
                   <a:schemeClr val="tx1"/>
                 </a:solidFill>
@@ -14317,7 +15621,7 @@
               <a:t>Key</a:t>
             </a:r>
             <a:r>
-              <a:rPr lang="pl-PL" sz="2000" dirty="0">
+              <a:rPr lang="pl-PL" sz="1600" dirty="0">
                 <a:solidFill>
                   <a:schemeClr val="tx1"/>
                 </a:solidFill>
@@ -14325,14 +15629,14 @@
               <a:t> </a:t>
             </a:r>
             <a:r>
-              <a:rPr lang="pl-PL" sz="2000" dirty="0" err="1">
+              <a:rPr lang="pl-PL" sz="1600" dirty="0" err="1">
                 <a:solidFill>
                   <a:schemeClr val="tx1"/>
                 </a:solidFill>
               </a:rPr>
               <a:t>Pollutants</a:t>
             </a:r>
-            <a:endParaRPr lang="en-US" sz="2000" dirty="0">
+            <a:endParaRPr lang="en-US" sz="1600" dirty="0">
               <a:solidFill>
                 <a:schemeClr val="tx1"/>
               </a:solidFill>
@@ -14347,7 +15651,7 @@
               <a:buChar char="ü"/>
             </a:pPr>
             <a:r>
-              <a:rPr lang="pl-PL" sz="2000" dirty="0" err="1">
+              <a:rPr lang="pl-PL" sz="1600" b="1" dirty="0" err="1">
                 <a:solidFill>
                   <a:schemeClr val="tx1"/>
                 </a:solidFill>
@@ -14355,7 +15659,7 @@
               <a:t>Particulate</a:t>
             </a:r>
             <a:r>
-              <a:rPr lang="pl-PL" sz="2000" dirty="0">
+              <a:rPr lang="pl-PL" sz="1600" b="1" dirty="0">
                 <a:solidFill>
                   <a:schemeClr val="tx1"/>
                 </a:solidFill>
@@ -14363,7 +15667,7 @@
               <a:t> </a:t>
             </a:r>
             <a:r>
-              <a:rPr lang="pl-PL" sz="2000" dirty="0" err="1">
+              <a:rPr lang="pl-PL" sz="1600" b="1" dirty="0" err="1">
                 <a:solidFill>
                   <a:schemeClr val="tx1"/>
                 </a:solidFill>
@@ -14371,15 +15675,23 @@
               <a:t>matter</a:t>
             </a:r>
             <a:r>
-              <a:rPr lang="pl-PL" sz="2000" dirty="0">
+              <a:rPr lang="pl-PL" sz="1600" b="1" dirty="0">
                 <a:solidFill>
                   <a:schemeClr val="tx1"/>
                 </a:solidFill>
               </a:rPr>
-              <a:t> (PM2.5 and PM10) </a:t>
-            </a:r>
-            <a:r>
-              <a:rPr lang="pl-PL" sz="2000" dirty="0" err="1">
+              <a:t> (PM2.5 and PM10</a:t>
+            </a:r>
+            <a:r>
+              <a:rPr lang="pl-PL" sz="1600" dirty="0">
+                <a:solidFill>
+                  <a:schemeClr val="tx1"/>
+                </a:solidFill>
+              </a:rPr>
+              <a:t>) </a:t>
+            </a:r>
+            <a:r>
+              <a:rPr lang="pl-PL" sz="1600" dirty="0" err="1">
                 <a:solidFill>
                   <a:schemeClr val="tx1"/>
                 </a:solidFill>
@@ -14387,7 +15699,7 @@
               <a:t>that</a:t>
             </a:r>
             <a:r>
-              <a:rPr lang="pl-PL" sz="2000" dirty="0">
+              <a:rPr lang="pl-PL" sz="1600" dirty="0">
                 <a:solidFill>
                   <a:schemeClr val="tx1"/>
                 </a:solidFill>
@@ -14395,7 +15707,7 @@
               <a:t> </a:t>
             </a:r>
             <a:r>
-              <a:rPr lang="pl-PL" sz="2000" dirty="0" err="1">
+              <a:rPr lang="pl-PL" sz="1600" dirty="0" err="1">
                 <a:solidFill>
                   <a:schemeClr val="tx1"/>
                 </a:solidFill>
@@ -14403,7 +15715,7 @@
               <a:t>can</a:t>
             </a:r>
             <a:r>
-              <a:rPr lang="pl-PL" sz="2000" dirty="0">
+              <a:rPr lang="pl-PL" sz="1600" dirty="0">
                 <a:solidFill>
                   <a:schemeClr val="tx1"/>
                 </a:solidFill>
@@ -14411,7 +15723,7 @@
               <a:t> </a:t>
             </a:r>
             <a:r>
-              <a:rPr lang="pl-PL" sz="2000" dirty="0" err="1">
+              <a:rPr lang="pl-PL" sz="1600" dirty="0" err="1">
                 <a:solidFill>
                   <a:schemeClr val="tx1"/>
                 </a:solidFill>
@@ -14419,7 +15731,7 @@
               <a:t>penetrate</a:t>
             </a:r>
             <a:r>
-              <a:rPr lang="pl-PL" sz="2000" dirty="0">
+              <a:rPr lang="pl-PL" sz="1600" dirty="0">
                 <a:solidFill>
                   <a:schemeClr val="tx1"/>
                 </a:solidFill>
@@ -14436,7 +15748,7 @@
               <a:buChar char="ü"/>
             </a:pPr>
             <a:r>
-              <a:rPr lang="pl-PL" sz="2000" dirty="0" err="1">
+              <a:rPr lang="pl-PL" sz="1600" b="1" dirty="0" err="1">
                 <a:solidFill>
                   <a:schemeClr val="tx1"/>
                 </a:solidFill>
@@ -14444,7 +15756,7 @@
               <a:t>Nitrogen</a:t>
             </a:r>
             <a:r>
-              <a:rPr lang="pl-PL" sz="2000" dirty="0">
+              <a:rPr lang="pl-PL" sz="1600" b="1" dirty="0">
                 <a:solidFill>
                   <a:schemeClr val="tx1"/>
                 </a:solidFill>
@@ -14452,7 +15764,7 @@
               <a:t> </a:t>
             </a:r>
             <a:r>
-              <a:rPr lang="pl-PL" sz="2000" dirty="0" err="1">
+              <a:rPr lang="pl-PL" sz="1600" b="1" dirty="0" err="1">
                 <a:solidFill>
                   <a:schemeClr val="tx1"/>
                 </a:solidFill>
@@ -14460,7 +15772,7 @@
               <a:t>oxides</a:t>
             </a:r>
             <a:r>
-              <a:rPr lang="pl-PL" sz="2000" dirty="0">
+              <a:rPr lang="pl-PL" sz="1600" b="1" dirty="0">
                 <a:solidFill>
                   <a:schemeClr val="tx1"/>
                 </a:solidFill>
@@ -14468,7 +15780,7 @@
               <a:t> (</a:t>
             </a:r>
             <a:r>
-              <a:rPr lang="pl-PL" sz="2000" dirty="0" err="1">
+              <a:rPr lang="pl-PL" sz="1600" b="1" dirty="0" err="1">
                 <a:solidFill>
                   <a:schemeClr val="tx1"/>
                 </a:solidFill>
@@ -14476,7 +15788,7 @@
               <a:t>NOx</a:t>
             </a:r>
             <a:r>
-              <a:rPr lang="pl-PL" sz="2000" dirty="0">
+              <a:rPr lang="pl-PL" sz="1600" b="1" dirty="0">
                 <a:solidFill>
                   <a:schemeClr val="tx1"/>
                 </a:solidFill>
@@ -14484,7 +15796,7 @@
               <a:t>) </a:t>
             </a:r>
             <a:r>
-              <a:rPr lang="pl-PL" sz="2000" dirty="0" err="1">
+              <a:rPr lang="pl-PL" sz="1600" dirty="0" err="1">
                 <a:solidFill>
                   <a:schemeClr val="tx1"/>
                 </a:solidFill>
@@ -14492,7 +15804,7 @@
               <a:t>contributing</a:t>
             </a:r>
             <a:r>
-              <a:rPr lang="pl-PL" sz="2000" dirty="0">
+              <a:rPr lang="pl-PL" sz="1600" dirty="0">
                 <a:solidFill>
                   <a:schemeClr val="tx1"/>
                 </a:solidFill>
@@ -14500,7 +15812,7 @@
               <a:t> to smog and </a:t>
             </a:r>
             <a:r>
-              <a:rPr lang="pl-PL" sz="2000" dirty="0" err="1">
+              <a:rPr lang="pl-PL" sz="1600" dirty="0" err="1">
                 <a:solidFill>
                   <a:schemeClr val="tx1"/>
                 </a:solidFill>
@@ -14508,7 +15820,7 @@
               <a:t>acid</a:t>
             </a:r>
             <a:r>
-              <a:rPr lang="pl-PL" sz="2000" dirty="0">
+              <a:rPr lang="pl-PL" sz="1600" dirty="0">
                 <a:solidFill>
                   <a:schemeClr val="tx1"/>
                 </a:solidFill>
@@ -14516,7 +15828,7 @@
               <a:t> </a:t>
             </a:r>
             <a:r>
-              <a:rPr lang="pl-PL" sz="2000" dirty="0" err="1">
+              <a:rPr lang="pl-PL" sz="1600" dirty="0" err="1">
                 <a:solidFill>
                   <a:schemeClr val="tx1"/>
                 </a:solidFill>
@@ -14524,7 +15836,7 @@
               <a:t>rain</a:t>
             </a:r>
             <a:r>
-              <a:rPr lang="pl-PL" sz="2000" dirty="0">
+              <a:rPr lang="pl-PL" sz="1600" dirty="0">
                 <a:solidFill>
                   <a:schemeClr val="tx1"/>
                 </a:solidFill>
@@ -14541,7 +15853,7 @@
               <a:buChar char="ü"/>
             </a:pPr>
             <a:r>
-              <a:rPr lang="pl-PL" sz="2000" dirty="0" err="1">
+              <a:rPr lang="pl-PL" sz="1600" b="1" dirty="0" err="1">
                 <a:solidFill>
                   <a:schemeClr val="tx1"/>
                 </a:solidFill>
@@ -14549,7 +15861,7 @@
               <a:t>Sulphur</a:t>
             </a:r>
             <a:r>
-              <a:rPr lang="pl-PL" sz="2000" dirty="0">
+              <a:rPr lang="pl-PL" sz="1600" b="1" dirty="0">
                 <a:solidFill>
                   <a:schemeClr val="tx1"/>
                 </a:solidFill>
@@ -14557,7 +15869,7 @@
               <a:t> </a:t>
             </a:r>
             <a:r>
-              <a:rPr lang="pl-PL" sz="2000" dirty="0" err="1">
+              <a:rPr lang="pl-PL" sz="1600" b="1" dirty="0" err="1">
                 <a:solidFill>
                   <a:schemeClr val="tx1"/>
                 </a:solidFill>
@@ -14565,15 +15877,23 @@
               <a:t>dioxide</a:t>
             </a:r>
             <a:r>
-              <a:rPr lang="pl-PL" sz="2000" dirty="0">
+              <a:rPr lang="pl-PL" sz="1600" b="1" dirty="0">
                 <a:solidFill>
                   <a:schemeClr val="tx1"/>
                 </a:solidFill>
               </a:rPr>
-              <a:t> (SO2) from </a:t>
-            </a:r>
-            <a:r>
-              <a:rPr lang="pl-PL" sz="2000" dirty="0" err="1">
+              <a:t> (SO2) </a:t>
+            </a:r>
+            <a:r>
+              <a:rPr lang="pl-PL" sz="1600" dirty="0">
+                <a:solidFill>
+                  <a:schemeClr val="tx1"/>
+                </a:solidFill>
+              </a:rPr>
+              <a:t>from </a:t>
+            </a:r>
+            <a:r>
+              <a:rPr lang="pl-PL" sz="1600" dirty="0" err="1">
                 <a:solidFill>
                   <a:schemeClr val="tx1"/>
                 </a:solidFill>
@@ -14581,7 +15901,7 @@
               <a:t>burning</a:t>
             </a:r>
             <a:r>
-              <a:rPr lang="pl-PL" sz="2000" dirty="0">
+              <a:rPr lang="pl-PL" sz="1600" dirty="0">
                 <a:solidFill>
                   <a:schemeClr val="tx1"/>
                 </a:solidFill>
@@ -14589,7 +15909,7 @@
               <a:t> </a:t>
             </a:r>
             <a:r>
-              <a:rPr lang="pl-PL" sz="2000" dirty="0" err="1">
+              <a:rPr lang="pl-PL" sz="1600" dirty="0" err="1">
                 <a:solidFill>
                   <a:schemeClr val="tx1"/>
                 </a:solidFill>
@@ -14597,7 +15917,7 @@
               <a:t>fossil</a:t>
             </a:r>
             <a:r>
-              <a:rPr lang="pl-PL" sz="2000" dirty="0">
+              <a:rPr lang="pl-PL" sz="1600" dirty="0">
                 <a:solidFill>
                   <a:schemeClr val="tx1"/>
                 </a:solidFill>
@@ -14605,7 +15925,7 @@
               <a:t> </a:t>
             </a:r>
             <a:r>
-              <a:rPr lang="pl-PL" sz="2000" dirty="0" err="1">
+              <a:rPr lang="pl-PL" sz="1600" dirty="0" err="1">
                 <a:solidFill>
                   <a:schemeClr val="tx1"/>
                 </a:solidFill>
@@ -14613,7 +15933,7 @@
               <a:t>fuels</a:t>
             </a:r>
             <a:r>
-              <a:rPr lang="pl-PL" sz="2000" dirty="0">
+              <a:rPr lang="pl-PL" sz="1600" dirty="0">
                 <a:solidFill>
                   <a:schemeClr val="tx1"/>
                 </a:solidFill>
@@ -14621,7 +15941,7 @@
               <a:t>, </a:t>
             </a:r>
             <a:r>
-              <a:rPr lang="pl-PL" sz="2000" dirty="0" err="1">
+              <a:rPr lang="pl-PL" sz="1600" dirty="0" err="1">
                 <a:solidFill>
                   <a:schemeClr val="tx1"/>
                 </a:solidFill>
@@ -14629,7 +15949,7 @@
               <a:t>leading</a:t>
             </a:r>
             <a:r>
-              <a:rPr lang="pl-PL" sz="2000" dirty="0">
+              <a:rPr lang="pl-PL" sz="1600" dirty="0">
                 <a:solidFill>
                   <a:schemeClr val="tx1"/>
                 </a:solidFill>
@@ -14637,7 +15957,7 @@
               <a:t> to </a:t>
             </a:r>
             <a:r>
-              <a:rPr lang="pl-PL" sz="2000" dirty="0" err="1">
+              <a:rPr lang="pl-PL" sz="1600" dirty="0" err="1">
                 <a:solidFill>
                   <a:schemeClr val="tx1"/>
                 </a:solidFill>
@@ -14645,7 +15965,7 @@
               <a:t>acid</a:t>
             </a:r>
             <a:r>
-              <a:rPr lang="pl-PL" sz="2000" dirty="0">
+              <a:rPr lang="pl-PL" sz="1600" dirty="0">
                 <a:solidFill>
                   <a:schemeClr val="tx1"/>
                 </a:solidFill>
@@ -14653,7 +15973,7 @@
               <a:t> </a:t>
             </a:r>
             <a:r>
-              <a:rPr lang="pl-PL" sz="2000" dirty="0" err="1">
+              <a:rPr lang="pl-PL" sz="1600" dirty="0" err="1">
                 <a:solidFill>
                   <a:schemeClr val="tx1"/>
                 </a:solidFill>
@@ -14661,7 +15981,7 @@
               <a:t>rain</a:t>
             </a:r>
             <a:r>
-              <a:rPr lang="pl-PL" sz="2000" dirty="0">
+              <a:rPr lang="pl-PL" sz="1600" dirty="0">
                 <a:solidFill>
                   <a:schemeClr val="tx1"/>
                 </a:solidFill>
@@ -14678,7 +15998,7 @@
               <a:buChar char="ü"/>
             </a:pPr>
             <a:r>
-              <a:rPr lang="pl-PL" sz="2000" dirty="0">
+              <a:rPr lang="pl-PL" sz="1600" b="1" dirty="0">
                 <a:solidFill>
                   <a:schemeClr val="tx1"/>
                 </a:solidFill>
@@ -14686,7 +16006,7 @@
               <a:t>Carbon </a:t>
             </a:r>
             <a:r>
-              <a:rPr lang="pl-PL" sz="2000" dirty="0" err="1">
+              <a:rPr lang="pl-PL" sz="1600" b="1" dirty="0" err="1">
                 <a:solidFill>
                   <a:schemeClr val="tx1"/>
                 </a:solidFill>
@@ -14694,15 +16014,23 @@
               <a:t>monoxide</a:t>
             </a:r>
             <a:r>
-              <a:rPr lang="pl-PL" sz="2000" dirty="0">
+              <a:rPr lang="pl-PL" sz="1600" b="1" dirty="0">
                 <a:solidFill>
                   <a:schemeClr val="tx1"/>
                 </a:solidFill>
               </a:rPr>
-              <a:t> (CO), a </a:t>
-            </a:r>
-            <a:r>
-              <a:rPr lang="pl-PL" sz="2000" dirty="0" err="1">
+              <a:t> (CO)</a:t>
+            </a:r>
+            <a:r>
+              <a:rPr lang="pl-PL" sz="1600" dirty="0">
+                <a:solidFill>
+                  <a:schemeClr val="tx1"/>
+                </a:solidFill>
+              </a:rPr>
+              <a:t>, a </a:t>
+            </a:r>
+            <a:r>
+              <a:rPr lang="pl-PL" sz="1600" dirty="0" err="1">
                 <a:solidFill>
                   <a:schemeClr val="tx1"/>
                 </a:solidFill>
@@ -14710,7 +16038,7 @@
               <a:t>toxic</a:t>
             </a:r>
             <a:r>
-              <a:rPr lang="pl-PL" sz="2000" dirty="0">
+              <a:rPr lang="pl-PL" sz="1600" dirty="0">
                 <a:solidFill>
                   <a:schemeClr val="tx1"/>
                 </a:solidFill>
@@ -14718,7 +16046,7 @@
               <a:t> </a:t>
             </a:r>
             <a:r>
-              <a:rPr lang="pl-PL" sz="2000" dirty="0" err="1">
+              <a:rPr lang="pl-PL" sz="1600" dirty="0" err="1">
                 <a:solidFill>
                   <a:schemeClr val="tx1"/>
                 </a:solidFill>
@@ -14726,7 +16054,7 @@
               <a:t>gas</a:t>
             </a:r>
             <a:r>
-              <a:rPr lang="pl-PL" sz="2000" dirty="0">
+              <a:rPr lang="pl-PL" sz="1600" dirty="0">
                 <a:solidFill>
                   <a:schemeClr val="tx1"/>
                 </a:solidFill>
@@ -14734,7 +16062,7 @@
               <a:t> from </a:t>
             </a:r>
             <a:r>
-              <a:rPr lang="pl-PL" sz="2000" dirty="0" err="1">
+              <a:rPr lang="pl-PL" sz="1600" dirty="0" err="1">
                 <a:solidFill>
                   <a:schemeClr val="tx1"/>
                 </a:solidFill>
@@ -14742,7 +16070,7 @@
               <a:t>incomplete</a:t>
             </a:r>
             <a:r>
-              <a:rPr lang="pl-PL" sz="2000" dirty="0">
+              <a:rPr lang="pl-PL" sz="1600" dirty="0">
                 <a:solidFill>
                   <a:schemeClr val="tx1"/>
                 </a:solidFill>
@@ -14750,7 +16078,7 @@
               <a:t> </a:t>
             </a:r>
             <a:r>
-              <a:rPr lang="pl-PL" sz="2000" dirty="0" err="1">
+              <a:rPr lang="pl-PL" sz="1600" dirty="0" err="1">
                 <a:solidFill>
                   <a:schemeClr val="tx1"/>
                 </a:solidFill>
@@ -14758,7 +16086,7 @@
               <a:t>combustion</a:t>
             </a:r>
             <a:r>
-              <a:rPr lang="pl-PL" sz="2000" dirty="0">
+              <a:rPr lang="pl-PL" sz="1600" dirty="0">
                 <a:solidFill>
                   <a:schemeClr val="tx1"/>
                 </a:solidFill>
@@ -14775,15 +16103,23 @@
               <a:buChar char="ü"/>
             </a:pPr>
             <a:r>
-              <a:rPr lang="en-US" sz="2000" dirty="0">
+              <a:rPr lang="en-US" sz="1600" b="1" dirty="0">
                 <a:solidFill>
                   <a:schemeClr val="tx1"/>
                 </a:solidFill>
               </a:rPr>
-              <a:t>Ammonia (NH3) from agricultural activities and industrial processes</a:t>
-            </a:r>
-            <a:r>
-              <a:rPr lang="pl-PL" sz="2000" dirty="0">
+              <a:t>Ammonia (NH3)</a:t>
+            </a:r>
+            <a:r>
+              <a:rPr lang="en-US" sz="1600" dirty="0">
+                <a:solidFill>
+                  <a:schemeClr val="tx1"/>
+                </a:solidFill>
+              </a:rPr>
+              <a:t> from agricultural activities and industrial processes</a:t>
+            </a:r>
+            <a:r>
+              <a:rPr lang="pl-PL" sz="1600" dirty="0">
                 <a:solidFill>
                   <a:schemeClr val="tx1"/>
                 </a:solidFill>
@@ -14800,7 +16136,7 @@
               <a:buChar char="ü"/>
             </a:pPr>
             <a:r>
-              <a:rPr lang="pl-PL" sz="2000" dirty="0" err="1">
+              <a:rPr lang="pl-PL" sz="1600" b="1" dirty="0" err="1">
                 <a:solidFill>
                   <a:schemeClr val="tx1"/>
                 </a:solidFill>
@@ -14808,7 +16144,7 @@
               <a:t>Ground-level</a:t>
             </a:r>
             <a:r>
-              <a:rPr lang="pl-PL" sz="2000" dirty="0">
+              <a:rPr lang="pl-PL" sz="1600" b="1" dirty="0">
                 <a:solidFill>
                   <a:schemeClr val="tx1"/>
                 </a:solidFill>
@@ -14816,7 +16152,7 @@
               <a:t> </a:t>
             </a:r>
             <a:r>
-              <a:rPr lang="pl-PL" sz="2000" dirty="0" err="1">
+              <a:rPr lang="pl-PL" sz="1600" b="1" dirty="0" err="1">
                 <a:solidFill>
                   <a:schemeClr val="tx1"/>
                 </a:solidFill>
@@ -14824,15 +16160,23 @@
               <a:t>ozone</a:t>
             </a:r>
             <a:r>
-              <a:rPr lang="pl-PL" sz="2000" dirty="0">
+              <a:rPr lang="pl-PL" sz="1600" b="1" dirty="0">
                 <a:solidFill>
                   <a:schemeClr val="tx1"/>
                 </a:solidFill>
               </a:rPr>
-              <a:t> (O3), a </a:t>
-            </a:r>
-            <a:r>
-              <a:rPr lang="pl-PL" sz="2000" dirty="0" err="1">
+              <a:t> (O3)</a:t>
+            </a:r>
+            <a:r>
+              <a:rPr lang="pl-PL" sz="1600" dirty="0">
+                <a:solidFill>
+                  <a:schemeClr val="tx1"/>
+                </a:solidFill>
+              </a:rPr>
+              <a:t>, a </a:t>
+            </a:r>
+            <a:r>
+              <a:rPr lang="pl-PL" sz="1600" dirty="0" err="1">
                 <a:solidFill>
                   <a:schemeClr val="tx1"/>
                 </a:solidFill>
@@ -14840,7 +16184,7 @@
               <a:t>harmful</a:t>
             </a:r>
             <a:r>
-              <a:rPr lang="pl-PL" sz="2000" dirty="0">
+              <a:rPr lang="pl-PL" sz="1600" dirty="0">
                 <a:solidFill>
                   <a:schemeClr val="tx1"/>
                 </a:solidFill>
@@ -14848,7 +16192,7 @@
               <a:t> </a:t>
             </a:r>
             <a:r>
-              <a:rPr lang="pl-PL" sz="2000" dirty="0" err="1">
+              <a:rPr lang="pl-PL" sz="1600" dirty="0" err="1">
                 <a:solidFill>
                   <a:schemeClr val="tx1"/>
                 </a:solidFill>
@@ -14856,7 +16200,7 @@
               <a:t>air</a:t>
             </a:r>
             <a:r>
-              <a:rPr lang="pl-PL" sz="2000" dirty="0">
+              <a:rPr lang="pl-PL" sz="1600" dirty="0">
                 <a:solidFill>
                   <a:schemeClr val="tx1"/>
                 </a:solidFill>
@@ -14864,7 +16208,7 @@
               <a:t> </a:t>
             </a:r>
             <a:r>
-              <a:rPr lang="pl-PL" sz="2000" dirty="0" err="1">
+              <a:rPr lang="pl-PL" sz="1600" dirty="0" err="1">
                 <a:solidFill>
                   <a:schemeClr val="tx1"/>
                 </a:solidFill>
@@ -14872,7 +16216,7 @@
               <a:t>pollutant</a:t>
             </a:r>
             <a:r>
-              <a:rPr lang="pl-PL" sz="2000" dirty="0">
+              <a:rPr lang="pl-PL" sz="1600" dirty="0">
                 <a:solidFill>
                   <a:schemeClr val="tx1"/>
                 </a:solidFill>
@@ -14880,7 +16224,7 @@
               <a:t> from </a:t>
             </a:r>
             <a:r>
-              <a:rPr lang="pl-PL" sz="2000" dirty="0" err="1">
+              <a:rPr lang="pl-PL" sz="1600" dirty="0" err="1">
                 <a:solidFill>
                   <a:schemeClr val="tx1"/>
                 </a:solidFill>
@@ -14888,7 +16232,7 @@
               <a:t>chemical</a:t>
             </a:r>
             <a:r>
-              <a:rPr lang="pl-PL" sz="2000" dirty="0">
+              <a:rPr lang="pl-PL" sz="1600" dirty="0">
                 <a:solidFill>
                   <a:schemeClr val="tx1"/>
                 </a:solidFill>
@@ -14896,7 +16240,7 @@
               <a:t> </a:t>
             </a:r>
             <a:r>
-              <a:rPr lang="pl-PL" sz="2000" dirty="0" err="1">
+              <a:rPr lang="pl-PL" sz="1600" dirty="0" err="1">
                 <a:solidFill>
                   <a:schemeClr val="tx1"/>
                 </a:solidFill>
@@ -14904,7 +16248,7 @@
               <a:t>reactions</a:t>
             </a:r>
             <a:r>
-              <a:rPr lang="pl-PL" sz="2000" dirty="0">
+              <a:rPr lang="pl-PL" sz="1600" dirty="0">
                 <a:solidFill>
                   <a:schemeClr val="tx1"/>
                 </a:solidFill>
@@ -14912,7 +16256,7 @@
               <a:t> in </a:t>
             </a:r>
             <a:r>
-              <a:rPr lang="pl-PL" sz="2000" dirty="0" err="1">
+              <a:rPr lang="pl-PL" sz="1600" dirty="0" err="1">
                 <a:solidFill>
                   <a:schemeClr val="tx1"/>
                 </a:solidFill>
@@ -14920,7 +16264,7 @@
               <a:t>sunlight</a:t>
             </a:r>
             <a:r>
-              <a:rPr lang="pl-PL" sz="2000" dirty="0">
+              <a:rPr lang="pl-PL" sz="1600" dirty="0">
                 <a:solidFill>
                   <a:schemeClr val="tx1"/>
                 </a:solidFill>
@@ -15149,11 +16493,13 @@
         <p:spPr>
           <a:xfrm>
             <a:off x="444500" y="414843"/>
-            <a:ext cx="9146972" cy="640080"/>
+            <a:ext cx="5254842" cy="640080"/>
           </a:xfrm>
         </p:spPr>
         <p:txBody>
-          <a:bodyPr rtlCol="0"/>
+          <a:bodyPr rtlCol="0">
+            <a:normAutofit/>
+          </a:bodyPr>
           <a:lstStyle>
             <a:defPPr>
               <a:defRPr lang="pl-PL"/>
@@ -15162,13 +16508,13 @@
           <a:p>
             <a:pPr rtl="0"/>
             <a:r>
-              <a:rPr lang="en-US" b="1" dirty="0">
+              <a:rPr lang="en-US" sz="2400" b="1" dirty="0">
                 <a:latin typeface="Segoe UI Semibold" panose="020B0502040204020203" pitchFamily="34" charset="0"/>
                 <a:cs typeface="Segoe UI Semibold" panose="020B0502040204020203" pitchFamily="34" charset="0"/>
               </a:rPr>
               <a:t>Steps – Modern Data Platform</a:t>
             </a:r>
-            <a:endParaRPr lang="pl-PL" b="1" dirty="0">
+            <a:endParaRPr lang="pl-PL" sz="2400" b="1" dirty="0">
               <a:solidFill>
                 <a:schemeClr val="bg2">
                   <a:lumMod val="50000"/>
@@ -15195,7 +16541,7 @@
           <p:nvPr>
             <p:extLst>
               <p:ext uri="{D42A27DB-BD31-4B8C-83A1-F6EECF244321}">
-                <p14:modId xmlns:p14="http://schemas.microsoft.com/office/powerpoint/2010/main" val="2734324662"/>
+                <p14:modId xmlns:p14="http://schemas.microsoft.com/office/powerpoint/2010/main" val="1103801465"/>
               </p:ext>
             </p:extLst>
           </p:nvPr>
@@ -15210,6 +16556,336 @@
           </a:graphicData>
         </a:graphic>
       </p:graphicFrame>
+      <p:pic>
+        <p:nvPicPr>
+          <p:cNvPr id="18" name="Picture 17">
+            <a:extLst>
+              <a:ext uri="{FF2B5EF4-FFF2-40B4-BE49-F238E27FC236}">
+                <a16:creationId xmlns:a16="http://schemas.microsoft.com/office/drawing/2014/main" id="{2951E612-3AE6-2F6E-B0DA-192DD73F17BC}"/>
+              </a:ext>
+            </a:extLst>
+          </p:cNvPr>
+          <p:cNvPicPr>
+            <a:picLocks noChangeAspect="1"/>
+          </p:cNvPicPr>
+          <p:nvPr/>
+        </p:nvPicPr>
+        <p:blipFill>
+          <a:blip r:embed="rId8"/>
+          <a:stretch>
+            <a:fillRect/>
+          </a:stretch>
+        </p:blipFill>
+        <p:spPr>
+          <a:xfrm>
+            <a:off x="10284914" y="3225683"/>
+            <a:ext cx="534930" cy="473988"/>
+          </a:xfrm>
+          <a:prstGeom prst="rect">
+            <a:avLst/>
+          </a:prstGeom>
+        </p:spPr>
+      </p:pic>
+      <p:pic>
+        <p:nvPicPr>
+          <p:cNvPr id="19" name="Picture 18">
+            <a:extLst>
+              <a:ext uri="{FF2B5EF4-FFF2-40B4-BE49-F238E27FC236}">
+                <a16:creationId xmlns:a16="http://schemas.microsoft.com/office/drawing/2014/main" id="{DCED6531-31A8-CBC1-604B-E3757ED5C22F}"/>
+              </a:ext>
+            </a:extLst>
+          </p:cNvPr>
+          <p:cNvPicPr>
+            <a:picLocks noChangeAspect="1"/>
+          </p:cNvPicPr>
+          <p:nvPr/>
+        </p:nvPicPr>
+        <p:blipFill>
+          <a:blip r:embed="rId9"/>
+          <a:stretch>
+            <a:fillRect/>
+          </a:stretch>
+        </p:blipFill>
+        <p:spPr>
+          <a:xfrm>
+            <a:off x="9842800" y="3303210"/>
+            <a:ext cx="442114" cy="396461"/>
+          </a:xfrm>
+          <a:prstGeom prst="rect">
+            <a:avLst/>
+          </a:prstGeom>
+        </p:spPr>
+      </p:pic>
+      <p:pic>
+        <p:nvPicPr>
+          <p:cNvPr id="20" name="Picture 19">
+            <a:extLst>
+              <a:ext uri="{FF2B5EF4-FFF2-40B4-BE49-F238E27FC236}">
+                <a16:creationId xmlns:a16="http://schemas.microsoft.com/office/drawing/2014/main" id="{8924EB59-3ECF-B5A6-8E84-11F0A3A67F05}"/>
+              </a:ext>
+            </a:extLst>
+          </p:cNvPr>
+          <p:cNvPicPr>
+            <a:picLocks noChangeAspect="1"/>
+          </p:cNvPicPr>
+          <p:nvPr/>
+        </p:nvPicPr>
+        <p:blipFill>
+          <a:blip r:embed="rId10"/>
+          <a:stretch>
+            <a:fillRect/>
+          </a:stretch>
+        </p:blipFill>
+        <p:spPr>
+          <a:xfrm>
+            <a:off x="3630249" y="3361565"/>
+            <a:ext cx="728405" cy="412875"/>
+          </a:xfrm>
+          <a:prstGeom prst="rect">
+            <a:avLst/>
+          </a:prstGeom>
+        </p:spPr>
+      </p:pic>
+      <p:pic>
+        <p:nvPicPr>
+          <p:cNvPr id="21" name="Picture 20">
+            <a:extLst>
+              <a:ext uri="{FF2B5EF4-FFF2-40B4-BE49-F238E27FC236}">
+                <a16:creationId xmlns:a16="http://schemas.microsoft.com/office/drawing/2014/main" id="{E349A7A1-6361-1D60-CE2B-015A518FD0F9}"/>
+              </a:ext>
+            </a:extLst>
+          </p:cNvPr>
+          <p:cNvPicPr>
+            <a:picLocks noChangeAspect="1"/>
+          </p:cNvPicPr>
+          <p:nvPr/>
+        </p:nvPicPr>
+        <p:blipFill>
+          <a:blip r:embed="rId11"/>
+          <a:stretch>
+            <a:fillRect/>
+          </a:stretch>
+        </p:blipFill>
+        <p:spPr>
+          <a:xfrm>
+            <a:off x="3071921" y="3353629"/>
+            <a:ext cx="421403" cy="409533"/>
+          </a:xfrm>
+          <a:prstGeom prst="rect">
+            <a:avLst/>
+          </a:prstGeom>
+        </p:spPr>
+      </p:pic>
+      <p:pic>
+        <p:nvPicPr>
+          <p:cNvPr id="24" name="Picture 23">
+            <a:extLst>
+              <a:ext uri="{FF2B5EF4-FFF2-40B4-BE49-F238E27FC236}">
+                <a16:creationId xmlns:a16="http://schemas.microsoft.com/office/drawing/2014/main" id="{5DDBC1EB-7000-E088-A1EE-4E9F823321C8}"/>
+              </a:ext>
+            </a:extLst>
+          </p:cNvPr>
+          <p:cNvPicPr>
+            <a:picLocks noChangeAspect="1"/>
+          </p:cNvPicPr>
+          <p:nvPr/>
+        </p:nvPicPr>
+        <p:blipFill>
+          <a:blip r:embed="rId12"/>
+          <a:stretch>
+            <a:fillRect/>
+          </a:stretch>
+        </p:blipFill>
+        <p:spPr>
+          <a:xfrm>
+            <a:off x="5235378" y="4346980"/>
+            <a:ext cx="504142" cy="396461"/>
+          </a:xfrm>
+          <a:prstGeom prst="rect">
+            <a:avLst/>
+          </a:prstGeom>
+        </p:spPr>
+      </p:pic>
+      <p:pic>
+        <p:nvPicPr>
+          <p:cNvPr id="25" name="Picture 24">
+            <a:extLst>
+              <a:ext uri="{FF2B5EF4-FFF2-40B4-BE49-F238E27FC236}">
+                <a16:creationId xmlns:a16="http://schemas.microsoft.com/office/drawing/2014/main" id="{434AC097-83EB-BD28-5D6C-929BE4CD2451}"/>
+              </a:ext>
+            </a:extLst>
+          </p:cNvPr>
+          <p:cNvPicPr>
+            <a:picLocks noChangeAspect="1"/>
+          </p:cNvPicPr>
+          <p:nvPr/>
+        </p:nvPicPr>
+        <p:blipFill>
+          <a:blip r:embed="rId13"/>
+          <a:stretch>
+            <a:fillRect/>
+          </a:stretch>
+        </p:blipFill>
+        <p:spPr>
+          <a:xfrm>
+            <a:off x="6627535" y="3194137"/>
+            <a:ext cx="523168" cy="505534"/>
+          </a:xfrm>
+          <a:prstGeom prst="rect">
+            <a:avLst/>
+          </a:prstGeom>
+        </p:spPr>
+      </p:pic>
+      <p:pic>
+        <p:nvPicPr>
+          <p:cNvPr id="27" name="Picture 26">
+            <a:extLst>
+              <a:ext uri="{FF2B5EF4-FFF2-40B4-BE49-F238E27FC236}">
+                <a16:creationId xmlns:a16="http://schemas.microsoft.com/office/drawing/2014/main" id="{F7F5CBE4-64FC-A3E1-1438-FC0FA5A00C55}"/>
+              </a:ext>
+            </a:extLst>
+          </p:cNvPr>
+          <p:cNvPicPr>
+            <a:picLocks noChangeAspect="1"/>
+          </p:cNvPicPr>
+          <p:nvPr/>
+        </p:nvPicPr>
+        <p:blipFill>
+          <a:blip r:embed="rId13"/>
+          <a:stretch>
+            <a:fillRect/>
+          </a:stretch>
+        </p:blipFill>
+        <p:spPr>
+          <a:xfrm>
+            <a:off x="8127684" y="4346980"/>
+            <a:ext cx="523168" cy="505534"/>
+          </a:xfrm>
+          <a:prstGeom prst="rect">
+            <a:avLst/>
+          </a:prstGeom>
+        </p:spPr>
+      </p:pic>
+      <p:pic>
+        <p:nvPicPr>
+          <p:cNvPr id="30" name="Picture 29">
+            <a:extLst>
+              <a:ext uri="{FF2B5EF4-FFF2-40B4-BE49-F238E27FC236}">
+                <a16:creationId xmlns:a16="http://schemas.microsoft.com/office/drawing/2014/main" id="{FCAE17BA-AFBC-CC0E-D1B7-90E3CA28F3A9}"/>
+              </a:ext>
+            </a:extLst>
+          </p:cNvPr>
+          <p:cNvPicPr>
+            <a:picLocks noChangeAspect="1"/>
+          </p:cNvPicPr>
+          <p:nvPr/>
+        </p:nvPicPr>
+        <p:blipFill>
+          <a:blip r:embed="rId14"/>
+          <a:stretch>
+            <a:fillRect/>
+          </a:stretch>
+        </p:blipFill>
+        <p:spPr>
+          <a:xfrm>
+            <a:off x="9216028" y="3269332"/>
+            <a:ext cx="618817" cy="473988"/>
+          </a:xfrm>
+          <a:prstGeom prst="rect">
+            <a:avLst/>
+          </a:prstGeom>
+        </p:spPr>
+      </p:pic>
+      <p:pic>
+        <p:nvPicPr>
+          <p:cNvPr id="31" name="Picture 30">
+            <a:extLst>
+              <a:ext uri="{FF2B5EF4-FFF2-40B4-BE49-F238E27FC236}">
+                <a16:creationId xmlns:a16="http://schemas.microsoft.com/office/drawing/2014/main" id="{22A4C051-3A8D-AC2C-C4FC-CDD7A85AC570}"/>
+              </a:ext>
+            </a:extLst>
+          </p:cNvPr>
+          <p:cNvPicPr>
+            <a:picLocks noChangeAspect="1"/>
+          </p:cNvPicPr>
+          <p:nvPr/>
+        </p:nvPicPr>
+        <p:blipFill>
+          <a:blip r:embed="rId8"/>
+          <a:stretch>
+            <a:fillRect/>
+          </a:stretch>
+        </p:blipFill>
+        <p:spPr>
+          <a:xfrm>
+            <a:off x="2075561" y="4270250"/>
+            <a:ext cx="534930" cy="473988"/>
+          </a:xfrm>
+          <a:prstGeom prst="rect">
+            <a:avLst/>
+          </a:prstGeom>
+        </p:spPr>
+      </p:pic>
+      <p:pic>
+        <p:nvPicPr>
+          <p:cNvPr id="32" name="Picture 31">
+            <a:extLst>
+              <a:ext uri="{FF2B5EF4-FFF2-40B4-BE49-F238E27FC236}">
+                <a16:creationId xmlns:a16="http://schemas.microsoft.com/office/drawing/2014/main" id="{BF264FA1-972B-4CE2-197A-42BC001E303D}"/>
+              </a:ext>
+            </a:extLst>
+          </p:cNvPr>
+          <p:cNvPicPr>
+            <a:picLocks noChangeAspect="1"/>
+          </p:cNvPicPr>
+          <p:nvPr/>
+        </p:nvPicPr>
+        <p:blipFill>
+          <a:blip r:embed="rId9"/>
+          <a:stretch>
+            <a:fillRect/>
+          </a:stretch>
+        </p:blipFill>
+        <p:spPr>
+          <a:xfrm>
+            <a:off x="1633447" y="4347777"/>
+            <a:ext cx="442114" cy="396461"/>
+          </a:xfrm>
+          <a:prstGeom prst="rect">
+            <a:avLst/>
+          </a:prstGeom>
+        </p:spPr>
+      </p:pic>
+      <p:pic>
+        <p:nvPicPr>
+          <p:cNvPr id="33" name="Picture 32">
+            <a:extLst>
+              <a:ext uri="{FF2B5EF4-FFF2-40B4-BE49-F238E27FC236}">
+                <a16:creationId xmlns:a16="http://schemas.microsoft.com/office/drawing/2014/main" id="{C162FB2C-FEFF-9B48-D4F7-48AE1E7AC542}"/>
+              </a:ext>
+            </a:extLst>
+          </p:cNvPr>
+          <p:cNvPicPr>
+            <a:picLocks noChangeAspect="1"/>
+          </p:cNvPicPr>
+          <p:nvPr/>
+        </p:nvPicPr>
+        <p:blipFill>
+          <a:blip r:embed="rId13"/>
+          <a:stretch>
+            <a:fillRect/>
+          </a:stretch>
+        </p:blipFill>
+        <p:spPr>
+          <a:xfrm>
+            <a:off x="4736372" y="4270250"/>
+            <a:ext cx="523168" cy="505534"/>
+          </a:xfrm>
+          <a:prstGeom prst="rect">
+            <a:avLst/>
+          </a:prstGeom>
+        </p:spPr>
+      </p:pic>
     </p:spTree>
     <p:extLst>
       <p:ext uri="{BB962C8B-B14F-4D97-AF65-F5344CB8AC3E}">
@@ -15299,8 +16975,8 @@
         </p:nvSpPr>
         <p:spPr>
           <a:xfrm>
-            <a:off x="444502" y="1509612"/>
-            <a:ext cx="5480310" cy="3977640"/>
+            <a:off x="325630" y="4003379"/>
+            <a:ext cx="8031986" cy="2424012"/>
           </a:xfrm>
         </p:spPr>
         <p:txBody>
@@ -15315,299 +16991,163 @@
           <a:p>
             <a:pPr rtl="0"/>
             <a:r>
-              <a:rPr lang="pl-PL" dirty="0" err="1">
+              <a:rPr lang="en-US" dirty="0">
                 <a:latin typeface="Segoe UI" panose="020B0502040204020203" pitchFamily="34" charset="0"/>
                 <a:cs typeface="Segoe UI" panose="020B0502040204020203" pitchFamily="34" charset="0"/>
               </a:rPr>
-              <a:t>Python</a:t>
-            </a:r>
-            <a:r>
-              <a:rPr lang="pl-PL" dirty="0">
+              <a:t>Python Flask application deployed on Azure.</a:t>
+            </a:r>
+          </a:p>
+          <a:p>
+            <a:pPr rtl="0"/>
+            <a:r>
+              <a:rPr lang="en-US" dirty="0">
                 <a:latin typeface="Segoe UI" panose="020B0502040204020203" pitchFamily="34" charset="0"/>
                 <a:cs typeface="Segoe UI" panose="020B0502040204020203" pitchFamily="34" charset="0"/>
               </a:rPr>
-              <a:t> </a:t>
-            </a:r>
-            <a:r>
-              <a:rPr lang="pl-PL" dirty="0" err="1">
-                <a:latin typeface="Segoe UI" panose="020B0502040204020203" pitchFamily="34" charset="0"/>
-                <a:cs typeface="Segoe UI" panose="020B0502040204020203" pitchFamily="34" charset="0"/>
-              </a:rPr>
-              <a:t>Flask</a:t>
-            </a:r>
-            <a:r>
-              <a:rPr lang="pl-PL" dirty="0">
-                <a:latin typeface="Segoe UI" panose="020B0502040204020203" pitchFamily="34" charset="0"/>
-                <a:cs typeface="Segoe UI" panose="020B0502040204020203" pitchFamily="34" charset="0"/>
-              </a:rPr>
-              <a:t> Application </a:t>
-            </a:r>
-            <a:r>
-              <a:rPr lang="pl-PL" dirty="0" err="1">
-                <a:latin typeface="Segoe UI" panose="020B0502040204020203" pitchFamily="34" charset="0"/>
-                <a:cs typeface="Segoe UI" panose="020B0502040204020203" pitchFamily="34" charset="0"/>
-              </a:rPr>
-              <a:t>deployed</a:t>
-            </a:r>
-            <a:r>
-              <a:rPr lang="pl-PL" dirty="0">
-                <a:latin typeface="Segoe UI" panose="020B0502040204020203" pitchFamily="34" charset="0"/>
-                <a:cs typeface="Segoe UI" panose="020B0502040204020203" pitchFamily="34" charset="0"/>
-              </a:rPr>
-              <a:t> on </a:t>
-            </a:r>
-            <a:r>
-              <a:rPr lang="pl-PL" dirty="0" err="1">
-                <a:latin typeface="Segoe UI" panose="020B0502040204020203" pitchFamily="34" charset="0"/>
-                <a:cs typeface="Segoe UI" panose="020B0502040204020203" pitchFamily="34" charset="0"/>
-              </a:rPr>
-              <a:t>Azure</a:t>
-            </a:r>
-            <a:endParaRPr lang="en-US" dirty="0">
-              <a:latin typeface="Segoe UI" panose="020B0502040204020203" pitchFamily="34" charset="0"/>
-              <a:cs typeface="Segoe UI" panose="020B0502040204020203" pitchFamily="34" charset="0"/>
-            </a:endParaRPr>
-          </a:p>
-          <a:p>
-            <a:pPr rtl="0"/>
-            <a:r>
-              <a:rPr lang="pl-PL" dirty="0" err="1">
-                <a:latin typeface="Segoe UI" panose="020B0502040204020203" pitchFamily="34" charset="0"/>
-                <a:cs typeface="Segoe UI" panose="020B0502040204020203" pitchFamily="34" charset="0"/>
-              </a:rPr>
-              <a:t>Scheduler</a:t>
-            </a:r>
-            <a:r>
-              <a:rPr lang="pl-PL" dirty="0">
-                <a:latin typeface="Segoe UI" panose="020B0502040204020203" pitchFamily="34" charset="0"/>
-                <a:cs typeface="Segoe UI" panose="020B0502040204020203" pitchFamily="34" charset="0"/>
-              </a:rPr>
-              <a:t> </a:t>
-            </a:r>
-            <a:r>
-              <a:rPr lang="pl-PL" dirty="0" err="1">
-                <a:latin typeface="Segoe UI" panose="020B0502040204020203" pitchFamily="34" charset="0"/>
-                <a:cs typeface="Segoe UI" panose="020B0502040204020203" pitchFamily="34" charset="0"/>
-              </a:rPr>
-              <a:t>reading</a:t>
-            </a:r>
-            <a:r>
-              <a:rPr lang="pl-PL" dirty="0">
-                <a:latin typeface="Segoe UI" panose="020B0502040204020203" pitchFamily="34" charset="0"/>
-                <a:cs typeface="Segoe UI" panose="020B0502040204020203" pitchFamily="34" charset="0"/>
-              </a:rPr>
-              <a:t> data from Open </a:t>
-            </a:r>
-            <a:r>
-              <a:rPr lang="pl-PL" dirty="0" err="1">
-                <a:latin typeface="Segoe UI" panose="020B0502040204020203" pitchFamily="34" charset="0"/>
-                <a:cs typeface="Segoe UI" panose="020B0502040204020203" pitchFamily="34" charset="0"/>
-              </a:rPr>
-              <a:t>Weather</a:t>
-            </a:r>
-            <a:r>
-              <a:rPr lang="pl-PL" dirty="0">
-                <a:latin typeface="Segoe UI" panose="020B0502040204020203" pitchFamily="34" charset="0"/>
-                <a:cs typeface="Segoe UI" panose="020B0502040204020203" pitchFamily="34" charset="0"/>
-              </a:rPr>
-              <a:t> API and </a:t>
-            </a:r>
-            <a:r>
-              <a:rPr lang="pl-PL" dirty="0" err="1">
-                <a:latin typeface="Segoe UI" panose="020B0502040204020203" pitchFamily="34" charset="0"/>
-                <a:cs typeface="Segoe UI" panose="020B0502040204020203" pitchFamily="34" charset="0"/>
-              </a:rPr>
-              <a:t>sweaping</a:t>
-            </a:r>
-            <a:r>
-              <a:rPr lang="pl-PL" dirty="0">
-                <a:latin typeface="Segoe UI" panose="020B0502040204020203" pitchFamily="34" charset="0"/>
-                <a:cs typeface="Segoe UI" panose="020B0502040204020203" pitchFamily="34" charset="0"/>
-              </a:rPr>
-              <a:t> the </a:t>
-            </a:r>
-            <a:r>
-              <a:rPr lang="pl-PL" dirty="0" err="1">
-                <a:latin typeface="Segoe UI" panose="020B0502040204020203" pitchFamily="34" charset="0"/>
-                <a:cs typeface="Segoe UI" panose="020B0502040204020203" pitchFamily="34" charset="0"/>
-              </a:rPr>
-              <a:t>coordinates</a:t>
-            </a:r>
-            <a:r>
-              <a:rPr lang="pl-PL" dirty="0">
-                <a:latin typeface="Segoe UI" panose="020B0502040204020203" pitchFamily="34" charset="0"/>
-                <a:cs typeface="Segoe UI" panose="020B0502040204020203" pitchFamily="34" charset="0"/>
-              </a:rPr>
-              <a:t> of Europe</a:t>
-            </a:r>
-            <a:endParaRPr lang="en-US" dirty="0">
-              <a:latin typeface="Segoe UI" panose="020B0502040204020203" pitchFamily="34" charset="0"/>
-              <a:cs typeface="Segoe UI" panose="020B0502040204020203" pitchFamily="34" charset="0"/>
-            </a:endParaRPr>
-          </a:p>
-          <a:p>
-            <a:pPr rtl="0"/>
-            <a:r>
-              <a:rPr lang="pl-PL" dirty="0">
-                <a:latin typeface="Segoe UI" panose="020B0502040204020203" pitchFamily="34" charset="0"/>
-                <a:cs typeface="Segoe UI" panose="020B0502040204020203" pitchFamily="34" charset="0"/>
-              </a:rPr>
-              <a:t>Kafka </a:t>
-            </a:r>
-            <a:r>
-              <a:rPr lang="pl-PL" dirty="0" err="1">
-                <a:latin typeface="Segoe UI" panose="020B0502040204020203" pitchFamily="34" charset="0"/>
-                <a:cs typeface="Segoe UI" panose="020B0502040204020203" pitchFamily="34" charset="0"/>
-              </a:rPr>
-              <a:t>producer</a:t>
-            </a:r>
-            <a:r>
-              <a:rPr lang="pl-PL" dirty="0">
-                <a:latin typeface="Segoe UI" panose="020B0502040204020203" pitchFamily="34" charset="0"/>
-                <a:cs typeface="Segoe UI" panose="020B0502040204020203" pitchFamily="34" charset="0"/>
-              </a:rPr>
-              <a:t> </a:t>
-            </a:r>
-            <a:r>
-              <a:rPr lang="pl-PL" dirty="0" err="1">
-                <a:latin typeface="Segoe UI" panose="020B0502040204020203" pitchFamily="34" charset="0"/>
-                <a:cs typeface="Segoe UI" panose="020B0502040204020203" pitchFamily="34" charset="0"/>
-              </a:rPr>
-              <a:t>written</a:t>
-            </a:r>
-            <a:r>
-              <a:rPr lang="pl-PL" dirty="0">
-                <a:latin typeface="Segoe UI" panose="020B0502040204020203" pitchFamily="34" charset="0"/>
-                <a:cs typeface="Segoe UI" panose="020B0502040204020203" pitchFamily="34" charset="0"/>
-              </a:rPr>
-              <a:t> in </a:t>
-            </a:r>
-            <a:r>
-              <a:rPr lang="pl-PL" dirty="0" err="1">
-                <a:latin typeface="Segoe UI" panose="020B0502040204020203" pitchFamily="34" charset="0"/>
-                <a:cs typeface="Segoe UI" panose="020B0502040204020203" pitchFamily="34" charset="0"/>
-              </a:rPr>
-              <a:t>Python</a:t>
-            </a:r>
-            <a:r>
-              <a:rPr lang="pl-PL" dirty="0">
-                <a:latin typeface="Segoe UI" panose="020B0502040204020203" pitchFamily="34" charset="0"/>
-                <a:cs typeface="Segoe UI" panose="020B0502040204020203" pitchFamily="34" charset="0"/>
-              </a:rPr>
-              <a:t> </a:t>
-            </a:r>
-            <a:r>
-              <a:rPr lang="pl-PL" dirty="0" err="1">
-                <a:latin typeface="Segoe UI" panose="020B0502040204020203" pitchFamily="34" charset="0"/>
-                <a:cs typeface="Segoe UI" panose="020B0502040204020203" pitchFamily="34" charset="0"/>
-              </a:rPr>
-              <a:t>that</a:t>
-            </a:r>
-            <a:r>
-              <a:rPr lang="pl-PL" dirty="0">
-                <a:latin typeface="Segoe UI" panose="020B0502040204020203" pitchFamily="34" charset="0"/>
-                <a:cs typeface="Segoe UI" panose="020B0502040204020203" pitchFamily="34" charset="0"/>
-              </a:rPr>
-              <a:t> </a:t>
-            </a:r>
-            <a:r>
-              <a:rPr lang="pl-PL" dirty="0" err="1">
-                <a:latin typeface="Segoe UI" panose="020B0502040204020203" pitchFamily="34" charset="0"/>
-                <a:cs typeface="Segoe UI" panose="020B0502040204020203" pitchFamily="34" charset="0"/>
-              </a:rPr>
-              <a:t>sends</a:t>
-            </a:r>
-            <a:r>
-              <a:rPr lang="pl-PL" dirty="0">
-                <a:latin typeface="Segoe UI" panose="020B0502040204020203" pitchFamily="34" charset="0"/>
-                <a:cs typeface="Segoe UI" panose="020B0502040204020203" pitchFamily="34" charset="0"/>
-              </a:rPr>
-              <a:t> the </a:t>
-            </a:r>
-            <a:r>
-              <a:rPr lang="pl-PL" dirty="0" err="1">
-                <a:latin typeface="Segoe UI" panose="020B0502040204020203" pitchFamily="34" charset="0"/>
-                <a:cs typeface="Segoe UI" panose="020B0502040204020203" pitchFamily="34" charset="0"/>
-              </a:rPr>
-              <a:t>raw</a:t>
-            </a:r>
-            <a:r>
-              <a:rPr lang="pl-PL" dirty="0">
-                <a:latin typeface="Segoe UI" panose="020B0502040204020203" pitchFamily="34" charset="0"/>
-                <a:cs typeface="Segoe UI" panose="020B0502040204020203" pitchFamily="34" charset="0"/>
-              </a:rPr>
-              <a:t> data to </a:t>
-            </a:r>
-            <a:r>
-              <a:rPr lang="pl-PL" dirty="0" err="1">
-                <a:latin typeface="Segoe UI" panose="020B0502040204020203" pitchFamily="34" charset="0"/>
-                <a:cs typeface="Segoe UI" panose="020B0502040204020203" pitchFamily="34" charset="0"/>
-              </a:rPr>
-              <a:t>Azure</a:t>
-            </a:r>
-            <a:r>
-              <a:rPr lang="pl-PL" dirty="0">
-                <a:latin typeface="Segoe UI" panose="020B0502040204020203" pitchFamily="34" charset="0"/>
-                <a:cs typeface="Segoe UI" panose="020B0502040204020203" pitchFamily="34" charset="0"/>
-              </a:rPr>
-              <a:t> Event </a:t>
-            </a:r>
-            <a:r>
-              <a:rPr lang="pl-PL" dirty="0" err="1">
-                <a:latin typeface="Segoe UI" panose="020B0502040204020203" pitchFamily="34" charset="0"/>
-                <a:cs typeface="Segoe UI" panose="020B0502040204020203" pitchFamily="34" charset="0"/>
-              </a:rPr>
-              <a:t>Hubs</a:t>
-            </a:r>
-            <a:endParaRPr lang="en-US" dirty="0">
-              <a:latin typeface="Segoe UI" panose="020B0502040204020203" pitchFamily="34" charset="0"/>
-              <a:cs typeface="Segoe UI" panose="020B0502040204020203" pitchFamily="34" charset="0"/>
-            </a:endParaRPr>
-          </a:p>
-          <a:p>
-            <a:pPr rtl="0"/>
-            <a:r>
-              <a:rPr lang="pl-PL" dirty="0" err="1">
-                <a:latin typeface="Segoe UI" panose="020B0502040204020203" pitchFamily="34" charset="0"/>
-                <a:cs typeface="Segoe UI" panose="020B0502040204020203" pitchFamily="34" charset="0"/>
-              </a:rPr>
-              <a:t>Deleting</a:t>
-            </a:r>
-            <a:r>
-              <a:rPr lang="pl-PL" dirty="0">
-                <a:latin typeface="Segoe UI" panose="020B0502040204020203" pitchFamily="34" charset="0"/>
-                <a:cs typeface="Segoe UI" panose="020B0502040204020203" pitchFamily="34" charset="0"/>
-              </a:rPr>
-              <a:t> </a:t>
-            </a:r>
-            <a:r>
-              <a:rPr lang="pl-PL" dirty="0" err="1">
-                <a:latin typeface="Segoe UI" panose="020B0502040204020203" pitchFamily="34" charset="0"/>
-                <a:cs typeface="Segoe UI" panose="020B0502040204020203" pitchFamily="34" charset="0"/>
-              </a:rPr>
-              <a:t>unnecessary</a:t>
-            </a:r>
-            <a:r>
-              <a:rPr lang="pl-PL" dirty="0">
-                <a:latin typeface="Segoe UI" panose="020B0502040204020203" pitchFamily="34" charset="0"/>
-                <a:cs typeface="Segoe UI" panose="020B0502040204020203" pitchFamily="34" charset="0"/>
-              </a:rPr>
-              <a:t> </a:t>
-            </a:r>
-            <a:r>
-              <a:rPr lang="pl-PL" dirty="0" err="1">
-                <a:latin typeface="Segoe UI" panose="020B0502040204020203" pitchFamily="34" charset="0"/>
-                <a:cs typeface="Segoe UI" panose="020B0502040204020203" pitchFamily="34" charset="0"/>
-              </a:rPr>
-              <a:t>files</a:t>
+              <a:t>Scheduler reading data from the Open Weather API and sweeping the coordinates of Europe.</a:t>
             </a:r>
             <a:endParaRPr lang="pl-PL" dirty="0">
               <a:latin typeface="Segoe UI" panose="020B0502040204020203" pitchFamily="34" charset="0"/>
               <a:cs typeface="Segoe UI" panose="020B0502040204020203" pitchFamily="34" charset="0"/>
             </a:endParaRPr>
           </a:p>
+          <a:p>
+            <a:pPr rtl="0"/>
+            <a:r>
+              <a:rPr lang="en-US" dirty="0">
+                <a:latin typeface="Segoe UI" panose="020B0502040204020203" pitchFamily="34" charset="0"/>
+                <a:cs typeface="Segoe UI" panose="020B0502040204020203" pitchFamily="34" charset="0"/>
+              </a:rPr>
+              <a:t>CSV files with coordinates of capital cities and ISO names of countries are copied to Azure through the Databricks CLI.</a:t>
+            </a:r>
+            <a:endParaRPr lang="pl-PL" dirty="0">
+              <a:latin typeface="Segoe UI" panose="020B0502040204020203" pitchFamily="34" charset="0"/>
+              <a:cs typeface="Segoe UI" panose="020B0502040204020203" pitchFamily="34" charset="0"/>
+            </a:endParaRPr>
+          </a:p>
         </p:txBody>
       </p:sp>
+      <p:pic>
+        <p:nvPicPr>
+          <p:cNvPr id="3" name="Picture 2">
+            <a:extLst>
+              <a:ext uri="{FF2B5EF4-FFF2-40B4-BE49-F238E27FC236}">
+                <a16:creationId xmlns:a16="http://schemas.microsoft.com/office/drawing/2014/main" id="{66627973-50A9-630C-5CD7-9DFFAF1079B9}"/>
+              </a:ext>
+            </a:extLst>
+          </p:cNvPr>
+          <p:cNvPicPr>
+            <a:picLocks noChangeAspect="1"/>
+          </p:cNvPicPr>
+          <p:nvPr/>
+        </p:nvPicPr>
+        <p:blipFill>
+          <a:blip r:embed="rId3"/>
+          <a:stretch>
+            <a:fillRect/>
+          </a:stretch>
+        </p:blipFill>
+        <p:spPr>
+          <a:xfrm>
+            <a:off x="9148387" y="1307376"/>
+            <a:ext cx="2184618" cy="4999624"/>
+          </a:xfrm>
+          <a:prstGeom prst="rect">
+            <a:avLst/>
+          </a:prstGeom>
+        </p:spPr>
+      </p:pic>
+      <p:pic>
+        <p:nvPicPr>
+          <p:cNvPr id="6" name="Picture 5">
+            <a:extLst>
+              <a:ext uri="{FF2B5EF4-FFF2-40B4-BE49-F238E27FC236}">
+                <a16:creationId xmlns:a16="http://schemas.microsoft.com/office/drawing/2014/main" id="{7A81514D-43C2-58A9-27F1-F57545688D55}"/>
+              </a:ext>
+            </a:extLst>
+          </p:cNvPr>
+          <p:cNvPicPr>
+            <a:picLocks noChangeAspect="1"/>
+          </p:cNvPicPr>
+          <p:nvPr/>
+        </p:nvPicPr>
+        <p:blipFill>
+          <a:blip r:embed="rId4"/>
+          <a:stretch>
+            <a:fillRect/>
+          </a:stretch>
+        </p:blipFill>
+        <p:spPr>
+          <a:xfrm>
+            <a:off x="522141" y="1322452"/>
+            <a:ext cx="8459381" cy="2562583"/>
+          </a:xfrm>
+          <a:prstGeom prst="rect">
+            <a:avLst/>
+          </a:prstGeom>
+        </p:spPr>
+      </p:pic>
+      <p:pic>
+        <p:nvPicPr>
+          <p:cNvPr id="9" name="Picture 8">
+            <a:extLst>
+              <a:ext uri="{FF2B5EF4-FFF2-40B4-BE49-F238E27FC236}">
+                <a16:creationId xmlns:a16="http://schemas.microsoft.com/office/drawing/2014/main" id="{71546382-AA64-0727-9373-3F239FB4098B}"/>
+              </a:ext>
+            </a:extLst>
+          </p:cNvPr>
+          <p:cNvPicPr>
+            <a:picLocks noChangeAspect="1"/>
+          </p:cNvPicPr>
+          <p:nvPr/>
+        </p:nvPicPr>
+        <p:blipFill>
+          <a:blip r:embed="rId5"/>
+          <a:stretch>
+            <a:fillRect/>
+          </a:stretch>
+        </p:blipFill>
+        <p:spPr>
+          <a:xfrm>
+            <a:off x="10772383" y="265514"/>
+            <a:ext cx="863909" cy="765489"/>
+          </a:xfrm>
+          <a:prstGeom prst="rect">
+            <a:avLst/>
+          </a:prstGeom>
+        </p:spPr>
+      </p:pic>
+      <p:pic>
+        <p:nvPicPr>
+          <p:cNvPr id="5" name="Picture 4">
+            <a:extLst>
+              <a:ext uri="{FF2B5EF4-FFF2-40B4-BE49-F238E27FC236}">
+                <a16:creationId xmlns:a16="http://schemas.microsoft.com/office/drawing/2014/main" id="{CA2827CB-FD70-3224-9AA3-16E4F974CE06}"/>
+              </a:ext>
+            </a:extLst>
+          </p:cNvPr>
+          <p:cNvPicPr>
+            <a:picLocks noChangeAspect="1"/>
+          </p:cNvPicPr>
+          <p:nvPr/>
+        </p:nvPicPr>
+        <p:blipFill>
+          <a:blip r:embed="rId6"/>
+          <a:stretch>
+            <a:fillRect/>
+          </a:stretch>
+        </p:blipFill>
+        <p:spPr>
+          <a:xfrm>
+            <a:off x="9832932" y="308760"/>
+            <a:ext cx="757187" cy="678998"/>
+          </a:xfrm>
+          <a:prstGeom prst="rect">
+            <a:avLst/>
+          </a:prstGeom>
+        </p:spPr>
+      </p:pic>
     </p:spTree>
     <p:extLst>
       <p:ext uri="{BB962C8B-B14F-4D97-AF65-F5344CB8AC3E}">
@@ -15626,7 +17166,13 @@
   <p:cSld>
     <p:spTree>
       <p:nvGrpSpPr>
-        <p:cNvPr id="1" name=""/>
+        <p:cNvPr id="1" name="">
+          <a:extLst>
+            <a:ext uri="{FF2B5EF4-FFF2-40B4-BE49-F238E27FC236}">
+              <a16:creationId xmlns:a16="http://schemas.microsoft.com/office/drawing/2014/main" id="{3D20FBD0-1CF5-42CE-B243-B8D84A6A28B1}"/>
+            </a:ext>
+          </a:extLst>
+        </p:cNvPr>
         <p:cNvGrpSpPr/>
         <p:nvPr/>
       </p:nvGrpSpPr>
@@ -15643,526 +17189,7 @@
           <p:cNvPr id="4" name="Tytuł 3">
             <a:extLst>
               <a:ext uri="{FF2B5EF4-FFF2-40B4-BE49-F238E27FC236}">
-                <a16:creationId xmlns:a16="http://schemas.microsoft.com/office/drawing/2014/main" id="{FE7E940F-6D6B-4FE5-8CA2-E8AE96D300C2}"/>
-              </a:ext>
-            </a:extLst>
-          </p:cNvPr>
-          <p:cNvSpPr>
-            <a:spLocks noGrp="1"/>
-          </p:cNvSpPr>
-          <p:nvPr>
-            <p:ph type="title"/>
-          </p:nvPr>
-        </p:nvSpPr>
-        <p:spPr>
-          <a:xfrm>
-            <a:off x="444500" y="414843"/>
-            <a:ext cx="9146972" cy="640080"/>
-          </a:xfrm>
-        </p:spPr>
-        <p:txBody>
-          <a:bodyPr rtlCol="0"/>
-          <a:lstStyle>
-            <a:defPPr>
-              <a:defRPr lang="pl-PL"/>
-            </a:defPPr>
-          </a:lstStyle>
-          <a:p>
-            <a:pPr rtl="0"/>
-            <a:r>
-              <a:rPr lang="en-US" b="1" dirty="0">
-                <a:latin typeface="Segoe UI Semibold" panose="020B0502040204020203" pitchFamily="34" charset="0"/>
-                <a:cs typeface="Segoe UI Semibold" panose="020B0502040204020203" pitchFamily="34" charset="0"/>
-              </a:rPr>
-              <a:t>Data Source</a:t>
-            </a:r>
-            <a:endParaRPr lang="pl-PL" b="1" dirty="0">
-              <a:solidFill>
-                <a:schemeClr val="bg2">
-                  <a:lumMod val="50000"/>
-                </a:schemeClr>
-              </a:solidFill>
-              <a:latin typeface="Segoe UI Semibold" panose="020B0502040204020203" pitchFamily="34" charset="0"/>
-              <a:cs typeface="Segoe UI Semibold" panose="020B0502040204020203" pitchFamily="34" charset="0"/>
-            </a:endParaRPr>
-          </a:p>
-        </p:txBody>
-      </p:sp>
-      <p:pic>
-        <p:nvPicPr>
-          <p:cNvPr id="3" name="Picture 2">
-            <a:extLst>
-              <a:ext uri="{FF2B5EF4-FFF2-40B4-BE49-F238E27FC236}">
-                <a16:creationId xmlns:a16="http://schemas.microsoft.com/office/drawing/2014/main" id="{4D268179-E0D0-D336-4F42-BA346DC14107}"/>
-              </a:ext>
-            </a:extLst>
-          </p:cNvPr>
-          <p:cNvPicPr>
-            <a:picLocks noChangeAspect="1"/>
-          </p:cNvPicPr>
-          <p:nvPr/>
-        </p:nvPicPr>
-        <p:blipFill>
-          <a:blip r:embed="rId3"/>
-          <a:stretch>
-            <a:fillRect/>
-          </a:stretch>
-        </p:blipFill>
-        <p:spPr>
-          <a:xfrm>
-            <a:off x="1276626" y="1477856"/>
-            <a:ext cx="9758018" cy="5104960"/>
-          </a:xfrm>
-          <a:prstGeom prst="rect">
-            <a:avLst/>
-          </a:prstGeom>
-        </p:spPr>
-      </p:pic>
-      <p:sp>
-        <p:nvSpPr>
-          <p:cNvPr id="5" name="Oval 4">
-            <a:extLst>
-              <a:ext uri="{FF2B5EF4-FFF2-40B4-BE49-F238E27FC236}">
-                <a16:creationId xmlns:a16="http://schemas.microsoft.com/office/drawing/2014/main" id="{EC9F28B7-A7CE-E5E3-6AAE-28E9770F51DD}"/>
-              </a:ext>
-            </a:extLst>
-          </p:cNvPr>
-          <p:cNvSpPr/>
-          <p:nvPr/>
-        </p:nvSpPr>
-        <p:spPr>
-          <a:xfrm>
-            <a:off x="1020361" y="4545495"/>
-            <a:ext cx="6944196" cy="1038087"/>
-          </a:xfrm>
-          <a:prstGeom prst="ellipse">
-            <a:avLst/>
-          </a:prstGeom>
-          <a:noFill/>
-          <a:ln w="50800">
-            <a:solidFill>
-              <a:schemeClr val="accent2"/>
-            </a:solidFill>
-          </a:ln>
-        </p:spPr>
-        <p:style>
-          <a:lnRef idx="2">
-            <a:schemeClr val="accent1">
-              <a:shade val="15000"/>
-            </a:schemeClr>
-          </a:lnRef>
-          <a:fillRef idx="1">
-            <a:schemeClr val="accent1"/>
-          </a:fillRef>
-          <a:effectRef idx="0">
-            <a:schemeClr val="accent1"/>
-          </a:effectRef>
-          <a:fontRef idx="minor">
-            <a:schemeClr val="lt1"/>
-          </a:fontRef>
-        </p:style>
-        <p:txBody>
-          <a:bodyPr rtlCol="0" anchor="ctr"/>
-          <a:lstStyle/>
-          <a:p>
-            <a:pPr algn="ctr"/>
-            <a:endParaRPr lang="pl-PL"/>
-          </a:p>
-        </p:txBody>
-      </p:sp>
-    </p:spTree>
-    <p:extLst>
-      <p:ext uri="{BB962C8B-B14F-4D97-AF65-F5344CB8AC3E}">
-        <p14:creationId xmlns:p14="http://schemas.microsoft.com/office/powerpoint/2010/main" val="3201932227"/>
-      </p:ext>
-    </p:extLst>
-  </p:cSld>
-  <p:clrMapOvr>
-    <a:masterClrMapping/>
-  </p:clrMapOvr>
-</p:sld>
-</file>
-
-<file path=ppt/slides/slide7.xml><?xml version="1.0" encoding="utf-8"?>
-<p:sld xmlns:a="http://schemas.openxmlformats.org/drawingml/2006/main" xmlns:r="http://schemas.openxmlformats.org/officeDocument/2006/relationships" xmlns:p="http://schemas.openxmlformats.org/presentationml/2006/main">
-  <p:cSld>
-    <p:spTree>
-      <p:nvGrpSpPr>
-        <p:cNvPr id="1" name=""/>
-        <p:cNvGrpSpPr/>
-        <p:nvPr/>
-      </p:nvGrpSpPr>
-      <p:grpSpPr>
-        <a:xfrm>
-          <a:off x="0" y="0"/>
-          <a:ext cx="0" cy="0"/>
-          <a:chOff x="0" y="0"/>
-          <a:chExt cx="0" cy="0"/>
-        </a:xfrm>
-      </p:grpSpPr>
-      <p:sp>
-        <p:nvSpPr>
-          <p:cNvPr id="4" name="Tytuł 3">
-            <a:extLst>
-              <a:ext uri="{FF2B5EF4-FFF2-40B4-BE49-F238E27FC236}">
-                <a16:creationId xmlns:a16="http://schemas.microsoft.com/office/drawing/2014/main" id="{FE7E940F-6D6B-4FE5-8CA2-E8AE96D300C2}"/>
-              </a:ext>
-            </a:extLst>
-          </p:cNvPr>
-          <p:cNvSpPr>
-            <a:spLocks noGrp="1"/>
-          </p:cNvSpPr>
-          <p:nvPr>
-            <p:ph type="title"/>
-          </p:nvPr>
-        </p:nvSpPr>
-        <p:spPr>
-          <a:xfrm>
-            <a:off x="444500" y="414843"/>
-            <a:ext cx="9146972" cy="640080"/>
-          </a:xfrm>
-        </p:spPr>
-        <p:txBody>
-          <a:bodyPr rtlCol="0"/>
-          <a:lstStyle>
-            <a:defPPr>
-              <a:defRPr lang="pl-PL"/>
-            </a:defPPr>
-          </a:lstStyle>
-          <a:p>
-            <a:pPr rtl="0"/>
-            <a:r>
-              <a:rPr lang="en-US" b="1" dirty="0">
-                <a:latin typeface="Segoe UI Semibold" panose="020B0502040204020203" pitchFamily="34" charset="0"/>
-                <a:cs typeface="Segoe UI Semibold" panose="020B0502040204020203" pitchFamily="34" charset="0"/>
-              </a:rPr>
-              <a:t>Data Model</a:t>
-            </a:r>
-            <a:endParaRPr lang="pl-PL" b="1" dirty="0">
-              <a:solidFill>
-                <a:schemeClr val="bg2">
-                  <a:lumMod val="50000"/>
-                </a:schemeClr>
-              </a:solidFill>
-              <a:latin typeface="Segoe UI Semibold" panose="020B0502040204020203" pitchFamily="34" charset="0"/>
-              <a:cs typeface="Segoe UI Semibold" panose="020B0502040204020203" pitchFamily="34" charset="0"/>
-            </a:endParaRPr>
-          </a:p>
-        </p:txBody>
-      </p:sp>
-      <p:pic>
-        <p:nvPicPr>
-          <p:cNvPr id="11" name="Picture 10">
-            <a:extLst>
-              <a:ext uri="{FF2B5EF4-FFF2-40B4-BE49-F238E27FC236}">
-                <a16:creationId xmlns:a16="http://schemas.microsoft.com/office/drawing/2014/main" id="{CF7F17D2-A006-FB3B-8836-D671BC8F8BB7}"/>
-              </a:ext>
-            </a:extLst>
-          </p:cNvPr>
-          <p:cNvPicPr>
-            <a:picLocks noChangeAspect="1"/>
-          </p:cNvPicPr>
-          <p:nvPr/>
-        </p:nvPicPr>
-        <p:blipFill>
-          <a:blip r:embed="rId3"/>
-          <a:stretch>
-            <a:fillRect/>
-          </a:stretch>
-        </p:blipFill>
-        <p:spPr>
-          <a:xfrm>
-            <a:off x="1346199" y="1162117"/>
-            <a:ext cx="8473017" cy="5546658"/>
-          </a:xfrm>
-          <a:prstGeom prst="rect">
-            <a:avLst/>
-          </a:prstGeom>
-        </p:spPr>
-      </p:pic>
-    </p:spTree>
-    <p:extLst>
-      <p:ext uri="{BB962C8B-B14F-4D97-AF65-F5344CB8AC3E}">
-        <p14:creationId xmlns:p14="http://schemas.microsoft.com/office/powerpoint/2010/main" val="3649938668"/>
-      </p:ext>
-    </p:extLst>
-  </p:cSld>
-  <p:clrMapOvr>
-    <a:masterClrMapping/>
-  </p:clrMapOvr>
-</p:sld>
-</file>
-
-<file path=ppt/slides/slide8.xml><?xml version="1.0" encoding="utf-8"?>
-<p:sld xmlns:a="http://schemas.openxmlformats.org/drawingml/2006/main" xmlns:r="http://schemas.openxmlformats.org/officeDocument/2006/relationships" xmlns:p="http://schemas.openxmlformats.org/presentationml/2006/main">
-  <p:cSld>
-    <p:spTree>
-      <p:nvGrpSpPr>
-        <p:cNvPr id="1" name=""/>
-        <p:cNvGrpSpPr/>
-        <p:nvPr/>
-      </p:nvGrpSpPr>
-      <p:grpSpPr>
-        <a:xfrm>
-          <a:off x="0" y="0"/>
-          <a:ext cx="0" cy="0"/>
-          <a:chOff x="0" y="0"/>
-          <a:chExt cx="0" cy="0"/>
-        </a:xfrm>
-      </p:grpSpPr>
-      <p:sp>
-        <p:nvSpPr>
-          <p:cNvPr id="2" name="Tytuł 1">
-            <a:extLst>
-              <a:ext uri="{FF2B5EF4-FFF2-40B4-BE49-F238E27FC236}">
-                <a16:creationId xmlns:a16="http://schemas.microsoft.com/office/drawing/2014/main" id="{0953BD17-A7FE-4352-9D7A-10482C6865A6}"/>
-              </a:ext>
-            </a:extLst>
-          </p:cNvPr>
-          <p:cNvSpPr>
-            <a:spLocks noGrp="1"/>
-          </p:cNvSpPr>
-          <p:nvPr>
-            <p:ph type="title"/>
-          </p:nvPr>
-        </p:nvSpPr>
-        <p:spPr>
-          <a:xfrm>
-            <a:off x="444500" y="412137"/>
-            <a:ext cx="9146972" cy="640080"/>
-          </a:xfrm>
-        </p:spPr>
-        <p:txBody>
-          <a:bodyPr rtlCol="0"/>
-          <a:lstStyle>
-            <a:defPPr>
-              <a:defRPr lang="pl-PL"/>
-            </a:defPPr>
-          </a:lstStyle>
-          <a:p>
-            <a:pPr rtl="0"/>
-            <a:r>
-              <a:rPr lang="en-US" b="1" dirty="0">
-                <a:latin typeface="Segoe UI Semibold" panose="020B0502040204020203" pitchFamily="34" charset="0"/>
-                <a:cs typeface="Segoe UI Semibold" panose="020B0502040204020203" pitchFamily="34" charset="0"/>
-              </a:rPr>
-              <a:t>Data Cleaning</a:t>
-            </a:r>
-            <a:endParaRPr lang="pl-PL" b="1" dirty="0">
-              <a:latin typeface="Segoe UI Semibold" panose="020B0502040204020203" pitchFamily="34" charset="0"/>
-              <a:cs typeface="Segoe UI Semibold" panose="020B0502040204020203" pitchFamily="34" charset="0"/>
-            </a:endParaRPr>
-          </a:p>
-        </p:txBody>
-      </p:sp>
-      <p:sp>
-        <p:nvSpPr>
-          <p:cNvPr id="3" name="Zawartość — symbol zastępczy 2">
-            <a:extLst>
-              <a:ext uri="{FF2B5EF4-FFF2-40B4-BE49-F238E27FC236}">
-                <a16:creationId xmlns:a16="http://schemas.microsoft.com/office/drawing/2014/main" id="{4B3C1D5B-11AC-48D7-B0A0-63BC88617D64}"/>
-              </a:ext>
-            </a:extLst>
-          </p:cNvPr>
-          <p:cNvSpPr>
-            <a:spLocks noGrp="1"/>
-          </p:cNvSpPr>
-          <p:nvPr>
-            <p:ph sz="quarter" idx="10"/>
-          </p:nvPr>
-        </p:nvSpPr>
-        <p:spPr>
-          <a:xfrm>
-            <a:off x="444500" y="1509612"/>
-            <a:ext cx="10926233" cy="2207255"/>
-          </a:xfrm>
-        </p:spPr>
-        <p:txBody>
-          <a:bodyPr rtlCol="0">
-            <a:noAutofit/>
-          </a:bodyPr>
-          <a:lstStyle>
-            <a:defPPr>
-              <a:defRPr lang="pl-PL"/>
-            </a:defPPr>
-          </a:lstStyle>
-          <a:p>
-            <a:pPr marL="0" indent="0" rtl="0">
-              <a:spcAft>
-                <a:spcPts val="1200"/>
-              </a:spcAft>
-              <a:buNone/>
-            </a:pPr>
-            <a:r>
-              <a:rPr lang="en-US" sz="1600" b="1" dirty="0">
-                <a:latin typeface="Segoe UI" panose="020B0502040204020203" pitchFamily="34" charset="0"/>
-                <a:cs typeface="Segoe UI" panose="020B0502040204020203" pitchFamily="34" charset="0"/>
-              </a:rPr>
-              <a:t>The main problem</a:t>
-            </a:r>
-            <a:r>
-              <a:rPr lang="en-US" sz="1600" dirty="0">
-                <a:latin typeface="Segoe UI" panose="020B0502040204020203" pitchFamily="34" charset="0"/>
-                <a:cs typeface="Segoe UI" panose="020B0502040204020203" pitchFamily="34" charset="0"/>
-              </a:rPr>
-              <a:t>: HTML code in the fields</a:t>
-            </a:r>
-          </a:p>
-          <a:p>
-            <a:pPr marL="0" indent="0" rtl="0">
-              <a:spcAft>
-                <a:spcPts val="1200"/>
-              </a:spcAft>
-              <a:buNone/>
-            </a:pPr>
-            <a:endParaRPr lang="en-US" sz="1600" dirty="0">
-              <a:latin typeface="Segoe UI" panose="020B0502040204020203" pitchFamily="34" charset="0"/>
-              <a:cs typeface="Segoe UI" panose="020B0502040204020203" pitchFamily="34" charset="0"/>
-            </a:endParaRPr>
-          </a:p>
-          <a:p>
-            <a:pPr marL="0" indent="0" rtl="0">
-              <a:spcAft>
-                <a:spcPts val="1200"/>
-              </a:spcAft>
-              <a:buNone/>
-            </a:pPr>
-            <a:endParaRPr lang="en-US" sz="1600" dirty="0">
-              <a:latin typeface="Segoe UI" panose="020B0502040204020203" pitchFamily="34" charset="0"/>
-              <a:cs typeface="Segoe UI" panose="020B0502040204020203" pitchFamily="34" charset="0"/>
-            </a:endParaRPr>
-          </a:p>
-          <a:p>
-            <a:pPr marL="0" indent="0">
-              <a:spcAft>
-                <a:spcPts val="1200"/>
-              </a:spcAft>
-              <a:buNone/>
-            </a:pPr>
-            <a:r>
-              <a:rPr lang="en-US" sz="1600" b="1" dirty="0">
-                <a:latin typeface="Segoe UI" panose="020B0502040204020203" pitchFamily="34" charset="0"/>
-                <a:cs typeface="Segoe UI" panose="020B0502040204020203" pitchFamily="34" charset="0"/>
-              </a:rPr>
-              <a:t>Solution</a:t>
-            </a:r>
-            <a:r>
-              <a:rPr lang="en-US" sz="1600" dirty="0">
-                <a:latin typeface="Segoe UI" panose="020B0502040204020203" pitchFamily="34" charset="0"/>
-                <a:cs typeface="Segoe UI" panose="020B0502040204020203" pitchFamily="34" charset="0"/>
-              </a:rPr>
-              <a:t>: Creating the database views – removing carriage return (\r) and newline (\n) characters and adding quotes. </a:t>
-            </a:r>
-          </a:p>
-          <a:p>
-            <a:pPr marL="0" indent="0" rtl="0">
-              <a:spcAft>
-                <a:spcPts val="1200"/>
-              </a:spcAft>
-              <a:buNone/>
-            </a:pPr>
-            <a:endParaRPr lang="pl-PL" sz="1600" dirty="0">
-              <a:latin typeface="Segoe UI" panose="020B0502040204020203" pitchFamily="34" charset="0"/>
-              <a:cs typeface="Segoe UI" panose="020B0502040204020203" pitchFamily="34" charset="0"/>
-            </a:endParaRPr>
-          </a:p>
-        </p:txBody>
-      </p:sp>
-      <p:pic>
-        <p:nvPicPr>
-          <p:cNvPr id="13" name="Picture 12">
-            <a:extLst>
-              <a:ext uri="{FF2B5EF4-FFF2-40B4-BE49-F238E27FC236}">
-                <a16:creationId xmlns:a16="http://schemas.microsoft.com/office/drawing/2014/main" id="{D10AD0A0-E5D7-24C0-DBAC-45BFB9285668}"/>
-              </a:ext>
-            </a:extLst>
-          </p:cNvPr>
-          <p:cNvPicPr>
-            <a:picLocks noChangeAspect="1"/>
-          </p:cNvPicPr>
-          <p:nvPr/>
-        </p:nvPicPr>
-        <p:blipFill rotWithShape="1">
-          <a:blip r:embed="rId3"/>
-          <a:srcRect b="32057"/>
-          <a:stretch/>
-        </p:blipFill>
-        <p:spPr>
-          <a:xfrm>
-            <a:off x="541865" y="1869385"/>
-            <a:ext cx="10151535" cy="1140516"/>
-          </a:xfrm>
-          <a:prstGeom prst="rect">
-            <a:avLst/>
-          </a:prstGeom>
-        </p:spPr>
-      </p:pic>
-      <p:pic>
-        <p:nvPicPr>
-          <p:cNvPr id="16" name="Picture 15">
-            <a:extLst>
-              <a:ext uri="{FF2B5EF4-FFF2-40B4-BE49-F238E27FC236}">
-                <a16:creationId xmlns:a16="http://schemas.microsoft.com/office/drawing/2014/main" id="{B4B47212-0C7E-7A5E-D2ED-9301C58FACD2}"/>
-              </a:ext>
-            </a:extLst>
-          </p:cNvPr>
-          <p:cNvPicPr>
-            <a:picLocks noChangeAspect="1"/>
-          </p:cNvPicPr>
-          <p:nvPr/>
-        </p:nvPicPr>
-        <p:blipFill>
-          <a:blip r:embed="rId4"/>
-          <a:stretch>
-            <a:fillRect/>
-          </a:stretch>
-        </p:blipFill>
-        <p:spPr>
-          <a:xfrm>
-            <a:off x="1844471" y="3429000"/>
-            <a:ext cx="7747001" cy="3281792"/>
-          </a:xfrm>
-          <a:prstGeom prst="rect">
-            <a:avLst/>
-          </a:prstGeom>
-        </p:spPr>
-      </p:pic>
-    </p:spTree>
-    <p:extLst>
-      <p:ext uri="{BB962C8B-B14F-4D97-AF65-F5344CB8AC3E}">
-        <p14:creationId xmlns:p14="http://schemas.microsoft.com/office/powerpoint/2010/main" val="1079432290"/>
-      </p:ext>
-    </p:extLst>
-  </p:cSld>
-  <p:clrMapOvr>
-    <a:masterClrMapping/>
-  </p:clrMapOvr>
-</p:sld>
-</file>
-
-<file path=ppt/slides/slide9.xml><?xml version="1.0" encoding="utf-8"?>
-<p:sld xmlns:a="http://schemas.openxmlformats.org/drawingml/2006/main" xmlns:r="http://schemas.openxmlformats.org/officeDocument/2006/relationships" xmlns:p="http://schemas.openxmlformats.org/presentationml/2006/main">
-  <p:cSld>
-    <p:spTree>
-      <p:nvGrpSpPr>
-        <p:cNvPr id="1" name=""/>
-        <p:cNvGrpSpPr/>
-        <p:nvPr/>
-      </p:nvGrpSpPr>
-      <p:grpSpPr>
-        <a:xfrm>
-          <a:off x="0" y="0"/>
-          <a:ext cx="0" cy="0"/>
-          <a:chOff x="0" y="0"/>
-          <a:chExt cx="0" cy="0"/>
-        </a:xfrm>
-      </p:grpSpPr>
-      <p:sp>
-        <p:nvSpPr>
-          <p:cNvPr id="4" name="Tytuł 3">
-            <a:extLst>
-              <a:ext uri="{FF2B5EF4-FFF2-40B4-BE49-F238E27FC236}">
-                <a16:creationId xmlns:a16="http://schemas.microsoft.com/office/drawing/2014/main" id="{FE7E940F-6D6B-4FE5-8CA2-E8AE96D300C2}"/>
+                <a16:creationId xmlns:a16="http://schemas.microsoft.com/office/drawing/2014/main" id="{D6571C43-6217-F188-7A50-8E438F74283D}"/>
               </a:ext>
             </a:extLst>
           </p:cNvPr>
@@ -16191,6 +17218,10 @@
           <a:p>
             <a:pPr lvl="0"/>
             <a:r>
+              <a:rPr lang="pl-PL" sz="1600" dirty="0"/>
+              <a:t>Storage - </a:t>
+            </a:r>
+            <a:r>
               <a:rPr lang="en-US" sz="1600" dirty="0"/>
               <a:t>Cr</a:t>
             </a:r>
@@ -16215,7 +17246,7 @@
           <p:cNvPr id="19" name="Zawartość — symbol zastępczy 2">
             <a:extLst>
               <a:ext uri="{FF2B5EF4-FFF2-40B4-BE49-F238E27FC236}">
-                <a16:creationId xmlns:a16="http://schemas.microsoft.com/office/drawing/2014/main" id="{E67915F3-31F5-105E-2C51-8B4573FA557F}"/>
+                <a16:creationId xmlns:a16="http://schemas.microsoft.com/office/drawing/2014/main" id="{7E3BD155-022D-50A2-65A8-350EFE2E6972}"/>
               </a:ext>
             </a:extLst>
           </p:cNvPr>
@@ -16271,7 +17302,7 @@
           <p:cNvPr id="3" name="Picture 2">
             <a:extLst>
               <a:ext uri="{FF2B5EF4-FFF2-40B4-BE49-F238E27FC236}">
-                <a16:creationId xmlns:a16="http://schemas.microsoft.com/office/drawing/2014/main" id="{E525369C-9C8A-96C8-65CC-EED77930C838}"/>
+                <a16:creationId xmlns:a16="http://schemas.microsoft.com/office/drawing/2014/main" id="{082EFD96-C1D6-B33D-ED0E-D839FA40BA24}"/>
               </a:ext>
             </a:extLst>
           </p:cNvPr>
@@ -16301,7 +17332,7 @@
           <p:cNvPr id="5" name="Zawartość — symbol zastępczy 2">
             <a:extLst>
               <a:ext uri="{FF2B5EF4-FFF2-40B4-BE49-F238E27FC236}">
-                <a16:creationId xmlns:a16="http://schemas.microsoft.com/office/drawing/2014/main" id="{4B17FF37-21C9-7777-A68E-E007F7B14622}"/>
+                <a16:creationId xmlns:a16="http://schemas.microsoft.com/office/drawing/2014/main" id="{8B5052C3-32CC-92A0-33D7-915044A4BD91}"/>
               </a:ext>
             </a:extLst>
           </p:cNvPr>
@@ -16524,7 +17555,7 @@
           <p:cNvPr id="7" name="Picture 6">
             <a:extLst>
               <a:ext uri="{FF2B5EF4-FFF2-40B4-BE49-F238E27FC236}">
-                <a16:creationId xmlns:a16="http://schemas.microsoft.com/office/drawing/2014/main" id="{FA25AE5A-46C6-E5E4-DAAA-A3AD359D300F}"/>
+                <a16:creationId xmlns:a16="http://schemas.microsoft.com/office/drawing/2014/main" id="{FE899A41-C06A-CE2B-74E9-3EF7506B5433}"/>
               </a:ext>
             </a:extLst>
           </p:cNvPr>
@@ -16554,7 +17585,7 @@
           <p:cNvPr id="9" name="Picture 8">
             <a:extLst>
               <a:ext uri="{FF2B5EF4-FFF2-40B4-BE49-F238E27FC236}">
-                <a16:creationId xmlns:a16="http://schemas.microsoft.com/office/drawing/2014/main" id="{E4047ADF-3E8F-418B-81C7-7CF3520162C4}"/>
+                <a16:creationId xmlns:a16="http://schemas.microsoft.com/office/drawing/2014/main" id="{63336E9A-F5EC-9E70-B0BB-E33C370F7BEF}"/>
               </a:ext>
             </a:extLst>
           </p:cNvPr>
@@ -16584,7 +17615,7 @@
           <p:cNvPr id="10" name="Zawartość — symbol zastępczy 2">
             <a:extLst>
               <a:ext uri="{FF2B5EF4-FFF2-40B4-BE49-F238E27FC236}">
-                <a16:creationId xmlns:a16="http://schemas.microsoft.com/office/drawing/2014/main" id="{4DE57DF2-8D61-EBD7-CFB6-DD572797FDDC}"/>
+                <a16:creationId xmlns:a16="http://schemas.microsoft.com/office/drawing/2014/main" id="{E7913694-62D8-AFE7-A803-67387E892447}"/>
               </a:ext>
             </a:extLst>
           </p:cNvPr>
@@ -16807,7 +17838,7 @@
           <p:cNvPr id="12" name="Zawartość — symbol zastępczy 2">
             <a:extLst>
               <a:ext uri="{FF2B5EF4-FFF2-40B4-BE49-F238E27FC236}">
-                <a16:creationId xmlns:a16="http://schemas.microsoft.com/office/drawing/2014/main" id="{5141016F-38F4-D61E-A7FD-CF736BEBD717}"/>
+                <a16:creationId xmlns:a16="http://schemas.microsoft.com/office/drawing/2014/main" id="{A09899A5-6650-9B8A-F0F2-391C76127EB3}"/>
               </a:ext>
             </a:extLst>
           </p:cNvPr>
@@ -17030,7 +18061,7 @@
           <p:cNvPr id="16" name="Picture 15">
             <a:extLst>
               <a:ext uri="{FF2B5EF4-FFF2-40B4-BE49-F238E27FC236}">
-                <a16:creationId xmlns:a16="http://schemas.microsoft.com/office/drawing/2014/main" id="{23F2D0CB-B0AA-0BCD-F19C-11E413783938}"/>
+                <a16:creationId xmlns:a16="http://schemas.microsoft.com/office/drawing/2014/main" id="{5B31624A-AFE1-57AF-D2A9-5F22959BDFE8}"/>
               </a:ext>
             </a:extLst>
           </p:cNvPr>
@@ -17054,12 +18085,53 @@
           </a:prstGeom>
         </p:spPr>
       </p:pic>
+      <p:sp>
+        <p:nvSpPr>
+          <p:cNvPr id="22" name="TextBox 21">
+            <a:extLst>
+              <a:ext uri="{FF2B5EF4-FFF2-40B4-BE49-F238E27FC236}">
+                <a16:creationId xmlns:a16="http://schemas.microsoft.com/office/drawing/2014/main" id="{C2F3D8BA-6359-0CCA-5CA4-E734BA6FCDFC}"/>
+              </a:ext>
+            </a:extLst>
+          </p:cNvPr>
+          <p:cNvSpPr txBox="1"/>
+          <p:nvPr/>
+        </p:nvSpPr>
+        <p:spPr>
+          <a:xfrm>
+            <a:off x="6616085" y="1518406"/>
+            <a:ext cx="6096000" cy="369332"/>
+          </a:xfrm>
+          <a:prstGeom prst="rect">
+            <a:avLst/>
+          </a:prstGeom>
+          <a:noFill/>
+        </p:spPr>
+        <p:txBody>
+          <a:bodyPr wrap="square">
+            <a:spAutoFit/>
+          </a:bodyPr>
+          <a:lstStyle/>
+          <a:p>
+            <a:pPr marL="0" indent="0" rtl="0">
+              <a:buNone/>
+            </a:pPr>
+            <a:r>
+              <a:rPr lang="en-US" dirty="0">
+                <a:latin typeface="Segoe UI" panose="020B0502040204020203" pitchFamily="34" charset="0"/>
+                <a:cs typeface="Segoe UI" panose="020B0502040204020203" pitchFamily="34" charset="0"/>
+              </a:rPr>
+              <a:t>5. The result</a:t>
+            </a:r>
+          </a:p>
+        </p:txBody>
+      </p:sp>
       <p:pic>
         <p:nvPicPr>
-          <p:cNvPr id="18" name="Picture 17">
+          <p:cNvPr id="6" name="Picture 5">
             <a:extLst>
               <a:ext uri="{FF2B5EF4-FFF2-40B4-BE49-F238E27FC236}">
-                <a16:creationId xmlns:a16="http://schemas.microsoft.com/office/drawing/2014/main" id="{F62007DE-E5A9-4E9A-FB6C-1056186207CA}"/>
+                <a16:creationId xmlns:a16="http://schemas.microsoft.com/office/drawing/2014/main" id="{ABCB26AD-6452-3595-ADC2-71FD7504E81B}"/>
               </a:ext>
             </a:extLst>
           </p:cNvPr>
@@ -17076,8 +18148,256 @@
         </p:blipFill>
         <p:spPr>
           <a:xfrm>
-            <a:off x="7137128" y="2066363"/>
-            <a:ext cx="4768130" cy="1344857"/>
+            <a:off x="6616085" y="2051130"/>
+            <a:ext cx="5172797" cy="533474"/>
+          </a:xfrm>
+          <a:prstGeom prst="rect">
+            <a:avLst/>
+          </a:prstGeom>
+        </p:spPr>
+      </p:pic>
+      <p:pic>
+        <p:nvPicPr>
+          <p:cNvPr id="8" name="Picture 7">
+            <a:extLst>
+              <a:ext uri="{FF2B5EF4-FFF2-40B4-BE49-F238E27FC236}">
+                <a16:creationId xmlns:a16="http://schemas.microsoft.com/office/drawing/2014/main" id="{3A001DF0-DC6E-C6EB-2148-19039CC216E3}"/>
+              </a:ext>
+            </a:extLst>
+          </p:cNvPr>
+          <p:cNvPicPr>
+            <a:picLocks noChangeAspect="1"/>
+          </p:cNvPicPr>
+          <p:nvPr/>
+        </p:nvPicPr>
+        <p:blipFill>
+          <a:blip r:embed="rId8"/>
+          <a:stretch>
+            <a:fillRect/>
+          </a:stretch>
+        </p:blipFill>
+        <p:spPr>
+          <a:xfrm>
+            <a:off x="10832852" y="207814"/>
+            <a:ext cx="847843" cy="819264"/>
+          </a:xfrm>
+          <a:prstGeom prst="rect">
+            <a:avLst/>
+          </a:prstGeom>
+        </p:spPr>
+      </p:pic>
+      <p:pic>
+        <p:nvPicPr>
+          <p:cNvPr id="13" name="Picture 12">
+            <a:extLst>
+              <a:ext uri="{FF2B5EF4-FFF2-40B4-BE49-F238E27FC236}">
+                <a16:creationId xmlns:a16="http://schemas.microsoft.com/office/drawing/2014/main" id="{84B11C12-9B1C-A008-8AF3-24061137D4DA}"/>
+              </a:ext>
+            </a:extLst>
+          </p:cNvPr>
+          <p:cNvPicPr>
+            <a:picLocks noChangeAspect="1"/>
+          </p:cNvPicPr>
+          <p:nvPr/>
+        </p:nvPicPr>
+        <p:blipFill>
+          <a:blip r:embed="rId9"/>
+          <a:stretch>
+            <a:fillRect/>
+          </a:stretch>
+        </p:blipFill>
+        <p:spPr>
+          <a:xfrm>
+            <a:off x="10027175" y="288348"/>
+            <a:ext cx="640080" cy="640080"/>
+          </a:xfrm>
+          <a:prstGeom prst="rect">
+            <a:avLst/>
+          </a:prstGeom>
+        </p:spPr>
+      </p:pic>
+    </p:spTree>
+    <p:extLst>
+      <p:ext uri="{BB962C8B-B14F-4D97-AF65-F5344CB8AC3E}">
+        <p14:creationId xmlns:p14="http://schemas.microsoft.com/office/powerpoint/2010/main" val="408411308"/>
+      </p:ext>
+    </p:extLst>
+  </p:cSld>
+  <p:clrMapOvr>
+    <a:masterClrMapping/>
+  </p:clrMapOvr>
+</p:sld>
+</file>
+
+<file path=ppt/slides/slide7.xml><?xml version="1.0" encoding="utf-8"?>
+<p:sld xmlns:a="http://schemas.openxmlformats.org/drawingml/2006/main" xmlns:r="http://schemas.openxmlformats.org/officeDocument/2006/relationships" xmlns:p="http://schemas.openxmlformats.org/presentationml/2006/main">
+  <p:cSld>
+    <p:spTree>
+      <p:nvGrpSpPr>
+        <p:cNvPr id="1" name="">
+          <a:extLst>
+            <a:ext uri="{FF2B5EF4-FFF2-40B4-BE49-F238E27FC236}">
+              <a16:creationId xmlns:a16="http://schemas.microsoft.com/office/drawing/2014/main" id="{927E1750-237C-8038-E9A4-C06F344267B8}"/>
+            </a:ext>
+          </a:extLst>
+        </p:cNvPr>
+        <p:cNvGrpSpPr/>
+        <p:nvPr/>
+      </p:nvGrpSpPr>
+      <p:grpSpPr>
+        <a:xfrm>
+          <a:off x="0" y="0"/>
+          <a:ext cx="0" cy="0"/>
+          <a:chOff x="0" y="0"/>
+          <a:chExt cx="0" cy="0"/>
+        </a:xfrm>
+      </p:grpSpPr>
+      <p:sp>
+        <p:nvSpPr>
+          <p:cNvPr id="4" name="Tytuł 3">
+            <a:extLst>
+              <a:ext uri="{FF2B5EF4-FFF2-40B4-BE49-F238E27FC236}">
+                <a16:creationId xmlns:a16="http://schemas.microsoft.com/office/drawing/2014/main" id="{3F8BB57F-A608-17BC-2B43-C658EFC6CA3F}"/>
+              </a:ext>
+            </a:extLst>
+          </p:cNvPr>
+          <p:cNvSpPr>
+            <a:spLocks noGrp="1"/>
+          </p:cNvSpPr>
+          <p:nvPr>
+            <p:ph type="title"/>
+          </p:nvPr>
+        </p:nvSpPr>
+        <p:spPr>
+          <a:xfrm>
+            <a:off x="444500" y="430609"/>
+            <a:ext cx="9146972" cy="640080"/>
+          </a:xfrm>
+        </p:spPr>
+        <p:txBody>
+          <a:bodyPr rtlCol="0" anchor="ctr">
+            <a:normAutofit/>
+          </a:bodyPr>
+          <a:lstStyle>
+            <a:defPPr>
+              <a:defRPr lang="pl-PL"/>
+            </a:defPPr>
+          </a:lstStyle>
+          <a:p>
+            <a:pPr rtl="0"/>
+            <a:r>
+              <a:rPr lang="pl-PL" sz="2600" b="1" dirty="0"/>
+              <a:t>Streaming</a:t>
+            </a:r>
+          </a:p>
+        </p:txBody>
+      </p:sp>
+      <p:sp>
+        <p:nvSpPr>
+          <p:cNvPr id="19" name="Zawartość — symbol zastępczy 2">
+            <a:extLst>
+              <a:ext uri="{FF2B5EF4-FFF2-40B4-BE49-F238E27FC236}">
+                <a16:creationId xmlns:a16="http://schemas.microsoft.com/office/drawing/2014/main" id="{893D84FB-FFE6-4130-DA19-7335747F2E45}"/>
+              </a:ext>
+            </a:extLst>
+          </p:cNvPr>
+          <p:cNvSpPr>
+            <a:spLocks noGrp="1"/>
+          </p:cNvSpPr>
+          <p:nvPr>
+            <p:ph sz="quarter" idx="10"/>
+          </p:nvPr>
+        </p:nvSpPr>
+        <p:spPr>
+          <a:xfrm>
+            <a:off x="444500" y="1397339"/>
+            <a:ext cx="8031986" cy="2424012"/>
+          </a:xfrm>
+        </p:spPr>
+        <p:txBody>
+          <a:bodyPr rtlCol="0">
+            <a:noAutofit/>
+          </a:bodyPr>
+          <a:lstStyle>
+            <a:defPPr>
+              <a:defRPr lang="pl-PL"/>
+            </a:defPPr>
+          </a:lstStyle>
+          <a:p>
+            <a:pPr rtl="0"/>
+            <a:r>
+              <a:rPr lang="en-US" dirty="0">
+                <a:latin typeface="Segoe UI" panose="020B0502040204020203" pitchFamily="34" charset="0"/>
+                <a:cs typeface="Segoe UI" panose="020B0502040204020203" pitchFamily="34" charset="0"/>
+              </a:rPr>
+              <a:t>A Kafka producer written in Python that sends the raw data </a:t>
+            </a:r>
+            <a:r>
+              <a:rPr lang="pl-PL" dirty="0" err="1">
+                <a:latin typeface="Segoe UI" panose="020B0502040204020203" pitchFamily="34" charset="0"/>
+                <a:cs typeface="Segoe UI" panose="020B0502040204020203" pitchFamily="34" charset="0"/>
+              </a:rPr>
+              <a:t>regularly</a:t>
+            </a:r>
+            <a:r>
+              <a:rPr lang="pl-PL" dirty="0">
+                <a:latin typeface="Segoe UI" panose="020B0502040204020203" pitchFamily="34" charset="0"/>
+                <a:cs typeface="Segoe UI" panose="020B0502040204020203" pitchFamily="34" charset="0"/>
+              </a:rPr>
+              <a:t> </a:t>
+            </a:r>
+            <a:r>
+              <a:rPr lang="en-US" dirty="0">
+                <a:latin typeface="Segoe UI" panose="020B0502040204020203" pitchFamily="34" charset="0"/>
+                <a:cs typeface="Segoe UI" panose="020B0502040204020203" pitchFamily="34" charset="0"/>
+              </a:rPr>
+              <a:t>to Azure Event Hubs</a:t>
+            </a:r>
+            <a:endParaRPr lang="pl-PL" dirty="0">
+              <a:latin typeface="Segoe UI" panose="020B0502040204020203" pitchFamily="34" charset="0"/>
+              <a:cs typeface="Segoe UI" panose="020B0502040204020203" pitchFamily="34" charset="0"/>
+            </a:endParaRPr>
+          </a:p>
+          <a:p>
+            <a:pPr rtl="0"/>
+            <a:r>
+              <a:rPr lang="en-US" dirty="0">
+                <a:latin typeface="Segoe UI" panose="020B0502040204020203" pitchFamily="34" charset="0"/>
+                <a:cs typeface="Segoe UI" panose="020B0502040204020203" pitchFamily="34" charset="0"/>
+              </a:rPr>
+              <a:t>Producer, scheduler, and application log components are deployed on the same Azure Flask application.</a:t>
+            </a:r>
+            <a:endParaRPr lang="pl-PL" dirty="0">
+              <a:latin typeface="Segoe UI" panose="020B0502040204020203" pitchFamily="34" charset="0"/>
+              <a:cs typeface="Segoe UI" panose="020B0502040204020203" pitchFamily="34" charset="0"/>
+            </a:endParaRPr>
+          </a:p>
+        </p:txBody>
+      </p:sp>
+      <p:pic>
+        <p:nvPicPr>
+          <p:cNvPr id="5" name="Picture 4">
+            <a:extLst>
+              <a:ext uri="{FF2B5EF4-FFF2-40B4-BE49-F238E27FC236}">
+                <a16:creationId xmlns:a16="http://schemas.microsoft.com/office/drawing/2014/main" id="{47CCD019-59A0-67C1-673E-DBB7AA101275}"/>
+              </a:ext>
+            </a:extLst>
+          </p:cNvPr>
+          <p:cNvPicPr>
+            <a:picLocks noChangeAspect="1"/>
+          </p:cNvPicPr>
+          <p:nvPr/>
+        </p:nvPicPr>
+        <p:blipFill>
+          <a:blip r:embed="rId3"/>
+          <a:stretch>
+            <a:fillRect/>
+          </a:stretch>
+        </p:blipFill>
+        <p:spPr>
+          <a:xfrm>
+            <a:off x="3401568" y="2464177"/>
+            <a:ext cx="5466845" cy="1927468"/>
           </a:xfrm>
           <a:prstGeom prst="rect">
             <a:avLst/>
@@ -17086,49 +18406,823 @@
       </p:pic>
       <p:sp>
         <p:nvSpPr>
-          <p:cNvPr id="22" name="TextBox 21">
+          <p:cNvPr id="7" name="Zawartość — symbol zastępczy 2">
             <a:extLst>
               <a:ext uri="{FF2B5EF4-FFF2-40B4-BE49-F238E27FC236}">
-                <a16:creationId xmlns:a16="http://schemas.microsoft.com/office/drawing/2014/main" id="{3D69EA30-B346-165C-52FF-F5DC2C183C6A}"/>
+                <a16:creationId xmlns:a16="http://schemas.microsoft.com/office/drawing/2014/main" id="{9EBB61FB-7DDE-507D-F539-47E0971B0E10}"/>
               </a:ext>
             </a:extLst>
           </p:cNvPr>
-          <p:cNvSpPr txBox="1"/>
+          <p:cNvSpPr txBox="1">
+            <a:spLocks/>
+          </p:cNvSpPr>
           <p:nvPr/>
         </p:nvSpPr>
         <p:spPr>
           <a:xfrm>
-            <a:off x="7137128" y="1509612"/>
-            <a:ext cx="6096000" cy="369332"/>
+            <a:off x="576620" y="4532692"/>
+            <a:ext cx="8031986" cy="1100012"/>
           </a:xfrm>
           <a:prstGeom prst="rect">
             <a:avLst/>
           </a:prstGeom>
-          <a:noFill/>
         </p:spPr>
         <p:txBody>
-          <a:bodyPr wrap="square">
-            <a:spAutoFit/>
+          <a:bodyPr vert="horz" lIns="91440" tIns="45720" rIns="91440" bIns="45720" rtlCol="0">
+            <a:noAutofit/>
           </a:bodyPr>
-          <a:lstStyle/>
-          <a:p>
-            <a:pPr marL="0" indent="0" rtl="0">
-              <a:buNone/>
-            </a:pPr>
+          <a:lstStyle>
+            <a:defPPr>
+              <a:defRPr lang="pl-PL"/>
+            </a:defPPr>
+            <a:lvl1pPr marL="228598" indent="-228598" algn="l" defTabSz="914391" rtl="0" eaLnBrk="1" latinLnBrk="0" hangingPunct="1">
+              <a:lnSpc>
+                <a:spcPct val="100000"/>
+              </a:lnSpc>
+              <a:spcBef>
+                <a:spcPts val="1000"/>
+              </a:spcBef>
+              <a:buFont typeface="Arial" panose="020B0604020202020204" pitchFamily="34" charset="0"/>
+              <a:buChar char="•"/>
+              <a:defRPr lang="pl-PL" sz="1400" kern="1200" smtClean="0">
+                <a:solidFill>
+                  <a:schemeClr val="tx1">
+                    <a:lumMod val="75000"/>
+                    <a:lumOff val="25000"/>
+                  </a:schemeClr>
+                </a:solidFill>
+                <a:latin typeface="+mn-lt"/>
+                <a:ea typeface="+mn-ea"/>
+                <a:cs typeface="+mn-cs"/>
+              </a:defRPr>
+            </a:lvl1pPr>
+            <a:lvl2pPr marL="685793" indent="-228598" algn="l" defTabSz="914391" rtl="0" eaLnBrk="1" latinLnBrk="0" hangingPunct="1">
+              <a:lnSpc>
+                <a:spcPct val="100000"/>
+              </a:lnSpc>
+              <a:spcBef>
+                <a:spcPts val="500"/>
+              </a:spcBef>
+              <a:buFont typeface="Arial" panose="020B0604020202020204" pitchFamily="34" charset="0"/>
+              <a:buChar char="•"/>
+              <a:defRPr lang="pl-PL" sz="1400" kern="1200" smtClean="0">
+                <a:solidFill>
+                  <a:schemeClr val="tx1">
+                    <a:lumMod val="75000"/>
+                    <a:lumOff val="25000"/>
+                  </a:schemeClr>
+                </a:solidFill>
+                <a:latin typeface="+mn-lt"/>
+                <a:ea typeface="+mn-ea"/>
+                <a:cs typeface="+mn-cs"/>
+              </a:defRPr>
+            </a:lvl2pPr>
+            <a:lvl3pPr marL="1142989" indent="-228598" algn="l" defTabSz="914391" rtl="0" eaLnBrk="1" latinLnBrk="0" hangingPunct="1">
+              <a:lnSpc>
+                <a:spcPct val="100000"/>
+              </a:lnSpc>
+              <a:spcBef>
+                <a:spcPts val="500"/>
+              </a:spcBef>
+              <a:buFont typeface="Arial" panose="020B0604020202020204" pitchFamily="34" charset="0"/>
+              <a:buChar char="•"/>
+              <a:defRPr lang="pl-PL" sz="1400" kern="1200" smtClean="0">
+                <a:solidFill>
+                  <a:schemeClr val="tx1">
+                    <a:lumMod val="75000"/>
+                    <a:lumOff val="25000"/>
+                  </a:schemeClr>
+                </a:solidFill>
+                <a:latin typeface="+mn-lt"/>
+                <a:ea typeface="+mn-ea"/>
+                <a:cs typeface="+mn-cs"/>
+              </a:defRPr>
+            </a:lvl3pPr>
+            <a:lvl4pPr marL="1600185" indent="-228598" algn="l" defTabSz="914391" rtl="0" eaLnBrk="1" latinLnBrk="0" hangingPunct="1">
+              <a:lnSpc>
+                <a:spcPct val="100000"/>
+              </a:lnSpc>
+              <a:spcBef>
+                <a:spcPts val="500"/>
+              </a:spcBef>
+              <a:buFont typeface="Arial" panose="020B0604020202020204" pitchFamily="34" charset="0"/>
+              <a:buChar char="•"/>
+              <a:defRPr lang="pl-PL" sz="1400" kern="1200" smtClean="0">
+                <a:solidFill>
+                  <a:schemeClr val="tx1">
+                    <a:lumMod val="75000"/>
+                    <a:lumOff val="25000"/>
+                  </a:schemeClr>
+                </a:solidFill>
+                <a:latin typeface="+mn-lt"/>
+                <a:ea typeface="+mn-ea"/>
+                <a:cs typeface="+mn-cs"/>
+              </a:defRPr>
+            </a:lvl4pPr>
+            <a:lvl5pPr marL="2057380" indent="-228598" algn="l" defTabSz="914391" rtl="0" eaLnBrk="1" latinLnBrk="0" hangingPunct="1">
+              <a:lnSpc>
+                <a:spcPct val="100000"/>
+              </a:lnSpc>
+              <a:spcBef>
+                <a:spcPts val="500"/>
+              </a:spcBef>
+              <a:buFont typeface="Arial" panose="020B0604020202020204" pitchFamily="34" charset="0"/>
+              <a:buChar char="•"/>
+              <a:defRPr lang="pl-PL" sz="1400" kern="1200">
+                <a:solidFill>
+                  <a:schemeClr val="tx1">
+                    <a:lumMod val="75000"/>
+                    <a:lumOff val="25000"/>
+                  </a:schemeClr>
+                </a:solidFill>
+                <a:latin typeface="+mn-lt"/>
+                <a:ea typeface="+mn-ea"/>
+                <a:cs typeface="+mn-cs"/>
+              </a:defRPr>
+            </a:lvl5pPr>
+            <a:lvl6pPr marL="2514576" indent="-228598" algn="l" defTabSz="914391" rtl="0" eaLnBrk="1" latinLnBrk="0" hangingPunct="1">
+              <a:lnSpc>
+                <a:spcPct val="90000"/>
+              </a:lnSpc>
+              <a:spcBef>
+                <a:spcPts val="500"/>
+              </a:spcBef>
+              <a:buFont typeface="Arial" panose="020B0604020202020204" pitchFamily="34" charset="0"/>
+              <a:buChar char="•"/>
+              <a:defRPr lang="pl-PL" sz="1800" kern="1200">
+                <a:solidFill>
+                  <a:schemeClr val="tx1"/>
+                </a:solidFill>
+                <a:latin typeface="+mn-lt"/>
+                <a:ea typeface="+mn-ea"/>
+                <a:cs typeface="+mn-cs"/>
+              </a:defRPr>
+            </a:lvl6pPr>
+            <a:lvl7pPr marL="2971772" indent="-228598" algn="l" defTabSz="914391" rtl="0" eaLnBrk="1" latinLnBrk="0" hangingPunct="1">
+              <a:lnSpc>
+                <a:spcPct val="90000"/>
+              </a:lnSpc>
+              <a:spcBef>
+                <a:spcPts val="500"/>
+              </a:spcBef>
+              <a:buFont typeface="Arial" panose="020B0604020202020204" pitchFamily="34" charset="0"/>
+              <a:buChar char="•"/>
+              <a:defRPr lang="pl-PL" sz="1800" kern="1200">
+                <a:solidFill>
+                  <a:schemeClr val="tx1"/>
+                </a:solidFill>
+                <a:latin typeface="+mn-lt"/>
+                <a:ea typeface="+mn-ea"/>
+                <a:cs typeface="+mn-cs"/>
+              </a:defRPr>
+            </a:lvl7pPr>
+            <a:lvl8pPr marL="3428967" indent="-228598" algn="l" defTabSz="914391" rtl="0" eaLnBrk="1" latinLnBrk="0" hangingPunct="1">
+              <a:lnSpc>
+                <a:spcPct val="90000"/>
+              </a:lnSpc>
+              <a:spcBef>
+                <a:spcPts val="500"/>
+              </a:spcBef>
+              <a:buFont typeface="Arial" panose="020B0604020202020204" pitchFamily="34" charset="0"/>
+              <a:buChar char="•"/>
+              <a:defRPr lang="pl-PL" sz="1800" kern="1200">
+                <a:solidFill>
+                  <a:schemeClr val="tx1"/>
+                </a:solidFill>
+                <a:latin typeface="+mn-lt"/>
+                <a:ea typeface="+mn-ea"/>
+                <a:cs typeface="+mn-cs"/>
+              </a:defRPr>
+            </a:lvl8pPr>
+            <a:lvl9pPr marL="3886163" indent="-228598" algn="l" defTabSz="914391" rtl="0" eaLnBrk="1" latinLnBrk="0" hangingPunct="1">
+              <a:lnSpc>
+                <a:spcPct val="90000"/>
+              </a:lnSpc>
+              <a:spcBef>
+                <a:spcPts val="500"/>
+              </a:spcBef>
+              <a:buFont typeface="Arial" panose="020B0604020202020204" pitchFamily="34" charset="0"/>
+              <a:buChar char="•"/>
+              <a:defRPr lang="pl-PL" sz="1800" kern="1200">
+                <a:solidFill>
+                  <a:schemeClr val="tx1"/>
+                </a:solidFill>
+                <a:latin typeface="+mn-lt"/>
+                <a:ea typeface="+mn-ea"/>
+                <a:cs typeface="+mn-cs"/>
+              </a:defRPr>
+            </a:lvl9pPr>
+          </a:lstStyle>
+          <a:p>
             <a:r>
               <a:rPr lang="en-US" dirty="0">
                 <a:latin typeface="Segoe UI" panose="020B0502040204020203" pitchFamily="34" charset="0"/>
                 <a:cs typeface="Segoe UI" panose="020B0502040204020203" pitchFamily="34" charset="0"/>
               </a:rPr>
-              <a:t>5. The result</a:t>
-            </a:r>
+              <a:t>A Kafka </a:t>
+            </a:r>
+            <a:r>
+              <a:rPr lang="pl-PL" dirty="0" err="1">
+                <a:latin typeface="Segoe UI" panose="020B0502040204020203" pitchFamily="34" charset="0"/>
+                <a:cs typeface="Segoe UI" panose="020B0502040204020203" pitchFamily="34" charset="0"/>
+              </a:rPr>
+              <a:t>consumer</a:t>
+            </a:r>
+            <a:r>
+              <a:rPr lang="pl-PL" dirty="0">
+                <a:latin typeface="Segoe UI" panose="020B0502040204020203" pitchFamily="34" charset="0"/>
+                <a:cs typeface="Segoe UI" panose="020B0502040204020203" pitchFamily="34" charset="0"/>
+              </a:rPr>
+              <a:t> </a:t>
+            </a:r>
+            <a:r>
+              <a:rPr lang="pl-PL" dirty="0" err="1">
+                <a:latin typeface="Segoe UI" panose="020B0502040204020203" pitchFamily="34" charset="0"/>
+                <a:cs typeface="Segoe UI" panose="020B0502040204020203" pitchFamily="34" charset="0"/>
+              </a:rPr>
+              <a:t>implemented</a:t>
+            </a:r>
+            <a:r>
+              <a:rPr lang="pl-PL" dirty="0">
+                <a:latin typeface="Segoe UI" panose="020B0502040204020203" pitchFamily="34" charset="0"/>
+                <a:cs typeface="Segoe UI" panose="020B0502040204020203" pitchFamily="34" charset="0"/>
+              </a:rPr>
+              <a:t> on </a:t>
+            </a:r>
+            <a:r>
+              <a:rPr lang="pl-PL" dirty="0" err="1">
+                <a:latin typeface="Segoe UI" panose="020B0502040204020203" pitchFamily="34" charset="0"/>
+                <a:cs typeface="Segoe UI" panose="020B0502040204020203" pitchFamily="34" charset="0"/>
+              </a:rPr>
+              <a:t>Azure</a:t>
+            </a:r>
+            <a:r>
+              <a:rPr lang="pl-PL" dirty="0">
+                <a:latin typeface="Segoe UI" panose="020B0502040204020203" pitchFamily="34" charset="0"/>
+                <a:cs typeface="Segoe UI" panose="020B0502040204020203" pitchFamily="34" charset="0"/>
+              </a:rPr>
+              <a:t> </a:t>
+            </a:r>
+            <a:r>
+              <a:rPr lang="pl-PL" dirty="0" err="1">
+                <a:latin typeface="Segoe UI" panose="020B0502040204020203" pitchFamily="34" charset="0"/>
+                <a:cs typeface="Segoe UI" panose="020B0502040204020203" pitchFamily="34" charset="0"/>
+              </a:rPr>
+              <a:t>Databricks</a:t>
+            </a:r>
+            <a:endParaRPr lang="en-US" dirty="0">
+              <a:latin typeface="Segoe UI" panose="020B0502040204020203" pitchFamily="34" charset="0"/>
+              <a:cs typeface="Segoe UI" panose="020B0502040204020203" pitchFamily="34" charset="0"/>
+            </a:endParaRPr>
           </a:p>
         </p:txBody>
       </p:sp>
+      <p:pic>
+        <p:nvPicPr>
+          <p:cNvPr id="10" name="Picture 9">
+            <a:extLst>
+              <a:ext uri="{FF2B5EF4-FFF2-40B4-BE49-F238E27FC236}">
+                <a16:creationId xmlns:a16="http://schemas.microsoft.com/office/drawing/2014/main" id="{C36A6B93-7E18-5A0B-148D-C703F533FD65}"/>
+              </a:ext>
+            </a:extLst>
+          </p:cNvPr>
+          <p:cNvPicPr>
+            <a:picLocks noChangeAspect="1"/>
+          </p:cNvPicPr>
+          <p:nvPr/>
+        </p:nvPicPr>
+        <p:blipFill>
+          <a:blip r:embed="rId4"/>
+          <a:stretch>
+            <a:fillRect/>
+          </a:stretch>
+        </p:blipFill>
+        <p:spPr>
+          <a:xfrm>
+            <a:off x="2048256" y="4994425"/>
+            <a:ext cx="6820157" cy="1456196"/>
+          </a:xfrm>
+          <a:prstGeom prst="rect">
+            <a:avLst/>
+          </a:prstGeom>
+        </p:spPr>
+      </p:pic>
+      <p:pic>
+        <p:nvPicPr>
+          <p:cNvPr id="2" name="Picture 1">
+            <a:extLst>
+              <a:ext uri="{FF2B5EF4-FFF2-40B4-BE49-F238E27FC236}">
+                <a16:creationId xmlns:a16="http://schemas.microsoft.com/office/drawing/2014/main" id="{A1CE8F5C-2F50-F0DF-4810-380F77CF3242}"/>
+              </a:ext>
+            </a:extLst>
+          </p:cNvPr>
+          <p:cNvPicPr>
+            <a:picLocks noChangeAspect="1"/>
+          </p:cNvPicPr>
+          <p:nvPr/>
+        </p:nvPicPr>
+        <p:blipFill>
+          <a:blip r:embed="rId5"/>
+          <a:stretch>
+            <a:fillRect/>
+          </a:stretch>
+        </p:blipFill>
+        <p:spPr>
+          <a:xfrm>
+            <a:off x="8197183" y="233588"/>
+            <a:ext cx="863909" cy="765489"/>
+          </a:xfrm>
+          <a:prstGeom prst="rect">
+            <a:avLst/>
+          </a:prstGeom>
+        </p:spPr>
+      </p:pic>
+      <p:pic>
+        <p:nvPicPr>
+          <p:cNvPr id="3" name="Picture 2">
+            <a:extLst>
+              <a:ext uri="{FF2B5EF4-FFF2-40B4-BE49-F238E27FC236}">
+                <a16:creationId xmlns:a16="http://schemas.microsoft.com/office/drawing/2014/main" id="{75F0B418-13C5-96C6-0B01-0CF0E662AC78}"/>
+              </a:ext>
+            </a:extLst>
+          </p:cNvPr>
+          <p:cNvPicPr>
+            <a:picLocks noChangeAspect="1"/>
+          </p:cNvPicPr>
+          <p:nvPr/>
+        </p:nvPicPr>
+        <p:blipFill>
+          <a:blip r:embed="rId6"/>
+          <a:stretch>
+            <a:fillRect/>
+          </a:stretch>
+        </p:blipFill>
+        <p:spPr>
+          <a:xfrm>
+            <a:off x="7352328" y="294771"/>
+            <a:ext cx="757187" cy="678998"/>
+          </a:xfrm>
+          <a:prstGeom prst="rect">
+            <a:avLst/>
+          </a:prstGeom>
+        </p:spPr>
+      </p:pic>
+      <p:pic>
+        <p:nvPicPr>
+          <p:cNvPr id="8" name="Picture 7">
+            <a:extLst>
+              <a:ext uri="{FF2B5EF4-FFF2-40B4-BE49-F238E27FC236}">
+                <a16:creationId xmlns:a16="http://schemas.microsoft.com/office/drawing/2014/main" id="{FB4AC908-098F-16EB-5474-EAA772F362B0}"/>
+              </a:ext>
+            </a:extLst>
+          </p:cNvPr>
+          <p:cNvPicPr>
+            <a:picLocks noChangeAspect="1"/>
+          </p:cNvPicPr>
+          <p:nvPr/>
+        </p:nvPicPr>
+        <p:blipFill>
+          <a:blip r:embed="rId7"/>
+          <a:stretch>
+            <a:fillRect/>
+          </a:stretch>
+        </p:blipFill>
+        <p:spPr>
+          <a:xfrm>
+            <a:off x="10148500" y="220735"/>
+            <a:ext cx="1337464" cy="758102"/>
+          </a:xfrm>
+          <a:prstGeom prst="rect">
+            <a:avLst/>
+          </a:prstGeom>
+        </p:spPr>
+      </p:pic>
+      <p:pic>
+        <p:nvPicPr>
+          <p:cNvPr id="14" name="Picture 13">
+            <a:extLst>
+              <a:ext uri="{FF2B5EF4-FFF2-40B4-BE49-F238E27FC236}">
+                <a16:creationId xmlns:a16="http://schemas.microsoft.com/office/drawing/2014/main" id="{750EAF17-694B-2F97-C732-7AEAC61C4F47}"/>
+              </a:ext>
+            </a:extLst>
+          </p:cNvPr>
+          <p:cNvPicPr>
+            <a:picLocks noChangeAspect="1"/>
+          </p:cNvPicPr>
+          <p:nvPr/>
+        </p:nvPicPr>
+        <p:blipFill>
+          <a:blip r:embed="rId8"/>
+          <a:stretch>
+            <a:fillRect/>
+          </a:stretch>
+        </p:blipFill>
+        <p:spPr>
+          <a:xfrm>
+            <a:off x="9192475" y="233588"/>
+            <a:ext cx="773761" cy="751966"/>
+          </a:xfrm>
+          <a:prstGeom prst="rect">
+            <a:avLst/>
+          </a:prstGeom>
+        </p:spPr>
+      </p:pic>
     </p:spTree>
     <p:extLst>
       <p:ext uri="{BB962C8B-B14F-4D97-AF65-F5344CB8AC3E}">
-        <p14:creationId xmlns:p14="http://schemas.microsoft.com/office/powerpoint/2010/main" val="1268786672"/>
+        <p14:creationId xmlns:p14="http://schemas.microsoft.com/office/powerpoint/2010/main" val="360262779"/>
+      </p:ext>
+    </p:extLst>
+  </p:cSld>
+  <p:clrMapOvr>
+    <a:masterClrMapping/>
+  </p:clrMapOvr>
+</p:sld>
+</file>
+
+<file path=ppt/slides/slide8.xml><?xml version="1.0" encoding="utf-8"?>
+<p:sld xmlns:a="http://schemas.openxmlformats.org/drawingml/2006/main" xmlns:r="http://schemas.openxmlformats.org/officeDocument/2006/relationships" xmlns:p="http://schemas.openxmlformats.org/presentationml/2006/main">
+  <p:cSld>
+    <p:spTree>
+      <p:nvGrpSpPr>
+        <p:cNvPr id="1" name="">
+          <a:extLst>
+            <a:ext uri="{FF2B5EF4-FFF2-40B4-BE49-F238E27FC236}">
+              <a16:creationId xmlns:a16="http://schemas.microsoft.com/office/drawing/2014/main" id="{27B47B0C-1A3B-E8BE-11AE-9203CA43D9CD}"/>
+            </a:ext>
+          </a:extLst>
+        </p:cNvPr>
+        <p:cNvGrpSpPr/>
+        <p:nvPr/>
+      </p:nvGrpSpPr>
+      <p:grpSpPr>
+        <a:xfrm>
+          <a:off x="0" y="0"/>
+          <a:ext cx="0" cy="0"/>
+          <a:chOff x="0" y="0"/>
+          <a:chExt cx="0" cy="0"/>
+        </a:xfrm>
+      </p:grpSpPr>
+      <p:sp>
+        <p:nvSpPr>
+          <p:cNvPr id="4" name="Tytuł 3">
+            <a:extLst>
+              <a:ext uri="{FF2B5EF4-FFF2-40B4-BE49-F238E27FC236}">
+                <a16:creationId xmlns:a16="http://schemas.microsoft.com/office/drawing/2014/main" id="{33BA125B-B6AA-17EC-7E1F-ED1211400680}"/>
+              </a:ext>
+            </a:extLst>
+          </p:cNvPr>
+          <p:cNvSpPr>
+            <a:spLocks noGrp="1"/>
+          </p:cNvSpPr>
+          <p:nvPr>
+            <p:ph type="title"/>
+          </p:nvPr>
+        </p:nvSpPr>
+        <p:spPr>
+          <a:xfrm>
+            <a:off x="444500" y="430609"/>
+            <a:ext cx="9146972" cy="640080"/>
+          </a:xfrm>
+        </p:spPr>
+        <p:txBody>
+          <a:bodyPr rtlCol="0" anchor="ctr">
+            <a:normAutofit/>
+          </a:bodyPr>
+          <a:lstStyle>
+            <a:defPPr>
+              <a:defRPr lang="pl-PL"/>
+            </a:defPPr>
+          </a:lstStyle>
+          <a:p>
+            <a:pPr rtl="0"/>
+            <a:r>
+              <a:rPr lang="pl-PL" sz="2600" b="1" dirty="0"/>
+              <a:t>Streaming</a:t>
+            </a:r>
+          </a:p>
+        </p:txBody>
+      </p:sp>
+      <p:sp>
+        <p:nvSpPr>
+          <p:cNvPr id="19" name="Zawartość — symbol zastępczy 2">
+            <a:extLst>
+              <a:ext uri="{FF2B5EF4-FFF2-40B4-BE49-F238E27FC236}">
+                <a16:creationId xmlns:a16="http://schemas.microsoft.com/office/drawing/2014/main" id="{3C7235F6-6330-E7B2-B80A-FEC7A292DA2E}"/>
+              </a:ext>
+            </a:extLst>
+          </p:cNvPr>
+          <p:cNvSpPr>
+            <a:spLocks noGrp="1"/>
+          </p:cNvSpPr>
+          <p:nvPr>
+            <p:ph sz="quarter" idx="10"/>
+          </p:nvPr>
+        </p:nvSpPr>
+        <p:spPr>
+          <a:xfrm>
+            <a:off x="444500" y="1397339"/>
+            <a:ext cx="8031986" cy="1070288"/>
+          </a:xfrm>
+        </p:spPr>
+        <p:txBody>
+          <a:bodyPr rtlCol="0">
+            <a:noAutofit/>
+          </a:bodyPr>
+          <a:lstStyle>
+            <a:defPPr>
+              <a:defRPr lang="pl-PL"/>
+            </a:defPPr>
+          </a:lstStyle>
+          <a:p>
+            <a:pPr rtl="0"/>
+            <a:r>
+              <a:rPr lang="en-US" dirty="0">
+                <a:latin typeface="Segoe UI" panose="020B0502040204020203" pitchFamily="34" charset="0"/>
+                <a:cs typeface="Segoe UI" panose="020B0502040204020203" pitchFamily="34" charset="0"/>
+              </a:rPr>
+              <a:t>Reading the stream from the beginning.</a:t>
+            </a:r>
+          </a:p>
+          <a:p>
+            <a:pPr rtl="0"/>
+            <a:r>
+              <a:rPr lang="en-US" dirty="0">
+                <a:latin typeface="Segoe UI" panose="020B0502040204020203" pitchFamily="34" charset="0"/>
+                <a:cs typeface="Segoe UI" panose="020B0502040204020203" pitchFamily="34" charset="0"/>
+              </a:rPr>
+              <a:t>Converting the key and value to strings</a:t>
+            </a:r>
+            <a:r>
+              <a:rPr lang="pl-PL" dirty="0">
+                <a:latin typeface="Segoe UI" panose="020B0502040204020203" pitchFamily="34" charset="0"/>
+                <a:cs typeface="Segoe UI" panose="020B0502040204020203" pitchFamily="34" charset="0"/>
+              </a:rPr>
+              <a:t>.</a:t>
+            </a:r>
+          </a:p>
+        </p:txBody>
+      </p:sp>
+      <p:pic>
+        <p:nvPicPr>
+          <p:cNvPr id="3" name="Picture 2">
+            <a:extLst>
+              <a:ext uri="{FF2B5EF4-FFF2-40B4-BE49-F238E27FC236}">
+                <a16:creationId xmlns:a16="http://schemas.microsoft.com/office/drawing/2014/main" id="{33E0DB27-FADD-AFF3-3BE5-1486349AB1DE}"/>
+              </a:ext>
+            </a:extLst>
+          </p:cNvPr>
+          <p:cNvPicPr>
+            <a:picLocks noChangeAspect="1"/>
+          </p:cNvPicPr>
+          <p:nvPr/>
+        </p:nvPicPr>
+        <p:blipFill>
+          <a:blip r:embed="rId3"/>
+          <a:stretch>
+            <a:fillRect/>
+          </a:stretch>
+        </p:blipFill>
+        <p:spPr>
+          <a:xfrm>
+            <a:off x="2174842" y="2298057"/>
+            <a:ext cx="7316221" cy="3915321"/>
+          </a:xfrm>
+          <a:prstGeom prst="rect">
+            <a:avLst/>
+          </a:prstGeom>
+        </p:spPr>
+      </p:pic>
+      <p:pic>
+        <p:nvPicPr>
+          <p:cNvPr id="2" name="Picture 1">
+            <a:extLst>
+              <a:ext uri="{FF2B5EF4-FFF2-40B4-BE49-F238E27FC236}">
+                <a16:creationId xmlns:a16="http://schemas.microsoft.com/office/drawing/2014/main" id="{6A6DE99A-13A8-1272-DF46-1D10906B32C8}"/>
+              </a:ext>
+            </a:extLst>
+          </p:cNvPr>
+          <p:cNvPicPr>
+            <a:picLocks noChangeAspect="1"/>
+          </p:cNvPicPr>
+          <p:nvPr/>
+        </p:nvPicPr>
+        <p:blipFill>
+          <a:blip r:embed="rId4"/>
+          <a:stretch>
+            <a:fillRect/>
+          </a:stretch>
+        </p:blipFill>
+        <p:spPr>
+          <a:xfrm>
+            <a:off x="8345140" y="269208"/>
+            <a:ext cx="1337464" cy="758102"/>
+          </a:xfrm>
+          <a:prstGeom prst="rect">
+            <a:avLst/>
+          </a:prstGeom>
+        </p:spPr>
+      </p:pic>
+      <p:pic>
+        <p:nvPicPr>
+          <p:cNvPr id="5" name="Picture 4">
+            <a:extLst>
+              <a:ext uri="{FF2B5EF4-FFF2-40B4-BE49-F238E27FC236}">
+                <a16:creationId xmlns:a16="http://schemas.microsoft.com/office/drawing/2014/main" id="{AAD9BAA4-3C1F-8F9F-60A8-180A0C788D3E}"/>
+              </a:ext>
+            </a:extLst>
+          </p:cNvPr>
+          <p:cNvPicPr>
+            <a:picLocks noChangeAspect="1"/>
+          </p:cNvPicPr>
+          <p:nvPr/>
+        </p:nvPicPr>
+        <p:blipFill>
+          <a:blip r:embed="rId5"/>
+          <a:stretch>
+            <a:fillRect/>
+          </a:stretch>
+        </p:blipFill>
+        <p:spPr>
+          <a:xfrm>
+            <a:off x="9856354" y="145906"/>
+            <a:ext cx="773761" cy="751966"/>
+          </a:xfrm>
+          <a:prstGeom prst="rect">
+            <a:avLst/>
+          </a:prstGeom>
+        </p:spPr>
+      </p:pic>
+      <p:pic>
+        <p:nvPicPr>
+          <p:cNvPr id="7" name="Picture 6">
+            <a:extLst>
+              <a:ext uri="{FF2B5EF4-FFF2-40B4-BE49-F238E27FC236}">
+                <a16:creationId xmlns:a16="http://schemas.microsoft.com/office/drawing/2014/main" id="{922E5E81-0DEC-61EA-A043-573DDE2B8B54}"/>
+              </a:ext>
+            </a:extLst>
+          </p:cNvPr>
+          <p:cNvPicPr>
+            <a:picLocks noChangeAspect="1"/>
+          </p:cNvPicPr>
+          <p:nvPr/>
+        </p:nvPicPr>
+        <p:blipFill>
+          <a:blip r:embed="rId6"/>
+          <a:stretch>
+            <a:fillRect/>
+          </a:stretch>
+        </p:blipFill>
+        <p:spPr>
+          <a:xfrm>
+            <a:off x="10890008" y="145906"/>
+            <a:ext cx="790685" cy="800212"/>
+          </a:xfrm>
+          <a:prstGeom prst="rect">
+            <a:avLst/>
+          </a:prstGeom>
+        </p:spPr>
+      </p:pic>
+    </p:spTree>
+    <p:extLst>
+      <p:ext uri="{BB962C8B-B14F-4D97-AF65-F5344CB8AC3E}">
+        <p14:creationId xmlns:p14="http://schemas.microsoft.com/office/powerpoint/2010/main" val="2113044786"/>
+      </p:ext>
+    </p:extLst>
+  </p:cSld>
+  <p:clrMapOvr>
+    <a:masterClrMapping/>
+  </p:clrMapOvr>
+</p:sld>
+</file>
+
+<file path=ppt/slides/slide9.xml><?xml version="1.0" encoding="utf-8"?>
+<p:sld xmlns:a="http://schemas.openxmlformats.org/drawingml/2006/main" xmlns:r="http://schemas.openxmlformats.org/officeDocument/2006/relationships" xmlns:p="http://schemas.openxmlformats.org/presentationml/2006/main">
+  <p:cSld>
+    <p:spTree>
+      <p:nvGrpSpPr>
+        <p:cNvPr id="1" name="">
+          <a:extLst>
+            <a:ext uri="{FF2B5EF4-FFF2-40B4-BE49-F238E27FC236}">
+              <a16:creationId xmlns:a16="http://schemas.microsoft.com/office/drawing/2014/main" id="{D6B63FEF-A76D-8391-5F82-64DD4EFBA33F}"/>
+            </a:ext>
+          </a:extLst>
+        </p:cNvPr>
+        <p:cNvGrpSpPr/>
+        <p:nvPr/>
+      </p:nvGrpSpPr>
+      <p:grpSpPr>
+        <a:xfrm>
+          <a:off x="0" y="0"/>
+          <a:ext cx="0" cy="0"/>
+          <a:chOff x="0" y="0"/>
+          <a:chExt cx="0" cy="0"/>
+        </a:xfrm>
+      </p:grpSpPr>
+      <p:sp>
+        <p:nvSpPr>
+          <p:cNvPr id="4" name="Tytuł 3">
+            <a:extLst>
+              <a:ext uri="{FF2B5EF4-FFF2-40B4-BE49-F238E27FC236}">
+                <a16:creationId xmlns:a16="http://schemas.microsoft.com/office/drawing/2014/main" id="{919A7370-347D-8329-E0BB-D61D7707D3E7}"/>
+              </a:ext>
+            </a:extLst>
+          </p:cNvPr>
+          <p:cNvSpPr>
+            <a:spLocks noGrp="1"/>
+          </p:cNvSpPr>
+          <p:nvPr>
+            <p:ph type="title"/>
+          </p:nvPr>
+        </p:nvSpPr>
+        <p:spPr>
+          <a:xfrm>
+            <a:off x="444500" y="430609"/>
+            <a:ext cx="9146972" cy="640080"/>
+          </a:xfrm>
+        </p:spPr>
+        <p:txBody>
+          <a:bodyPr rtlCol="0" anchor="ctr">
+            <a:normAutofit/>
+          </a:bodyPr>
+          <a:lstStyle>
+            <a:defPPr>
+              <a:defRPr lang="pl-PL"/>
+            </a:defPPr>
+          </a:lstStyle>
+          <a:p>
+            <a:pPr rtl="0"/>
+            <a:r>
+              <a:rPr lang="pl-PL" sz="2600" b="1" dirty="0"/>
+              <a:t>Processing</a:t>
+            </a:r>
+          </a:p>
+        </p:txBody>
+      </p:sp>
+      <p:pic>
+        <p:nvPicPr>
+          <p:cNvPr id="7" name="Picture 6">
+            <a:extLst>
+              <a:ext uri="{FF2B5EF4-FFF2-40B4-BE49-F238E27FC236}">
+                <a16:creationId xmlns:a16="http://schemas.microsoft.com/office/drawing/2014/main" id="{31DB956B-CDB8-82DB-1620-E543438D6258}"/>
+              </a:ext>
+            </a:extLst>
+          </p:cNvPr>
+          <p:cNvPicPr>
+            <a:picLocks noChangeAspect="1"/>
+          </p:cNvPicPr>
+          <p:nvPr/>
+        </p:nvPicPr>
+        <p:blipFill>
+          <a:blip r:embed="rId3"/>
+          <a:stretch>
+            <a:fillRect/>
+          </a:stretch>
+        </p:blipFill>
+        <p:spPr>
+          <a:xfrm>
+            <a:off x="2039264" y="1374857"/>
+            <a:ext cx="7552208" cy="5052534"/>
+          </a:xfrm>
+          <a:prstGeom prst="rect">
+            <a:avLst/>
+          </a:prstGeom>
+        </p:spPr>
+      </p:pic>
+      <p:pic>
+        <p:nvPicPr>
+          <p:cNvPr id="8" name="Picture 7">
+            <a:extLst>
+              <a:ext uri="{FF2B5EF4-FFF2-40B4-BE49-F238E27FC236}">
+                <a16:creationId xmlns:a16="http://schemas.microsoft.com/office/drawing/2014/main" id="{3FEF7654-1E3E-C9E4-2413-61F2672634D9}"/>
+              </a:ext>
+            </a:extLst>
+          </p:cNvPr>
+          <p:cNvPicPr>
+            <a:picLocks noChangeAspect="1"/>
+          </p:cNvPicPr>
+          <p:nvPr/>
+        </p:nvPicPr>
+        <p:blipFill>
+          <a:blip r:embed="rId4"/>
+          <a:stretch>
+            <a:fillRect/>
+          </a:stretch>
+        </p:blipFill>
+        <p:spPr>
+          <a:xfrm>
+            <a:off x="10890008" y="145906"/>
+            <a:ext cx="790685" cy="800212"/>
+          </a:xfrm>
+          <a:prstGeom prst="rect">
+            <a:avLst/>
+          </a:prstGeom>
+        </p:spPr>
+      </p:pic>
+    </p:spTree>
+    <p:extLst>
+      <p:ext uri="{BB962C8B-B14F-4D97-AF65-F5344CB8AC3E}">
+        <p14:creationId xmlns:p14="http://schemas.microsoft.com/office/powerpoint/2010/main" val="3512459150"/>
       </p:ext>
     </p:extLst>
   </p:cSld>
@@ -17635,22 +19729,12 @@
 </file>
 
 <file path=customXml/item1.xml><?xml version="1.0" encoding="utf-8"?>
-<p:properties xmlns:p="http://schemas.microsoft.com/office/2006/metadata/properties" xmlns:xsi="http://www.w3.org/2001/XMLSchema-instance" xmlns:pc="http://schemas.microsoft.com/office/infopath/2007/PartnerControls">
-  <documentManagement>
-    <Status xmlns="71af3243-3dd4-4a8d-8c0d-dd76da1f02a5">Not started</Status>
-    <_ip_UnifiedCompliancePolicyUIAction xmlns="http://schemas.microsoft.com/sharepoint/v3" xsi:nil="true"/>
-    <Image xmlns="71af3243-3dd4-4a8d-8c0d-dd76da1f02a5">
-      <Url xsi:nil="true"/>
-      <Description xsi:nil="true"/>
-    </Image>
-    <_ip_UnifiedCompliancePolicyProperties xmlns="http://schemas.microsoft.com/sharepoint/v3" xsi:nil="true"/>
-    <ImageTagsTaxHTField xmlns="71af3243-3dd4-4a8d-8c0d-dd76da1f02a5">
-      <Terms xmlns="http://schemas.microsoft.com/office/infopath/2007/PartnerControls"/>
-    </ImageTagsTaxHTField>
-    <TaxCatchAll xmlns="230e9df3-be65-4c73-a93b-d1236ebd677e"/>
-    <MediaServiceKeyPoints xmlns="71af3243-3dd4-4a8d-8c0d-dd76da1f02a5" xsi:nil="true"/>
-  </documentManagement>
-</p:properties>
+<?mso-contentType ?>
+<FormTemplates xmlns="http://schemas.microsoft.com/sharepoint/v3/contenttype/forms">
+  <Display>DocumentLibraryForm</Display>
+  <Edit>DocumentLibraryForm</Edit>
+  <New>DocumentLibraryForm</New>
+</FormTemplates>
 </file>
 
 <file path=customXml/item2.xml><?xml version="1.0" encoding="utf-8"?>
@@ -17930,22 +20014,28 @@
 </file>
 
 <file path=customXml/item3.xml><?xml version="1.0" encoding="utf-8"?>
-<?mso-contentType ?>
-<FormTemplates xmlns="http://schemas.microsoft.com/sharepoint/v3/contenttype/forms">
-  <Display>DocumentLibraryForm</Display>
-  <Edit>DocumentLibraryForm</Edit>
-  <New>DocumentLibraryForm</New>
-</FormTemplates>
+<p:properties xmlns:p="http://schemas.microsoft.com/office/2006/metadata/properties" xmlns:xsi="http://www.w3.org/2001/XMLSchema-instance" xmlns:pc="http://schemas.microsoft.com/office/infopath/2007/PartnerControls">
+  <documentManagement>
+    <Status xmlns="71af3243-3dd4-4a8d-8c0d-dd76da1f02a5">Not started</Status>
+    <_ip_UnifiedCompliancePolicyUIAction xmlns="http://schemas.microsoft.com/sharepoint/v3" xsi:nil="true"/>
+    <Image xmlns="71af3243-3dd4-4a8d-8c0d-dd76da1f02a5">
+      <Url xsi:nil="true"/>
+      <Description xsi:nil="true"/>
+    </Image>
+    <_ip_UnifiedCompliancePolicyProperties xmlns="http://schemas.microsoft.com/sharepoint/v3" xsi:nil="true"/>
+    <ImageTagsTaxHTField xmlns="71af3243-3dd4-4a8d-8c0d-dd76da1f02a5">
+      <Terms xmlns="http://schemas.microsoft.com/office/infopath/2007/PartnerControls"/>
+    </ImageTagsTaxHTField>
+    <TaxCatchAll xmlns="230e9df3-be65-4c73-a93b-d1236ebd677e"/>
+    <MediaServiceKeyPoints xmlns="71af3243-3dd4-4a8d-8c0d-dd76da1f02a5" xsi:nil="true"/>
+  </documentManagement>
+</p:properties>
 </file>
 
 <file path=customXml/itemProps1.xml><?xml version="1.0" encoding="utf-8"?>
-<ds:datastoreItem xmlns:ds="http://schemas.openxmlformats.org/officeDocument/2006/customXml" ds:itemID="{1C44B501-5DE1-46D9-B449-400C46FE1425}">
+<ds:datastoreItem xmlns:ds="http://schemas.openxmlformats.org/officeDocument/2006/customXml" ds:itemID="{77DD0DBF-30B2-4FC6-A5E7-8374DC718037}">
   <ds:schemaRefs>
-    <ds:schemaRef ds:uri="http://schemas.microsoft.com/office/2006/metadata/properties"/>
-    <ds:schemaRef ds:uri="http://schemas.microsoft.com/office/infopath/2007/PartnerControls"/>
-    <ds:schemaRef ds:uri="71af3243-3dd4-4a8d-8c0d-dd76da1f02a5"/>
-    <ds:schemaRef ds:uri="http://schemas.microsoft.com/sharepoint/v3"/>
-    <ds:schemaRef ds:uri="230e9df3-be65-4c73-a93b-d1236ebd677e"/>
+    <ds:schemaRef ds:uri="http://schemas.microsoft.com/sharepoint/v3/contenttype/forms"/>
   </ds:schemaRefs>
 </ds:datastoreItem>
 </file>
@@ -17972,9 +20062,13 @@
 </file>
 
 <file path=customXml/itemProps3.xml><?xml version="1.0" encoding="utf-8"?>
-<ds:datastoreItem xmlns:ds="http://schemas.openxmlformats.org/officeDocument/2006/customXml" ds:itemID="{77DD0DBF-30B2-4FC6-A5E7-8374DC718037}">
+<ds:datastoreItem xmlns:ds="http://schemas.openxmlformats.org/officeDocument/2006/customXml" ds:itemID="{1C44B501-5DE1-46D9-B449-400C46FE1425}">
   <ds:schemaRefs>
-    <ds:schemaRef ds:uri="http://schemas.microsoft.com/sharepoint/v3/contenttype/forms"/>
+    <ds:schemaRef ds:uri="http://schemas.microsoft.com/office/2006/metadata/properties"/>
+    <ds:schemaRef ds:uri="http://schemas.microsoft.com/office/infopath/2007/PartnerControls"/>
+    <ds:schemaRef ds:uri="71af3243-3dd4-4a8d-8c0d-dd76da1f02a5"/>
+    <ds:schemaRef ds:uri="http://schemas.microsoft.com/sharepoint/v3"/>
+    <ds:schemaRef ds:uri="230e9df3-be65-4c73-a93b-d1236ebd677e"/>
   </ds:schemaRefs>
 </ds:datastoreItem>
 </file>

--- a/Presentation/Processing Data on Air Pollution in Europe on Modern Data Platform.pptx
+++ b/Presentation/Processing Data on Air Pollution in Europe on Modern Data Platform.pptx
@@ -1151,41 +1151,17 @@
         <a:p>
           <a:pPr rtl="0"/>
           <a:r>
-            <a:rPr lang="pl-PL" b="0" i="0" u="none" noProof="0" dirty="0" err="1"/>
-            <a:t>Extracting</a:t>
-          </a:r>
-          <a:r>
-            <a:rPr lang="pl-PL" b="0" i="0" u="none" noProof="0" dirty="0"/>
-            <a:t> data from API,</a:t>
+            <a:rPr lang="en-US" b="0" i="0" u="none" noProof="0" dirty="0"/>
+            <a:t>Extracting data from API,</a:t>
           </a:r>
         </a:p>
         <a:p>
           <a:pPr rtl="0"/>
           <a:r>
-            <a:rPr lang="pl-PL" b="0" i="0" u="none" noProof="0" dirty="0" err="1"/>
-            <a:t>copying</a:t>
+            <a:rPr lang="en-US" b="0" i="0" u="none" noProof="0" dirty="0"/>
+            <a:t>copying CSV files for data enrichment.</a:t>
           </a:r>
-          <a:r>
-            <a:rPr lang="pl-PL" b="0" i="0" u="none" noProof="0" dirty="0"/>
-            <a:t> CSV </a:t>
-          </a:r>
-          <a:r>
-            <a:rPr lang="pl-PL" b="0" i="0" u="none" noProof="0" dirty="0" err="1"/>
-            <a:t>files</a:t>
-          </a:r>
-          <a:r>
-            <a:rPr lang="pl-PL" b="0" i="0" u="none" noProof="0" dirty="0"/>
-            <a:t> for data </a:t>
-          </a:r>
-          <a:r>
-            <a:rPr lang="pl-PL" b="0" i="0" u="none" noProof="0" dirty="0" err="1"/>
-            <a:t>enrichment</a:t>
-          </a:r>
-          <a:r>
-            <a:rPr lang="pl-PL" b="0" i="0" u="none" noProof="0" dirty="0"/>
-            <a:t>.</a:t>
-          </a:r>
-          <a:endParaRPr lang="pl-PL" noProof="0" dirty="0"/>
+          <a:endParaRPr lang="en-US" noProof="0" dirty="0"/>
         </a:p>
       </dgm:t>
     </dgm:pt>
@@ -1276,45 +1252,16 @@
           <a:pPr rtl="0"/>
           <a:r>
             <a:rPr lang="en-US" b="1" i="0" u="none" noProof="0" dirty="0"/>
-            <a:t>Step </a:t>
+            <a:t>Step 3</a:t>
           </a:r>
-          <a:r>
-            <a:rPr lang="pl-PL" b="1" i="0" u="none" noProof="0" dirty="0"/>
-            <a:t>3</a:t>
-          </a:r>
-          <a:endParaRPr lang="en-US" b="1" i="0" u="none" noProof="0" dirty="0"/>
         </a:p>
         <a:p>
           <a:pPr rtl="0"/>
           <a:r>
-            <a:rPr lang="pl-PL" b="0" i="0" u="none" noProof="0" dirty="0" err="1"/>
-            <a:t>Saving</a:t>
+            <a:rPr lang="en-US" b="0" i="0" u="none" noProof="0" dirty="0"/>
+            <a:t>Saving data from Kafka consumer to a Delta table, storing CSV files in DBFS.</a:t>
           </a:r>
-          <a:r>
-            <a:rPr lang="pl-PL" b="0" i="0" u="none" noProof="0" dirty="0"/>
-            <a:t> data from Kafka </a:t>
-          </a:r>
-          <a:r>
-            <a:rPr lang="pl-PL" b="0" i="0" u="none" noProof="0" dirty="0" err="1"/>
-            <a:t>consumer</a:t>
-          </a:r>
-          <a:r>
-            <a:rPr lang="pl-PL" b="0" i="0" u="none" noProof="0" dirty="0"/>
-            <a:t> to a Delta </a:t>
-          </a:r>
-          <a:r>
-            <a:rPr lang="pl-PL" b="0" i="0" u="none" noProof="0" dirty="0" err="1"/>
-            <a:t>table</a:t>
-          </a:r>
-          <a:r>
-            <a:rPr lang="pl-PL" b="0" i="0" u="none" noProof="0" dirty="0"/>
-            <a:t>, </a:t>
-          </a:r>
-          <a:r>
-            <a:rPr lang="en-US" b="0" i="0" u="none" noProof="0" dirty="0"/>
-            <a:t>copying CSV files to DBFS.</a:t>
-          </a:r>
-          <a:endParaRPr lang="pl-PL" noProof="0" dirty="0"/>
+          <a:endParaRPr lang="en-US" noProof="0" dirty="0"/>
         </a:p>
       </dgm:t>
     </dgm:pt>
@@ -1400,57 +1347,16 @@
           <a:pPr rtl="0"/>
           <a:r>
             <a:rPr lang="en-US" b="1" i="0" u="none" noProof="0" dirty="0"/>
-            <a:t>Step </a:t>
+            <a:t>Step 4</a:t>
           </a:r>
-          <a:r>
-            <a:rPr lang="pl-PL" b="1" i="0" u="none" noProof="0" dirty="0"/>
-            <a:t>4</a:t>
-          </a:r>
-          <a:endParaRPr lang="en-US" b="1" i="0" u="none" noProof="0" dirty="0"/>
         </a:p>
         <a:p>
           <a:pPr rtl="0"/>
           <a:r>
             <a:rPr lang="en-US" b="0" i="0" u="none" noProof="0" dirty="0"/>
-            <a:t>In Spark</a:t>
+            <a:t>In Spark: converting data to proper schemas and cleaning</a:t>
           </a:r>
-          <a:r>
-            <a:rPr lang="pl-PL" b="0" i="0" u="none" noProof="0" dirty="0"/>
-            <a:t>:</a:t>
-          </a:r>
-          <a:r>
-            <a:rPr lang="en-US" b="0" i="0" u="none" noProof="0" dirty="0"/>
-            <a:t> </a:t>
-          </a:r>
-          <a:r>
-            <a:rPr lang="pl-PL" b="0" i="0" u="none" noProof="0" dirty="0" err="1"/>
-            <a:t>converting</a:t>
-          </a:r>
-          <a:r>
-            <a:rPr lang="pl-PL" b="0" i="0" u="none" noProof="0" dirty="0"/>
-            <a:t> data to </a:t>
-          </a:r>
-          <a:r>
-            <a:rPr lang="pl-PL" b="0" i="0" u="none" noProof="0" dirty="0" err="1"/>
-            <a:t>proper</a:t>
-          </a:r>
-          <a:r>
-            <a:rPr lang="pl-PL" b="0" i="0" u="none" noProof="0" dirty="0"/>
-            <a:t> </a:t>
-          </a:r>
-          <a:r>
-            <a:rPr lang="pl-PL" b="0" i="0" u="none" noProof="0" dirty="0" err="1"/>
-            <a:t>schemas</a:t>
-          </a:r>
-          <a:r>
-            <a:rPr lang="pl-PL" b="0" i="0" u="none" noProof="0" dirty="0"/>
-            <a:t> and </a:t>
-          </a:r>
-          <a:r>
-            <a:rPr lang="pl-PL" b="0" i="0" u="none" noProof="0" dirty="0" err="1"/>
-            <a:t>cleaning</a:t>
-          </a:r>
-          <a:endParaRPr lang="pl-PL" noProof="0" dirty="0"/>
+          <a:endParaRPr lang="en-US" noProof="0" dirty="0"/>
         </a:p>
       </dgm:t>
     </dgm:pt>
@@ -1536,61 +1442,16 @@
           <a:pPr rtl="0"/>
           <a:r>
             <a:rPr lang="en-US" b="1" i="0" u="none" noProof="0" dirty="0"/>
-            <a:t>Step </a:t>
+            <a:t>Step 5</a:t>
           </a:r>
-          <a:r>
-            <a:rPr lang="pl-PL" b="1" i="0" u="none" noProof="0" dirty="0"/>
-            <a:t>5</a:t>
-          </a:r>
-          <a:endParaRPr lang="en-US" b="1" i="0" u="none" noProof="0" dirty="0"/>
         </a:p>
         <a:p>
           <a:pPr rtl="0"/>
           <a:r>
             <a:rPr lang="en-US" b="0" i="0" u="none" noProof="0" dirty="0"/>
-            <a:t>In Spark</a:t>
+            <a:t>In Spark: sorting, aggregating, determining coefficients.</a:t>
           </a:r>
-          <a:r>
-            <a:rPr lang="pl-PL" b="0" i="0" u="none" noProof="0" dirty="0"/>
-            <a:t>:</a:t>
-          </a:r>
-          <a:r>
-            <a:rPr lang="en-US" b="0" i="0" u="none" noProof="0" dirty="0"/>
-            <a:t> </a:t>
-          </a:r>
-          <a:r>
-            <a:rPr lang="pl-PL" b="0" i="0" u="none" noProof="0" dirty="0" err="1"/>
-            <a:t>sorting</a:t>
-          </a:r>
-          <a:r>
-            <a:rPr lang="pl-PL" b="0" i="0" u="none" noProof="0" dirty="0"/>
-            <a:t>, </a:t>
-          </a:r>
-          <a:r>
-            <a:rPr lang="pl-PL" b="0" i="0" u="none" noProof="0" dirty="0" err="1"/>
-            <a:t>aggregating</a:t>
-          </a:r>
-          <a:r>
-            <a:rPr lang="pl-PL" b="0" i="0" u="none" noProof="0" dirty="0"/>
-            <a:t>, </a:t>
-          </a:r>
-          <a:r>
-            <a:rPr lang="pl-PL" b="0" i="0" u="none" noProof="0" dirty="0" err="1"/>
-            <a:t>determining</a:t>
-          </a:r>
-          <a:r>
-            <a:rPr lang="pl-PL" b="0" i="0" u="none" noProof="0" dirty="0"/>
-            <a:t> </a:t>
-          </a:r>
-          <a:r>
-            <a:rPr lang="pl-PL" b="0" i="0" u="none" noProof="0" dirty="0" err="1"/>
-            <a:t>coefficients</a:t>
-          </a:r>
-          <a:r>
-            <a:rPr lang="pl-PL" b="0" i="0" u="none" noProof="0" dirty="0"/>
-            <a:t>.</a:t>
-          </a:r>
-          <a:endParaRPr lang="pl-PL" noProof="0" dirty="0"/>
+          <a:endParaRPr lang="en-US" noProof="0" dirty="0"/>
         </a:p>
       </dgm:t>
     </dgm:pt>
@@ -1626,6 +1487,9 @@
             <a:lumMod val="75000"/>
           </a:schemeClr>
         </a:solidFill>
+        <a:ln>
+          <a:noFill/>
+        </a:ln>
       </dgm:spPr>
       <dgm:t>
         <a:bodyPr rtlCol="0"/>
@@ -1674,87 +1538,14 @@
           <a:pPr rtl="0"/>
           <a:r>
             <a:rPr lang="en-US" b="1" i="0" u="none" noProof="0" dirty="0"/>
-            <a:t>Step </a:t>
+            <a:t>Step 6</a:t>
           </a:r>
-          <a:r>
-            <a:rPr lang="pl-PL" b="1" i="0" u="none" noProof="0" dirty="0"/>
-            <a:t>6</a:t>
-          </a:r>
-          <a:endParaRPr lang="en-US" b="1" i="0" u="none" noProof="0" dirty="0"/>
         </a:p>
         <a:p>
           <a:pPr rtl="0"/>
           <a:r>
-            <a:rPr lang="pl-PL" noProof="0" dirty="0" err="1"/>
-            <a:t>Storying</a:t>
-          </a:r>
-          <a:r>
-            <a:rPr lang="pl-PL" noProof="0" dirty="0"/>
-            <a:t> data in </a:t>
-          </a:r>
-          <a:r>
-            <a:rPr lang="pl-PL" noProof="0" dirty="0" err="1"/>
-            <a:t>Azure</a:t>
-          </a:r>
-          <a:r>
-            <a:rPr lang="pl-PL" noProof="0" dirty="0"/>
-            <a:t> SQL Database, </a:t>
-          </a:r>
-          <a:r>
-            <a:rPr lang="pl-PL" noProof="0" dirty="0" err="1"/>
-            <a:t>Displaying</a:t>
-          </a:r>
-          <a:r>
-            <a:rPr lang="pl-PL" noProof="0" dirty="0"/>
-            <a:t> </a:t>
-          </a:r>
-          <a:r>
-            <a:rPr lang="pl-PL" noProof="0" dirty="0" err="1"/>
-            <a:t>figures</a:t>
-          </a:r>
-          <a:r>
-            <a:rPr lang="pl-PL" noProof="0" dirty="0"/>
-            <a:t> and </a:t>
-          </a:r>
-          <a:r>
-            <a:rPr lang="pl-PL" noProof="0" dirty="0" err="1"/>
-            <a:t>maps</a:t>
-          </a:r>
-          <a:r>
-            <a:rPr lang="pl-PL" noProof="0" dirty="0"/>
-            <a:t> in </a:t>
-          </a:r>
-          <a:r>
-            <a:rPr lang="pl-PL" noProof="0" dirty="0" err="1"/>
-            <a:t>an</a:t>
-          </a:r>
-          <a:r>
-            <a:rPr lang="pl-PL" noProof="0" dirty="0"/>
-            <a:t> </a:t>
-          </a:r>
-          <a:r>
-            <a:rPr lang="pl-PL" noProof="0" dirty="0" err="1"/>
-            <a:t>Azure</a:t>
-          </a:r>
-          <a:r>
-            <a:rPr lang="pl-PL" noProof="0" dirty="0"/>
-            <a:t> </a:t>
-          </a:r>
-          <a:r>
-            <a:rPr lang="pl-PL" noProof="0" dirty="0" err="1"/>
-            <a:t>App</a:t>
-          </a:r>
-          <a:r>
-            <a:rPr lang="pl-PL" noProof="0" dirty="0"/>
-            <a:t> Service </a:t>
-          </a:r>
-          <a:r>
-            <a:rPr lang="pl-PL" noProof="0" dirty="0" err="1"/>
-            <a:t>application</a:t>
-          </a:r>
-          <a:r>
-            <a:rPr lang="pl-PL" noProof="0" dirty="0"/>
-            <a:t>.</a:t>
+            <a:rPr lang="en-US" noProof="0" dirty="0"/>
+            <a:t>Storing data in Azure SQL Database, Displaying figures and maps in an Azure App Service application.</a:t>
           </a:r>
         </a:p>
       </dgm:t>
@@ -1793,9 +1584,7 @@
           </a:schemeClr>
         </a:solidFill>
         <a:ln>
-          <a:solidFill>
-            <a:schemeClr val="accent4"/>
-          </a:solidFill>
+          <a:noFill/>
         </a:ln>
       </dgm:spPr>
       <dgm:t>
@@ -1847,51 +1636,14 @@
           <a:pPr rtl="0"/>
           <a:r>
             <a:rPr lang="en-US" b="1" i="0" u="none" noProof="0" dirty="0"/>
-            <a:t>Step </a:t>
+            <a:t>Step 2</a:t>
           </a:r>
-          <a:r>
-            <a:rPr lang="pl-PL" b="1" i="0" u="none" noProof="0" dirty="0"/>
-            <a:t>2</a:t>
-          </a:r>
-          <a:endParaRPr lang="en-US" b="1" i="0" u="none" noProof="0" dirty="0"/>
         </a:p>
         <a:p>
           <a:pPr rtl="0"/>
           <a:r>
-            <a:rPr lang="pl-PL" b="0" noProof="0" dirty="0"/>
-            <a:t>Streaming data from </a:t>
-          </a:r>
-          <a:r>
-            <a:rPr lang="pl-PL" b="0" noProof="0" dirty="0" err="1"/>
-            <a:t>Azure</a:t>
-          </a:r>
-          <a:r>
-            <a:rPr lang="pl-PL" b="0" noProof="0" dirty="0"/>
-            <a:t> </a:t>
-          </a:r>
-          <a:r>
-            <a:rPr lang="pl-PL" b="0" noProof="0" dirty="0" err="1"/>
-            <a:t>App</a:t>
-          </a:r>
-          <a:r>
-            <a:rPr lang="pl-PL" b="0" noProof="0" dirty="0"/>
-            <a:t> Service </a:t>
-          </a:r>
-          <a:r>
-            <a:rPr lang="pl-PL" b="0" noProof="0" dirty="0" err="1"/>
-            <a:t>application</a:t>
-          </a:r>
-          <a:r>
-            <a:rPr lang="pl-PL" b="0" noProof="0" dirty="0"/>
-            <a:t> </a:t>
-          </a:r>
-          <a:r>
-            <a:rPr lang="pl-PL" b="0" noProof="0" dirty="0" err="1"/>
-            <a:t>through</a:t>
-          </a:r>
-          <a:r>
-            <a:rPr lang="pl-PL" b="0" noProof="0" dirty="0"/>
-            <a:t> Kafka</a:t>
+            <a:rPr lang="en-US" b="0" noProof="0" dirty="0"/>
+            <a:t>Streaming data from Azure App Service application through Kafka</a:t>
           </a:r>
         </a:p>
       </dgm:t>
@@ -1933,7 +1685,7 @@
       <dgm:spPr/>
     </dgm:pt>
     <dgm:pt modelId="{E088D226-49D7-4C30-90DC-CA1755D98829}" type="pres">
-      <dgm:prSet presAssocID="{4259F840-24E7-476F-9F30-482E46395856}" presName="parent1" presStyleLbl="alignNode1" presStyleIdx="0" presStyleCnt="6">
+      <dgm:prSet presAssocID="{4259F840-24E7-476F-9F30-482E46395856}" presName="parent1" presStyleLbl="alignNode1" presStyleIdx="0" presStyleCnt="6" custScaleY="96723">
         <dgm:presLayoutVars>
           <dgm:chMax val="1"/>
           <dgm:chPref val="1"/>
@@ -1943,7 +1695,7 @@
       <dgm:spPr/>
     </dgm:pt>
     <dgm:pt modelId="{45A02F84-C6CB-43F5-AEE4-3EA66C2BD25F}" type="pres">
-      <dgm:prSet presAssocID="{4259F840-24E7-476F-9F30-482E46395856}" presName="Childtext1" presStyleLbl="revTx" presStyleIdx="0" presStyleCnt="6">
+      <dgm:prSet presAssocID="{4259F840-24E7-476F-9F30-482E46395856}" presName="Childtext1" presStyleLbl="revTx" presStyleIdx="0" presStyleCnt="6" custLinFactNeighborX="5029" custLinFactNeighborY="0">
         <dgm:presLayoutVars>
           <dgm:bulletEnabled val="1"/>
         </dgm:presLayoutVars>
@@ -1995,7 +1747,7 @@
       <dgm:spPr/>
     </dgm:pt>
     <dgm:pt modelId="{D62C5F86-63B4-47B4-BA32-1AABF77400AC}" type="pres">
-      <dgm:prSet presAssocID="{08D92C00-0E82-46DF-A64E-ED494E39D6B6}" presName="Childtext1" presStyleLbl="revTx" presStyleIdx="1" presStyleCnt="6">
+      <dgm:prSet presAssocID="{08D92C00-0E82-46DF-A64E-ED494E39D6B6}" presName="Childtext1" presStyleLbl="revTx" presStyleIdx="1" presStyleCnt="6" custLinFactNeighborY="0">
         <dgm:presLayoutVars>
           <dgm:bulletEnabled val="1"/>
         </dgm:presLayoutVars>
@@ -2048,7 +1800,7 @@
       <dgm:spPr/>
     </dgm:pt>
     <dgm:pt modelId="{FEBD3C2A-A340-470A-A475-AE614EA07678}" type="pres">
-      <dgm:prSet presAssocID="{E4033A39-DCC4-4038-9562-AEDDBBB37A99}" presName="Childtext1" presStyleLbl="revTx" presStyleIdx="2" presStyleCnt="6">
+      <dgm:prSet presAssocID="{E4033A39-DCC4-4038-9562-AEDDBBB37A99}" presName="Childtext1" presStyleLbl="revTx" presStyleIdx="2" presStyleCnt="6" custLinFactNeighborY="0">
         <dgm:presLayoutVars>
           <dgm:bulletEnabled val="1"/>
         </dgm:presLayoutVars>
@@ -2100,7 +1852,7 @@
       <dgm:spPr/>
     </dgm:pt>
     <dgm:pt modelId="{80CDBBF8-C6B4-4166-87C1-DC9120CC7586}" type="pres">
-      <dgm:prSet presAssocID="{87BF7896-20EA-4E8F-B6F4-A34EC5C9CB50}" presName="Childtext1" presStyleLbl="revTx" presStyleIdx="3" presStyleCnt="6">
+      <dgm:prSet presAssocID="{87BF7896-20EA-4E8F-B6F4-A34EC5C9CB50}" presName="Childtext1" presStyleLbl="revTx" presStyleIdx="3" presStyleCnt="6" custLinFactNeighborY="0">
         <dgm:presLayoutVars>
           <dgm:bulletEnabled val="1"/>
         </dgm:presLayoutVars>
@@ -2152,7 +1904,7 @@
       <dgm:spPr/>
     </dgm:pt>
     <dgm:pt modelId="{36210ACA-E081-40B5-87EC-500863B13ADD}" type="pres">
-      <dgm:prSet presAssocID="{660CF888-26B9-4DCA-B7E0-A150825288D0}" presName="Childtext1" presStyleLbl="revTx" presStyleIdx="4" presStyleCnt="6">
+      <dgm:prSet presAssocID="{660CF888-26B9-4DCA-B7E0-A150825288D0}" presName="Childtext1" presStyleLbl="revTx" presStyleIdx="4" presStyleCnt="6" custLinFactNeighborY="0">
         <dgm:presLayoutVars>
           <dgm:bulletEnabled val="1"/>
         </dgm:presLayoutVars>
@@ -2207,7 +1959,7 @@
       <dgm:spPr/>
     </dgm:pt>
     <dgm:pt modelId="{9679B796-2B40-4D87-8578-52BF0C29AEB4}" type="pres">
-      <dgm:prSet presAssocID="{97DB74B5-36C1-4083-BE16-BE9779159093}" presName="Childtext1" presStyleLbl="revTx" presStyleIdx="5" presStyleCnt="6">
+      <dgm:prSet presAssocID="{97DB74B5-36C1-4083-BE16-BE9779159093}" presName="Childtext1" presStyleLbl="revTx" presStyleIdx="5" presStyleCnt="6" custLinFactNeighborY="0">
         <dgm:presLayoutVars>
           <dgm:bulletEnabled val="1"/>
         </dgm:presLayoutVars>
@@ -2340,8 +2092,8 @@
       </dsp:nvSpPr>
       <dsp:spPr>
         <a:xfrm rot="16200000">
-          <a:off x="1096883" y="1386998"/>
-          <a:ext cx="435133" cy="1577340"/>
+          <a:off x="1104012" y="1386998"/>
+          <a:ext cx="420874" cy="1577340"/>
         </a:xfrm>
         <a:prstGeom prst="round2SameRect">
           <a:avLst/>
@@ -2398,8 +2150,8 @@
         </a:p>
       </dsp:txBody>
       <dsp:txXfrm rot="5400000">
-        <a:off x="547021" y="1979343"/>
-        <a:ext cx="1556099" cy="392651"/>
+        <a:off x="546325" y="1985776"/>
+        <a:ext cx="1556795" cy="379784"/>
       </dsp:txXfrm>
     </dsp:sp>
     <dsp:sp modelId="{45A02F84-C6CB-43F5-AEE4-3EA66C2BD25F}">
@@ -2409,8 +2161,8 @@
       </dsp:nvSpPr>
       <dsp:spPr>
         <a:xfrm>
-          <a:off x="0" y="0"/>
-          <a:ext cx="2628899" cy="1522968"/>
+          <a:off x="132207" y="0"/>
+          <a:ext cx="2628900" cy="1522968"/>
         </a:xfrm>
         <a:prstGeom prst="rect">
           <a:avLst/>
@@ -2470,12 +2222,8 @@
             <a:buNone/>
           </a:pPr>
           <a:r>
-            <a:rPr lang="pl-PL" sz="1600" b="0" i="0" u="none" kern="1200" noProof="0" dirty="0" err="1"/>
-            <a:t>Extracting</a:t>
-          </a:r>
-          <a:r>
-            <a:rPr lang="pl-PL" sz="1600" b="0" i="0" u="none" kern="1200" noProof="0" dirty="0"/>
-            <a:t> data from API,</a:t>
+            <a:rPr lang="en-US" sz="1600" b="0" i="0" u="none" kern="1200" noProof="0" dirty="0"/>
+            <a:t>Extracting data from API,</a:t>
           </a:r>
         </a:p>
         <a:p>
@@ -2492,35 +2240,15 @@
             <a:buNone/>
           </a:pPr>
           <a:r>
-            <a:rPr lang="pl-PL" sz="1600" b="0" i="0" u="none" kern="1200" noProof="0" dirty="0" err="1"/>
-            <a:t>copying</a:t>
+            <a:rPr lang="en-US" sz="1600" b="0" i="0" u="none" kern="1200" noProof="0" dirty="0"/>
+            <a:t>copying CSV files for data enrichment.</a:t>
           </a:r>
-          <a:r>
-            <a:rPr lang="pl-PL" sz="1600" b="0" i="0" u="none" kern="1200" noProof="0" dirty="0"/>
-            <a:t> CSV </a:t>
-          </a:r>
-          <a:r>
-            <a:rPr lang="pl-PL" sz="1600" b="0" i="0" u="none" kern="1200" noProof="0" dirty="0" err="1"/>
-            <a:t>files</a:t>
-          </a:r>
-          <a:r>
-            <a:rPr lang="pl-PL" sz="1600" b="0" i="0" u="none" kern="1200" noProof="0" dirty="0"/>
-            <a:t> for data </a:t>
-          </a:r>
-          <a:r>
-            <a:rPr lang="pl-PL" sz="1600" b="0" i="0" u="none" kern="1200" noProof="0" dirty="0" err="1"/>
-            <a:t>enrichment</a:t>
-          </a:r>
-          <a:r>
-            <a:rPr lang="pl-PL" sz="1600" b="0" i="0" u="none" kern="1200" noProof="0" dirty="0"/>
-            <a:t>.</a:t>
-          </a:r>
-          <a:endParaRPr lang="pl-PL" sz="1600" kern="1200" noProof="0" dirty="0"/>
+          <a:endParaRPr lang="en-US" sz="1600" kern="1200" noProof="0" dirty="0"/>
         </a:p>
       </dsp:txBody>
       <dsp:txXfrm>
-        <a:off x="0" y="0"/>
-        <a:ext cx="2628899" cy="1522968"/>
+        <a:off x="132207" y="0"/>
+        <a:ext cx="2628900" cy="1522968"/>
       </dsp:txXfrm>
     </dsp:sp>
     <dsp:sp modelId="{6BA46904-CB7C-4538-BD49-D3891EF19552}">
@@ -2624,9 +2352,7 @@
           </a:schemeClr>
         </a:solidFill>
         <a:ln w="12700" cap="flat" cmpd="sng" algn="ctr">
-          <a:solidFill>
-            <a:schemeClr val="accent4"/>
-          </a:solidFill>
+          <a:noFill/>
           <a:prstDash val="solid"/>
           <a:miter lim="800000"/>
         </a:ln>
@@ -2726,13 +2452,8 @@
           </a:pPr>
           <a:r>
             <a:rPr lang="en-US" sz="1600" b="1" i="0" u="none" kern="1200" noProof="0" dirty="0"/>
-            <a:t>Step </a:t>
+            <a:t>Step 2</a:t>
           </a:r>
-          <a:r>
-            <a:rPr lang="pl-PL" sz="1600" b="1" i="0" u="none" kern="1200" noProof="0" dirty="0"/>
-            <a:t>2</a:t>
-          </a:r>
-          <a:endParaRPr lang="en-US" sz="1600" b="1" i="0" u="none" kern="1200" noProof="0" dirty="0"/>
         </a:p>
         <a:p>
           <a:pPr marL="0" lvl="0" indent="0" algn="ctr" defTabSz="711200" rtl="0">
@@ -2748,40 +2469,8 @@
             <a:buNone/>
           </a:pPr>
           <a:r>
-            <a:rPr lang="pl-PL" sz="1600" b="0" kern="1200" noProof="0" dirty="0"/>
-            <a:t>Streaming data from </a:t>
-          </a:r>
-          <a:r>
-            <a:rPr lang="pl-PL" sz="1600" b="0" kern="1200" noProof="0" dirty="0" err="1"/>
-            <a:t>Azure</a:t>
-          </a:r>
-          <a:r>
-            <a:rPr lang="pl-PL" sz="1600" b="0" kern="1200" noProof="0" dirty="0"/>
-            <a:t> </a:t>
-          </a:r>
-          <a:r>
-            <a:rPr lang="pl-PL" sz="1600" b="0" kern="1200" noProof="0" dirty="0" err="1"/>
-            <a:t>App</a:t>
-          </a:r>
-          <a:r>
-            <a:rPr lang="pl-PL" sz="1600" b="0" kern="1200" noProof="0" dirty="0"/>
-            <a:t> Service </a:t>
-          </a:r>
-          <a:r>
-            <a:rPr lang="pl-PL" sz="1600" b="0" kern="1200" noProof="0" dirty="0" err="1"/>
-            <a:t>application</a:t>
-          </a:r>
-          <a:r>
-            <a:rPr lang="pl-PL" sz="1600" b="0" kern="1200" noProof="0" dirty="0"/>
-            <a:t> </a:t>
-          </a:r>
-          <a:r>
-            <a:rPr lang="pl-PL" sz="1600" b="0" kern="1200" noProof="0" dirty="0" err="1"/>
-            <a:t>through</a:t>
-          </a:r>
-          <a:r>
-            <a:rPr lang="pl-PL" sz="1600" b="0" kern="1200" noProof="0" dirty="0"/>
-            <a:t> Kafka</a:t>
+            <a:rPr lang="en-US" sz="1600" b="0" kern="1200" noProof="0" dirty="0"/>
+            <a:t>Streaming data from Azure App Service application through Kafka</a:t>
           </a:r>
         </a:p>
       </dsp:txBody>
@@ -3005,13 +2694,8 @@
           </a:pPr>
           <a:r>
             <a:rPr lang="en-US" sz="1600" b="1" i="0" u="none" kern="1200" noProof="0" dirty="0"/>
-            <a:t>Step </a:t>
+            <a:t>Step 3</a:t>
           </a:r>
-          <a:r>
-            <a:rPr lang="pl-PL" sz="1600" b="1" i="0" u="none" kern="1200" noProof="0" dirty="0"/>
-            <a:t>3</a:t>
-          </a:r>
-          <a:endParaRPr lang="en-US" sz="1600" b="1" i="0" u="none" kern="1200" noProof="0" dirty="0"/>
         </a:p>
         <a:p>
           <a:pPr marL="0" lvl="0" indent="0" algn="ctr" defTabSz="711200" rtl="0">
@@ -3027,34 +2711,10 @@
             <a:buNone/>
           </a:pPr>
           <a:r>
-            <a:rPr lang="pl-PL" sz="1600" b="0" i="0" u="none" kern="1200" noProof="0" dirty="0" err="1"/>
-            <a:t>Saving</a:t>
+            <a:rPr lang="en-US" sz="1600" b="0" i="0" u="none" kern="1200" noProof="0" dirty="0"/>
+            <a:t>Saving data from Kafka consumer to a Delta table, storing CSV files in DBFS.</a:t>
           </a:r>
-          <a:r>
-            <a:rPr lang="pl-PL" sz="1600" b="0" i="0" u="none" kern="1200" noProof="0" dirty="0"/>
-            <a:t> data from Kafka </a:t>
-          </a:r>
-          <a:r>
-            <a:rPr lang="pl-PL" sz="1600" b="0" i="0" u="none" kern="1200" noProof="0" dirty="0" err="1"/>
-            <a:t>consumer</a:t>
-          </a:r>
-          <a:r>
-            <a:rPr lang="pl-PL" sz="1600" b="0" i="0" u="none" kern="1200" noProof="0" dirty="0"/>
-            <a:t> to a Delta </a:t>
-          </a:r>
-          <a:r>
-            <a:rPr lang="pl-PL" sz="1600" b="0" i="0" u="none" kern="1200" noProof="0" dirty="0" err="1"/>
-            <a:t>table</a:t>
-          </a:r>
-          <a:r>
-            <a:rPr lang="pl-PL" sz="1600" b="0" i="0" u="none" kern="1200" noProof="0" dirty="0"/>
-            <a:t>, </a:t>
-          </a:r>
-          <a:r>
-            <a:rPr lang="en-US" sz="1600" b="0" i="0" u="none" kern="1200" noProof="0" dirty="0"/>
-            <a:t>copying CSV files to DBFS.</a:t>
-          </a:r>
-          <a:endParaRPr lang="pl-PL" sz="1600" kern="1200" noProof="0" dirty="0"/>
+          <a:endParaRPr lang="en-US" sz="1600" kern="1200" noProof="0" dirty="0"/>
         </a:p>
       </dsp:txBody>
       <dsp:txXfrm>
@@ -3262,13 +2922,8 @@
           </a:pPr>
           <a:r>
             <a:rPr lang="en-US" sz="1600" b="1" i="0" u="none" kern="1200" noProof="0" dirty="0"/>
-            <a:t>Step </a:t>
+            <a:t>Step 4</a:t>
           </a:r>
-          <a:r>
-            <a:rPr lang="pl-PL" sz="1600" b="1" i="0" u="none" kern="1200" noProof="0" dirty="0"/>
-            <a:t>4</a:t>
-          </a:r>
-          <a:endParaRPr lang="en-US" sz="1600" b="1" i="0" u="none" kern="1200" noProof="0" dirty="0"/>
         </a:p>
         <a:p>
           <a:pPr marL="0" lvl="0" indent="0" algn="ctr" defTabSz="711200" rtl="0">
@@ -3285,45 +2940,9 @@
           </a:pPr>
           <a:r>
             <a:rPr lang="en-US" sz="1600" b="0" i="0" u="none" kern="1200" noProof="0" dirty="0"/>
-            <a:t>In Spark</a:t>
+            <a:t>In Spark: converting data to proper schemas and cleaning</a:t>
           </a:r>
-          <a:r>
-            <a:rPr lang="pl-PL" sz="1600" b="0" i="0" u="none" kern="1200" noProof="0" dirty="0"/>
-            <a:t>:</a:t>
-          </a:r>
-          <a:r>
-            <a:rPr lang="en-US" sz="1600" b="0" i="0" u="none" kern="1200" noProof="0" dirty="0"/>
-            <a:t> </a:t>
-          </a:r>
-          <a:r>
-            <a:rPr lang="pl-PL" sz="1600" b="0" i="0" u="none" kern="1200" noProof="0" dirty="0" err="1"/>
-            <a:t>converting</a:t>
-          </a:r>
-          <a:r>
-            <a:rPr lang="pl-PL" sz="1600" b="0" i="0" u="none" kern="1200" noProof="0" dirty="0"/>
-            <a:t> data to </a:t>
-          </a:r>
-          <a:r>
-            <a:rPr lang="pl-PL" sz="1600" b="0" i="0" u="none" kern="1200" noProof="0" dirty="0" err="1"/>
-            <a:t>proper</a:t>
-          </a:r>
-          <a:r>
-            <a:rPr lang="pl-PL" sz="1600" b="0" i="0" u="none" kern="1200" noProof="0" dirty="0"/>
-            <a:t> </a:t>
-          </a:r>
-          <a:r>
-            <a:rPr lang="pl-PL" sz="1600" b="0" i="0" u="none" kern="1200" noProof="0" dirty="0" err="1"/>
-            <a:t>schemas</a:t>
-          </a:r>
-          <a:r>
-            <a:rPr lang="pl-PL" sz="1600" b="0" i="0" u="none" kern="1200" noProof="0" dirty="0"/>
-            <a:t> and </a:t>
-          </a:r>
-          <a:r>
-            <a:rPr lang="pl-PL" sz="1600" b="0" i="0" u="none" kern="1200" noProof="0" dirty="0" err="1"/>
-            <a:t>cleaning</a:t>
-          </a:r>
-          <a:endParaRPr lang="pl-PL" sz="1600" kern="1200" noProof="0" dirty="0"/>
+          <a:endParaRPr lang="en-US" sz="1600" kern="1200" noProof="0" dirty="0"/>
         </a:p>
       </dsp:txBody>
       <dsp:txXfrm>
@@ -3531,13 +3150,8 @@
           </a:pPr>
           <a:r>
             <a:rPr lang="en-US" sz="1600" b="1" i="0" u="none" kern="1200" noProof="0" dirty="0"/>
-            <a:t>Step </a:t>
+            <a:t>Step 5</a:t>
           </a:r>
-          <a:r>
-            <a:rPr lang="pl-PL" sz="1600" b="1" i="0" u="none" kern="1200" noProof="0" dirty="0"/>
-            <a:t>5</a:t>
-          </a:r>
-          <a:endParaRPr lang="en-US" sz="1600" b="1" i="0" u="none" kern="1200" noProof="0" dirty="0"/>
         </a:p>
         <a:p>
           <a:pPr marL="0" lvl="0" indent="0" algn="ctr" defTabSz="711200" rtl="0">
@@ -3554,49 +3168,9 @@
           </a:pPr>
           <a:r>
             <a:rPr lang="en-US" sz="1600" b="0" i="0" u="none" kern="1200" noProof="0" dirty="0"/>
-            <a:t>In Spark</a:t>
+            <a:t>In Spark: sorting, aggregating, determining coefficients.</a:t>
           </a:r>
-          <a:r>
-            <a:rPr lang="pl-PL" sz="1600" b="0" i="0" u="none" kern="1200" noProof="0" dirty="0"/>
-            <a:t>:</a:t>
-          </a:r>
-          <a:r>
-            <a:rPr lang="en-US" sz="1600" b="0" i="0" u="none" kern="1200" noProof="0" dirty="0"/>
-            <a:t> </a:t>
-          </a:r>
-          <a:r>
-            <a:rPr lang="pl-PL" sz="1600" b="0" i="0" u="none" kern="1200" noProof="0" dirty="0" err="1"/>
-            <a:t>sorting</a:t>
-          </a:r>
-          <a:r>
-            <a:rPr lang="pl-PL" sz="1600" b="0" i="0" u="none" kern="1200" noProof="0" dirty="0"/>
-            <a:t>, </a:t>
-          </a:r>
-          <a:r>
-            <a:rPr lang="pl-PL" sz="1600" b="0" i="0" u="none" kern="1200" noProof="0" dirty="0" err="1"/>
-            <a:t>aggregating</a:t>
-          </a:r>
-          <a:r>
-            <a:rPr lang="pl-PL" sz="1600" b="0" i="0" u="none" kern="1200" noProof="0" dirty="0"/>
-            <a:t>, </a:t>
-          </a:r>
-          <a:r>
-            <a:rPr lang="pl-PL" sz="1600" b="0" i="0" u="none" kern="1200" noProof="0" dirty="0" err="1"/>
-            <a:t>determining</a:t>
-          </a:r>
-          <a:r>
-            <a:rPr lang="pl-PL" sz="1600" b="0" i="0" u="none" kern="1200" noProof="0" dirty="0"/>
-            <a:t> </a:t>
-          </a:r>
-          <a:r>
-            <a:rPr lang="pl-PL" sz="1600" b="0" i="0" u="none" kern="1200" noProof="0" dirty="0" err="1"/>
-            <a:t>coefficients</a:t>
-          </a:r>
-          <a:r>
-            <a:rPr lang="pl-PL" sz="1600" b="0" i="0" u="none" kern="1200" noProof="0" dirty="0"/>
-            <a:t>.</a:t>
-          </a:r>
-          <a:endParaRPr lang="pl-PL" sz="1600" kern="1200" noProof="0" dirty="0"/>
+          <a:endParaRPr lang="en-US" sz="1600" kern="1200" noProof="0" dirty="0"/>
         </a:p>
       </dsp:txBody>
       <dsp:txXfrm>
@@ -3697,14 +3271,7 @@
           </a:schemeClr>
         </a:solidFill>
         <a:ln w="12700" cap="flat" cmpd="sng" algn="ctr">
-          <a:solidFill>
-            <a:schemeClr val="accent2">
-              <a:hueOff val="0"/>
-              <a:satOff val="0"/>
-              <a:lumOff val="0"/>
-              <a:alphaOff val="0"/>
-            </a:schemeClr>
-          </a:solidFill>
+          <a:noFill/>
           <a:prstDash val="solid"/>
           <a:miter lim="800000"/>
         </a:ln>
@@ -3805,13 +3372,8 @@
           </a:pPr>
           <a:r>
             <a:rPr lang="en-US" sz="1600" b="1" i="0" u="none" kern="1200" noProof="0" dirty="0"/>
-            <a:t>Step </a:t>
+            <a:t>Step 6</a:t>
           </a:r>
-          <a:r>
-            <a:rPr lang="pl-PL" sz="1600" b="1" i="0" u="none" kern="1200" noProof="0" dirty="0"/>
-            <a:t>6</a:t>
-          </a:r>
-          <a:endParaRPr lang="en-US" sz="1600" b="1" i="0" u="none" kern="1200" noProof="0" dirty="0"/>
         </a:p>
         <a:p>
           <a:pPr marL="0" lvl="0" indent="0" algn="ctr" defTabSz="711200" rtl="0">
@@ -3827,76 +3389,8 @@
             <a:buNone/>
           </a:pPr>
           <a:r>
-            <a:rPr lang="pl-PL" sz="1600" kern="1200" noProof="0" dirty="0" err="1"/>
-            <a:t>Storying</a:t>
-          </a:r>
-          <a:r>
-            <a:rPr lang="pl-PL" sz="1600" kern="1200" noProof="0" dirty="0"/>
-            <a:t> data in </a:t>
-          </a:r>
-          <a:r>
-            <a:rPr lang="pl-PL" sz="1600" kern="1200" noProof="0" dirty="0" err="1"/>
-            <a:t>Azure</a:t>
-          </a:r>
-          <a:r>
-            <a:rPr lang="pl-PL" sz="1600" kern="1200" noProof="0" dirty="0"/>
-            <a:t> SQL Database, </a:t>
-          </a:r>
-          <a:r>
-            <a:rPr lang="pl-PL" sz="1600" kern="1200" noProof="0" dirty="0" err="1"/>
-            <a:t>Displaying</a:t>
-          </a:r>
-          <a:r>
-            <a:rPr lang="pl-PL" sz="1600" kern="1200" noProof="0" dirty="0"/>
-            <a:t> </a:t>
-          </a:r>
-          <a:r>
-            <a:rPr lang="pl-PL" sz="1600" kern="1200" noProof="0" dirty="0" err="1"/>
-            <a:t>figures</a:t>
-          </a:r>
-          <a:r>
-            <a:rPr lang="pl-PL" sz="1600" kern="1200" noProof="0" dirty="0"/>
-            <a:t> and </a:t>
-          </a:r>
-          <a:r>
-            <a:rPr lang="pl-PL" sz="1600" kern="1200" noProof="0" dirty="0" err="1"/>
-            <a:t>maps</a:t>
-          </a:r>
-          <a:r>
-            <a:rPr lang="pl-PL" sz="1600" kern="1200" noProof="0" dirty="0"/>
-            <a:t> in </a:t>
-          </a:r>
-          <a:r>
-            <a:rPr lang="pl-PL" sz="1600" kern="1200" noProof="0" dirty="0" err="1"/>
-            <a:t>an</a:t>
-          </a:r>
-          <a:r>
-            <a:rPr lang="pl-PL" sz="1600" kern="1200" noProof="0" dirty="0"/>
-            <a:t> </a:t>
-          </a:r>
-          <a:r>
-            <a:rPr lang="pl-PL" sz="1600" kern="1200" noProof="0" dirty="0" err="1"/>
-            <a:t>Azure</a:t>
-          </a:r>
-          <a:r>
-            <a:rPr lang="pl-PL" sz="1600" kern="1200" noProof="0" dirty="0"/>
-            <a:t> </a:t>
-          </a:r>
-          <a:r>
-            <a:rPr lang="pl-PL" sz="1600" kern="1200" noProof="0" dirty="0" err="1"/>
-            <a:t>App</a:t>
-          </a:r>
-          <a:r>
-            <a:rPr lang="pl-PL" sz="1600" kern="1200" noProof="0" dirty="0"/>
-            <a:t> Service </a:t>
-          </a:r>
-          <a:r>
-            <a:rPr lang="pl-PL" sz="1600" kern="1200" noProof="0" dirty="0" err="1"/>
-            <a:t>application</a:t>
-          </a:r>
-          <a:r>
-            <a:rPr lang="pl-PL" sz="1600" kern="1200" noProof="0" dirty="0"/>
-            <a:t>.</a:t>
+            <a:rPr lang="en-US" sz="1600" kern="1200" noProof="0" dirty="0"/>
+            <a:t>Storing data in Azure SQL Database, Displaying figures and maps in an Azure App Service application.</a:t>
           </a:r>
         </a:p>
       </dsp:txBody>
@@ -5695,7 +5189,7 @@
             <a:pPr rtl="0"/>
             <a:fld id="{3D3DD571-E22F-4A38-B450-8CCBD829A548}" type="datetimeFigureOut">
               <a:rPr lang="pl-PL"/>
-              <a:t>26.03.2024</a:t>
+              <a:t>27.03.2024</a:t>
             </a:fld>
             <a:endParaRPr lang="pl-PL" dirty="0"/>
           </a:p>
@@ -9062,7 +8556,7 @@
             <a:pPr rtl="0"/>
             <a:fld id="{703E2F8D-62B3-48AF-BAF5-944399905ED0}" type="datetimeFigureOut">
               <a:rPr lang="pl-PL" smtClean="0"/>
-              <a:t>26.03.2024</a:t>
+              <a:t>27.03.2024</a:t>
             </a:fld>
             <a:endParaRPr lang="pl-PL" dirty="0"/>
           </a:p>
@@ -9302,7 +8796,7 @@
             <a:pPr rtl="0"/>
             <a:fld id="{703E2F8D-62B3-48AF-BAF5-944399905ED0}" type="datetimeFigureOut">
               <a:rPr lang="pl-PL" smtClean="0"/>
-              <a:t>26.03.2024</a:t>
+              <a:t>27.03.2024</a:t>
             </a:fld>
             <a:endParaRPr lang="pl-PL" dirty="0"/>
           </a:p>
@@ -9635,7 +9129,7 @@
             <a:fld id="{8BEEBAAA-29B5-4AF5-BC5F-7E580C29002D}" type="datetimeFigureOut">
               <a:rPr lang="pl-PL" smtClean="0"/>
               <a:pPr rtl="0"/>
-              <a:t>26.03.2024</a:t>
+              <a:t>27.03.2024</a:t>
             </a:fld>
             <a:endParaRPr lang="pl-PL" dirty="0"/>
           </a:p>
@@ -10359,7 +9853,7 @@
             <a:pPr rtl="0"/>
             <a:fld id="{703E2F8D-62B3-48AF-BAF5-944399905ED0}" type="datetimeFigureOut">
               <a:rPr lang="pl-PL" smtClean="0"/>
-              <a:t>26.03.2024</a:t>
+              <a:t>27.03.2024</a:t>
             </a:fld>
             <a:endParaRPr lang="pl-PL" dirty="0"/>
           </a:p>
@@ -10817,7 +10311,7 @@
             <a:pPr rtl="0"/>
             <a:fld id="{703E2F8D-62B3-48AF-BAF5-944399905ED0}" type="datetimeFigureOut">
               <a:rPr lang="pl-PL" smtClean="0"/>
-              <a:t>26.03.2024</a:t>
+              <a:t>27.03.2024</a:t>
             </a:fld>
             <a:endParaRPr lang="pl-PL" dirty="0"/>
           </a:p>
@@ -10987,7 +10481,7 @@
             <a:pPr rtl="0"/>
             <a:fld id="{703E2F8D-62B3-48AF-BAF5-944399905ED0}" type="datetimeFigureOut">
               <a:rPr lang="pl-PL" smtClean="0"/>
-              <a:t>26.03.2024</a:t>
+              <a:t>27.03.2024</a:t>
             </a:fld>
             <a:endParaRPr lang="pl-PL" dirty="0"/>
           </a:p>
@@ -11115,7 +10609,7 @@
             <a:pPr rtl="0"/>
             <a:fld id="{703E2F8D-62B3-48AF-BAF5-944399905ED0}" type="datetimeFigureOut">
               <a:rPr lang="pl-PL" smtClean="0"/>
-              <a:t>26.03.2024</a:t>
+              <a:t>27.03.2024</a:t>
             </a:fld>
             <a:endParaRPr lang="pl-PL" dirty="0"/>
           </a:p>
@@ -11453,7 +10947,7 @@
             <a:pPr rtl="0"/>
             <a:fld id="{703E2F8D-62B3-48AF-BAF5-944399905ED0}" type="datetimeFigureOut">
               <a:rPr lang="pl-PL" smtClean="0"/>
-              <a:t>26.03.2024</a:t>
+              <a:t>27.03.2024</a:t>
             </a:fld>
             <a:endParaRPr lang="pl-PL" dirty="0"/>
           </a:p>
@@ -11772,7 +11266,7 @@
             <a:pPr rtl="0"/>
             <a:fld id="{703E2F8D-62B3-48AF-BAF5-944399905ED0}" type="datetimeFigureOut">
               <a:rPr lang="pl-PL" smtClean="0"/>
-              <a:t>26.03.2024</a:t>
+              <a:t>27.03.2024</a:t>
             </a:fld>
             <a:endParaRPr lang="pl-PL" dirty="0"/>
           </a:p>
@@ -12036,7 +11530,7 @@
             <a:pPr rtl="0"/>
             <a:fld id="{703E2F8D-62B3-48AF-BAF5-944399905ED0}" type="datetimeFigureOut">
               <a:rPr lang="pl-PL" smtClean="0"/>
-              <a:t>26.03.2024</a:t>
+              <a:t>27.03.2024</a:t>
             </a:fld>
             <a:endParaRPr lang="pl-PL" dirty="0"/>
           </a:p>
@@ -12489,7 +11983,7 @@
           <a:p>
             <a:r>
               <a:rPr lang="en-US" sz="3600" dirty="0"/>
-              <a:t>Processing Data on Air Pollution in Europe on a Modern Data Platform</a:t>
+              <a:t>Processing Data on Air Pollution in Europe Using a Modern Data Platform</a:t>
             </a:r>
             <a:endParaRPr lang="pl-PL" sz="3600" dirty="0"/>
           </a:p>
@@ -13693,6 +13187,55 @@
           </a:prstGeom>
         </p:spPr>
       </p:pic>
+      <p:sp>
+        <p:nvSpPr>
+          <p:cNvPr id="5" name="Zawartość — symbol zastępczy 2">
+            <a:extLst>
+              <a:ext uri="{FF2B5EF4-FFF2-40B4-BE49-F238E27FC236}">
+                <a16:creationId xmlns:a16="http://schemas.microsoft.com/office/drawing/2014/main" id="{B5CEBFE6-1D77-4A9C-D590-FE3F45F236C5}"/>
+              </a:ext>
+            </a:extLst>
+          </p:cNvPr>
+          <p:cNvSpPr>
+            <a:spLocks noGrp="1"/>
+          </p:cNvSpPr>
+          <p:nvPr>
+            <p:ph sz="quarter" idx="10"/>
+          </p:nvPr>
+        </p:nvSpPr>
+        <p:spPr>
+          <a:xfrm>
+            <a:off x="444500" y="5565228"/>
+            <a:ext cx="1163963" cy="505350"/>
+          </a:xfrm>
+        </p:spPr>
+        <p:txBody>
+          <a:bodyPr rtlCol="0">
+            <a:noAutofit/>
+          </a:bodyPr>
+          <a:lstStyle>
+            <a:defPPr>
+              <a:defRPr lang="pl-PL"/>
+            </a:defPPr>
+          </a:lstStyle>
+          <a:p>
+            <a:pPr marL="0" indent="0" rtl="0">
+              <a:buNone/>
+            </a:pPr>
+            <a:r>
+              <a:rPr lang="en-US" sz="2400" b="1" dirty="0">
+                <a:latin typeface="Segoe UI" panose="020B0502040204020203" pitchFamily="34" charset="0"/>
+                <a:cs typeface="Segoe UI" panose="020B0502040204020203" pitchFamily="34" charset="0"/>
+              </a:rPr>
+              <a:t>…</a:t>
+            </a:r>
+            <a:endParaRPr lang="pl-PL" sz="2400" b="1" dirty="0">
+              <a:latin typeface="Segoe UI" panose="020B0502040204020203" pitchFamily="34" charset="0"/>
+              <a:cs typeface="Segoe UI" panose="020B0502040204020203" pitchFamily="34" charset="0"/>
+            </a:endParaRPr>
+          </a:p>
+        </p:txBody>
+      </p:sp>
     </p:spTree>
     <p:extLst>
       <p:ext uri="{BB962C8B-B14F-4D97-AF65-F5344CB8AC3E}">
@@ -14284,7 +13827,7 @@
         </p:blipFill>
         <p:spPr>
           <a:xfrm>
-            <a:off x="444501" y="1262022"/>
+            <a:off x="227682" y="1262022"/>
             <a:ext cx="5277588" cy="1873483"/>
           </a:xfrm>
           <a:prstGeom prst="rect">
@@ -14314,7 +13857,7 @@
         </p:blipFill>
         <p:spPr>
           <a:xfrm>
-            <a:off x="444500" y="3345310"/>
+            <a:off x="227682" y="3349909"/>
             <a:ext cx="3920542" cy="3095954"/>
           </a:xfrm>
           <a:prstGeom prst="rect">
@@ -14344,7 +13887,7 @@
         </p:blipFill>
         <p:spPr>
           <a:xfrm>
-            <a:off x="6096000" y="1232303"/>
+            <a:off x="4148224" y="4059615"/>
             <a:ext cx="3405532" cy="2342072"/>
           </a:xfrm>
           <a:prstGeom prst="rect">
@@ -14354,10 +13897,10 @@
       </p:pic>
       <p:pic>
         <p:nvPicPr>
-          <p:cNvPr id="12" name="Picture 11">
-            <a:extLst>
-              <a:ext uri="{FF2B5EF4-FFF2-40B4-BE49-F238E27FC236}">
-                <a16:creationId xmlns:a16="http://schemas.microsoft.com/office/drawing/2014/main" id="{481AAA9F-0A2C-BAF2-0E50-9DD369C112C5}"/>
+          <p:cNvPr id="15" name="Picture 14">
+            <a:extLst>
+              <a:ext uri="{FF2B5EF4-FFF2-40B4-BE49-F238E27FC236}">
+                <a16:creationId xmlns:a16="http://schemas.microsoft.com/office/drawing/2014/main" id="{C9489B3C-5EAA-3501-A8F2-648EC69DDFC9}"/>
               </a:ext>
             </a:extLst>
           </p:cNvPr>
@@ -14368,36 +13911,6 @@
         </p:nvPicPr>
         <p:blipFill>
           <a:blip r:embed="rId6"/>
-          <a:stretch>
-            <a:fillRect/>
-          </a:stretch>
-        </p:blipFill>
-        <p:spPr>
-          <a:xfrm>
-            <a:off x="6096000" y="3811036"/>
-            <a:ext cx="3104441" cy="2630228"/>
-          </a:xfrm>
-          <a:prstGeom prst="rect">
-            <a:avLst/>
-          </a:prstGeom>
-        </p:spPr>
-      </p:pic>
-      <p:pic>
-        <p:nvPicPr>
-          <p:cNvPr id="15" name="Picture 14">
-            <a:extLst>
-              <a:ext uri="{FF2B5EF4-FFF2-40B4-BE49-F238E27FC236}">
-                <a16:creationId xmlns:a16="http://schemas.microsoft.com/office/drawing/2014/main" id="{C9489B3C-5EAA-3501-A8F2-648EC69DDFC9}"/>
-              </a:ext>
-            </a:extLst>
-          </p:cNvPr>
-          <p:cNvPicPr>
-            <a:picLocks noChangeAspect="1"/>
-          </p:cNvPicPr>
-          <p:nvPr/>
-        </p:nvPicPr>
-        <p:blipFill>
-          <a:blip r:embed="rId7"/>
           <a:stretch>
             <a:fillRect/>
           </a:stretch>
@@ -14427,7 +13940,7 @@
           <p:nvPr/>
         </p:nvPicPr>
         <p:blipFill>
-          <a:blip r:embed="rId8"/>
+          <a:blip r:embed="rId7"/>
           <a:stretch>
             <a:fillRect/>
           </a:stretch>
@@ -14436,6 +13949,36 @@
           <a:xfrm>
             <a:off x="10696251" y="288259"/>
             <a:ext cx="895475" cy="685896"/>
+          </a:xfrm>
+          <a:prstGeom prst="rect">
+            <a:avLst/>
+          </a:prstGeom>
+        </p:spPr>
+      </p:pic>
+      <p:pic>
+        <p:nvPicPr>
+          <p:cNvPr id="5" name="Picture 4">
+            <a:extLst>
+              <a:ext uri="{FF2B5EF4-FFF2-40B4-BE49-F238E27FC236}">
+                <a16:creationId xmlns:a16="http://schemas.microsoft.com/office/drawing/2014/main" id="{D8A57CEE-1B8E-5BA3-4474-081844181C91}"/>
+              </a:ext>
+            </a:extLst>
+          </p:cNvPr>
+          <p:cNvPicPr>
+            <a:picLocks noChangeAspect="1"/>
+          </p:cNvPicPr>
+          <p:nvPr/>
+        </p:nvPicPr>
+        <p:blipFill>
+          <a:blip r:embed="rId8"/>
+          <a:stretch>
+            <a:fillRect/>
+          </a:stretch>
+        </p:blipFill>
+        <p:spPr>
+          <a:xfrm>
+            <a:off x="7604201" y="1262022"/>
+            <a:ext cx="4360118" cy="3761670"/>
           </a:xfrm>
           <a:prstGeom prst="rect">
             <a:avLst/>
@@ -14971,7 +14514,7 @@
                   <a:schemeClr val="tx1"/>
                 </a:solidFill>
               </a:rPr>
-              <a:t>The most polluted air is in Southern Europe.</a:t>
+              <a:t>The use of a Modern Data Platform has revealed that the most polluted air is in Southern Europe.</a:t>
             </a:r>
             <a:endParaRPr lang="pl-PL" sz="1600" dirty="0">
               <a:solidFill>
@@ -14993,7 +14536,7 @@
                   <a:schemeClr val="tx1"/>
                 </a:solidFill>
               </a:rPr>
-              <a:t>The conducted analyses only concerned a fragment of the processed data.</a:t>
+              <a:t>The analyses conducted were limited to only a portion of the processed data, so the results could be more diverse and interesting.</a:t>
             </a:r>
             <a:endParaRPr lang="pl-PL" sz="1600" dirty="0">
               <a:solidFill>
@@ -15032,23 +14575,7 @@
                   <a:schemeClr val="tx1"/>
                 </a:solidFill>
               </a:rPr>
-              <a:t>A more efficient strategy may involve serving data from Azure Synapse Analytics as the service layer to use </a:t>
-            </a:r>
-            <a:r>
-              <a:rPr lang="en-US" sz="1600" dirty="0" err="1">
-                <a:solidFill>
-                  <a:schemeClr val="tx1"/>
-                </a:solidFill>
-              </a:rPr>
-              <a:t>columnstore</a:t>
-            </a:r>
-            <a:r>
-              <a:rPr lang="en-US" sz="1600" dirty="0">
-                <a:solidFill>
-                  <a:schemeClr val="tx1"/>
-                </a:solidFill>
-              </a:rPr>
-              <a:t> indexes.</a:t>
+              <a:t>The presentation may look more professional with the use of specialized tools like Tableau.</a:t>
             </a:r>
             <a:endParaRPr lang="pl-PL" sz="1600" dirty="0">
               <a:solidFill>
@@ -15403,7 +14930,7 @@
         </p:spPr>
         <p:txBody>
           <a:bodyPr vert="horz" lIns="91440" tIns="45720" rIns="91440" bIns="45720" rtlCol="0">
-            <a:normAutofit/>
+            <a:normAutofit fontScale="92500" lnSpcReduction="20000"/>
           </a:bodyPr>
           <a:lstStyle>
             <a:lvl1pPr marL="228598" indent="-228598" algn="l" defTabSz="914391" rtl="0" eaLnBrk="1" latinLnBrk="0" hangingPunct="1">
@@ -15592,18 +15119,45 @@
               <a:buNone/>
             </a:pPr>
             <a:r>
+              <a:rPr lang="en-US" sz="2000" dirty="0">
+                <a:solidFill>
+                  <a:schemeClr val="tx1"/>
+                </a:solidFill>
+              </a:rPr>
+              <a:t>Air pollution is causing significant health issues globally. </a:t>
+            </a:r>
+          </a:p>
+          <a:p>
+            <a:pPr marL="0" indent="0" algn="ctr" rtl="0">
+              <a:spcAft>
+                <a:spcPts val="1200"/>
+              </a:spcAft>
+              <a:buNone/>
+            </a:pPr>
+            <a:r>
+              <a:rPr lang="en-US" sz="2000" dirty="0">
+                <a:solidFill>
+                  <a:schemeClr val="tx1"/>
+                </a:solidFill>
+              </a:rPr>
+              <a:t>Nowadays, meteorological stations around the world collect air quality data. </a:t>
+            </a:r>
+          </a:p>
+          <a:p>
+            <a:pPr marL="0" indent="0" algn="ctr" rtl="0">
+              <a:spcAft>
+                <a:spcPts val="1200"/>
+              </a:spcAft>
+              <a:buNone/>
+            </a:pPr>
+            <a:r>
               <a:rPr lang="en-US" sz="2000" b="1" dirty="0">
                 <a:solidFill>
                   <a:schemeClr val="tx1"/>
                 </a:solidFill>
               </a:rPr>
-              <a:t>Polluted air is currently causing significant health problems.</a:t>
-            </a:r>
-            <a:endParaRPr lang="pl-PL" sz="2000" b="1" dirty="0">
-              <a:solidFill>
-                <a:schemeClr val="tx1"/>
-              </a:solidFill>
-            </a:endParaRPr>
+              <a:t>How can we utilize this data to identify areas with unhealthy air?</a:t>
+            </a:r>
           </a:p>
           <a:p>
             <a:pPr marL="0" indent="0" rtl="0">
@@ -15636,11 +15190,14 @@
               </a:rPr>
               <a:t>Pollutants</a:t>
             </a:r>
-            <a:endParaRPr lang="en-US" sz="1600" dirty="0">
-              <a:solidFill>
-                <a:schemeClr val="tx1"/>
-              </a:solidFill>
-            </a:endParaRPr>
+            <a:r>
+              <a:rPr lang="en-US" sz="1600" dirty="0">
+                <a:solidFill>
+                  <a:schemeClr val="tx1"/>
+                </a:solidFill>
+              </a:rPr>
+              <a:t>:</a:t>
+            </a:r>
           </a:p>
           <a:p>
             <a:pPr rtl="0">
@@ -16514,7 +16071,7 @@
               </a:rPr>
               <a:t>Steps – Modern Data Platform</a:t>
             </a:r>
-            <a:endParaRPr lang="pl-PL" sz="2400" b="1" dirty="0">
+            <a:endParaRPr lang="en-US" sz="2400" b="1" dirty="0">
               <a:solidFill>
                 <a:schemeClr val="bg2">
                   <a:lumMod val="50000"/>
@@ -16541,7 +16098,7 @@
           <p:nvPr>
             <p:extLst>
               <p:ext uri="{D42A27DB-BD31-4B8C-83A1-F6EECF244321}">
-                <p14:modId xmlns:p14="http://schemas.microsoft.com/office/powerpoint/2010/main" val="1103801465"/>
+                <p14:modId xmlns:p14="http://schemas.microsoft.com/office/powerpoint/2010/main" val="3083167256"/>
               </p:ext>
             </p:extLst>
           </p:nvPr>
@@ -16878,7 +16435,7 @@
         </p:blipFill>
         <p:spPr>
           <a:xfrm>
-            <a:off x="4736372" y="4270250"/>
+            <a:off x="4712210" y="4270250"/>
             <a:ext cx="523168" cy="505534"/>
           </a:xfrm>
           <a:prstGeom prst="rect">
@@ -19219,6 +18776,55 @@
           </a:prstGeom>
         </p:spPr>
       </p:pic>
+      <p:sp>
+        <p:nvSpPr>
+          <p:cNvPr id="2" name="Zawartość — symbol zastępczy 2">
+            <a:extLst>
+              <a:ext uri="{FF2B5EF4-FFF2-40B4-BE49-F238E27FC236}">
+                <a16:creationId xmlns:a16="http://schemas.microsoft.com/office/drawing/2014/main" id="{DC45ACF3-7CB0-B0CB-F3F6-4A35929FE399}"/>
+              </a:ext>
+            </a:extLst>
+          </p:cNvPr>
+          <p:cNvSpPr>
+            <a:spLocks noGrp="1"/>
+          </p:cNvSpPr>
+          <p:nvPr>
+            <p:ph sz="quarter" idx="10"/>
+          </p:nvPr>
+        </p:nvSpPr>
+        <p:spPr>
+          <a:xfrm>
+            <a:off x="2295333" y="6174716"/>
+            <a:ext cx="1163963" cy="505350"/>
+          </a:xfrm>
+        </p:spPr>
+        <p:txBody>
+          <a:bodyPr rtlCol="0">
+            <a:noAutofit/>
+          </a:bodyPr>
+          <a:lstStyle>
+            <a:defPPr>
+              <a:defRPr lang="pl-PL"/>
+            </a:defPPr>
+          </a:lstStyle>
+          <a:p>
+            <a:pPr marL="0" indent="0" rtl="0">
+              <a:buNone/>
+            </a:pPr>
+            <a:r>
+              <a:rPr lang="en-US" sz="2400" b="1" dirty="0">
+                <a:latin typeface="Segoe UI" panose="020B0502040204020203" pitchFamily="34" charset="0"/>
+                <a:cs typeface="Segoe UI" panose="020B0502040204020203" pitchFamily="34" charset="0"/>
+              </a:rPr>
+              <a:t>…</a:t>
+            </a:r>
+            <a:endParaRPr lang="pl-PL" sz="2400" b="1" dirty="0">
+              <a:latin typeface="Segoe UI" panose="020B0502040204020203" pitchFamily="34" charset="0"/>
+              <a:cs typeface="Segoe UI" panose="020B0502040204020203" pitchFamily="34" charset="0"/>
+            </a:endParaRPr>
+          </a:p>
+        </p:txBody>
+      </p:sp>
     </p:spTree>
     <p:extLst>
       <p:ext uri="{BB962C8B-B14F-4D97-AF65-F5344CB8AC3E}">
@@ -19729,15 +19335,6 @@
 </file>
 
 <file path=customXml/item1.xml><?xml version="1.0" encoding="utf-8"?>
-<?mso-contentType ?>
-<FormTemplates xmlns="http://schemas.microsoft.com/sharepoint/v3/contenttype/forms">
-  <Display>DocumentLibraryForm</Display>
-  <Edit>DocumentLibraryForm</Edit>
-  <New>DocumentLibraryForm</New>
-</FormTemplates>
-</file>
-
-<file path=customXml/item2.xml><?xml version="1.0" encoding="utf-8"?>
 <ct:contentTypeSchema xmlns:ct="http://schemas.microsoft.com/office/2006/metadata/contentType" xmlns:ma="http://schemas.microsoft.com/office/2006/metadata/properties/metaAttributes" ct:_="" ma:_="" ma:contentTypeName="Document" ma:contentTypeID="0x01010079F111ED35F8CC479449609E8A0923A6" ma:contentTypeVersion="20" ma:contentTypeDescription="Create a new document." ma:contentTypeScope="" ma:versionID="1267097ee5f5874adfcc408041ae252e">
   <xsd:schema xmlns:xsd="http://www.w3.org/2001/XMLSchema" xmlns:xs="http://www.w3.org/2001/XMLSchema" xmlns:p="http://schemas.microsoft.com/office/2006/metadata/properties" xmlns:ns1="http://schemas.microsoft.com/sharepoint/v3" xmlns:ns2="71af3243-3dd4-4a8d-8c0d-dd76da1f02a5" xmlns:ns3="16c05727-aa75-4e4a-9b5f-8a80a1165891" xmlns:ns4="230e9df3-be65-4c73-a93b-d1236ebd677e" targetNamespace="http://schemas.microsoft.com/office/2006/metadata/properties" ma:root="true" ma:fieldsID="395891a93df65b14727750f2c06c306c" ns1:_="" ns2:_="" ns3:_="" ns4:_="">
     <xsd:import namespace="http://schemas.microsoft.com/sharepoint/v3"/>
@@ -20013,6 +19610,15 @@
 </ct:contentTypeSchema>
 </file>
 
+<file path=customXml/item2.xml><?xml version="1.0" encoding="utf-8"?>
+<?mso-contentType ?>
+<FormTemplates xmlns="http://schemas.microsoft.com/sharepoint/v3/contenttype/forms">
+  <Display>DocumentLibraryForm</Display>
+  <Edit>DocumentLibraryForm</Edit>
+  <New>DocumentLibraryForm</New>
+</FormTemplates>
+</file>
+
 <file path=customXml/item3.xml><?xml version="1.0" encoding="utf-8"?>
 <p:properties xmlns:p="http://schemas.microsoft.com/office/2006/metadata/properties" xmlns:xsi="http://www.w3.org/2001/XMLSchema-instance" xmlns:pc="http://schemas.microsoft.com/office/infopath/2007/PartnerControls">
   <documentManagement>
@@ -20033,14 +19639,6 @@
 </file>
 
 <file path=customXml/itemProps1.xml><?xml version="1.0" encoding="utf-8"?>
-<ds:datastoreItem xmlns:ds="http://schemas.openxmlformats.org/officeDocument/2006/customXml" ds:itemID="{77DD0DBF-30B2-4FC6-A5E7-8374DC718037}">
-  <ds:schemaRefs>
-    <ds:schemaRef ds:uri="http://schemas.microsoft.com/sharepoint/v3/contenttype/forms"/>
-  </ds:schemaRefs>
-</ds:datastoreItem>
-</file>
-
-<file path=customXml/itemProps2.xml><?xml version="1.0" encoding="utf-8"?>
 <ds:datastoreItem xmlns:ds="http://schemas.openxmlformats.org/officeDocument/2006/customXml" ds:itemID="{B2A44EB6-3BD3-4FF9-B8D1-D973C54C3ED7}">
   <ds:schemaRefs>
     <ds:schemaRef ds:uri="http://schemas.microsoft.com/office/2006/metadata/contentType"/>
@@ -20057,6 +19655,14 @@
     <ds:schemaRef ds:uri="http://purl.org/dc/elements/1.1/"/>
     <ds:schemaRef ds:uri="http://purl.org/dc/terms/"/>
     <ds:schemaRef ds:uri="http://schemas.microsoft.com/internal/obd"/>
+  </ds:schemaRefs>
+</ds:datastoreItem>
+</file>
+
+<file path=customXml/itemProps2.xml><?xml version="1.0" encoding="utf-8"?>
+<ds:datastoreItem xmlns:ds="http://schemas.openxmlformats.org/officeDocument/2006/customXml" ds:itemID="{77DD0DBF-30B2-4FC6-A5E7-8374DC718037}">
+  <ds:schemaRefs>
+    <ds:schemaRef ds:uri="http://schemas.microsoft.com/sharepoint/v3/contenttype/forms"/>
   </ds:schemaRefs>
 </ds:datastoreItem>
 </file>

--- a/Presentation/Processing Data on Air Pollution in Europe on Modern Data Platform.pptx
+++ b/Presentation/Processing Data on Air Pollution in Europe on Modern Data Platform.pptx
@@ -5512,35 +5512,45 @@
           <a:lstStyle/>
           <a:p>
             <a:r>
-              <a:rPr lang="en-US" b="0" i="0" dirty="0">
-                <a:solidFill>
-                  <a:srgbClr val="374151"/>
-                </a:solidFill>
-                <a:effectLst/>
-                <a:latin typeface="Söhne"/>
-              </a:rPr>
-              <a:t>The dataset under examination is the 'StackOverflow2013' database, which spans from the years 2008 to 2013. This comprehensive dataset provides a rich opportunity for various analytical explorations and can offer valuable insights into the trends, patterns, and dynamics of the Stack Overflow community during its early years.</a:t>
-            </a:r>
-          </a:p>
-          <a:p>
-            <a:endParaRPr lang="en-US" dirty="0">
-              <a:solidFill>
-                <a:srgbClr val="374151"/>
-              </a:solidFill>
-              <a:latin typeface="Söhne"/>
-            </a:endParaRPr>
-          </a:p>
-          <a:p>
-            <a:r>
-              <a:rPr lang="en-US" dirty="0">
-                <a:solidFill>
-                  <a:srgbClr val="374151"/>
-                </a:solidFill>
-                <a:latin typeface="Söhne"/>
-              </a:rPr>
-              <a:t>25’’</a:t>
-            </a:r>
-            <a:endParaRPr lang="pl-PL" dirty="0"/>
+              <a:rPr lang="en-US" dirty="0"/>
+              <a:t>Hello everyone,</a:t>
+            </a:r>
+          </a:p>
+          <a:p>
+            <a:endParaRPr lang="en-US" dirty="0"/>
+          </a:p>
+          <a:p>
+            <a:r>
+              <a:rPr lang="en-US" dirty="0"/>
+              <a:t>I would like to present my project titled 'Processing Data on Air Pollution in Europe Using a Modern Data Platform.'</a:t>
+            </a:r>
+          </a:p>
+          <a:p>
+            <a:endParaRPr lang="en-US" dirty="0"/>
+          </a:p>
+          <a:p>
+            <a:r>
+              <a:rPr lang="en-US" dirty="0"/>
+              <a:t>Today's presentation is centered on the significant challenge of air pollution in Europe.</a:t>
+            </a:r>
+          </a:p>
+          <a:p>
+            <a:endParaRPr lang="en-US" dirty="0"/>
+          </a:p>
+          <a:p>
+            <a:r>
+              <a:rPr lang="en-US" dirty="0"/>
+              <a:t>I have dedicated time to exploring how a Modern Data Platform can leverage the vast amounts of air quality data collected by meteorological stations. My aim is to unravel patterns using the technology stack we've used throughout the course.</a:t>
+            </a:r>
+          </a:p>
+          <a:p>
+            <a:endParaRPr lang="en-US" dirty="0"/>
+          </a:p>
+          <a:p>
+            <a:r>
+              <a:rPr lang="en-US" dirty="0"/>
+              <a:t>34’’</a:t>
+            </a:r>
           </a:p>
         </p:txBody>
       </p:sp>
@@ -5646,7 +5656,7 @@
             <a:pPr algn="just"/>
             <a:r>
               <a:rPr lang="en-US" dirty="0"/>
-              <a:t>In this slide, I'm detailing the efficient process of exporting data from SQL Server to CSV and then compressing it for optimal transfer speed.</a:t>
+              <a:t>We're revisiting the 'Storage' step, this time to talk about streaming the processed data into a Delta Table. </a:t>
             </a:r>
           </a:p>
           <a:p>
@@ -5657,7 +5667,7 @@
             <a:pPr algn="just"/>
             <a:r>
               <a:rPr lang="en-US" dirty="0"/>
-              <a:t>I start by using BCP, which stands for Bulk Copy Program, a tool provided by SQL Server. It's the fastest method available to perform large-scale data exports to CSV format, ensuring speed and efficiency. I specify the view names that form the collection of data I wish to export, and then I initiate a loop to process each view individually.</a:t>
+              <a:t>The code shown here handles the streaming process. It's set up to append data to the table in real-time, with checkpoints that maintain the data's integrity.</a:t>
             </a:r>
           </a:p>
           <a:p>
@@ -5668,53 +5678,14 @@
             <a:pPr algn="just"/>
             <a:r>
               <a:rPr lang="en-US" dirty="0"/>
-              <a:t>Once the CSV files are generated, I use 7-Zip to compress them into </a:t>
-            </a:r>
-            <a:r>
-              <a:rPr lang="en-US" dirty="0" err="1"/>
-              <a:t>gzip</a:t>
-            </a:r>
+              <a:t>I've used the Databricks CLI to create a secret scope, which securely manages the storage paths, vital for protecting sensitive information. </a:t>
+            </a:r>
+          </a:p>
+          <a:p>
+            <a:pPr algn="just"/>
             <a:r>
               <a:rPr lang="en-US" dirty="0"/>
-              <a:t> format. One of the key advantages of </a:t>
-            </a:r>
-            <a:r>
-              <a:rPr lang="en-US" dirty="0" err="1"/>
-              <a:t>gzip</a:t>
-            </a:r>
-            <a:r>
-              <a:rPr lang="en-US" dirty="0"/>
-              <a:t> is its compatibility with Databricks' file system. It can read </a:t>
-            </a:r>
-            <a:r>
-              <a:rPr lang="en-US" dirty="0" err="1"/>
-              <a:t>gzip</a:t>
-            </a:r>
-            <a:r>
-              <a:rPr lang="en-US" dirty="0"/>
-              <a:t> files directly, which means there's no need to decompress them on the platform, saving valuable processing time and simplifying the data pipeline.</a:t>
-            </a:r>
-          </a:p>
-          <a:p>
-            <a:pPr algn="just"/>
-            <a:endParaRPr lang="en-US" dirty="0"/>
-          </a:p>
-          <a:p>
-            <a:pPr algn="just"/>
-            <a:r>
-              <a:rPr lang="en-US" dirty="0"/>
-              <a:t>The bottom part of the slide shows the actual script that orchestrates this entire process: from setting environment variables for BCP to executing the compression commands and cleaning up interim files. This script is the backbone of the procedure, handling everything from data extraction to final file compression, ready for sending to Databricks.</a:t>
-            </a:r>
-          </a:p>
-          <a:p>
-            <a:pPr algn="just"/>
-            <a:endParaRPr lang="en-US" dirty="0"/>
-          </a:p>
-          <a:p>
-            <a:pPr algn="just"/>
-            <a:r>
-              <a:rPr lang="en-US" dirty="0"/>
-              <a:t>67’’</a:t>
+              <a:t>25‘’</a:t>
             </a:r>
             <a:endParaRPr lang="pl-PL" dirty="0"/>
           </a:p>
@@ -5828,7 +5799,7 @@
             <a:pPr algn="just"/>
             <a:r>
               <a:rPr lang="en-US" dirty="0"/>
-              <a:t>In this slide, I'm detailing the efficient process of exporting data from SQL Server to CSV and then compressing it for optimal transfer speed.</a:t>
+              <a:t>"In this part of the Processing phase, we're enhancing our dataset with essential reference information. Specifically, I'm loading ISO country codes, which are crucial for data enrichment.</a:t>
             </a:r>
           </a:p>
           <a:p>
@@ -5839,7 +5810,7 @@
             <a:pPr algn="just"/>
             <a:r>
               <a:rPr lang="en-US" dirty="0"/>
-              <a:t>I start by using BCP, which stands for Bulk Copy Program, a tool provided by SQL Server. It's the fastest method available to perform large-scale data exports to CSV format, ensuring speed and efficiency. I specify the view names that form the collection of data I wish to export, and then I initiate a loop to process each view individually.</a:t>
+              <a:t>The code displayed here uses Apache Spark to read a CSV file containing the country codes. The options set within the code ensure that the CSV file is read correctly, considering headers and custom delimiters.</a:t>
             </a:r>
           </a:p>
           <a:p>
@@ -5850,53 +5821,22 @@
             <a:pPr algn="just"/>
             <a:r>
               <a:rPr lang="en-US" dirty="0"/>
-              <a:t>Once the CSV files are generated, I use 7-Zip to compress them into </a:t>
+              <a:t>After loading, I create a temporary view of this data within Spark. This view, '</a:t>
             </a:r>
             <a:r>
               <a:rPr lang="en-US" dirty="0" err="1"/>
-              <a:t>gzip</a:t>
+              <a:t>CountriesIso</a:t>
             </a:r>
             <a:r>
               <a:rPr lang="en-US" dirty="0"/>
-              <a:t> format. One of the key advantages of </a:t>
-            </a:r>
-            <a:r>
-              <a:rPr lang="en-US" dirty="0" err="1"/>
-              <a:t>gzip</a:t>
-            </a:r>
+              <a:t>', allows me to efficiently join the country codes with our main dataset, enriching it with standardized country information.</a:t>
+            </a:r>
+          </a:p>
+          <a:p>
+            <a:pPr algn="just"/>
             <a:r>
               <a:rPr lang="en-US" dirty="0"/>
-              <a:t> is its compatibility with Databricks' file system. It can read </a:t>
-            </a:r>
-            <a:r>
-              <a:rPr lang="en-US" dirty="0" err="1"/>
-              <a:t>gzip</a:t>
-            </a:r>
-            <a:r>
-              <a:rPr lang="en-US" dirty="0"/>
-              <a:t> files directly, which means there's no need to decompress them on the platform, saving valuable processing time and simplifying the data pipeline.</a:t>
-            </a:r>
-          </a:p>
-          <a:p>
-            <a:pPr algn="just"/>
-            <a:endParaRPr lang="en-US" dirty="0"/>
-          </a:p>
-          <a:p>
-            <a:pPr algn="just"/>
-            <a:r>
-              <a:rPr lang="en-US" dirty="0"/>
-              <a:t>The bottom part of the slide shows the actual script that orchestrates this entire process: from setting environment variables for BCP to executing the compression commands and cleaning up interim files. This script is the backbone of the procedure, handling everything from data extraction to final file compression, ready for sending to Databricks.</a:t>
-            </a:r>
-          </a:p>
-          <a:p>
-            <a:pPr algn="just"/>
-            <a:endParaRPr lang="en-US" dirty="0"/>
-          </a:p>
-          <a:p>
-            <a:pPr algn="just"/>
-            <a:r>
-              <a:rPr lang="en-US" dirty="0"/>
-              <a:t>67’’</a:t>
+              <a:t>39‘’</a:t>
             </a:r>
             <a:endParaRPr lang="pl-PL" dirty="0"/>
           </a:p>
@@ -5992,7 +5932,7 @@
             <a:pPr algn="just"/>
             <a:r>
               <a:rPr lang="en-US" dirty="0"/>
-              <a:t>In this part of the presentation, I'm focusing on the data source that I used for the analysis. I have chosen the Stack Overflow database for a few key reasons:</a:t>
+              <a:t>In my analysis phase, I’ve focused on identifying countries with the highest levels of PM10 pollution. Using Spark SQL, I've executed a query to calculate the average PM10 values by country, leveraging the data stored in the Delta table.</a:t>
             </a:r>
           </a:p>
           <a:p>
@@ -6003,7 +5943,7 @@
             <a:pPr algn="just"/>
             <a:r>
               <a:rPr lang="en-US" dirty="0"/>
-              <a:t>Firstly, this database is derived from the public Stack Overflow data export, which is a rich dataset used widely in the tech community for analysis and training. It's not just a  simple dataset; it reflects real-world distributions of numbers, dates, and strings, making it an excellent candidate for realistic data analysis scenarios.</a:t>
+              <a:t>The result of this query is displayed in the bar chart here, which has been integrated into the web application deployed on Azure App Services. This visualization clearly shows the varying levels of PM10 across different European countries, with the Southern Countries having the highest average levels in this particular dataset.</a:t>
             </a:r>
           </a:p>
           <a:p>
@@ -6014,35 +5954,14 @@
             <a:pPr algn="just"/>
             <a:r>
               <a:rPr lang="en-US" dirty="0"/>
-              <a:t>For my purposes, I've selected the medium option – the 50GB StackOverflow2013 database, which expands from a 10GB compressed file. This particular dataset contains data from 2008 to 2013.</a:t>
+              <a:t>It's important to note that the data for this chart is sourced from the serving layer, which I will show in the next slides. I've decided to maintain consistency in my presentation by focusing on the analytical outcomes before delving into the architectural details of the serving layer.</a:t>
             </a:r>
           </a:p>
           <a:p>
             <a:pPr algn="just"/>
-            <a:endParaRPr lang="en-US" dirty="0"/>
-          </a:p>
-          <a:p>
-            <a:pPr algn="just"/>
             <a:r>
               <a:rPr lang="en-US" dirty="0"/>
-              <a:t>The data comes in the form of .</a:t>
-            </a:r>
-            <a:r>
-              <a:rPr lang="en-US" dirty="0" err="1"/>
-              <a:t>mdf</a:t>
-            </a:r>
-            <a:r>
-              <a:rPr lang="en-US" dirty="0"/>
-              <a:t> files, which are the primary database file types used by SQL Server. This makes it convenient as they can be attached directly to SQL Server without any additional conversion, saving time and simplifying the setup process.</a:t>
-            </a:r>
-          </a:p>
-          <a:p>
-            <a:endParaRPr lang="en-US" dirty="0"/>
-          </a:p>
-          <a:p>
-            <a:r>
-              <a:rPr lang="en-US" dirty="0"/>
-              <a:t>68’’</a:t>
+              <a:t>‘’</a:t>
             </a:r>
             <a:endParaRPr lang="pl-PL" dirty="0"/>
           </a:p>
@@ -6150,7 +6069,7 @@
             <a:pPr algn="just"/>
             <a:r>
               <a:rPr lang="en-US" dirty="0"/>
-              <a:t>In this part of the presentation, I'm focusing on the data source that I used for the analysis. I have chosen the Stack Overflow database for a few key reasons:</a:t>
+              <a:t>Here, I am examining the correlation between weather conditions and air pollution levels. The Pearson correlation coefficient is a statistical measure that I use to understand the strength of the relationship between two variables, ranging between -1 and 1.</a:t>
             </a:r>
           </a:p>
           <a:p>
@@ -6161,7 +6080,7 @@
             <a:pPr algn="just"/>
             <a:r>
               <a:rPr lang="en-US" dirty="0"/>
-              <a:t>Firstly, this database is derived from the public Stack Overflow data export, which is a rich dataset used widely in the tech community for analysis and training. It's not just a  simple dataset; it reflects real-world distributions of numbers, dates, and strings, making it an excellent candidate for realistic data analysis scenarios.</a:t>
+              <a:t>For this analysis, I calculated the absolute values of the Pearson coefficients to illustrate the strength of correlations more effectively on our visualization.</a:t>
             </a:r>
           </a:p>
           <a:p>
@@ -6172,35 +6091,14 @@
             <a:pPr algn="just"/>
             <a:r>
               <a:rPr lang="en-US" dirty="0"/>
-              <a:t>For my purposes, I've selected the medium option – the 50GB StackOverflow2013 database, which expands from a 10GB compressed file. This particular dataset contains data from 2008 to 2013.</a:t>
+              <a:t>The bubble plot you see here represents these correlations. For instance, we can observe whether higher temperatures correspond to higher levels of certain pollutants. This allows us to identify which weather factors are most closely associated with air pollution levels.</a:t>
             </a:r>
           </a:p>
           <a:p>
             <a:pPr algn="just"/>
-            <a:endParaRPr lang="en-US" dirty="0"/>
-          </a:p>
-          <a:p>
-            <a:pPr algn="just"/>
             <a:r>
               <a:rPr lang="en-US" dirty="0"/>
-              <a:t>The data comes in the form of .</a:t>
-            </a:r>
-            <a:r>
-              <a:rPr lang="en-US" dirty="0" err="1"/>
-              <a:t>mdf</a:t>
-            </a:r>
-            <a:r>
-              <a:rPr lang="en-US" dirty="0"/>
-              <a:t> files, which are the primary database file types used by SQL Server. This makes it convenient as they can be attached directly to SQL Server without any additional conversion, saving time and simplifying the setup process.</a:t>
-            </a:r>
-          </a:p>
-          <a:p>
-            <a:endParaRPr lang="en-US" dirty="0"/>
-          </a:p>
-          <a:p>
-            <a:r>
-              <a:rPr lang="en-US" dirty="0"/>
-              <a:t>68’’</a:t>
+              <a:t>42‘’</a:t>
             </a:r>
             <a:endParaRPr lang="pl-PL" dirty="0"/>
           </a:p>
@@ -6314,7 +6212,15 @@
             <a:pPr algn="just"/>
             <a:r>
               <a:rPr lang="en-US" dirty="0"/>
-              <a:t>In this part of the presentation, I'm focusing on the data source that I used for the analysis. I have chosen the Stack Overflow database for a few key reasons:</a:t>
+              <a:t>In this segment of my  </a:t>
+            </a:r>
+            <a:r>
+              <a:rPr lang="en-US" dirty="0" err="1"/>
+              <a:t>nalysis</a:t>
+            </a:r>
+            <a:r>
+              <a:rPr lang="en-US" dirty="0"/>
+              <a:t>, I am pinpointing capital cities with the most significant traffic pollution, as indicated by levels of nitrogen dioxide, or NO2.</a:t>
             </a:r>
           </a:p>
           <a:p>
@@ -6325,7 +6231,7 @@
             <a:pPr algn="just"/>
             <a:r>
               <a:rPr lang="en-US" dirty="0"/>
-              <a:t>Firstly, this database is derived from the public Stack Overflow data export, which is a rich dataset used widely in the tech community for analysis and training. It's not just a  simple dataset; it reflects real-world distributions of numbers, dates, and strings, making it an excellent candidate for realistic data analysis scenarios.</a:t>
+              <a:t>I've written a Spark SQL query that calculates the average NO2 concentrations by capital city. The query joins the pollution data with a list of capitals, considering their geographical coordinates to ensure accurate location matching.</a:t>
             </a:r>
           </a:p>
           <a:p>
@@ -6336,35 +6242,14 @@
             <a:pPr algn="just"/>
             <a:r>
               <a:rPr lang="en-US" dirty="0"/>
-              <a:t>For my purposes, I've selected the medium option – the 50GB StackOverflow2013 database, which expands from a 10GB compressed file. This particular dataset contains data from 2008 to 2013.</a:t>
+              <a:t>The resulting bar chart, which is displayed on our Azure App Services-deployed web application, visualizes the NO2 pollution levels. It reveals that Moscow, Luxembourg, and Rome are currently the cities with the highest average NO2.</a:t>
             </a:r>
           </a:p>
           <a:p>
             <a:pPr algn="just"/>
-            <a:endParaRPr lang="en-US" dirty="0"/>
-          </a:p>
-          <a:p>
-            <a:pPr algn="just"/>
             <a:r>
               <a:rPr lang="en-US" dirty="0"/>
-              <a:t>The data comes in the form of .</a:t>
-            </a:r>
-            <a:r>
-              <a:rPr lang="en-US" dirty="0" err="1"/>
-              <a:t>mdf</a:t>
-            </a:r>
-            <a:r>
-              <a:rPr lang="en-US" dirty="0"/>
-              <a:t> files, which are the primary database file types used by SQL Server. This makes it convenient as they can be attached directly to SQL Server without any additional conversion, saving time and simplifying the setup process.</a:t>
-            </a:r>
-          </a:p>
-          <a:p>
-            <a:endParaRPr lang="en-US" dirty="0"/>
-          </a:p>
-          <a:p>
-            <a:r>
-              <a:rPr lang="en-US" dirty="0"/>
-              <a:t>68’’</a:t>
+              <a:t>‘’</a:t>
             </a:r>
             <a:endParaRPr lang="pl-PL" dirty="0"/>
           </a:p>
@@ -6459,7 +6344,7 @@
           <a:p>
             <a:r>
               <a:rPr lang="en-US" dirty="0"/>
-              <a:t>On this slide, I present the crucial step in data preparation: Data Cleaning. The main challenge I faced was the presence of HTML code within the text fields. This code caused problems in export procedures.</a:t>
+              <a:t>As part of my analysis, I've visualized the distribution of various pollutants across Europe, focusing on PM10 concentrations. The heatmap we see here was created using the Python Folium library, which is excellent for geographic data visualization.</a:t>
             </a:r>
           </a:p>
           <a:p>
@@ -6468,7 +6353,7 @@
           <a:p>
             <a:r>
               <a:rPr lang="en-US" dirty="0"/>
-              <a:t>To address this, I implemented a data cleaning process through the creation of database views. These views serve a specific purpose: they remove unnecessary carriage return (\r) and newline (\n) characters from text fields. Additionally, to align with the objective of converting the data into CSV format, I needed to ensure that each text field is properly quoted.</a:t>
+              <a:t>The code snippet above transforms our data, rounding latitude and longitude to one decimal place to consolidate measurements into geographic grid points. Then, it aggregates the data to calculate average PM10 values for these points.</a:t>
             </a:r>
           </a:p>
           <a:p>
@@ -6477,16 +6362,13 @@
           <a:p>
             <a:r>
               <a:rPr lang="en-US" dirty="0"/>
-              <a:t>The SQL script you see performs this transformation seamlessly. By wrapping the text fields with quotes and stripping out unwanted characters, I make the data CSV-ready. This step was not only necessary but also the most efficient route to prepare the text fields for the conversion process.</a:t>
-            </a:r>
-          </a:p>
-          <a:p>
-            <a:endParaRPr lang="en-US" dirty="0"/>
+              <a:t>The result is this compelling heatmap. It highlights the areas with higher pollution levels in a more intense color, offering an immediate visual understanding of pollution distribution, which can be vital for environmental planning and policy-making.</a:t>
+            </a:r>
           </a:p>
           <a:p>
             <a:r>
               <a:rPr lang="en-US" dirty="0"/>
-              <a:t>60’’</a:t>
+              <a:t>41‘’</a:t>
             </a:r>
             <a:endParaRPr lang="pl-PL" dirty="0"/>
           </a:p>
@@ -6586,14 +6468,19 @@
             <p:ph type="body" idx="1"/>
           </p:nvPr>
         </p:nvSpPr>
-        <p:spPr/>
+        <p:spPr>
+          <a:xfrm>
+            <a:off x="685800" y="4400550"/>
+            <a:ext cx="5486400" cy="4103370"/>
+          </a:xfrm>
+        </p:spPr>
         <p:txBody>
           <a:bodyPr/>
           <a:lstStyle/>
           <a:p>
             <a:r>
               <a:rPr lang="en-US" dirty="0"/>
-              <a:t>On this slide, I present the crucial step in data preparation: Data Cleaning. The main challenge I faced was the presence of HTML code within the text fields. This code caused problems in export procedures.</a:t>
+              <a:t>We've now reached the Serving Layer of the modern data platform, where I use the Azure SQL Database. This critical layer is where our processed data becomes readily accessible for querying and visualization.</a:t>
             </a:r>
           </a:p>
           <a:p>
@@ -6602,7 +6489,7 @@
           <a:p>
             <a:r>
               <a:rPr lang="en-US" dirty="0"/>
-              <a:t>To address this, I implemented a data cleaning process through the creation of database views. These views serve a specific purpose: they remove unnecessary carriage return (\r) and newline (\n) characters from text fields. Additionally, to align with the objective of converting the data into CSV format, I needed to ensure that each text field is properly quoted.</a:t>
+              <a:t>The code snippets here demonstrate two key operations:</a:t>
             </a:r>
           </a:p>
           <a:p>
@@ -6611,7 +6498,7 @@
           <a:p>
             <a:r>
               <a:rPr lang="en-US" dirty="0"/>
-              <a:t>The SQL script you see performs this transformation seamlessly. By wrapping the text fields with quotes and stripping out unwanted characters, I make the data CSV-ready. This step was not only necessary but also the most efficient route to prepare the text fields for the conversion process.</a:t>
+              <a:t>First, I establish a secure connection to the Azure SQL Database, utilizing properties, retrieved from the secure Databricks scope .</a:t>
             </a:r>
           </a:p>
           <a:p>
@@ -6620,7 +6507,40 @@
           <a:p>
             <a:r>
               <a:rPr lang="en-US" dirty="0"/>
-              <a:t>60’’</a:t>
+              <a:t>Next, I ensure our tables are cleared for new data with the TRUNCATE TABLE SQL command, preparing the database for updated entries.</a:t>
+            </a:r>
+          </a:p>
+          <a:p>
+            <a:endParaRPr lang="en-US" dirty="0"/>
+          </a:p>
+          <a:p>
+            <a:r>
+              <a:rPr lang="en-US" dirty="0"/>
+              <a:t>Then, we have the data loading process, where Spark writes the transformed and analyzed data into the SQL tables. </a:t>
+            </a:r>
+          </a:p>
+          <a:p>
+            <a:endParaRPr lang="en-US" dirty="0"/>
+          </a:p>
+          <a:p>
+            <a:r>
+              <a:rPr lang="en-US" dirty="0"/>
+              <a:t>On the right, you see the Azure portal's interface, displaying the SQL database with its tables—ready for any applications connected to it.</a:t>
+            </a:r>
+          </a:p>
+          <a:p>
+            <a:endParaRPr lang="en-US" dirty="0"/>
+          </a:p>
+          <a:p>
+            <a:r>
+              <a:rPr lang="en-US" dirty="0"/>
+              <a:t>This setup exemplifies how a cloud database can serve as a robust foundation as a service layer.</a:t>
+            </a:r>
+          </a:p>
+          <a:p>
+            <a:r>
+              <a:rPr lang="en-US" dirty="0"/>
+              <a:t>57‘’</a:t>
             </a:r>
             <a:endParaRPr lang="pl-PL" dirty="0"/>
           </a:p>
@@ -6733,7 +6653,7 @@
           <a:p>
             <a:r>
               <a:rPr lang="en-US" dirty="0"/>
-              <a:t>On this slide, I present the crucial step in data preparation: Data Cleaning. The main challenge I faced was the presence of HTML code within the text fields. This code caused problems in export procedures.</a:t>
+              <a:t>Within the service layer, a crucial element is our Python application, designed to enhance user interaction and insight generation. This application leverages two powerful libraries: Matplotlib and Folium.</a:t>
             </a:r>
           </a:p>
           <a:p>
@@ -6742,7 +6662,7 @@
           <a:p>
             <a:r>
               <a:rPr lang="en-US" dirty="0"/>
-              <a:t>To address this, I implemented a data cleaning process through the creation of database views. These views serve a specific purpose: they remove unnecessary carriage return (\r) and newline (\n) characters from text fields. Additionally, to align with the objective of converting the data into CSV format, I needed to ensure that each text field is properly quoted.</a:t>
+              <a:t>Matplotlib enables us to generate insightful visualizations, such as line plots, bar charts, and scatter plots, directly within our application. </a:t>
             </a:r>
           </a:p>
           <a:p>
@@ -6751,7 +6671,7 @@
           <a:p>
             <a:r>
               <a:rPr lang="en-US" dirty="0"/>
-              <a:t>The SQL script you see performs this transformation seamlessly. By wrapping the text fields with quotes and stripping out unwanted characters, I make the data CSV-ready. This step was not only necessary but also the most efficient route to prepare the text fields for the conversion process.</a:t>
+              <a:t>Additionally, I use the Folium library to create interactive maps, as mentioned previously.</a:t>
             </a:r>
           </a:p>
           <a:p>
@@ -6760,7 +6680,13 @@
           <a:p>
             <a:r>
               <a:rPr lang="en-US" dirty="0"/>
-              <a:t>60’’</a:t>
+              <a:t>Summarizing, besides initiation of the pipeline, the Python application delivers comprehensive insights, combining statistical analysis with visual representation.</a:t>
+            </a:r>
+          </a:p>
+          <a:p>
+            <a:r>
+              <a:rPr lang="en-US" dirty="0"/>
+              <a:t>39’’</a:t>
             </a:r>
             <a:endParaRPr lang="pl-PL" dirty="0"/>
           </a:p>
@@ -6848,43 +6774,95 @@
             <p:ph type="body" idx="1"/>
           </p:nvPr>
         </p:nvSpPr>
-        <p:spPr/>
+        <p:spPr>
+          <a:xfrm>
+            <a:off x="685800" y="4400550"/>
+            <a:ext cx="5486400" cy="4203700"/>
+          </a:xfrm>
+        </p:spPr>
         <p:txBody>
           <a:bodyPr/>
           <a:lstStyle/>
           <a:p>
             <a:pPr algn="just"/>
-            <a:endParaRPr lang="en-US" dirty="0"/>
+            <a:r>
+              <a:rPr lang="en-US" sz="1100" dirty="0"/>
+              <a:t>Concluding the presentation, let's reflect on the key findings and suggestions for improvement.</a:t>
+            </a:r>
           </a:p>
           <a:p>
             <a:pPr algn="just"/>
-            <a:r>
-              <a:rPr lang="en-US" dirty="0"/>
-              <a:t>This slide summarizes the key findings from the analysis. The most significant observation is that the bulk of the time was spent on cleaning the data, which underscores the importance of having clean data for accurate analysis. I noted that Spark was highly efficient in handling Parquet files, though it’s crucial to provide the correct schema upfront to ensure smooth processing.</a:t>
-            </a:r>
+            <a:endParaRPr lang="en-US" sz="1100" dirty="0"/>
           </a:p>
           <a:p>
             <a:pPr algn="just"/>
-            <a:endParaRPr lang="en-US" dirty="0"/>
+            <a:r>
+              <a:rPr lang="en-US" sz="1100" dirty="0"/>
+              <a:t>First, my analysis has revealed that Southern Europe has the most polluted air—a sobering realization that underscores the urgent need for targeted interventions in this region.</a:t>
+            </a:r>
           </a:p>
           <a:p>
             <a:pPr algn="just"/>
-            <a:r>
-              <a:rPr lang="en-US" dirty="0"/>
-              <a:t>Another point of interest is the observation that using regular expressions proved to be quite slow, which suggests the need for more efficient text processing methods in future analyses. Lastly, considering the overall data pipeline performance, deploying a database on Azure SQL Database and connecting it directly to Databricks could offer a more streamlined and faster approach. </a:t>
-            </a:r>
+            <a:endParaRPr lang="en-US" sz="1100" dirty="0"/>
           </a:p>
           <a:p>
             <a:pPr algn="just"/>
-            <a:endParaRPr lang="en-US" dirty="0"/>
+            <a:r>
+              <a:rPr lang="en-US" sz="1100" dirty="0"/>
+              <a:t>Data Processing in Spark was very fast and efficient, enabling me to handle large volumes of data with remarkable speed.</a:t>
+            </a:r>
           </a:p>
           <a:p>
             <a:pPr algn="just"/>
-            <a:r>
-              <a:rPr lang="en-US" dirty="0"/>
-              <a:t>42’’</a:t>
-            </a:r>
-            <a:endParaRPr lang="pl-PL" dirty="0"/>
+            <a:endParaRPr lang="en-US" sz="1100" dirty="0"/>
+          </a:p>
+          <a:p>
+            <a:pPr algn="just"/>
+            <a:r>
+              <a:rPr lang="en-US" sz="1100" dirty="0"/>
+              <a:t>However, it's crucial to note that the analysis was limited to a subset of the available data. A more comprehensive analysis could yield a broader range of insights and potentially uncover hidden patterns and trends.</a:t>
+            </a:r>
+          </a:p>
+          <a:p>
+            <a:pPr algn="just"/>
+            <a:endParaRPr lang="en-US" sz="1100" dirty="0"/>
+          </a:p>
+          <a:p>
+            <a:pPr algn="just"/>
+            <a:r>
+              <a:rPr lang="en-US" sz="1100" dirty="0"/>
+              <a:t>Furthermore, I want to highlight the importance of historical data, which was not analyzed in this study. Comparing our findings with past records could provide valuable context and a deeper understanding.</a:t>
+            </a:r>
+          </a:p>
+          <a:p>
+            <a:pPr algn="just"/>
+            <a:endParaRPr lang="en-US" sz="1100" dirty="0"/>
+          </a:p>
+          <a:p>
+            <a:pPr algn="just"/>
+            <a:r>
+              <a:rPr lang="en-US" sz="1100" dirty="0"/>
+              <a:t>Lastly, I recommend the adoption of specialized tools like Tableau. Such platforms offer advanced features and capabilities that can elevate the analysis.</a:t>
+            </a:r>
+          </a:p>
+          <a:p>
+            <a:pPr algn="just"/>
+            <a:endParaRPr lang="en-US" sz="1100" dirty="0"/>
+          </a:p>
+          <a:p>
+            <a:pPr algn="just"/>
+            <a:r>
+              <a:rPr lang="en-US" sz="1100" dirty="0"/>
+              <a:t>In conclusion, while  my analysis has yielded valuable insights, there remains significant scope for further investigation and improvement. Thank you.</a:t>
+            </a:r>
+          </a:p>
+          <a:p>
+            <a:pPr algn="just"/>
+            <a:r>
+              <a:rPr lang="en-US" sz="1100" dirty="0"/>
+              <a:t>44’’</a:t>
+            </a:r>
+            <a:endParaRPr lang="pl-PL" sz="1100" dirty="0"/>
           </a:p>
         </p:txBody>
       </p:sp>
@@ -6969,51 +6947,45 @@
           <a:bodyPr/>
           <a:lstStyle/>
           <a:p>
-            <a:pPr algn="just"/>
             <a:r>
               <a:rPr lang="en-US" dirty="0"/>
-              <a:t>In this part of the presentation, I'm focusing on the data source that I used for the analysis. I have chosen the Stack Overflow database for a few key reasons:</a:t>
-            </a:r>
-          </a:p>
-          <a:p>
-            <a:pPr algn="just"/>
+              <a:t>Let’s address a serious concern: air pollution. It’s more than just a local environmental issue; it’s a health hazard on a global scale. With data from meteorological stations worldwide, the question is, how do we use it to identify high-risk areas for air quality?</a:t>
+            </a:r>
+          </a:p>
+          <a:p>
             <a:endParaRPr lang="en-US" dirty="0"/>
           </a:p>
           <a:p>
-            <a:pPr algn="just"/>
             <a:r>
               <a:rPr lang="en-US" dirty="0"/>
-              <a:t>Firstly, this database is derived from the public Stack Overflow data export, which is a rich dataset used widely in the tech community for analysis and training. It's not just a  simple dataset; it reflects real-world distributions of numbers, dates, and strings, making it an excellent candidate for realistic data analysis scenarios.</a:t>
-            </a:r>
-          </a:p>
-          <a:p>
-            <a:pPr algn="just"/>
+              <a:t>Key pollutants to monitor include:</a:t>
+            </a:r>
+          </a:p>
+          <a:p>
             <a:endParaRPr lang="en-US" dirty="0"/>
           </a:p>
           <a:p>
-            <a:pPr algn="just"/>
             <a:r>
               <a:rPr lang="en-US" dirty="0"/>
-              <a:t>For my purposes, I've selected the medium option – the 50GB StackOverflow2013 database, which expands from a 10GB compressed file. This particular dataset contains data from 2008 to 2013.</a:t>
-            </a:r>
-          </a:p>
-          <a:p>
-            <a:pPr algn="just"/>
+              <a:t>Particulate matter (PM2.5 and PM10) that invade our respiratory system.</a:t>
+            </a:r>
+          </a:p>
+          <a:p>
             <a:endParaRPr lang="en-US" dirty="0"/>
           </a:p>
           <a:p>
-            <a:pPr algn="just"/>
             <a:r>
               <a:rPr lang="en-US" dirty="0"/>
-              <a:t>The data comes in the form of .</a:t>
-            </a:r>
-            <a:r>
-              <a:rPr lang="en-US" dirty="0" err="1"/>
-              <a:t>mdf</a:t>
-            </a:r>
+              <a:t>Nitrogen and Sulphur oxides (NOx and SO2), the culprits behind smog and acid rain.</a:t>
+            </a:r>
+          </a:p>
+          <a:p>
+            <a:endParaRPr lang="en-US" dirty="0"/>
+          </a:p>
+          <a:p>
             <a:r>
               <a:rPr lang="en-US" dirty="0"/>
-              <a:t> files, which are the primary database file types used by SQL Server. This makes it convenient as they can be attached directly to SQL Server without any additional conversion, saving time and simplifying the setup process.</a:t>
+              <a:t>Carbon monoxide (CO), a deadly gas from incomplete fuel burning.</a:t>
             </a:r>
           </a:p>
           <a:p>
@@ -7022,9 +6994,29 @@
           <a:p>
             <a:r>
               <a:rPr lang="en-US" dirty="0"/>
-              <a:t>68’’</a:t>
-            </a:r>
-            <a:endParaRPr lang="pl-PL" dirty="0"/>
+              <a:t>Ammonia (NH3) from farms and factories, and</a:t>
+            </a:r>
+          </a:p>
+          <a:p>
+            <a:endParaRPr lang="en-US" dirty="0"/>
+          </a:p>
+          <a:p>
+            <a:r>
+              <a:rPr lang="en-US" dirty="0"/>
+              <a:t>Ground-level ozone (O3), formed by sunlight-driven chemical reactions.</a:t>
+            </a:r>
+          </a:p>
+          <a:p>
+            <a:r>
+              <a:rPr lang="en-US" dirty="0"/>
+              <a:t>Recognizing and measuring these pollutants is crucial for our health and environment.</a:t>
+            </a:r>
+          </a:p>
+          <a:p>
+            <a:r>
+              <a:rPr lang="en-US" dirty="0"/>
+              <a:t>51’’</a:t>
+            </a:r>
           </a:p>
         </p:txBody>
       </p:sp>
@@ -7109,62 +7101,64 @@
           <a:bodyPr/>
           <a:lstStyle/>
           <a:p>
-            <a:pPr algn="just"/>
-            <a:r>
-              <a:rPr lang="en-US" dirty="0"/>
-              <a:t>In this part of the presentation, I'm focusing on the data source that I used for the analysis. I have chosen the Stack Overflow database for a few key reasons:</a:t>
-            </a:r>
-          </a:p>
-          <a:p>
-            <a:pPr algn="just"/>
-            <a:endParaRPr lang="en-US" dirty="0"/>
-          </a:p>
-          <a:p>
-            <a:pPr algn="just"/>
-            <a:r>
-              <a:rPr lang="en-US" dirty="0"/>
-              <a:t>Firstly, this database is derived from the public Stack Overflow data export, which is a rich dataset used widely in the tech community for analysis and training. It's not just a  simple dataset; it reflects real-world distributions of numbers, dates, and strings, making it an excellent candidate for realistic data analysis scenarios.</a:t>
-            </a:r>
-          </a:p>
-          <a:p>
-            <a:pPr algn="just"/>
-            <a:endParaRPr lang="en-US" dirty="0"/>
-          </a:p>
-          <a:p>
-            <a:pPr algn="just"/>
-            <a:r>
-              <a:rPr lang="en-US" dirty="0"/>
-              <a:t>For my purposes, I've selected the medium option – the 50GB StackOverflow2013 database, which expands from a 10GB compressed file. This particular dataset contains data from 2008 to 2013.</a:t>
-            </a:r>
-          </a:p>
-          <a:p>
-            <a:pPr algn="just"/>
-            <a:endParaRPr lang="en-US" dirty="0"/>
-          </a:p>
-          <a:p>
-            <a:pPr algn="just"/>
-            <a:r>
-              <a:rPr lang="en-US" dirty="0"/>
-              <a:t>The data comes in the form of .</a:t>
-            </a:r>
-            <a:r>
-              <a:rPr lang="en-US" dirty="0" err="1"/>
-              <a:t>mdf</a:t>
-            </a:r>
-            <a:r>
-              <a:rPr lang="en-US" dirty="0"/>
-              <a:t> files, which are the primary database file types used by SQL Server. This makes it convenient as they can be attached directly to SQL Server without any additional conversion, saving time and simplifying the setup process.</a:t>
-            </a:r>
-          </a:p>
-          <a:p>
-            <a:endParaRPr lang="en-US" dirty="0"/>
-          </a:p>
-          <a:p>
-            <a:r>
-              <a:rPr lang="en-US" dirty="0"/>
-              <a:t>68’’</a:t>
-            </a:r>
-            <a:endParaRPr lang="pl-PL" dirty="0"/>
+            <a:pPr algn="l"/>
+            <a:r>
+              <a:rPr lang="en-US" b="0" i="0" dirty="0">
+                <a:effectLst/>
+                <a:latin typeface="Söhne"/>
+              </a:rPr>
+              <a:t>Moving forward, let's talk about the primary data source for this project: the Open Weather API. This platform provides students, like us, with developer access, offering real-time weather forecasts, historical data, and current conditions through a sleek and efficient interface.</a:t>
+            </a:r>
+          </a:p>
+          <a:p>
+            <a:pPr algn="l"/>
+            <a:endParaRPr lang="en-US" b="0" i="0" dirty="0">
+              <a:effectLst/>
+              <a:latin typeface="Söhne"/>
+            </a:endParaRPr>
+          </a:p>
+          <a:p>
+            <a:pPr algn="l"/>
+            <a:r>
+              <a:rPr lang="en-US" b="0" i="0" dirty="0">
+                <a:effectLst/>
+                <a:latin typeface="Söhne"/>
+              </a:rPr>
+              <a:t>Specifically, I’ve utilized data from two distinct REST API endpoints: one for weather data and the other for pollution data. To give you a practical example, I've pulled live data for Warsaw, Poland—where I'm currently based. Here, you can see current weather conditions alongside pollution levels.</a:t>
+            </a:r>
+          </a:p>
+          <a:p>
+            <a:pPr algn="l"/>
+            <a:endParaRPr lang="en-US" b="0" i="0" dirty="0">
+              <a:effectLst/>
+              <a:latin typeface="Söhne"/>
+            </a:endParaRPr>
+          </a:p>
+          <a:p>
+            <a:pPr algn="l"/>
+            <a:r>
+              <a:rPr lang="en-US" b="0" i="0" dirty="0">
+                <a:effectLst/>
+                <a:latin typeface="Söhne"/>
+              </a:rPr>
+              <a:t>This API is crucial for gathering timely and accurate environmental data, which is the backbone of my analysis. Such detailed information allows us to not only track weather patterns but also monitor air quality in real-time, providing a rich dataset for our study.</a:t>
+            </a:r>
+          </a:p>
+          <a:p>
+            <a:pPr algn="l"/>
+            <a:endParaRPr lang="en-US" dirty="0">
+              <a:latin typeface="Söhne"/>
+            </a:endParaRPr>
+          </a:p>
+          <a:p>
+            <a:pPr algn="l"/>
+            <a:r>
+              <a:rPr lang="en-US" b="0" i="0" dirty="0">
+                <a:effectLst/>
+                <a:latin typeface="Söhne"/>
+              </a:rPr>
+              <a:t>62’’</a:t>
+            </a:r>
           </a:p>
         </p:txBody>
       </p:sp>
@@ -7250,99 +7244,87 @@
           <a:lstStyle/>
           <a:p>
             <a:r>
-              <a:rPr lang="en-US" sz="1100" dirty="0"/>
-              <a:t>The slide shows how the whole project looked like.</a:t>
-            </a:r>
-          </a:p>
-          <a:p>
-            <a:endParaRPr lang="en-US" sz="1100" dirty="0"/>
-          </a:p>
-          <a:p>
-            <a:r>
-              <a:rPr lang="en-US" sz="1100" dirty="0"/>
-              <a:t>I began by downloading the database and establishing a connection to SQL Server, by attaching the downloaded database, laying the groundwork for the subsequent stages.</a:t>
-            </a:r>
-          </a:p>
-          <a:p>
-            <a:endParaRPr lang="en-US" sz="1100" dirty="0"/>
-          </a:p>
-          <a:p>
-            <a:r>
-              <a:rPr lang="en-US" sz="1100" dirty="0"/>
-              <a:t>I then conducted data cleaning, ensuring the data types were correct and identifying any issues. This step was crucial for proper conversion to CSV.</a:t>
-            </a:r>
-          </a:p>
-          <a:p>
-            <a:endParaRPr lang="en-US" sz="1100" dirty="0"/>
-          </a:p>
-          <a:p>
-            <a:r>
-              <a:rPr lang="en-US" sz="1100" dirty="0"/>
-              <a:t>Using BCP from command line, I converted the data into a CSV format.</a:t>
-            </a:r>
-          </a:p>
-          <a:p>
-            <a:endParaRPr lang="en-US" sz="1100" dirty="0"/>
-          </a:p>
-          <a:p>
-            <a:r>
-              <a:rPr lang="en-US" sz="1100" dirty="0"/>
-              <a:t>I compressed the data into </a:t>
-            </a:r>
-            <a:r>
-              <a:rPr lang="en-US" sz="1100" dirty="0" err="1"/>
-              <a:t>gzip</a:t>
-            </a:r>
-            <a:r>
-              <a:rPr lang="en-US" sz="1100" dirty="0"/>
-              <a:t> format to make it smaller, which saves time when sending the data to Databricks.</a:t>
-            </a:r>
-          </a:p>
-          <a:p>
-            <a:endParaRPr lang="en-US" sz="1100" dirty="0"/>
-          </a:p>
-          <a:p>
-            <a:r>
-              <a:rPr lang="en-US" sz="1100" dirty="0"/>
-              <a:t>To streamline the workflow, I set up a Docker container with Databricks CLI, simplifying the transfer of everything to Databricks.</a:t>
-            </a:r>
-          </a:p>
-          <a:p>
-            <a:endParaRPr lang="en-US" sz="1100" dirty="0"/>
-          </a:p>
-          <a:p>
-            <a:r>
-              <a:rPr lang="en-US" sz="1100" dirty="0"/>
-              <a:t>Moving forward, I used Spark to convert the compressed CSV files into the Parquet format.</a:t>
-            </a:r>
-          </a:p>
-          <a:p>
-            <a:endParaRPr lang="en-US" sz="1100" dirty="0"/>
-          </a:p>
-          <a:p>
-            <a:r>
-              <a:rPr lang="en-US" sz="1100" dirty="0"/>
-              <a:t>Finally, using Scala, I analyzed the data, and with Python's Pandas and Matplotlib libraries, I created charts that clearly depict the insights I've gleaned.</a:t>
-            </a:r>
-          </a:p>
-          <a:p>
-            <a:endParaRPr lang="en-US" sz="1100" dirty="0"/>
-          </a:p>
-          <a:p>
-            <a:r>
-              <a:rPr lang="en-US" sz="1100" dirty="0"/>
-              <a:t>Each step was pivotal in transforming the data to successfully complete the project.</a:t>
-            </a:r>
-          </a:p>
-          <a:p>
-            <a:endParaRPr lang="en-US" sz="1100" dirty="0"/>
-          </a:p>
-          <a:p>
-            <a:r>
-              <a:rPr lang="en-US" sz="1100" dirty="0"/>
-              <a:t>80’’</a:t>
-            </a:r>
-            <a:endParaRPr lang="pl-PL" sz="1100" dirty="0"/>
+              <a:rPr lang="en-US" sz="1050" dirty="0"/>
+              <a:t>Let's examine the structured steps I followed using a Modern Data Platform to process and analyze our air quality data. This framework is designed to handle large-scale data efficiently and effectively.</a:t>
+            </a:r>
+          </a:p>
+          <a:p>
+            <a:endParaRPr lang="en-US" sz="1050" dirty="0"/>
+          </a:p>
+          <a:p>
+            <a:r>
+              <a:rPr lang="en-US" sz="1050" dirty="0"/>
+              <a:t>Step 1: Begins with the extraction of data from the API. I created a Python application </a:t>
+            </a:r>
+            <a:r>
+              <a:rPr lang="en-US" sz="1050" dirty="0" err="1"/>
+              <a:t>adn</a:t>
+            </a:r>
+            <a:r>
+              <a:rPr lang="en-US" sz="1050" dirty="0"/>
+              <a:t> deployed it on Azure. Here, I also copy CSV files for subsequent enrichment.</a:t>
+            </a:r>
+          </a:p>
+          <a:p>
+            <a:endParaRPr lang="en-US" sz="1050" dirty="0"/>
+          </a:p>
+          <a:p>
+            <a:r>
+              <a:rPr lang="en-US" sz="1050" dirty="0"/>
+              <a:t>Step 2: Involves streaming this data through a Kafka producer, in fact connecting with Azure Event Hubs.</a:t>
+            </a:r>
+          </a:p>
+          <a:p>
+            <a:endParaRPr lang="en-US" sz="1050" dirty="0"/>
+          </a:p>
+          <a:p>
+            <a:r>
+              <a:rPr lang="en-US" sz="1050" dirty="0"/>
+              <a:t>Step 3: The streamed data is then saved to a Delta table. the CSV files are stored to the Databricks File System.</a:t>
+            </a:r>
+          </a:p>
+          <a:p>
+            <a:endParaRPr lang="en-US" sz="1050" dirty="0"/>
+          </a:p>
+          <a:p>
+            <a:r>
+              <a:rPr lang="en-US" sz="1050" dirty="0"/>
+              <a:t>Step 4: Utilizing Apache Spark, the data is converted to adhere to proper schemas, and a cleaning process is performed to ensure the quality of our data.</a:t>
+            </a:r>
+          </a:p>
+          <a:p>
+            <a:endParaRPr lang="en-US" sz="1050" dirty="0"/>
+          </a:p>
+          <a:p>
+            <a:r>
+              <a:rPr lang="en-US" sz="1050" dirty="0"/>
+              <a:t>Step 5: The cleaned data undergoes a series of analytical processes in Spark — this includes sorting, aggregating, and determining coefficients that are vital for our study.</a:t>
+            </a:r>
+          </a:p>
+          <a:p>
+            <a:endParaRPr lang="en-US" sz="1050" dirty="0"/>
+          </a:p>
+          <a:p>
+            <a:r>
+              <a:rPr lang="en-US" sz="1050" dirty="0"/>
+              <a:t>Step 6: Finally, the processed data is stored in an Azure SQL Database. The results are then displayed using visualizations and maps in an Azure App Service  application (the same that extracts and sends data), enabling us to interact with the data and extract meaningful insights.</a:t>
+            </a:r>
+          </a:p>
+          <a:p>
+            <a:endParaRPr lang="en-US" sz="1050" dirty="0"/>
+          </a:p>
+          <a:p>
+            <a:r>
+              <a:rPr lang="en-US" sz="1050" dirty="0"/>
+              <a:t>This six-step process represents the pipeline of transforming raw data into actionable knowledge, ensuring that every stage adds value and brings us closer to understanding air pollution patterns in Europe.</a:t>
+            </a:r>
+          </a:p>
+          <a:p>
+            <a:r>
+              <a:rPr lang="en-US" sz="1050" dirty="0"/>
+              <a:t>81</a:t>
+            </a:r>
+            <a:endParaRPr lang="pl-PL" sz="1050" dirty="0"/>
           </a:p>
         </p:txBody>
       </p:sp>
@@ -7430,7 +7412,7 @@
             <a:pPr algn="just"/>
             <a:r>
               <a:rPr lang="en-US" dirty="0"/>
-              <a:t>In this slide, I'm detailing the efficient process of exporting data from SQL Server to CSV and then compressing it for optimal transfer speed.</a:t>
+              <a:t>In the 'Ingest' phase of the data platform, I initiate the collection and integration of data necessary for my air pollution analysis. The process unfolds as follows:</a:t>
             </a:r>
           </a:p>
           <a:p>
@@ -7441,7 +7423,7 @@
             <a:pPr algn="just"/>
             <a:r>
               <a:rPr lang="en-US" dirty="0"/>
-              <a:t>I start by using BCP, which stands for Bulk Copy Program, a tool provided by SQL Server. It's the fastest method available to perform large-scale data exports to CSV format, ensuring speed and efficiency. I specify the view names that form the collection of data I wish to export, and then I initiate a loop to process each view individually.</a:t>
+              <a:t>A Python Flask application has been deployed on Azure, serving as the backbone of our data collection mechanism.</a:t>
             </a:r>
           </a:p>
           <a:p>
@@ -7452,31 +7434,7 @@
             <a:pPr algn="just"/>
             <a:r>
               <a:rPr lang="en-US" dirty="0"/>
-              <a:t>Once the CSV files are generated, I use 7-Zip to compress them into </a:t>
-            </a:r>
-            <a:r>
-              <a:rPr lang="en-US" dirty="0" err="1"/>
-              <a:t>gzip</a:t>
-            </a:r>
-            <a:r>
-              <a:rPr lang="en-US" dirty="0"/>
-              <a:t> format. One of the key advantages of </a:t>
-            </a:r>
-            <a:r>
-              <a:rPr lang="en-US" dirty="0" err="1"/>
-              <a:t>gzip</a:t>
-            </a:r>
-            <a:r>
-              <a:rPr lang="en-US" dirty="0"/>
-              <a:t> is its compatibility with Databricks' file system. It can read </a:t>
-            </a:r>
-            <a:r>
-              <a:rPr lang="en-US" dirty="0" err="1"/>
-              <a:t>gzip</a:t>
-            </a:r>
-            <a:r>
-              <a:rPr lang="en-US" dirty="0"/>
-              <a:t> files directly, which means there's no need to decompress them on the platform, saving valuable processing time and simplifying the data pipeline.</a:t>
+              <a:t>This application is scheduled to regularly fetch data from the Open Weather API, sweeping through the geographical coordinates of Europe to collect a comprehensive dataset.</a:t>
             </a:r>
           </a:p>
           <a:p>
@@ -7487,7 +7445,23 @@
             <a:pPr algn="just"/>
             <a:r>
               <a:rPr lang="en-US" dirty="0"/>
-              <a:t>The bottom part of the slide shows the actual script that orchestrates this entire process: from setting environment variables for BCP to executing the compression commands and cleaning up interim files. This script is the backbone of the procedure, handling everything from data extraction to final file compression, ready for sending to Databricks.</a:t>
+              <a:t>Additionally, CSV files containing the coordinates of capital cities and the ISO country codes are downloaded from the Internet. These files are needed to </a:t>
+            </a:r>
+            <a:r>
+              <a:rPr lang="en-US" dirty="0" err="1"/>
+              <a:t>diplay</a:t>
+            </a:r>
+            <a:r>
+              <a:rPr lang="en-US" dirty="0"/>
+              <a:t> the </a:t>
+            </a:r>
+            <a:r>
+              <a:rPr lang="en-US" dirty="0" err="1"/>
+              <a:t>meaningfull</a:t>
+            </a:r>
+            <a:r>
+              <a:rPr lang="en-US" dirty="0"/>
+              <a:t> names.</a:t>
             </a:r>
           </a:p>
           <a:p>
@@ -7498,7 +7472,14 @@
             <a:pPr algn="just"/>
             <a:r>
               <a:rPr lang="en-US" dirty="0"/>
-              <a:t>67’’</a:t>
+              <a:t>These collected datasets are then prepared for the streaming phase. </a:t>
+            </a:r>
+          </a:p>
+          <a:p>
+            <a:pPr algn="just"/>
+            <a:r>
+              <a:rPr lang="en-US" dirty="0"/>
+              <a:t>45’’</a:t>
             </a:r>
             <a:endParaRPr lang="pl-PL" dirty="0"/>
           </a:p>
@@ -7677,26 +7658,14 @@
             <a:pPr algn="just"/>
             <a:r>
               <a:rPr lang="en-US" sz="1000" dirty="0"/>
-              <a:t>The result, which you can see on the right, is the list of files successfully copied to Databricks. These are the </a:t>
-            </a:r>
-            <a:r>
-              <a:rPr lang="en-US" sz="1000" dirty="0" err="1"/>
-              <a:t>gzipped</a:t>
-            </a:r>
+              <a:t>The result, which you can see on the right, is the list of files successfully copied to Databricks. </a:t>
+            </a:r>
+          </a:p>
+          <a:p>
+            <a:pPr algn="just"/>
             <a:r>
               <a:rPr lang="en-US" sz="1000" dirty="0"/>
-              <a:t> CSV files now stored in the Databricks file system, ready to be used for further conversion and data analysis.</a:t>
-            </a:r>
-          </a:p>
-          <a:p>
-            <a:pPr algn="just"/>
-            <a:endParaRPr lang="en-US" sz="1000" dirty="0"/>
-          </a:p>
-          <a:p>
-            <a:pPr algn="just"/>
-            <a:r>
-              <a:rPr lang="en-US" sz="1000" dirty="0"/>
-              <a:t>84’’</a:t>
+              <a:t>80’’</a:t>
             </a:r>
             <a:endParaRPr lang="pl-PL" sz="1000" dirty="0"/>
           </a:p>
@@ -7810,7 +7779,7 @@
             <a:pPr algn="just"/>
             <a:r>
               <a:rPr lang="en-US" dirty="0"/>
-              <a:t>In this slide, I'm detailing the efficient process of exporting data from SQL Server to CSV and then compressing it for optimal transfer speed.</a:t>
+              <a:t>In the streaming stage, I handle the real-time flow of data. The core components of this stage are:</a:t>
             </a:r>
           </a:p>
           <a:p>
@@ -7821,7 +7790,14 @@
             <a:pPr algn="just"/>
             <a:r>
               <a:rPr lang="en-US" dirty="0"/>
-              <a:t>I start by using BCP, which stands for Bulk Copy Program, a tool provided by SQL Server. It's the fastest method available to perform large-scale data exports to CSV format, ensuring speed and efficiency. I specify the view names that form the collection of data I wish to export, and then I initiate a loop to process each view individually.</a:t>
+              <a:t>A Kafka producer, which is a Python application I wrote, using proper libraries. It's responsible for sending the raw data at regular intervals to Azure Event Hubs.</a:t>
+            </a:r>
+          </a:p>
+          <a:p>
+            <a:pPr algn="just"/>
+            <a:r>
+              <a:rPr lang="en-US" dirty="0"/>
+              <a:t>To manage this process, I've set up a scheduler and the application's simple logging system, all of which run on the same Azure Flask application.</a:t>
             </a:r>
           </a:p>
           <a:p>
@@ -7832,31 +7808,7 @@
             <a:pPr algn="just"/>
             <a:r>
               <a:rPr lang="en-US" dirty="0"/>
-              <a:t>Once the CSV files are generated, I use 7-Zip to compress them into </a:t>
-            </a:r>
-            <a:r>
-              <a:rPr lang="en-US" dirty="0" err="1"/>
-              <a:t>gzip</a:t>
-            </a:r>
-            <a:r>
-              <a:rPr lang="en-US" dirty="0"/>
-              <a:t> format. One of the key advantages of </a:t>
-            </a:r>
-            <a:r>
-              <a:rPr lang="en-US" dirty="0" err="1"/>
-              <a:t>gzip</a:t>
-            </a:r>
-            <a:r>
-              <a:rPr lang="en-US" dirty="0"/>
-              <a:t> is its compatibility with Databricks' file system. It can read </a:t>
-            </a:r>
-            <a:r>
-              <a:rPr lang="en-US" dirty="0" err="1"/>
-              <a:t>gzip</a:t>
-            </a:r>
-            <a:r>
-              <a:rPr lang="en-US" dirty="0"/>
-              <a:t> files directly, which means there's no need to decompress them on the platform, saving valuable processing time and simplifying the data pipeline.</a:t>
+              <a:t>The logs on display here show the Kafka producer in action, indicating the timestamps and counts of messages sent. It demonstrates the system's continuous operation.</a:t>
             </a:r>
           </a:p>
           <a:p>
@@ -7867,18 +7819,21 @@
             <a:pPr algn="just"/>
             <a:r>
               <a:rPr lang="en-US" dirty="0"/>
-              <a:t>The bottom part of the slide shows the actual script that orchestrates this entire process: from setting environment variables for BCP to executing the compression commands and cleaning up interim files. This script is the backbone of the procedure, handling everything from data extraction to final file compression, ready for sending to Databricks.</a:t>
+              <a:t>The second critical component is a Kafka consumer, which I've implemented on Azure Databricks. This consumer processes the incoming data stream, making it ready for analysis and storage.</a:t>
             </a:r>
           </a:p>
           <a:p>
             <a:pPr algn="just"/>
-            <a:endParaRPr lang="en-US" dirty="0"/>
+            <a:r>
+              <a:rPr lang="en-US" dirty="0"/>
+              <a:t>This slide provides the configuration code for the Kafka consumer, illustrating how we connect and configure the data consumer within the architecture.</a:t>
+            </a:r>
           </a:p>
           <a:p>
             <a:pPr algn="just"/>
             <a:r>
               <a:rPr lang="en-US" dirty="0"/>
-              <a:t>67’’</a:t>
+              <a:t>54’’</a:t>
             </a:r>
             <a:endParaRPr lang="pl-PL" dirty="0"/>
           </a:p>
@@ -7992,7 +7947,7 @@
             <a:pPr algn="just"/>
             <a:r>
               <a:rPr lang="en-US" dirty="0"/>
-              <a:t>In this slide, I'm detailing the efficient process of exporting data from SQL Server to CSV and then compressing it for optimal transfer speed.</a:t>
+              <a:t>Continuing with the streaming stage, let’s focus on how the data is handled within Spark. The two main tasks at this point are:</a:t>
             </a:r>
           </a:p>
           <a:p>
@@ -8003,7 +7958,7 @@
             <a:pPr algn="just"/>
             <a:r>
               <a:rPr lang="en-US" dirty="0"/>
-              <a:t>I start by using BCP, which stands for Bulk Copy Program, a tool provided by SQL Server. It's the fastest method available to perform large-scale data exports to CSV format, ensuring speed and efficiency. I specify the view names that form the collection of data I wish to export, and then I initiate a loop to process each view individually.</a:t>
+              <a:t>Reading the stream from the beginning, ensuring no data is missed and that we have the full picture of the air quality over time.</a:t>
             </a:r>
           </a:p>
           <a:p>
@@ -8014,31 +7969,7 @@
             <a:pPr algn="just"/>
             <a:r>
               <a:rPr lang="en-US" dirty="0"/>
-              <a:t>Once the CSV files are generated, I use 7-Zip to compress them into </a:t>
-            </a:r>
-            <a:r>
-              <a:rPr lang="en-US" dirty="0" err="1"/>
-              <a:t>gzip</a:t>
-            </a:r>
-            <a:r>
-              <a:rPr lang="en-US" dirty="0"/>
-              <a:t> format. One of the key advantages of </a:t>
-            </a:r>
-            <a:r>
-              <a:rPr lang="en-US" dirty="0" err="1"/>
-              <a:t>gzip</a:t>
-            </a:r>
-            <a:r>
-              <a:rPr lang="en-US" dirty="0"/>
-              <a:t> is its compatibility with Databricks' file system. It can read </a:t>
-            </a:r>
-            <a:r>
-              <a:rPr lang="en-US" dirty="0" err="1"/>
-              <a:t>gzip</a:t>
-            </a:r>
-            <a:r>
-              <a:rPr lang="en-US" dirty="0"/>
-              <a:t> files directly, which means there's no need to decompress them on the platform, saving valuable processing time and simplifying the data pipeline.</a:t>
+              <a:t>Converting the key and value in the Kafka stream to strings to standardize the data format for subsequent processing.</a:t>
             </a:r>
           </a:p>
           <a:p>
@@ -8049,7 +7980,7 @@
             <a:pPr algn="just"/>
             <a:r>
               <a:rPr lang="en-US" dirty="0"/>
-              <a:t>The bottom part of the slide shows the actual script that orchestrates this entire process: from setting environment variables for BCP to executing the compression commands and cleaning up interim files. This script is the backbone of the procedure, handling everything from data extraction to final file compression, ready for sending to Databricks.</a:t>
+              <a:t>On this slide, you see a snippet of the actual code used in the streaming process. </a:t>
             </a:r>
           </a:p>
           <a:p>
@@ -8060,7 +7991,22 @@
             <a:pPr algn="just"/>
             <a:r>
               <a:rPr lang="en-US" dirty="0"/>
-              <a:t>67’’</a:t>
+              <a:t>It sets the options for the Kafka stream, including the servers, security protocol, and subscription details. The '</a:t>
+            </a:r>
+            <a:r>
+              <a:rPr lang="en-US" dirty="0" err="1"/>
+              <a:t>startingOffsets</a:t>
+            </a:r>
+            <a:r>
+              <a:rPr lang="en-US" dirty="0"/>
+              <a:t>' is set to 'earliest', which tells Spark to begin processing records from the earliest available in Kafka.</a:t>
+            </a:r>
+          </a:p>
+          <a:p>
+            <a:pPr algn="just"/>
+            <a:r>
+              <a:rPr lang="en-US" dirty="0"/>
+              <a:t>44’’</a:t>
             </a:r>
             <a:endParaRPr lang="pl-PL" dirty="0"/>
           </a:p>
@@ -8174,7 +8120,7 @@
             <a:pPr algn="just"/>
             <a:r>
               <a:rPr lang="en-US" dirty="0"/>
-              <a:t>In this slide, I'm detailing the efficient process of exporting data from SQL Server to CSV and then compressing it for optimal transfer speed.</a:t>
+              <a:t>Now, we arrive at the 'Processing' phase, where defining precise schemas for the  data is essential. </a:t>
             </a:r>
           </a:p>
           <a:p>
@@ -8185,7 +8131,7 @@
             <a:pPr algn="just"/>
             <a:r>
               <a:rPr lang="en-US" dirty="0"/>
-              <a:t>I start by using BCP, which stands for Bulk Copy Program, a tool provided by SQL Server. It's the fastest method available to perform large-scale data exports to CSV format, ensuring speed and efficiency. I specify the view names that form the collection of data I wish to export, and then I initiate a loop to process each view individually.</a:t>
+              <a:t>Schemas are blueprints that describe the structure of the data we expect in the system. They enable Spark to parse and process data in a consistent and optimized manner.</a:t>
             </a:r>
           </a:p>
           <a:p>
@@ -8194,33 +8140,13 @@
           </a:p>
           <a:p>
             <a:pPr algn="just"/>
+            <a:endParaRPr lang="en-US" dirty="0"/>
+          </a:p>
+          <a:p>
+            <a:pPr algn="just"/>
             <a:r>
               <a:rPr lang="en-US" dirty="0"/>
-              <a:t>Once the CSV files are generated, I use 7-Zip to compress them into </a:t>
-            </a:r>
-            <a:r>
-              <a:rPr lang="en-US" dirty="0" err="1"/>
-              <a:t>gzip</a:t>
-            </a:r>
-            <a:r>
-              <a:rPr lang="en-US" dirty="0"/>
-              <a:t> format. One of the key advantages of </a:t>
-            </a:r>
-            <a:r>
-              <a:rPr lang="en-US" dirty="0" err="1"/>
-              <a:t>gzip</a:t>
-            </a:r>
-            <a:r>
-              <a:rPr lang="en-US" dirty="0"/>
-              <a:t> is its compatibility with Databricks' file system. It can read </a:t>
-            </a:r>
-            <a:r>
-              <a:rPr lang="en-US" dirty="0" err="1"/>
-              <a:t>gzip</a:t>
-            </a:r>
-            <a:r>
-              <a:rPr lang="en-US" dirty="0"/>
-              <a:t> files directly, which means there's no need to decompress them on the platform, saving valuable processing time and simplifying the data pipeline.</a:t>
+              <a:t>It's important to note that the schema shown is not complete due to its length, but it gives an insight into how I prepared my data for reliable analysis.</a:t>
             </a:r>
           </a:p>
           <a:p>
@@ -8231,18 +8157,7 @@
             <a:pPr algn="just"/>
             <a:r>
               <a:rPr lang="en-US" dirty="0"/>
-              <a:t>The bottom part of the slide shows the actual script that orchestrates this entire process: from setting environment variables for BCP to executing the compression commands and cleaning up interim files. This script is the backbone of the procedure, handling everything from data extraction to final file compression, ready for sending to Databricks.</a:t>
-            </a:r>
-          </a:p>
-          <a:p>
-            <a:pPr algn="just"/>
-            <a:endParaRPr lang="en-US" dirty="0"/>
-          </a:p>
-          <a:p>
-            <a:pPr algn="just"/>
-            <a:r>
-              <a:rPr lang="en-US" dirty="0"/>
-              <a:t>67’’</a:t>
+              <a:t>28’’</a:t>
             </a:r>
             <a:endParaRPr lang="pl-PL" dirty="0"/>
           </a:p>
@@ -14516,11 +14431,6 @@
               </a:rPr>
               <a:t>The use of a Modern Data Platform has revealed that the most polluted air is in Southern Europe.</a:t>
             </a:r>
-            <a:endParaRPr lang="pl-PL" sz="1600" dirty="0">
-              <a:solidFill>
-                <a:schemeClr val="tx1"/>
-              </a:solidFill>
-            </a:endParaRPr>
           </a:p>
           <a:p>
             <a:pPr marL="342900" indent="-342900" rtl="0">
@@ -14536,7 +14446,7 @@
                   <a:schemeClr val="tx1"/>
                 </a:solidFill>
               </a:rPr>
-              <a:t>The analyses conducted were limited to only a portion of the processed data, so the results could be more diverse and interesting.</a:t>
+              <a:t>Data Processing in Spark was very fast and efficient.</a:t>
             </a:r>
             <a:endParaRPr lang="pl-PL" sz="1600" dirty="0">
               <a:solidFill>
@@ -14558,8 +14468,13 @@
                   <a:schemeClr val="tx1"/>
                 </a:solidFill>
               </a:rPr>
-              <a:t>More information would be provided by comparing current data with historical data.</a:t>
-            </a:r>
+              <a:t>The analyses conducted were limited to only a portion of the processed data, so the results could be more diverse and interesting.</a:t>
+            </a:r>
+            <a:endParaRPr lang="pl-PL" sz="1600" dirty="0">
+              <a:solidFill>
+                <a:schemeClr val="tx1"/>
+              </a:solidFill>
+            </a:endParaRPr>
           </a:p>
           <a:p>
             <a:pPr marL="342900" indent="-342900" rtl="0">
@@ -14575,7 +14490,24 @@
                   <a:schemeClr val="tx1"/>
                 </a:solidFill>
               </a:rPr>
-              <a:t>The presentation may look more professional with the use of specialized tools like Tableau.</a:t>
+              <a:t>More information would be provided by comparing current data with historical data.</a:t>
+            </a:r>
+          </a:p>
+          <a:p>
+            <a:pPr marL="342900" indent="-342900" rtl="0">
+              <a:spcAft>
+                <a:spcPts val="1200"/>
+              </a:spcAft>
+              <a:buFont typeface="+mj-lt"/>
+              <a:buAutoNum type="arabicPeriod"/>
+            </a:pPr>
+            <a:r>
+              <a:rPr lang="en-US" sz="1600" dirty="0">
+                <a:solidFill>
+                  <a:schemeClr val="tx1"/>
+                </a:solidFill>
+              </a:rPr>
+              <a:t>Specialized tools like Tableau can elevate the analysis.</a:t>
             </a:r>
             <a:endParaRPr lang="pl-PL" sz="1600" dirty="0">
               <a:solidFill>
@@ -19335,6 +19267,15 @@
 </file>
 
 <file path=customXml/item1.xml><?xml version="1.0" encoding="utf-8"?>
+<?mso-contentType ?>
+<FormTemplates xmlns="http://schemas.microsoft.com/sharepoint/v3/contenttype/forms">
+  <Display>DocumentLibraryForm</Display>
+  <Edit>DocumentLibraryForm</Edit>
+  <New>DocumentLibraryForm</New>
+</FormTemplates>
+</file>
+
+<file path=customXml/item2.xml><?xml version="1.0" encoding="utf-8"?>
 <ct:contentTypeSchema xmlns:ct="http://schemas.microsoft.com/office/2006/metadata/contentType" xmlns:ma="http://schemas.microsoft.com/office/2006/metadata/properties/metaAttributes" ct:_="" ma:_="" ma:contentTypeName="Document" ma:contentTypeID="0x01010079F111ED35F8CC479449609E8A0923A6" ma:contentTypeVersion="20" ma:contentTypeDescription="Create a new document." ma:contentTypeScope="" ma:versionID="1267097ee5f5874adfcc408041ae252e">
   <xsd:schema xmlns:xsd="http://www.w3.org/2001/XMLSchema" xmlns:xs="http://www.w3.org/2001/XMLSchema" xmlns:p="http://schemas.microsoft.com/office/2006/metadata/properties" xmlns:ns1="http://schemas.microsoft.com/sharepoint/v3" xmlns:ns2="71af3243-3dd4-4a8d-8c0d-dd76da1f02a5" xmlns:ns3="16c05727-aa75-4e4a-9b5f-8a80a1165891" xmlns:ns4="230e9df3-be65-4c73-a93b-d1236ebd677e" targetNamespace="http://schemas.microsoft.com/office/2006/metadata/properties" ma:root="true" ma:fieldsID="395891a93df65b14727750f2c06c306c" ns1:_="" ns2:_="" ns3:_="" ns4:_="">
     <xsd:import namespace="http://schemas.microsoft.com/sharepoint/v3"/>
@@ -19610,15 +19551,6 @@
 </ct:contentTypeSchema>
 </file>
 
-<file path=customXml/item2.xml><?xml version="1.0" encoding="utf-8"?>
-<?mso-contentType ?>
-<FormTemplates xmlns="http://schemas.microsoft.com/sharepoint/v3/contenttype/forms">
-  <Display>DocumentLibraryForm</Display>
-  <Edit>DocumentLibraryForm</Edit>
-  <New>DocumentLibraryForm</New>
-</FormTemplates>
-</file>
-
 <file path=customXml/item3.xml><?xml version="1.0" encoding="utf-8"?>
 <p:properties xmlns:p="http://schemas.microsoft.com/office/2006/metadata/properties" xmlns:xsi="http://www.w3.org/2001/XMLSchema-instance" xmlns:pc="http://schemas.microsoft.com/office/infopath/2007/PartnerControls">
   <documentManagement>
@@ -19639,6 +19571,14 @@
 </file>
 
 <file path=customXml/itemProps1.xml><?xml version="1.0" encoding="utf-8"?>
+<ds:datastoreItem xmlns:ds="http://schemas.openxmlformats.org/officeDocument/2006/customXml" ds:itemID="{77DD0DBF-30B2-4FC6-A5E7-8374DC718037}">
+  <ds:schemaRefs>
+    <ds:schemaRef ds:uri="http://schemas.microsoft.com/sharepoint/v3/contenttype/forms"/>
+  </ds:schemaRefs>
+</ds:datastoreItem>
+</file>
+
+<file path=customXml/itemProps2.xml><?xml version="1.0" encoding="utf-8"?>
 <ds:datastoreItem xmlns:ds="http://schemas.openxmlformats.org/officeDocument/2006/customXml" ds:itemID="{B2A44EB6-3BD3-4FF9-B8D1-D973C54C3ED7}">
   <ds:schemaRefs>
     <ds:schemaRef ds:uri="http://schemas.microsoft.com/office/2006/metadata/contentType"/>
@@ -19655,14 +19595,6 @@
     <ds:schemaRef ds:uri="http://purl.org/dc/elements/1.1/"/>
     <ds:schemaRef ds:uri="http://purl.org/dc/terms/"/>
     <ds:schemaRef ds:uri="http://schemas.microsoft.com/internal/obd"/>
-  </ds:schemaRefs>
-</ds:datastoreItem>
-</file>
-
-<file path=customXml/itemProps2.xml><?xml version="1.0" encoding="utf-8"?>
-<ds:datastoreItem xmlns:ds="http://schemas.openxmlformats.org/officeDocument/2006/customXml" ds:itemID="{77DD0DBF-30B2-4FC6-A5E7-8374DC718037}">
-  <ds:schemaRefs>
-    <ds:schemaRef ds:uri="http://schemas.microsoft.com/sharepoint/v3/contenttype/forms"/>
   </ds:schemaRefs>
 </ds:datastoreItem>
 </file>
